--- a/docs/MaslovIvan-first-prethesis.pptx
+++ b/docs/MaslovIvan-first-prethesis.pptx
@@ -6,22 +6,26 @@
     <p:sldMasterId id="2147483698" r:id="rId2"/>
   </p:sldMasterIdLst>
   <p:notesMasterIdLst>
-    <p:notesMasterId r:id="rId13"/>
+    <p:notesMasterId r:id="rId17"/>
   </p:notesMasterIdLst>
   <p:handoutMasterIdLst>
-    <p:handoutMasterId r:id="rId14"/>
+    <p:handoutMasterId r:id="rId18"/>
   </p:handoutMasterIdLst>
   <p:sldIdLst>
     <p:sldId id="265" r:id="rId3"/>
-    <p:sldId id="270" r:id="rId4"/>
-    <p:sldId id="271" r:id="rId5"/>
-    <p:sldId id="274" r:id="rId6"/>
-    <p:sldId id="275" r:id="rId7"/>
+    <p:sldId id="271" r:id="rId4"/>
+    <p:sldId id="280" r:id="rId5"/>
+    <p:sldId id="279" r:id="rId6"/>
+    <p:sldId id="270" r:id="rId7"/>
     <p:sldId id="276" r:id="rId8"/>
     <p:sldId id="278" r:id="rId9"/>
-    <p:sldId id="277" r:id="rId10"/>
-    <p:sldId id="268" r:id="rId11"/>
-    <p:sldId id="263" r:id="rId12"/>
+    <p:sldId id="275" r:id="rId10"/>
+    <p:sldId id="282" r:id="rId11"/>
+    <p:sldId id="268" r:id="rId12"/>
+    <p:sldId id="277" r:id="rId13"/>
+    <p:sldId id="281" r:id="rId14"/>
+    <p:sldId id="283" r:id="rId15"/>
+    <p:sldId id="263" r:id="rId16"/>
   </p:sldIdLst>
   <p:sldSz cx="9144000" cy="5143500" type="screen16x9"/>
   <p:notesSz cx="6858000" cy="9144000"/>
@@ -222,7 +226,7 @@
             <a:fld id="{19412975-4CFD-C441-A244-B7FD9A9579C2}" type="datetimeFigureOut">
               <a:rPr lang="en-US" smtClean="0"/>
               <a:pPr/>
-              <a:t>4/20/2022</a:t>
+              <a:t>4/21/2022</a:t>
             </a:fld>
             <a:endParaRPr lang="en-US"/>
           </a:p>
@@ -390,7 +394,7 @@
             <a:fld id="{6DAFD1C8-470D-774F-8B40-381C3059BD4A}" type="datetimeFigureOut">
               <a:rPr lang="en-US" smtClean="0"/>
               <a:pPr/>
-              <a:t>4/20/2022</a:t>
+              <a:t>4/21/2022</a:t>
             </a:fld>
             <a:endParaRPr lang="en-US"/>
           </a:p>
@@ -4762,21 +4766,21 @@
         </p:nvSpPr>
         <p:spPr>
           <a:xfrm>
-            <a:off x="1371600" y="2777775"/>
+            <a:off x="1371600" y="2218875"/>
             <a:ext cx="6400800" cy="705749"/>
           </a:xfrm>
         </p:spPr>
         <p:txBody>
           <a:bodyPr>
-            <a:normAutofit fontScale="90000"/>
+            <a:noAutofit/>
           </a:bodyPr>
           <a:lstStyle/>
           <a:p>
             <a:r>
-              <a:rPr lang="ru-RU" sz="4000" dirty="0"/>
+              <a:rPr lang="ru-RU" dirty="0"/>
               <a:t>Представление нейронных сетей в задачах автоматического машинного обучения</a:t>
             </a:r>
-            <a:endParaRPr lang="en-US" sz="4000" dirty="0"/>
+            <a:endParaRPr lang="en-US" dirty="0"/>
           </a:p>
         </p:txBody>
       </p:sp>
@@ -4790,42 +4794,49 @@
             <p:ph type="body" sz="quarter" idx="10"/>
           </p:nvPr>
         </p:nvSpPr>
-        <p:spPr/>
+        <p:spPr>
+          <a:xfrm>
+            <a:off x="1371600" y="3219611"/>
+            <a:ext cx="6400800" cy="1111952"/>
+          </a:xfrm>
+        </p:spPr>
         <p:txBody>
           <a:bodyPr>
-            <a:normAutofit fontScale="70000" lnSpcReduction="20000"/>
+            <a:normAutofit fontScale="92500" lnSpcReduction="20000"/>
           </a:bodyPr>
           <a:lstStyle/>
           <a:p>
             <a:r>
               <a:rPr lang="ru-RU" sz="2000" dirty="0"/>
-              <a:t>Маслов Иван, М34381</a:t>
-            </a:r>
-            <a:endParaRPr lang="nl-NL" sz="2000" dirty="0"/>
-          </a:p>
-          <a:p>
-            <a:r>
-              <a:rPr lang="en-US" dirty="0">
-                <a:hlinkClick r:id="rId3"/>
-              </a:rPr>
-              <a:t>maslov.ivan.2000</a:t>
-            </a:r>
-            <a:r>
-              <a:rPr lang="nl-NL" dirty="0">
-                <a:hlinkClick r:id="rId3"/>
-              </a:rPr>
-              <a:t>@</a:t>
-            </a:r>
-            <a:r>
-              <a:rPr lang="en-US" dirty="0">
-                <a:hlinkClick r:id="rId3"/>
-              </a:rPr>
-              <a:t>gmail.com</a:t>
-            </a:r>
-            <a:endParaRPr lang="ru-RU" dirty="0"/>
-          </a:p>
-          <a:p>
-            <a:endParaRPr lang="en-US" dirty="0"/>
+              <a:t>Маслов Иван </a:t>
+            </a:r>
+            <a:r>
+              <a:rPr lang="en-US" sz="2000" dirty="0"/>
+              <a:t>// M34381</a:t>
+            </a:r>
+            <a:br>
+              <a:rPr lang="ru-RU" sz="2000" dirty="0"/>
+            </a:br>
+            <a:r>
+              <a:rPr lang="ru-RU" sz="2000" dirty="0"/>
+              <a:t>Научный руководитель: Фильченков А. А., к. ф.-м. н., доцент </a:t>
+            </a:r>
+            <a:r>
+              <a:rPr lang="ru-RU" sz="2000" dirty="0" err="1"/>
+              <a:t>ФИТиП</a:t>
+            </a:r>
+            <a:r>
+              <a:rPr lang="ru-RU" sz="2000" dirty="0"/>
+              <a:t>, Университет ИТМО</a:t>
+            </a:r>
+            <a:br>
+              <a:rPr lang="ru-RU" sz="2000" dirty="0"/>
+            </a:br>
+            <a:r>
+              <a:rPr lang="ru-RU" sz="2000" dirty="0"/>
+              <a:t>Научный консультант: Ефимова В. А.</a:t>
+            </a:r>
+            <a:endParaRPr lang="en-US" sz="2000" dirty="0"/>
           </a:p>
         </p:txBody>
       </p:sp>
@@ -4843,1548 +4854,6 @@
 </file>
 
 <file path=ppt/slides/slide10.xml><?xml version="1.0" encoding="utf-8"?>
-<p:sld xmlns:a="http://schemas.openxmlformats.org/drawingml/2006/main" xmlns:r="http://schemas.openxmlformats.org/officeDocument/2006/relationships" xmlns:p="http://schemas.openxmlformats.org/presentationml/2006/main">
-  <p:cSld>
-    <p:bg>
-      <p:bgPr>
-        <a:blipFill dpi="0" rotWithShape="1">
-          <a:blip r:embed="rId2">
-            <a:lum/>
-          </a:blip>
-          <a:srcRect/>
-          <a:stretch>
-            <a:fillRect/>
-          </a:stretch>
-        </a:blipFill>
-        <a:effectLst/>
-      </p:bgPr>
-    </p:bg>
-    <p:spTree>
-      <p:nvGrpSpPr>
-        <p:cNvPr id="1" name=""/>
-        <p:cNvGrpSpPr/>
-        <p:nvPr/>
-      </p:nvGrpSpPr>
-      <p:grpSpPr>
-        <a:xfrm>
-          <a:off x="0" y="0"/>
-          <a:ext cx="0" cy="0"/>
-          <a:chOff x="0" y="0"/>
-          <a:chExt cx="0" cy="0"/>
-        </a:xfrm>
-      </p:grpSpPr>
-      <p:sp>
-        <p:nvSpPr>
-          <p:cNvPr id="2" name="Title 1"/>
-          <p:cNvSpPr>
-            <a:spLocks noGrp="1"/>
-          </p:cNvSpPr>
-          <p:nvPr>
-            <p:ph type="title"/>
-          </p:nvPr>
-        </p:nvSpPr>
-        <p:spPr>
-          <a:xfrm>
-            <a:off x="457200" y="1700037"/>
-            <a:ext cx="8229600" cy="620483"/>
-          </a:xfrm>
-        </p:spPr>
-        <p:txBody>
-          <a:bodyPr/>
-          <a:lstStyle/>
-          <a:p>
-            <a:r>
-              <a:rPr lang="ru-RU" dirty="0"/>
-              <a:t>Спасибо за внимание</a:t>
-            </a:r>
-            <a:r>
-              <a:rPr lang="en-US" dirty="0"/>
-              <a:t>!</a:t>
-            </a:r>
-          </a:p>
-        </p:txBody>
-      </p:sp>
-      <p:sp>
-        <p:nvSpPr>
-          <p:cNvPr id="3" name="Text Placeholder 2"/>
-          <p:cNvSpPr>
-            <a:spLocks noGrp="1"/>
-          </p:cNvSpPr>
-          <p:nvPr>
-            <p:ph type="body" sz="quarter" idx="10"/>
-          </p:nvPr>
-        </p:nvSpPr>
-        <p:spPr>
-          <a:xfrm>
-            <a:off x="457200" y="2490643"/>
-            <a:ext cx="8229600" cy="594122"/>
-          </a:xfrm>
-        </p:spPr>
-        <p:txBody>
-          <a:bodyPr/>
-          <a:lstStyle/>
-          <a:p>
-            <a:r>
-              <a:rPr lang="en-US" dirty="0"/>
-              <a:t>www.</a:t>
-            </a:r>
-            <a:r>
-              <a:rPr lang="pl-PL" dirty="0"/>
-              <a:t>ifmo.ru</a:t>
-            </a:r>
-          </a:p>
-        </p:txBody>
-      </p:sp>
-    </p:spTree>
-    <p:extLst>
-      <p:ext uri="{BB962C8B-B14F-4D97-AF65-F5344CB8AC3E}">
-        <p14:creationId xmlns:p14="http://schemas.microsoft.com/office/powerpoint/2010/main" val="1864942597"/>
-      </p:ext>
-    </p:extLst>
-  </p:cSld>
-  <p:clrMapOvr>
-    <a:masterClrMapping/>
-  </p:clrMapOvr>
-</p:sld>
-</file>
-
-<file path=ppt/slides/slide2.xml><?xml version="1.0" encoding="utf-8"?>
-<p:sld xmlns:a="http://schemas.openxmlformats.org/drawingml/2006/main" xmlns:r="http://schemas.openxmlformats.org/officeDocument/2006/relationships" xmlns:p="http://schemas.openxmlformats.org/presentationml/2006/main">
-  <p:cSld>
-    <p:spTree>
-      <p:nvGrpSpPr>
-        <p:cNvPr id="1" name=""/>
-        <p:cNvGrpSpPr/>
-        <p:nvPr/>
-      </p:nvGrpSpPr>
-      <p:grpSpPr>
-        <a:xfrm>
-          <a:off x="0" y="0"/>
-          <a:ext cx="0" cy="0"/>
-          <a:chOff x="0" y="0"/>
-          <a:chExt cx="0" cy="0"/>
-        </a:xfrm>
-      </p:grpSpPr>
-      <p:sp>
-        <p:nvSpPr>
-          <p:cNvPr id="2" name="Title 1"/>
-          <p:cNvSpPr>
-            <a:spLocks noGrp="1"/>
-          </p:cNvSpPr>
-          <p:nvPr>
-            <p:ph type="title"/>
-          </p:nvPr>
-        </p:nvSpPr>
-        <p:spPr>
-          <a:xfrm>
-            <a:off x="766084" y="174677"/>
-            <a:ext cx="5965438" cy="1488969"/>
-          </a:xfrm>
-        </p:spPr>
-        <p:txBody>
-          <a:bodyPr/>
-          <a:lstStyle/>
-          <a:p>
-            <a:r>
-              <a:rPr lang="ru-RU" dirty="0">
-                <a:solidFill>
-                  <a:srgbClr val="000000"/>
-                </a:solidFill>
-              </a:rPr>
-              <a:t>Задача</a:t>
-            </a:r>
-            <a:endParaRPr lang="en-US" dirty="0">
-              <a:solidFill>
-                <a:srgbClr val="000000"/>
-              </a:solidFill>
-            </a:endParaRPr>
-          </a:p>
-        </p:txBody>
-      </p:sp>
-      <p:sp>
-        <p:nvSpPr>
-          <p:cNvPr id="3" name="Text Placeholder 2"/>
-          <p:cNvSpPr>
-            <a:spLocks noGrp="1"/>
-          </p:cNvSpPr>
-          <p:nvPr>
-            <p:ph type="body" sz="quarter" idx="10"/>
-          </p:nvPr>
-        </p:nvSpPr>
-        <p:spPr>
-          <a:xfrm>
-            <a:off x="765697" y="1817182"/>
-            <a:ext cx="8232306" cy="1652588"/>
-          </a:xfrm>
-        </p:spPr>
-        <p:txBody>
-          <a:bodyPr>
-            <a:normAutofit/>
-          </a:bodyPr>
-          <a:lstStyle/>
-          <a:p>
-            <a:pPr marL="342900" indent="-342900">
-              <a:buFont typeface="Arial" panose="020B0604020202020204" pitchFamily="34" charset="0"/>
-              <a:buChar char="•"/>
-            </a:pPr>
-            <a:r>
-              <a:rPr lang="ru-RU" sz="2000" dirty="0">
-                <a:solidFill>
-                  <a:srgbClr val="000000"/>
-                </a:solidFill>
-              </a:rPr>
-              <a:t>Эффективно хранить нейросети для работы </a:t>
-            </a:r>
-            <a:r>
-              <a:rPr lang="en-US" sz="2000" dirty="0">
-                <a:solidFill>
-                  <a:srgbClr val="000000"/>
-                </a:solidFill>
-              </a:rPr>
-              <a:t>Neural Architecture Search</a:t>
-            </a:r>
-            <a:endParaRPr lang="ru-RU" sz="2000" dirty="0">
-              <a:solidFill>
-                <a:srgbClr val="000000"/>
-              </a:solidFill>
-            </a:endParaRPr>
-          </a:p>
-          <a:p>
-            <a:pPr marL="342900" indent="-342900">
-              <a:buFont typeface="Arial" panose="020B0604020202020204" pitchFamily="34" charset="0"/>
-              <a:buChar char="•"/>
-            </a:pPr>
-            <a:r>
-              <a:rPr lang="ru-RU" sz="2000" dirty="0">
-                <a:solidFill>
-                  <a:srgbClr val="000000"/>
-                </a:solidFill>
-              </a:rPr>
-              <a:t>Иметь возможность</a:t>
-            </a:r>
-            <a:r>
-              <a:rPr lang="en-US" sz="2000" dirty="0">
-                <a:solidFill>
-                  <a:srgbClr val="000000"/>
-                </a:solidFill>
-              </a:rPr>
-              <a:t> </a:t>
-            </a:r>
-            <a:r>
-              <a:rPr lang="ru-RU" sz="2000" dirty="0" err="1">
-                <a:solidFill>
-                  <a:srgbClr val="000000"/>
-                </a:solidFill>
-              </a:rPr>
-              <a:t>программно</a:t>
-            </a:r>
-            <a:r>
-              <a:rPr lang="ru-RU" sz="2000" dirty="0">
-                <a:solidFill>
-                  <a:srgbClr val="000000"/>
-                </a:solidFill>
-              </a:rPr>
-              <a:t> менять архитектуру</a:t>
-            </a:r>
-          </a:p>
-          <a:p>
-            <a:pPr marL="342900" indent="-342900">
-              <a:buFont typeface="Arial" panose="020B0604020202020204" pitchFamily="34" charset="0"/>
-              <a:buChar char="•"/>
-            </a:pPr>
-            <a:r>
-              <a:rPr lang="ru-RU" sz="2000" dirty="0">
-                <a:solidFill>
-                  <a:srgbClr val="000000"/>
-                </a:solidFill>
-              </a:rPr>
-              <a:t>Уметь конвертировать во фреймворк </a:t>
-            </a:r>
-            <a:r>
-              <a:rPr lang="en-US" sz="2000" dirty="0" err="1">
-                <a:solidFill>
-                  <a:srgbClr val="000000"/>
-                </a:solidFill>
-              </a:rPr>
-              <a:t>PyTorch</a:t>
-            </a:r>
-            <a:endParaRPr lang="en-US" sz="2000" dirty="0">
-              <a:solidFill>
-                <a:srgbClr val="000000"/>
-              </a:solidFill>
-            </a:endParaRPr>
-          </a:p>
-        </p:txBody>
-      </p:sp>
-    </p:spTree>
-    <p:extLst>
-      <p:ext uri="{BB962C8B-B14F-4D97-AF65-F5344CB8AC3E}">
-        <p14:creationId xmlns:p14="http://schemas.microsoft.com/office/powerpoint/2010/main" val="1425540150"/>
-      </p:ext>
-    </p:extLst>
-  </p:cSld>
-  <p:clrMapOvr>
-    <a:masterClrMapping/>
-  </p:clrMapOvr>
-</p:sld>
-</file>
-
-<file path=ppt/slides/slide3.xml><?xml version="1.0" encoding="utf-8"?>
-<p:sld xmlns:a="http://schemas.openxmlformats.org/drawingml/2006/main" xmlns:r="http://schemas.openxmlformats.org/officeDocument/2006/relationships" xmlns:p="http://schemas.openxmlformats.org/presentationml/2006/main">
-  <p:cSld>
-    <p:spTree>
-      <p:nvGrpSpPr>
-        <p:cNvPr id="1" name=""/>
-        <p:cNvGrpSpPr/>
-        <p:nvPr/>
-      </p:nvGrpSpPr>
-      <p:grpSpPr>
-        <a:xfrm>
-          <a:off x="0" y="0"/>
-          <a:ext cx="0" cy="0"/>
-          <a:chOff x="0" y="0"/>
-          <a:chExt cx="0" cy="0"/>
-        </a:xfrm>
-      </p:grpSpPr>
-      <p:pic>
-        <p:nvPicPr>
-          <p:cNvPr id="5" name="Graphic 4">
-            <a:extLst>
-              <a:ext uri="{FF2B5EF4-FFF2-40B4-BE49-F238E27FC236}">
-                <a16:creationId xmlns:a16="http://schemas.microsoft.com/office/drawing/2014/main" id="{BB985EAD-48BD-4032-9987-85605199AF23}"/>
-              </a:ext>
-            </a:extLst>
-          </p:cNvPr>
-          <p:cNvPicPr>
-            <a:picLocks noChangeAspect="1"/>
-          </p:cNvPicPr>
-          <p:nvPr/>
-        </p:nvPicPr>
-        <p:blipFill>
-          <a:blip r:embed="rId2">
-            <a:extLst>
-              <a:ext uri="{96DAC541-7B7A-43D3-8B79-37D633B846F1}">
-                <asvg:svgBlip xmlns:asvg="http://schemas.microsoft.com/office/drawing/2016/SVG/main" r:embed="rId3"/>
-              </a:ext>
-            </a:extLst>
-          </a:blip>
-          <a:stretch>
-            <a:fillRect/>
-          </a:stretch>
-        </p:blipFill>
-        <p:spPr>
-          <a:xfrm>
-            <a:off x="155741" y="2334506"/>
-            <a:ext cx="4692318" cy="1769886"/>
-          </a:xfrm>
-          <a:prstGeom prst="rect">
-            <a:avLst/>
-          </a:prstGeom>
-        </p:spPr>
-      </p:pic>
-      <p:pic>
-        <p:nvPicPr>
-          <p:cNvPr id="9" name="Picture 8">
-            <a:extLst>
-              <a:ext uri="{FF2B5EF4-FFF2-40B4-BE49-F238E27FC236}">
-                <a16:creationId xmlns:a16="http://schemas.microsoft.com/office/drawing/2014/main" id="{6D1C2936-B443-487E-81F2-C5D1F0B6FDEA}"/>
-              </a:ext>
-            </a:extLst>
-          </p:cNvPr>
-          <p:cNvPicPr>
-            <a:picLocks noChangeAspect="1"/>
-          </p:cNvPicPr>
-          <p:nvPr/>
-        </p:nvPicPr>
-        <p:blipFill>
-          <a:blip r:embed="rId4"/>
-          <a:stretch>
-            <a:fillRect/>
-          </a:stretch>
-        </p:blipFill>
-        <p:spPr>
-          <a:xfrm>
-            <a:off x="4769578" y="2425084"/>
-            <a:ext cx="4265744" cy="1715732"/>
-          </a:xfrm>
-          <a:prstGeom prst="rect">
-            <a:avLst/>
-          </a:prstGeom>
-        </p:spPr>
-      </p:pic>
-      <p:pic>
-        <p:nvPicPr>
-          <p:cNvPr id="11" name="Picture 10">
-            <a:extLst>
-              <a:ext uri="{FF2B5EF4-FFF2-40B4-BE49-F238E27FC236}">
-                <a16:creationId xmlns:a16="http://schemas.microsoft.com/office/drawing/2014/main" id="{43A8C3C0-4A25-4BFD-A30B-CEB9CEDCDBAC}"/>
-              </a:ext>
-            </a:extLst>
-          </p:cNvPr>
-          <p:cNvPicPr>
-            <a:picLocks noChangeAspect="1"/>
-          </p:cNvPicPr>
-          <p:nvPr/>
-        </p:nvPicPr>
-        <p:blipFill>
-          <a:blip r:embed="rId5"/>
-          <a:stretch>
-            <a:fillRect/>
-          </a:stretch>
-        </p:blipFill>
-        <p:spPr>
-          <a:xfrm>
-            <a:off x="232030" y="607479"/>
-            <a:ext cx="2533138" cy="1858442"/>
-          </a:xfrm>
-          <a:prstGeom prst="rect">
-            <a:avLst/>
-          </a:prstGeom>
-        </p:spPr>
-      </p:pic>
-      <p:pic>
-        <p:nvPicPr>
-          <p:cNvPr id="13" name="Picture 12">
-            <a:extLst>
-              <a:ext uri="{FF2B5EF4-FFF2-40B4-BE49-F238E27FC236}">
-                <a16:creationId xmlns:a16="http://schemas.microsoft.com/office/drawing/2014/main" id="{72926D65-B5B0-49D3-A6D7-F60A1EEA3E29}"/>
-              </a:ext>
-            </a:extLst>
-          </p:cNvPr>
-          <p:cNvPicPr>
-            <a:picLocks noChangeAspect="1"/>
-          </p:cNvPicPr>
-          <p:nvPr/>
-        </p:nvPicPr>
-        <p:blipFill>
-          <a:blip r:embed="rId6"/>
-          <a:stretch>
-            <a:fillRect/>
-          </a:stretch>
-        </p:blipFill>
-        <p:spPr>
-          <a:xfrm>
-            <a:off x="2823526" y="644685"/>
-            <a:ext cx="3877949" cy="1923730"/>
-          </a:xfrm>
-          <a:prstGeom prst="rect">
-            <a:avLst/>
-          </a:prstGeom>
-        </p:spPr>
-      </p:pic>
-    </p:spTree>
-    <p:extLst>
-      <p:ext uri="{BB962C8B-B14F-4D97-AF65-F5344CB8AC3E}">
-        <p14:creationId xmlns:p14="http://schemas.microsoft.com/office/powerpoint/2010/main" val="3337471678"/>
-      </p:ext>
-    </p:extLst>
-  </p:cSld>
-  <p:clrMapOvr>
-    <a:masterClrMapping/>
-  </p:clrMapOvr>
-</p:sld>
-</file>
-
-<file path=ppt/slides/slide4.xml><?xml version="1.0" encoding="utf-8"?>
-<p:sld xmlns:a="http://schemas.openxmlformats.org/drawingml/2006/main" xmlns:r="http://schemas.openxmlformats.org/officeDocument/2006/relationships" xmlns:p="http://schemas.openxmlformats.org/presentationml/2006/main">
-  <p:cSld>
-    <p:spTree>
-      <p:nvGrpSpPr>
-        <p:cNvPr id="1" name=""/>
-        <p:cNvGrpSpPr/>
-        <p:nvPr/>
-      </p:nvGrpSpPr>
-      <p:grpSpPr>
-        <a:xfrm>
-          <a:off x="0" y="0"/>
-          <a:ext cx="0" cy="0"/>
-          <a:chOff x="0" y="0"/>
-          <a:chExt cx="0" cy="0"/>
-        </a:xfrm>
-      </p:grpSpPr>
-      <p:sp>
-        <p:nvSpPr>
-          <p:cNvPr id="2" name="Title 1"/>
-          <p:cNvSpPr>
-            <a:spLocks noGrp="1"/>
-          </p:cNvSpPr>
-          <p:nvPr>
-            <p:ph type="title"/>
-          </p:nvPr>
-        </p:nvSpPr>
-        <p:spPr>
-          <a:xfrm>
-            <a:off x="457200" y="753214"/>
-            <a:ext cx="6273934" cy="620483"/>
-          </a:xfrm>
-        </p:spPr>
-        <p:txBody>
-          <a:bodyPr/>
-          <a:lstStyle/>
-          <a:p>
-            <a:r>
-              <a:rPr lang="en-US" dirty="0"/>
-              <a:t>Baseline</a:t>
-            </a:r>
-          </a:p>
-        </p:txBody>
-      </p:sp>
-      <p:sp>
-        <p:nvSpPr>
-          <p:cNvPr id="3" name="Content Placeholder 2"/>
-          <p:cNvSpPr>
-            <a:spLocks noGrp="1"/>
-          </p:cNvSpPr>
-          <p:nvPr>
-            <p:ph sz="half" idx="1"/>
-          </p:nvPr>
-        </p:nvSpPr>
-        <p:spPr>
-          <a:xfrm>
-            <a:off x="457200" y="1571965"/>
-            <a:ext cx="6273934" cy="2848490"/>
-          </a:xfrm>
-        </p:spPr>
-        <p:txBody>
-          <a:bodyPr>
-            <a:normAutofit/>
-          </a:bodyPr>
-          <a:lstStyle/>
-          <a:p>
-            <a:pPr>
-              <a:buClr>
-                <a:srgbClr val="1946BA"/>
-              </a:buClr>
-              <a:buFont typeface="Arial" pitchFamily="34" charset="0"/>
-              <a:buChar char="•"/>
-            </a:pPr>
-            <a:r>
-              <a:rPr lang="en-US" dirty="0"/>
-              <a:t>PMML, PFA</a:t>
-            </a:r>
-          </a:p>
-          <a:p>
-            <a:pPr>
-              <a:buClr>
-                <a:srgbClr val="1946BA"/>
-              </a:buClr>
-              <a:buFont typeface="Arial" pitchFamily="34" charset="0"/>
-              <a:buChar char="•"/>
-            </a:pPr>
-            <a:r>
-              <a:rPr lang="en-US" dirty="0"/>
-              <a:t>Torch Script</a:t>
-            </a:r>
-          </a:p>
-          <a:p>
-            <a:pPr>
-              <a:buClr>
-                <a:srgbClr val="1946BA"/>
-              </a:buClr>
-              <a:buFont typeface="Arial" pitchFamily="34" charset="0"/>
-              <a:buChar char="•"/>
-            </a:pPr>
-            <a:r>
-              <a:rPr lang="en-US" dirty="0"/>
-              <a:t>ONNX</a:t>
-            </a:r>
-          </a:p>
-        </p:txBody>
-      </p:sp>
-    </p:spTree>
-    <p:extLst>
-      <p:ext uri="{BB962C8B-B14F-4D97-AF65-F5344CB8AC3E}">
-        <p14:creationId xmlns:p14="http://schemas.microsoft.com/office/powerpoint/2010/main" val="3638724416"/>
-      </p:ext>
-    </p:extLst>
-  </p:cSld>
-  <p:clrMapOvr>
-    <a:masterClrMapping/>
-  </p:clrMapOvr>
-</p:sld>
-</file>
-
-<file path=ppt/slides/slide5.xml><?xml version="1.0" encoding="utf-8"?>
-<p:sld xmlns:a="http://schemas.openxmlformats.org/drawingml/2006/main" xmlns:r="http://schemas.openxmlformats.org/officeDocument/2006/relationships" xmlns:p="http://schemas.openxmlformats.org/presentationml/2006/main">
-  <p:cSld>
-    <p:spTree>
-      <p:nvGrpSpPr>
-        <p:cNvPr id="1" name=""/>
-        <p:cNvGrpSpPr/>
-        <p:nvPr/>
-      </p:nvGrpSpPr>
-      <p:grpSpPr>
-        <a:xfrm>
-          <a:off x="0" y="0"/>
-          <a:ext cx="0" cy="0"/>
-          <a:chOff x="0" y="0"/>
-          <a:chExt cx="0" cy="0"/>
-        </a:xfrm>
-      </p:grpSpPr>
-      <p:sp>
-        <p:nvSpPr>
-          <p:cNvPr id="2" name="Title 1"/>
-          <p:cNvSpPr>
-            <a:spLocks noGrp="1"/>
-          </p:cNvSpPr>
-          <p:nvPr>
-            <p:ph type="title"/>
-          </p:nvPr>
-        </p:nvSpPr>
-        <p:spPr>
-          <a:xfrm>
-            <a:off x="766084" y="174677"/>
-            <a:ext cx="5965438" cy="1488969"/>
-          </a:xfrm>
-        </p:spPr>
-        <p:txBody>
-          <a:bodyPr/>
-          <a:lstStyle/>
-          <a:p>
-            <a:r>
-              <a:rPr lang="en-US" dirty="0">
-                <a:solidFill>
-                  <a:srgbClr val="000000"/>
-                </a:solidFill>
-              </a:rPr>
-              <a:t>FAMLINN</a:t>
-            </a:r>
-          </a:p>
-        </p:txBody>
-      </p:sp>
-      <p:sp>
-        <p:nvSpPr>
-          <p:cNvPr id="3" name="Text Placeholder 2"/>
-          <p:cNvSpPr>
-            <a:spLocks noGrp="1"/>
-          </p:cNvSpPr>
-          <p:nvPr>
-            <p:ph type="body" sz="quarter" idx="10"/>
-          </p:nvPr>
-        </p:nvSpPr>
-        <p:spPr>
-          <a:xfrm>
-            <a:off x="765697" y="1817181"/>
-            <a:ext cx="8232306" cy="2439773"/>
-          </a:xfrm>
-        </p:spPr>
-        <p:txBody>
-          <a:bodyPr>
-            <a:normAutofit lnSpcReduction="10000"/>
-          </a:bodyPr>
-          <a:lstStyle/>
-          <a:p>
-            <a:pPr marL="342900" indent="-342900">
-              <a:buFont typeface="Arial" panose="020B0604020202020204" pitchFamily="34" charset="0"/>
-              <a:buChar char="•"/>
-            </a:pPr>
-            <a:r>
-              <a:rPr lang="ru-RU" sz="2000" dirty="0">
-                <a:solidFill>
-                  <a:srgbClr val="000000"/>
-                </a:solidFill>
-              </a:rPr>
-              <a:t>Библиотека на </a:t>
-            </a:r>
-            <a:r>
-              <a:rPr lang="en-US" sz="2000" dirty="0">
-                <a:solidFill>
-                  <a:srgbClr val="000000"/>
-                </a:solidFill>
-              </a:rPr>
-              <a:t>Python 3.9</a:t>
-            </a:r>
-          </a:p>
-          <a:p>
-            <a:pPr marL="342900" indent="-342900">
-              <a:buFont typeface="Arial" panose="020B0604020202020204" pitchFamily="34" charset="0"/>
-              <a:buChar char="•"/>
-            </a:pPr>
-            <a:r>
-              <a:rPr lang="ru-RU" sz="2000" dirty="0">
-                <a:solidFill>
-                  <a:srgbClr val="000000"/>
-                </a:solidFill>
-              </a:rPr>
-              <a:t>Основывается на </a:t>
-            </a:r>
-            <a:r>
-              <a:rPr lang="en-US" sz="2000" dirty="0">
-                <a:solidFill>
-                  <a:srgbClr val="000000"/>
-                </a:solidFill>
-              </a:rPr>
-              <a:t>ONNX </a:t>
-            </a:r>
-            <a:r>
-              <a:rPr lang="ru-RU" sz="2000" dirty="0">
-                <a:solidFill>
-                  <a:srgbClr val="000000"/>
-                </a:solidFill>
-              </a:rPr>
-              <a:t>и </a:t>
-            </a:r>
-            <a:r>
-              <a:rPr lang="en-US" sz="2000" dirty="0" err="1">
-                <a:solidFill>
-                  <a:srgbClr val="000000"/>
-                </a:solidFill>
-              </a:rPr>
-              <a:t>PyTorch</a:t>
-            </a:r>
-            <a:endParaRPr lang="en-US" sz="2000" dirty="0">
-              <a:solidFill>
-                <a:srgbClr val="000000"/>
-              </a:solidFill>
-            </a:endParaRPr>
-          </a:p>
-          <a:p>
-            <a:pPr marL="342900" indent="-342900">
-              <a:buFont typeface="Arial" panose="020B0604020202020204" pitchFamily="34" charset="0"/>
-              <a:buChar char="•"/>
-            </a:pPr>
-            <a:r>
-              <a:rPr lang="ru-RU" sz="2000" dirty="0">
-                <a:solidFill>
-                  <a:srgbClr val="000000"/>
-                </a:solidFill>
-              </a:rPr>
-              <a:t>Имеет возможности:</a:t>
-            </a:r>
-          </a:p>
-          <a:p>
-            <a:pPr marL="800100" lvl="1" indent="-342900">
-              <a:buFont typeface="Arial" panose="020B0604020202020204" pitchFamily="34" charset="0"/>
-              <a:buChar char="•"/>
-            </a:pPr>
-            <a:r>
-              <a:rPr lang="ru-RU" sz="1600" dirty="0">
-                <a:solidFill>
-                  <a:srgbClr val="000000"/>
-                </a:solidFill>
-              </a:rPr>
-              <a:t>Создавать архитектуру как абстрактную нейронную сеть</a:t>
-            </a:r>
-            <a:endParaRPr lang="ru-RU" sz="2200" dirty="0">
-              <a:solidFill>
-                <a:srgbClr val="000000"/>
-              </a:solidFill>
-            </a:endParaRPr>
-          </a:p>
-          <a:p>
-            <a:pPr marL="800100" lvl="1" indent="-342900">
-              <a:buFont typeface="Arial" panose="020B0604020202020204" pitchFamily="34" charset="0"/>
-              <a:buChar char="•"/>
-            </a:pPr>
-            <a:r>
-              <a:rPr lang="ru-RU" sz="1600" dirty="0">
-                <a:solidFill>
-                  <a:srgbClr val="000000"/>
-                </a:solidFill>
-              </a:rPr>
-              <a:t>Инициализироваться от </a:t>
-            </a:r>
-            <a:r>
-              <a:rPr lang="en-US" sz="1600" dirty="0" err="1">
-                <a:solidFill>
-                  <a:srgbClr val="000000"/>
-                </a:solidFill>
-              </a:rPr>
-              <a:t>PyTorch</a:t>
-            </a:r>
-            <a:r>
-              <a:rPr lang="en-US" sz="1600" dirty="0">
-                <a:solidFill>
-                  <a:srgbClr val="000000"/>
-                </a:solidFill>
-              </a:rPr>
-              <a:t> </a:t>
-            </a:r>
-            <a:r>
-              <a:rPr lang="ru-RU" sz="1600" dirty="0">
-                <a:solidFill>
-                  <a:srgbClr val="000000"/>
-                </a:solidFill>
-              </a:rPr>
-              <a:t>модуля специального вида</a:t>
-            </a:r>
-          </a:p>
-          <a:p>
-            <a:pPr marL="800100" lvl="1" indent="-342900">
-              <a:buFont typeface="Arial" panose="020B0604020202020204" pitchFamily="34" charset="0"/>
-              <a:buChar char="•"/>
-            </a:pPr>
-            <a:r>
-              <a:rPr lang="ru-RU" sz="1600" dirty="0">
-                <a:solidFill>
-                  <a:srgbClr val="000000"/>
-                </a:solidFill>
-              </a:rPr>
-              <a:t>Изменять архитектуру</a:t>
-            </a:r>
-          </a:p>
-          <a:p>
-            <a:pPr marL="800100" lvl="1" indent="-342900">
-              <a:buFont typeface="Arial" panose="020B0604020202020204" pitchFamily="34" charset="0"/>
-              <a:buChar char="•"/>
-            </a:pPr>
-            <a:r>
-              <a:rPr lang="ru-RU" sz="1600" dirty="0">
-                <a:solidFill>
-                  <a:srgbClr val="000000"/>
-                </a:solidFill>
-              </a:rPr>
-              <a:t>Генерировать по архитектуре корректный </a:t>
-            </a:r>
-            <a:r>
-              <a:rPr lang="en-US" sz="1600" dirty="0" err="1">
-                <a:solidFill>
-                  <a:srgbClr val="000000"/>
-                </a:solidFill>
-              </a:rPr>
-              <a:t>PyTorch</a:t>
-            </a:r>
-            <a:r>
-              <a:rPr lang="en-US" sz="1600" dirty="0">
-                <a:solidFill>
-                  <a:srgbClr val="000000"/>
-                </a:solidFill>
-              </a:rPr>
-              <a:t> </a:t>
-            </a:r>
-            <a:r>
-              <a:rPr lang="ru-RU" sz="1600" dirty="0">
-                <a:solidFill>
-                  <a:srgbClr val="000000"/>
-                </a:solidFill>
-              </a:rPr>
-              <a:t>код и инициализировать модель весами</a:t>
-            </a:r>
-            <a:endParaRPr lang="en-US" sz="1600" dirty="0">
-              <a:solidFill>
-                <a:srgbClr val="000000"/>
-              </a:solidFill>
-            </a:endParaRPr>
-          </a:p>
-        </p:txBody>
-      </p:sp>
-    </p:spTree>
-    <p:extLst>
-      <p:ext uri="{BB962C8B-B14F-4D97-AF65-F5344CB8AC3E}">
-        <p14:creationId xmlns:p14="http://schemas.microsoft.com/office/powerpoint/2010/main" val="3812422470"/>
-      </p:ext>
-    </p:extLst>
-  </p:cSld>
-  <p:clrMapOvr>
-    <a:masterClrMapping/>
-  </p:clrMapOvr>
-</p:sld>
-</file>
-
-<file path=ppt/slides/slide6.xml><?xml version="1.0" encoding="utf-8"?>
-<p:sld xmlns:a="http://schemas.openxmlformats.org/drawingml/2006/main" xmlns:r="http://schemas.openxmlformats.org/officeDocument/2006/relationships" xmlns:p="http://schemas.openxmlformats.org/presentationml/2006/main">
-  <p:cSld>
-    <p:spTree>
-      <p:nvGrpSpPr>
-        <p:cNvPr id="1" name=""/>
-        <p:cNvGrpSpPr/>
-        <p:nvPr/>
-      </p:nvGrpSpPr>
-      <p:grpSpPr>
-        <a:xfrm>
-          <a:off x="0" y="0"/>
-          <a:ext cx="0" cy="0"/>
-          <a:chOff x="0" y="0"/>
-          <a:chExt cx="0" cy="0"/>
-        </a:xfrm>
-      </p:grpSpPr>
-      <p:sp>
-        <p:nvSpPr>
-          <p:cNvPr id="2" name="Title 1"/>
-          <p:cNvSpPr>
-            <a:spLocks noGrp="1"/>
-          </p:cNvSpPr>
-          <p:nvPr>
-            <p:ph type="title"/>
-          </p:nvPr>
-        </p:nvSpPr>
-        <p:spPr>
-          <a:xfrm>
-            <a:off x="766084" y="174677"/>
-            <a:ext cx="5965438" cy="1488969"/>
-          </a:xfrm>
-        </p:spPr>
-        <p:txBody>
-          <a:bodyPr/>
-          <a:lstStyle/>
-          <a:p>
-            <a:r>
-              <a:rPr lang="ru-RU" dirty="0">
-                <a:solidFill>
-                  <a:srgbClr val="000000"/>
-                </a:solidFill>
-              </a:rPr>
-              <a:t>Идея</a:t>
-            </a:r>
-            <a:endParaRPr lang="en-US" dirty="0">
-              <a:solidFill>
-                <a:srgbClr val="000000"/>
-              </a:solidFill>
-            </a:endParaRPr>
-          </a:p>
-        </p:txBody>
-      </p:sp>
-      <p:sp>
-        <p:nvSpPr>
-          <p:cNvPr id="3" name="Text Placeholder 2"/>
-          <p:cNvSpPr>
-            <a:spLocks noGrp="1"/>
-          </p:cNvSpPr>
-          <p:nvPr>
-            <p:ph type="body" sz="quarter" idx="10"/>
-          </p:nvPr>
-        </p:nvSpPr>
-        <p:spPr>
-          <a:xfrm>
-            <a:off x="765697" y="1817181"/>
-            <a:ext cx="8232306" cy="2439773"/>
-          </a:xfrm>
-        </p:spPr>
-        <p:txBody>
-          <a:bodyPr>
-            <a:normAutofit/>
-          </a:bodyPr>
-          <a:lstStyle/>
-          <a:p>
-            <a:pPr marL="342900" indent="-342900">
-              <a:buFont typeface="Arial" panose="020B0604020202020204" pitchFamily="34" charset="0"/>
-              <a:buChar char="•"/>
-            </a:pPr>
-            <a:r>
-              <a:rPr lang="ru-RU" sz="1600" dirty="0">
-                <a:solidFill>
-                  <a:srgbClr val="000000"/>
-                </a:solidFill>
-              </a:rPr>
-              <a:t>Нейронная сеть – абстрактный граф вычислений</a:t>
-            </a:r>
-          </a:p>
-          <a:p>
-            <a:pPr marL="342900" indent="-342900">
-              <a:buFont typeface="Arial" panose="020B0604020202020204" pitchFamily="34" charset="0"/>
-              <a:buChar char="•"/>
-            </a:pPr>
-            <a:r>
-              <a:rPr lang="ru-RU" sz="1600" dirty="0">
-                <a:solidFill>
-                  <a:srgbClr val="000000"/>
-                </a:solidFill>
-              </a:rPr>
-              <a:t>Храним граф, </a:t>
-            </a:r>
-            <a:r>
-              <a:rPr lang="ru-RU" dirty="0">
-                <a:solidFill>
-                  <a:srgbClr val="000000"/>
-                </a:solidFill>
-              </a:rPr>
-              <a:t>в котором ребра ведут от одной вычислительной единицы к другой</a:t>
-            </a:r>
-          </a:p>
-          <a:p>
-            <a:pPr marL="342900" indent="-342900">
-              <a:buFont typeface="Arial" panose="020B0604020202020204" pitchFamily="34" charset="0"/>
-              <a:buChar char="•"/>
-            </a:pPr>
-            <a:r>
-              <a:rPr lang="ru-RU" dirty="0">
-                <a:solidFill>
-                  <a:srgbClr val="000000"/>
-                </a:solidFill>
-              </a:rPr>
-              <a:t>Умеем получать этот граф из существующих моделей (с весами как параметрами вершин)</a:t>
-            </a:r>
-          </a:p>
-          <a:p>
-            <a:pPr marL="342900" indent="-342900">
-              <a:buFont typeface="Arial" panose="020B0604020202020204" pitchFamily="34" charset="0"/>
-              <a:buChar char="•"/>
-            </a:pPr>
-            <a:r>
-              <a:rPr lang="ru-RU" dirty="0">
-                <a:solidFill>
-                  <a:srgbClr val="000000"/>
-                </a:solidFill>
-              </a:rPr>
-              <a:t>Способны вычислить функцию эквивалентно модели</a:t>
-            </a:r>
-          </a:p>
-          <a:p>
-            <a:pPr marL="342900" indent="-342900">
-              <a:buFont typeface="Arial" panose="020B0604020202020204" pitchFamily="34" charset="0"/>
-              <a:buChar char="•"/>
-            </a:pPr>
-            <a:r>
-              <a:rPr lang="ru-RU" dirty="0">
-                <a:solidFill>
-                  <a:srgbClr val="000000"/>
-                </a:solidFill>
-              </a:rPr>
-              <a:t>Умеем по полученному графу генерировать код для прикладного использования</a:t>
-            </a:r>
-            <a:endParaRPr lang="en-US" dirty="0">
-              <a:solidFill>
-                <a:srgbClr val="000000"/>
-              </a:solidFill>
-            </a:endParaRPr>
-          </a:p>
-        </p:txBody>
-      </p:sp>
-    </p:spTree>
-    <p:extLst>
-      <p:ext uri="{BB962C8B-B14F-4D97-AF65-F5344CB8AC3E}">
-        <p14:creationId xmlns:p14="http://schemas.microsoft.com/office/powerpoint/2010/main" val="2542424736"/>
-      </p:ext>
-    </p:extLst>
-  </p:cSld>
-  <p:clrMapOvr>
-    <a:masterClrMapping/>
-  </p:clrMapOvr>
-</p:sld>
-</file>
-
-<file path=ppt/slides/slide7.xml><?xml version="1.0" encoding="utf-8"?>
-<p:sld xmlns:a="http://schemas.openxmlformats.org/drawingml/2006/main" xmlns:r="http://schemas.openxmlformats.org/officeDocument/2006/relationships" xmlns:p="http://schemas.openxmlformats.org/presentationml/2006/main">
-  <p:cSld>
-    <p:spTree>
-      <p:nvGrpSpPr>
-        <p:cNvPr id="1" name=""/>
-        <p:cNvGrpSpPr/>
-        <p:nvPr/>
-      </p:nvGrpSpPr>
-      <p:grpSpPr>
-        <a:xfrm>
-          <a:off x="0" y="0"/>
-          <a:ext cx="0" cy="0"/>
-          <a:chOff x="0" y="0"/>
-          <a:chExt cx="0" cy="0"/>
-        </a:xfrm>
-      </p:grpSpPr>
-      <p:sp>
-        <p:nvSpPr>
-          <p:cNvPr id="2" name="Title 1"/>
-          <p:cNvSpPr>
-            <a:spLocks noGrp="1"/>
-          </p:cNvSpPr>
-          <p:nvPr>
-            <p:ph type="title"/>
-          </p:nvPr>
-        </p:nvSpPr>
-        <p:spPr>
-          <a:xfrm>
-            <a:off x="457200" y="753214"/>
-            <a:ext cx="6273934" cy="620483"/>
-          </a:xfrm>
-        </p:spPr>
-        <p:txBody>
-          <a:bodyPr>
-            <a:normAutofit fontScale="90000"/>
-          </a:bodyPr>
-          <a:lstStyle/>
-          <a:p>
-            <a:r>
-              <a:rPr lang="ru-RU" dirty="0"/>
-              <a:t>Концепция</a:t>
-            </a:r>
-            <a:endParaRPr lang="en-US" dirty="0"/>
-          </a:p>
-        </p:txBody>
-      </p:sp>
-      <p:sp>
-        <p:nvSpPr>
-          <p:cNvPr id="3" name="Content Placeholder 2"/>
-          <p:cNvSpPr>
-            <a:spLocks noGrp="1"/>
-          </p:cNvSpPr>
-          <p:nvPr>
-            <p:ph sz="half" idx="1"/>
-          </p:nvPr>
-        </p:nvSpPr>
-        <p:spPr>
-          <a:xfrm>
-            <a:off x="585837" y="1571965"/>
-            <a:ext cx="7591460" cy="2848490"/>
-          </a:xfrm>
-        </p:spPr>
-        <p:txBody>
-          <a:bodyPr>
-            <a:normAutofit/>
-          </a:bodyPr>
-          <a:lstStyle/>
-          <a:p>
-            <a:pPr>
-              <a:buClr>
-                <a:srgbClr val="1946BA"/>
-              </a:buClr>
-              <a:buFont typeface="Arial" pitchFamily="34" charset="0"/>
-              <a:buChar char="•"/>
-            </a:pPr>
-            <a:r>
-              <a:rPr lang="ru-RU" dirty="0"/>
-              <a:t>Храним ориентированный граф слоев сети</a:t>
-            </a:r>
-          </a:p>
-          <a:p>
-            <a:pPr lvl="1">
-              <a:buClr>
-                <a:srgbClr val="1946BA"/>
-              </a:buClr>
-              <a:buFont typeface="Arial" pitchFamily="34" charset="0"/>
-              <a:buChar char="•"/>
-            </a:pPr>
-            <a:r>
-              <a:rPr lang="ru-RU" dirty="0"/>
-              <a:t>В виде списка вершин</a:t>
-            </a:r>
-          </a:p>
-          <a:p>
-            <a:pPr lvl="2">
-              <a:buClr>
-                <a:srgbClr val="1946BA"/>
-              </a:buClr>
-              <a:buFont typeface="Arial" pitchFamily="34" charset="0"/>
-              <a:buChar char="•"/>
-            </a:pPr>
-            <a:r>
-              <a:rPr lang="ru-RU" dirty="0"/>
-              <a:t>Вершина знает вычисляемую функцию</a:t>
-            </a:r>
-          </a:p>
-          <a:p>
-            <a:pPr>
-              <a:buClr>
-                <a:srgbClr val="1946BA"/>
-              </a:buClr>
-              <a:buFont typeface="Arial" pitchFamily="34" charset="0"/>
-              <a:buChar char="•"/>
-            </a:pPr>
-            <a:r>
-              <a:rPr lang="ru-RU" dirty="0"/>
-              <a:t>Храним специальные контейнеры для данных</a:t>
-            </a:r>
-          </a:p>
-          <a:p>
-            <a:pPr>
-              <a:buClr>
-                <a:srgbClr val="1946BA"/>
-              </a:buClr>
-              <a:buFont typeface="Arial" pitchFamily="34" charset="0"/>
-              <a:buChar char="•"/>
-            </a:pPr>
-            <a:r>
-              <a:rPr lang="ru-RU" dirty="0"/>
-              <a:t>Вычисления в сети происходят в вершинах</a:t>
-            </a:r>
-          </a:p>
-          <a:p>
-            <a:pPr>
-              <a:buClr>
-                <a:srgbClr val="1946BA"/>
-              </a:buClr>
-              <a:buFont typeface="Arial" pitchFamily="34" charset="0"/>
-              <a:buChar char="•"/>
-            </a:pPr>
-            <a:r>
-              <a:rPr lang="ru-RU" dirty="0"/>
-              <a:t>Данные перемещаются только между контейнерами</a:t>
-            </a:r>
-          </a:p>
-          <a:p>
-            <a:pPr>
-              <a:buClr>
-                <a:srgbClr val="1946BA"/>
-              </a:buClr>
-              <a:buFont typeface="Arial" pitchFamily="34" charset="0"/>
-              <a:buChar char="•"/>
-            </a:pPr>
-            <a:endParaRPr lang="ru-RU" dirty="0"/>
-          </a:p>
-          <a:p>
-            <a:pPr>
-              <a:buClr>
-                <a:srgbClr val="1946BA"/>
-              </a:buClr>
-              <a:buFont typeface="Arial" pitchFamily="34" charset="0"/>
-              <a:buChar char="•"/>
-            </a:pPr>
-            <a:endParaRPr lang="ru-RU" dirty="0"/>
-          </a:p>
-        </p:txBody>
-      </p:sp>
-    </p:spTree>
-    <p:extLst>
-      <p:ext uri="{BB962C8B-B14F-4D97-AF65-F5344CB8AC3E}">
-        <p14:creationId xmlns:p14="http://schemas.microsoft.com/office/powerpoint/2010/main" val="395524744"/>
-      </p:ext>
-    </p:extLst>
-  </p:cSld>
-  <p:clrMapOvr>
-    <a:masterClrMapping/>
-  </p:clrMapOvr>
-</p:sld>
-</file>
-
-<file path=ppt/slides/slide8.xml><?xml version="1.0" encoding="utf-8"?>
-<p:sld xmlns:a="http://schemas.openxmlformats.org/drawingml/2006/main" xmlns:r="http://schemas.openxmlformats.org/officeDocument/2006/relationships" xmlns:p="http://schemas.openxmlformats.org/presentationml/2006/main">
-  <p:cSld>
-    <p:spTree>
-      <p:nvGrpSpPr>
-        <p:cNvPr id="1" name=""/>
-        <p:cNvGrpSpPr/>
-        <p:nvPr/>
-      </p:nvGrpSpPr>
-      <p:grpSpPr>
-        <a:xfrm>
-          <a:off x="0" y="0"/>
-          <a:ext cx="0" cy="0"/>
-          <a:chOff x="0" y="0"/>
-          <a:chExt cx="0" cy="0"/>
-        </a:xfrm>
-      </p:grpSpPr>
-      <p:sp>
-        <p:nvSpPr>
-          <p:cNvPr id="2" name="Title 1"/>
-          <p:cNvSpPr>
-            <a:spLocks noGrp="1"/>
-          </p:cNvSpPr>
-          <p:nvPr>
-            <p:ph type="title"/>
-          </p:nvPr>
-        </p:nvSpPr>
-        <p:spPr>
-          <a:xfrm>
-            <a:off x="766084" y="174677"/>
-            <a:ext cx="5965438" cy="1488969"/>
-          </a:xfrm>
-        </p:spPr>
-        <p:txBody>
-          <a:bodyPr/>
-          <a:lstStyle/>
-          <a:p>
-            <a:r>
-              <a:rPr lang="ru-RU" dirty="0">
-                <a:solidFill>
-                  <a:srgbClr val="000000"/>
-                </a:solidFill>
-              </a:rPr>
-              <a:t>Результаты</a:t>
-            </a:r>
-            <a:endParaRPr lang="en-US" dirty="0">
-              <a:solidFill>
-                <a:srgbClr val="000000"/>
-              </a:solidFill>
-            </a:endParaRPr>
-          </a:p>
-        </p:txBody>
-      </p:sp>
-      <p:sp>
-        <p:nvSpPr>
-          <p:cNvPr id="3" name="Text Placeholder 2"/>
-          <p:cNvSpPr>
-            <a:spLocks noGrp="1"/>
-          </p:cNvSpPr>
-          <p:nvPr>
-            <p:ph type="body" sz="quarter" idx="10"/>
-          </p:nvPr>
-        </p:nvSpPr>
-        <p:spPr>
-          <a:xfrm>
-            <a:off x="765697" y="1817181"/>
-            <a:ext cx="8232306" cy="2439773"/>
-          </a:xfrm>
-        </p:spPr>
-        <p:txBody>
-          <a:bodyPr>
-            <a:normAutofit/>
-          </a:bodyPr>
-          <a:lstStyle/>
-          <a:p>
-            <a:pPr marL="285750" indent="-285750">
-              <a:buFont typeface="Arial" panose="020B0604020202020204" pitchFamily="34" charset="0"/>
-              <a:buChar char="•"/>
-            </a:pPr>
-            <a:r>
-              <a:rPr lang="ru-RU" dirty="0">
-                <a:solidFill>
-                  <a:srgbClr val="000000"/>
-                </a:solidFill>
-              </a:rPr>
-              <a:t>Способен конвертировать </a:t>
-            </a:r>
-            <a:r>
-              <a:rPr lang="en-US" dirty="0" err="1">
-                <a:solidFill>
-                  <a:srgbClr val="000000"/>
-                </a:solidFill>
-              </a:rPr>
-              <a:t>PyTorch</a:t>
-            </a:r>
-            <a:r>
-              <a:rPr lang="en-US" dirty="0">
-                <a:solidFill>
-                  <a:srgbClr val="000000"/>
-                </a:solidFill>
-              </a:rPr>
-              <a:t> </a:t>
-            </a:r>
-            <a:r>
-              <a:rPr lang="ru-RU" dirty="0">
-                <a:solidFill>
-                  <a:srgbClr val="000000"/>
-                </a:solidFill>
-              </a:rPr>
-              <a:t>сети</a:t>
-            </a:r>
-          </a:p>
-          <a:p>
-            <a:pPr marL="742950" lvl="1" indent="-285750">
-              <a:buFont typeface="Arial" panose="020B0604020202020204" pitchFamily="34" charset="0"/>
-              <a:buChar char="•"/>
-            </a:pPr>
-            <a:r>
-              <a:rPr lang="ru-RU" sz="1600" dirty="0">
-                <a:solidFill>
-                  <a:srgbClr val="000000"/>
-                </a:solidFill>
-              </a:rPr>
-              <a:t>Любые</a:t>
-            </a:r>
-            <a:r>
-              <a:rPr lang="ru-RU" dirty="0">
-                <a:solidFill>
-                  <a:srgbClr val="000000"/>
-                </a:solidFill>
-              </a:rPr>
-              <a:t> </a:t>
-            </a:r>
-            <a:r>
-              <a:rPr lang="ru-RU" sz="1600" dirty="0">
-                <a:solidFill>
-                  <a:srgbClr val="000000"/>
-                </a:solidFill>
-              </a:rPr>
-              <a:t>архитектуры</a:t>
-            </a:r>
-            <a:r>
-              <a:rPr lang="ru-RU" dirty="0">
-                <a:solidFill>
-                  <a:srgbClr val="000000"/>
-                </a:solidFill>
-              </a:rPr>
-              <a:t> </a:t>
-            </a:r>
-            <a:r>
-              <a:rPr lang="ru-RU" sz="1600" dirty="0">
-                <a:solidFill>
-                  <a:srgbClr val="000000"/>
-                </a:solidFill>
-              </a:rPr>
-              <a:t>линейного</a:t>
-            </a:r>
-            <a:r>
-              <a:rPr lang="ru-RU" dirty="0">
-                <a:solidFill>
-                  <a:srgbClr val="000000"/>
-                </a:solidFill>
-              </a:rPr>
-              <a:t> </a:t>
-            </a:r>
-            <a:r>
-              <a:rPr lang="ru-RU" sz="1600" dirty="0">
-                <a:solidFill>
-                  <a:srgbClr val="000000"/>
-                </a:solidFill>
-              </a:rPr>
-              <a:t>типа</a:t>
-            </a:r>
-            <a:endParaRPr lang="ru-RU" dirty="0">
-              <a:solidFill>
-                <a:srgbClr val="000000"/>
-              </a:solidFill>
-            </a:endParaRPr>
-          </a:p>
-          <a:p>
-            <a:pPr marL="742950" lvl="1" indent="-285750">
-              <a:buFont typeface="Arial" panose="020B0604020202020204" pitchFamily="34" charset="0"/>
-              <a:buChar char="•"/>
-            </a:pPr>
-            <a:r>
-              <a:rPr lang="ru-RU" sz="1600" dirty="0">
-                <a:solidFill>
-                  <a:srgbClr val="000000"/>
-                </a:solidFill>
-              </a:rPr>
-              <a:t>Любые архитектуры без явных тензорных операций и некоторого класса операций (для которых реализация </a:t>
-            </a:r>
-            <a:r>
-              <a:rPr lang="en-US" sz="1600" dirty="0">
-                <a:solidFill>
-                  <a:srgbClr val="000000"/>
-                </a:solidFill>
-              </a:rPr>
-              <a:t>ONNX </a:t>
-            </a:r>
-            <a:r>
-              <a:rPr lang="ru-RU" sz="1600" dirty="0">
-                <a:solidFill>
-                  <a:srgbClr val="000000"/>
-                </a:solidFill>
-              </a:rPr>
-              <a:t>и </a:t>
-            </a:r>
-            <a:r>
-              <a:rPr lang="en-US" sz="1600" dirty="0" err="1">
-                <a:solidFill>
-                  <a:srgbClr val="000000"/>
-                </a:solidFill>
-              </a:rPr>
-              <a:t>PyTorch</a:t>
-            </a:r>
-            <a:r>
-              <a:rPr lang="en-US" sz="1600" dirty="0">
-                <a:solidFill>
-                  <a:srgbClr val="000000"/>
-                </a:solidFill>
-              </a:rPr>
-              <a:t> </a:t>
-            </a:r>
-            <a:r>
-              <a:rPr lang="ru-RU" sz="1600" dirty="0">
-                <a:solidFill>
-                  <a:srgbClr val="000000"/>
-                </a:solidFill>
-              </a:rPr>
-              <a:t>существенно различается)</a:t>
-            </a:r>
-          </a:p>
-          <a:p>
-            <a:pPr marL="285750" indent="-285750">
-              <a:buFont typeface="Arial" panose="020B0604020202020204" pitchFamily="34" charset="0"/>
-              <a:buChar char="•"/>
-            </a:pPr>
-            <a:r>
-              <a:rPr lang="ru-RU" dirty="0">
-                <a:solidFill>
-                  <a:srgbClr val="000000"/>
-                </a:solidFill>
-              </a:rPr>
-              <a:t>Были сконвертированы: </a:t>
-            </a:r>
-            <a:r>
-              <a:rPr lang="en-US" dirty="0" err="1">
-                <a:solidFill>
-                  <a:srgbClr val="000000"/>
-                </a:solidFill>
-              </a:rPr>
-              <a:t>LeNet</a:t>
-            </a:r>
-            <a:r>
-              <a:rPr lang="en-US" dirty="0">
-                <a:solidFill>
-                  <a:srgbClr val="000000"/>
-                </a:solidFill>
-              </a:rPr>
-              <a:t>, </a:t>
-            </a:r>
-            <a:r>
-              <a:rPr lang="en-US" dirty="0" err="1">
-                <a:solidFill>
-                  <a:srgbClr val="000000"/>
-                </a:solidFill>
-              </a:rPr>
-              <a:t>ResNet</a:t>
-            </a:r>
-            <a:r>
-              <a:rPr lang="en-US" dirty="0">
-                <a:solidFill>
-                  <a:srgbClr val="000000"/>
-                </a:solidFill>
-              </a:rPr>
-              <a:t>, </a:t>
-            </a:r>
-            <a:r>
-              <a:rPr lang="en-US" dirty="0" err="1">
-                <a:solidFill>
-                  <a:srgbClr val="000000"/>
-                </a:solidFill>
-              </a:rPr>
-              <a:t>Unet</a:t>
-            </a:r>
-            <a:r>
-              <a:rPr lang="en-US" dirty="0">
-                <a:solidFill>
-                  <a:srgbClr val="000000"/>
-                </a:solidFill>
-              </a:rPr>
-              <a:t>, VGG19 </a:t>
-            </a:r>
-            <a:r>
-              <a:rPr lang="ru-RU" dirty="0">
-                <a:solidFill>
-                  <a:srgbClr val="000000"/>
-                </a:solidFill>
-              </a:rPr>
-              <a:t>и </a:t>
-            </a:r>
-            <a:r>
-              <a:rPr lang="en-US" dirty="0" err="1">
-                <a:solidFill>
-                  <a:srgbClr val="000000"/>
-                </a:solidFill>
-              </a:rPr>
-              <a:t>DCGun</a:t>
-            </a:r>
-            <a:endParaRPr lang="en-US" dirty="0">
-              <a:solidFill>
-                <a:srgbClr val="000000"/>
-              </a:solidFill>
-            </a:endParaRPr>
-          </a:p>
-          <a:p>
-            <a:pPr marL="285750" indent="-285750">
-              <a:buFont typeface="Arial" panose="020B0604020202020204" pitchFamily="34" charset="0"/>
-              <a:buChar char="•"/>
-            </a:pPr>
-            <a:r>
-              <a:rPr lang="ru-RU" dirty="0">
-                <a:solidFill>
-                  <a:srgbClr val="000000"/>
-                </a:solidFill>
-              </a:rPr>
-              <a:t>Время исполнения и вес полученных моделей отличаются от исходных менее чем на 5%</a:t>
-            </a:r>
-            <a:endParaRPr lang="en-US" dirty="0">
-              <a:solidFill>
-                <a:srgbClr val="000000"/>
-              </a:solidFill>
-            </a:endParaRPr>
-          </a:p>
-        </p:txBody>
-      </p:sp>
-    </p:spTree>
-    <p:extLst>
-      <p:ext uri="{BB962C8B-B14F-4D97-AF65-F5344CB8AC3E}">
-        <p14:creationId xmlns:p14="http://schemas.microsoft.com/office/powerpoint/2010/main" val="1254429669"/>
-      </p:ext>
-    </p:extLst>
-  </p:cSld>
-  <p:clrMapOvr>
-    <a:masterClrMapping/>
-  </p:clrMapOvr>
-</p:sld>
-</file>
-
-<file path=ppt/slides/slide9.xml><?xml version="1.0" encoding="utf-8"?>
 <p:sld xmlns:a="http://schemas.openxmlformats.org/drawingml/2006/main" xmlns:r="http://schemas.openxmlformats.org/officeDocument/2006/relationships" xmlns:p="http://schemas.openxmlformats.org/presentationml/2006/main">
   <p:cSld>
     <p:spTree>
@@ -6555,6 +5024,4580 @@
     <p:extLst>
       <p:ext uri="{BB962C8B-B14F-4D97-AF65-F5344CB8AC3E}">
         <p14:creationId xmlns:p14="http://schemas.microsoft.com/office/powerpoint/2010/main" val="2290475877"/>
+      </p:ext>
+    </p:extLst>
+  </p:cSld>
+  <p:clrMapOvr>
+    <a:masterClrMapping/>
+  </p:clrMapOvr>
+</p:sld>
+</file>
+
+<file path=ppt/slides/slide11.xml><?xml version="1.0" encoding="utf-8"?>
+<p:sld xmlns:a="http://schemas.openxmlformats.org/drawingml/2006/main" xmlns:r="http://schemas.openxmlformats.org/officeDocument/2006/relationships" xmlns:p="http://schemas.openxmlformats.org/presentationml/2006/main">
+  <p:cSld>
+    <p:spTree>
+      <p:nvGrpSpPr>
+        <p:cNvPr id="1" name=""/>
+        <p:cNvGrpSpPr/>
+        <p:nvPr/>
+      </p:nvGrpSpPr>
+      <p:grpSpPr>
+        <a:xfrm>
+          <a:off x="0" y="0"/>
+          <a:ext cx="0" cy="0"/>
+          <a:chOff x="0" y="0"/>
+          <a:chExt cx="0" cy="0"/>
+        </a:xfrm>
+      </p:grpSpPr>
+      <p:sp>
+        <p:nvSpPr>
+          <p:cNvPr id="2" name="Title 1"/>
+          <p:cNvSpPr>
+            <a:spLocks noGrp="1"/>
+          </p:cNvSpPr>
+          <p:nvPr>
+            <p:ph type="title"/>
+          </p:nvPr>
+        </p:nvSpPr>
+        <p:spPr>
+          <a:xfrm>
+            <a:off x="766084" y="174677"/>
+            <a:ext cx="5965438" cy="1488969"/>
+          </a:xfrm>
+        </p:spPr>
+        <p:txBody>
+          <a:bodyPr/>
+          <a:lstStyle/>
+          <a:p>
+            <a:r>
+              <a:rPr lang="ru-RU" b="1" dirty="0">
+                <a:solidFill>
+                  <a:srgbClr val="000000"/>
+                </a:solidFill>
+              </a:rPr>
+              <a:t>Результаты</a:t>
+            </a:r>
+            <a:endParaRPr lang="en-US" b="1" dirty="0">
+              <a:solidFill>
+                <a:srgbClr val="000000"/>
+              </a:solidFill>
+            </a:endParaRPr>
+          </a:p>
+        </p:txBody>
+      </p:sp>
+      <p:sp>
+        <p:nvSpPr>
+          <p:cNvPr id="3" name="Text Placeholder 2"/>
+          <p:cNvSpPr>
+            <a:spLocks noGrp="1"/>
+          </p:cNvSpPr>
+          <p:nvPr>
+            <p:ph type="body" sz="quarter" idx="10"/>
+          </p:nvPr>
+        </p:nvSpPr>
+        <p:spPr>
+          <a:xfrm>
+            <a:off x="765697" y="1817181"/>
+            <a:ext cx="8232306" cy="2439773"/>
+          </a:xfrm>
+        </p:spPr>
+        <p:txBody>
+          <a:bodyPr>
+            <a:normAutofit/>
+          </a:bodyPr>
+          <a:lstStyle/>
+          <a:p>
+            <a:pPr marL="285750" indent="-285750">
+              <a:buFont typeface="Arial" panose="020B0604020202020204" pitchFamily="34" charset="0"/>
+              <a:buChar char="•"/>
+            </a:pPr>
+            <a:r>
+              <a:rPr lang="ru-RU" sz="2000" dirty="0">
+                <a:solidFill>
+                  <a:srgbClr val="000000"/>
+                </a:solidFill>
+              </a:rPr>
+              <a:t>Способен конвертировать </a:t>
+            </a:r>
+            <a:r>
+              <a:rPr lang="en-US" sz="2000" dirty="0" err="1">
+                <a:solidFill>
+                  <a:srgbClr val="000000"/>
+                </a:solidFill>
+              </a:rPr>
+              <a:t>PyTorch</a:t>
+            </a:r>
+            <a:r>
+              <a:rPr lang="ru-RU" sz="2000" dirty="0">
+                <a:solidFill>
+                  <a:srgbClr val="000000"/>
+                </a:solidFill>
+              </a:rPr>
+              <a:t> любые архитектуры без явных тензорных операций и некоторого класса операций (для которых реализация </a:t>
+            </a:r>
+            <a:r>
+              <a:rPr lang="en-US" sz="2000" dirty="0">
+                <a:solidFill>
+                  <a:srgbClr val="000000"/>
+                </a:solidFill>
+              </a:rPr>
+              <a:t>ONNX </a:t>
+            </a:r>
+            <a:r>
+              <a:rPr lang="ru-RU" sz="2000" dirty="0">
+                <a:solidFill>
+                  <a:srgbClr val="000000"/>
+                </a:solidFill>
+              </a:rPr>
+              <a:t>и </a:t>
+            </a:r>
+            <a:r>
+              <a:rPr lang="en-US" sz="2000" dirty="0" err="1">
+                <a:solidFill>
+                  <a:srgbClr val="000000"/>
+                </a:solidFill>
+              </a:rPr>
+              <a:t>PyTorch</a:t>
+            </a:r>
+            <a:r>
+              <a:rPr lang="en-US" sz="2000" dirty="0">
+                <a:solidFill>
+                  <a:srgbClr val="000000"/>
+                </a:solidFill>
+              </a:rPr>
+              <a:t> </a:t>
+            </a:r>
+            <a:r>
+              <a:rPr lang="ru-RU" sz="2000" dirty="0">
+                <a:solidFill>
+                  <a:srgbClr val="000000"/>
+                </a:solidFill>
+              </a:rPr>
+              <a:t>существенно различается)</a:t>
+            </a:r>
+          </a:p>
+          <a:p>
+            <a:pPr marL="285750" indent="-285750">
+              <a:buFont typeface="Arial" panose="020B0604020202020204" pitchFamily="34" charset="0"/>
+              <a:buChar char="•"/>
+            </a:pPr>
+            <a:r>
+              <a:rPr lang="ru-RU" sz="2000" dirty="0">
+                <a:solidFill>
+                  <a:srgbClr val="000000"/>
+                </a:solidFill>
+              </a:rPr>
+              <a:t>Были сконвертированы: </a:t>
+            </a:r>
+            <a:r>
+              <a:rPr lang="en-US" sz="2000" i="1" dirty="0" err="1">
+                <a:solidFill>
+                  <a:srgbClr val="000000"/>
+                </a:solidFill>
+              </a:rPr>
+              <a:t>LeNet</a:t>
+            </a:r>
+            <a:r>
+              <a:rPr lang="en-US" sz="2000" dirty="0">
+                <a:solidFill>
+                  <a:srgbClr val="000000"/>
+                </a:solidFill>
+              </a:rPr>
+              <a:t>, </a:t>
+            </a:r>
+            <a:r>
+              <a:rPr lang="en-US" sz="2000" i="1" dirty="0" err="1">
+                <a:solidFill>
+                  <a:srgbClr val="000000"/>
+                </a:solidFill>
+              </a:rPr>
+              <a:t>ResNet</a:t>
+            </a:r>
+            <a:r>
+              <a:rPr lang="en-US" sz="2000" dirty="0">
+                <a:solidFill>
+                  <a:srgbClr val="000000"/>
+                </a:solidFill>
+              </a:rPr>
+              <a:t>, </a:t>
+            </a:r>
+            <a:r>
+              <a:rPr lang="en-US" sz="2000" i="1" dirty="0" err="1">
+                <a:solidFill>
+                  <a:srgbClr val="000000"/>
+                </a:solidFill>
+              </a:rPr>
+              <a:t>Unet</a:t>
+            </a:r>
+            <a:r>
+              <a:rPr lang="en-US" sz="2000" dirty="0">
+                <a:solidFill>
+                  <a:srgbClr val="000000"/>
+                </a:solidFill>
+              </a:rPr>
+              <a:t>, </a:t>
+            </a:r>
+            <a:r>
+              <a:rPr lang="en-US" sz="2000" i="1" dirty="0">
+                <a:solidFill>
+                  <a:srgbClr val="000000"/>
+                </a:solidFill>
+              </a:rPr>
+              <a:t>VGG19</a:t>
+            </a:r>
+            <a:r>
+              <a:rPr lang="en-US" sz="2000" dirty="0">
+                <a:solidFill>
+                  <a:srgbClr val="000000"/>
+                </a:solidFill>
+              </a:rPr>
+              <a:t> </a:t>
+            </a:r>
+            <a:r>
+              <a:rPr lang="ru-RU" sz="2000" dirty="0">
+                <a:solidFill>
+                  <a:srgbClr val="000000"/>
+                </a:solidFill>
+              </a:rPr>
+              <a:t>и </a:t>
+            </a:r>
+            <a:r>
+              <a:rPr lang="en-US" sz="2000" i="1" dirty="0" err="1">
+                <a:solidFill>
+                  <a:srgbClr val="000000"/>
+                </a:solidFill>
+              </a:rPr>
+              <a:t>DCGun</a:t>
+            </a:r>
+            <a:endParaRPr lang="en-US" sz="2000" i="1" dirty="0">
+              <a:solidFill>
+                <a:srgbClr val="000000"/>
+              </a:solidFill>
+            </a:endParaRPr>
+          </a:p>
+          <a:p>
+            <a:pPr marL="285750" indent="-285750">
+              <a:buFont typeface="Arial" panose="020B0604020202020204" pitchFamily="34" charset="0"/>
+              <a:buChar char="•"/>
+            </a:pPr>
+            <a:r>
+              <a:rPr lang="ru-RU" sz="2000" dirty="0">
+                <a:solidFill>
+                  <a:srgbClr val="000000"/>
+                </a:solidFill>
+              </a:rPr>
+              <a:t>Время исполнения и вес полученных моделей отличаются от исходных менее чем на 5%</a:t>
+            </a:r>
+            <a:endParaRPr lang="en-US" sz="2000" dirty="0">
+              <a:solidFill>
+                <a:srgbClr val="000000"/>
+              </a:solidFill>
+            </a:endParaRPr>
+          </a:p>
+        </p:txBody>
+      </p:sp>
+    </p:spTree>
+    <p:extLst>
+      <p:ext uri="{BB962C8B-B14F-4D97-AF65-F5344CB8AC3E}">
+        <p14:creationId xmlns:p14="http://schemas.microsoft.com/office/powerpoint/2010/main" val="1254429669"/>
+      </p:ext>
+    </p:extLst>
+  </p:cSld>
+  <p:clrMapOvr>
+    <a:masterClrMapping/>
+  </p:clrMapOvr>
+</p:sld>
+</file>
+
+<file path=ppt/slides/slide12.xml><?xml version="1.0" encoding="utf-8"?>
+<p:sld xmlns:a="http://schemas.openxmlformats.org/drawingml/2006/main" xmlns:r="http://schemas.openxmlformats.org/officeDocument/2006/relationships" xmlns:p="http://schemas.openxmlformats.org/presentationml/2006/main">
+  <p:cSld>
+    <p:spTree>
+      <p:nvGrpSpPr>
+        <p:cNvPr id="1" name=""/>
+        <p:cNvGrpSpPr/>
+        <p:nvPr/>
+      </p:nvGrpSpPr>
+      <p:grpSpPr>
+        <a:xfrm>
+          <a:off x="0" y="0"/>
+          <a:ext cx="0" cy="0"/>
+          <a:chOff x="0" y="0"/>
+          <a:chExt cx="0" cy="0"/>
+        </a:xfrm>
+      </p:grpSpPr>
+      <p:sp>
+        <p:nvSpPr>
+          <p:cNvPr id="2" name="Title 1"/>
+          <p:cNvSpPr>
+            <a:spLocks noGrp="1"/>
+          </p:cNvSpPr>
+          <p:nvPr>
+            <p:ph type="title"/>
+          </p:nvPr>
+        </p:nvSpPr>
+        <p:spPr>
+          <a:xfrm>
+            <a:off x="766084" y="174677"/>
+            <a:ext cx="5965438" cy="1488969"/>
+          </a:xfrm>
+        </p:spPr>
+        <p:txBody>
+          <a:bodyPr/>
+          <a:lstStyle/>
+          <a:p>
+            <a:r>
+              <a:rPr lang="ru-RU" b="1" dirty="0">
+                <a:solidFill>
+                  <a:srgbClr val="000000"/>
+                </a:solidFill>
+              </a:rPr>
+              <a:t>Результаты</a:t>
+            </a:r>
+            <a:endParaRPr lang="en-US" b="1" dirty="0">
+              <a:solidFill>
+                <a:srgbClr val="000000"/>
+              </a:solidFill>
+            </a:endParaRPr>
+          </a:p>
+        </p:txBody>
+      </p:sp>
+      <p:graphicFrame>
+        <p:nvGraphicFramePr>
+          <p:cNvPr id="4" name="Table 3">
+            <a:extLst>
+              <a:ext uri="{FF2B5EF4-FFF2-40B4-BE49-F238E27FC236}">
+                <a16:creationId xmlns:a16="http://schemas.microsoft.com/office/drawing/2014/main" id="{62C38A02-00B4-4791-967D-C80AC2065E25}"/>
+              </a:ext>
+            </a:extLst>
+          </p:cNvPr>
+          <p:cNvGraphicFramePr>
+            <a:graphicFrameLocks noGrp="1"/>
+          </p:cNvGraphicFramePr>
+          <p:nvPr>
+            <p:extLst>
+              <p:ext uri="{D42A27DB-BD31-4B8C-83A1-F6EECF244321}">
+                <p14:modId xmlns:p14="http://schemas.microsoft.com/office/powerpoint/2010/main" val="1567147735"/>
+              </p:ext>
+            </p:extLst>
+          </p:nvPr>
+        </p:nvGraphicFramePr>
+        <p:xfrm>
+          <a:off x="119211" y="1906173"/>
+          <a:ext cx="4821623" cy="1839899"/>
+        </p:xfrm>
+        <a:graphic>
+          <a:graphicData uri="http://schemas.openxmlformats.org/drawingml/2006/table">
+            <a:tbl>
+              <a:tblPr>
+                <a:tableStyleId>{5C22544A-7EE6-4342-B048-85BDC9FD1C3A}</a:tableStyleId>
+              </a:tblPr>
+              <a:tblGrid>
+                <a:gridCol w="930489">
+                  <a:extLst>
+                    <a:ext uri="{9D8B030D-6E8A-4147-A177-3AD203B41FA5}">
+                      <a16:colId xmlns:a16="http://schemas.microsoft.com/office/drawing/2014/main" val="2623389304"/>
+                    </a:ext>
+                  </a:extLst>
+                </a:gridCol>
+                <a:gridCol w="911690">
+                  <a:extLst>
+                    <a:ext uri="{9D8B030D-6E8A-4147-A177-3AD203B41FA5}">
+                      <a16:colId xmlns:a16="http://schemas.microsoft.com/office/drawing/2014/main" val="1697638707"/>
+                    </a:ext>
+                  </a:extLst>
+                </a:gridCol>
+                <a:gridCol w="958685">
+                  <a:extLst>
+                    <a:ext uri="{9D8B030D-6E8A-4147-A177-3AD203B41FA5}">
+                      <a16:colId xmlns:a16="http://schemas.microsoft.com/office/drawing/2014/main" val="1648722943"/>
+                    </a:ext>
+                  </a:extLst>
+                </a:gridCol>
+                <a:gridCol w="1005680">
+                  <a:extLst>
+                    <a:ext uri="{9D8B030D-6E8A-4147-A177-3AD203B41FA5}">
+                      <a16:colId xmlns:a16="http://schemas.microsoft.com/office/drawing/2014/main" val="3548850178"/>
+                    </a:ext>
+                  </a:extLst>
+                </a:gridCol>
+                <a:gridCol w="1015079">
+                  <a:extLst>
+                    <a:ext uri="{9D8B030D-6E8A-4147-A177-3AD203B41FA5}">
+                      <a16:colId xmlns:a16="http://schemas.microsoft.com/office/drawing/2014/main" val="1123746861"/>
+                    </a:ext>
+                  </a:extLst>
+                </a:gridCol>
+              </a:tblGrid>
+              <a:tr h="289462">
+                <a:tc gridSpan="5">
+                  <a:txBody>
+                    <a:bodyPr/>
+                    <a:lstStyle/>
+                    <a:p>
+                      <a:pPr algn="ctr" fontAlgn="b"/>
+                      <a:r>
+                        <a:rPr lang="ru-RU" sz="1400" u="none" strike="noStrike" dirty="0">
+                          <a:effectLst/>
+                        </a:rPr>
+                        <a:t>Соотношение занимаемой памяти</a:t>
+                      </a:r>
+                      <a:endParaRPr lang="ru-RU" sz="1400" b="0" i="0" u="none" strike="noStrike" dirty="0">
+                        <a:solidFill>
+                          <a:srgbClr val="000000"/>
+                        </a:solidFill>
+                        <a:effectLst/>
+                        <a:latin typeface="Calibri" panose="020F0502020204030204" pitchFamily="34" charset="0"/>
+                      </a:endParaRPr>
+                    </a:p>
+                  </a:txBody>
+                  <a:tcPr marL="6350" marR="6350" marT="6350" marB="0" anchor="b"/>
+                </a:tc>
+                <a:tc hMerge="1">
+                  <a:txBody>
+                    <a:bodyPr/>
+                    <a:lstStyle/>
+                    <a:p>
+                      <a:endParaRPr lang="ru-RU"/>
+                    </a:p>
+                  </a:txBody>
+                  <a:tcPr/>
+                </a:tc>
+                <a:tc hMerge="1">
+                  <a:txBody>
+                    <a:bodyPr/>
+                    <a:lstStyle/>
+                    <a:p>
+                      <a:endParaRPr lang="ru-RU"/>
+                    </a:p>
+                  </a:txBody>
+                  <a:tcPr/>
+                </a:tc>
+                <a:tc hMerge="1">
+                  <a:txBody>
+                    <a:bodyPr/>
+                    <a:lstStyle/>
+                    <a:p>
+                      <a:endParaRPr lang="ru-RU"/>
+                    </a:p>
+                  </a:txBody>
+                  <a:tcPr/>
+                </a:tc>
+                <a:tc hMerge="1">
+                  <a:txBody>
+                    <a:bodyPr/>
+                    <a:lstStyle/>
+                    <a:p>
+                      <a:endParaRPr lang="ru-RU"/>
+                    </a:p>
+                  </a:txBody>
+                  <a:tcPr/>
+                </a:tc>
+                <a:extLst>
+                  <a:ext uri="{0D108BD9-81ED-4DB2-BD59-A6C34878D82A}">
+                    <a16:rowId xmlns:a16="http://schemas.microsoft.com/office/drawing/2014/main" val="1292128825"/>
+                  </a:ext>
+                </a:extLst>
+              </a:tr>
+              <a:tr h="268881">
+                <a:tc>
+                  <a:txBody>
+                    <a:bodyPr/>
+                    <a:lstStyle/>
+                    <a:p>
+                      <a:pPr algn="l" fontAlgn="b"/>
+                      <a:r>
+                        <a:rPr lang="ru-RU" sz="1400" u="none" strike="noStrike">
+                          <a:effectLst/>
+                        </a:rPr>
+                        <a:t> </a:t>
+                      </a:r>
+                      <a:endParaRPr lang="ru-RU" sz="1400" b="0" i="0" u="none" strike="noStrike">
+                        <a:solidFill>
+                          <a:srgbClr val="000000"/>
+                        </a:solidFill>
+                        <a:effectLst/>
+                        <a:latin typeface="Calibri" panose="020F0502020204030204" pitchFamily="34" charset="0"/>
+                      </a:endParaRPr>
+                    </a:p>
+                  </a:txBody>
+                  <a:tcPr marL="6350" marR="6350" marT="6350" marB="0" anchor="b"/>
+                </a:tc>
+                <a:tc>
+                  <a:txBody>
+                    <a:bodyPr/>
+                    <a:lstStyle/>
+                    <a:p>
+                      <a:pPr algn="ctr" fontAlgn="b"/>
+                      <a:r>
+                        <a:rPr lang="en-US" sz="1400" u="none" strike="noStrike">
+                          <a:effectLst/>
+                        </a:rPr>
+                        <a:t>LeNet</a:t>
+                      </a:r>
+                      <a:endParaRPr lang="en-US" sz="1400" b="1" i="0" u="none" strike="noStrike">
+                        <a:solidFill>
+                          <a:srgbClr val="000000"/>
+                        </a:solidFill>
+                        <a:effectLst/>
+                        <a:latin typeface="Calibri" panose="020F0502020204030204" pitchFamily="34" charset="0"/>
+                      </a:endParaRPr>
+                    </a:p>
+                  </a:txBody>
+                  <a:tcPr marL="6350" marR="6350" marT="6350" marB="0" anchor="b"/>
+                </a:tc>
+                <a:tc>
+                  <a:txBody>
+                    <a:bodyPr/>
+                    <a:lstStyle/>
+                    <a:p>
+                      <a:pPr algn="ctr" fontAlgn="b"/>
+                      <a:r>
+                        <a:rPr lang="en-US" sz="1400" u="none" strike="noStrike">
+                          <a:effectLst/>
+                        </a:rPr>
+                        <a:t>UNet</a:t>
+                      </a:r>
+                      <a:endParaRPr lang="en-US" sz="1400" b="1" i="0" u="none" strike="noStrike">
+                        <a:solidFill>
+                          <a:srgbClr val="000000"/>
+                        </a:solidFill>
+                        <a:effectLst/>
+                        <a:latin typeface="Calibri" panose="020F0502020204030204" pitchFamily="34" charset="0"/>
+                      </a:endParaRPr>
+                    </a:p>
+                  </a:txBody>
+                  <a:tcPr marL="6350" marR="6350" marT="6350" marB="0" anchor="b"/>
+                </a:tc>
+                <a:tc>
+                  <a:txBody>
+                    <a:bodyPr/>
+                    <a:lstStyle/>
+                    <a:p>
+                      <a:pPr algn="ctr" fontAlgn="b"/>
+                      <a:r>
+                        <a:rPr lang="en-US" sz="1400" u="none" strike="noStrike">
+                          <a:effectLst/>
+                        </a:rPr>
+                        <a:t>ResNet</a:t>
+                      </a:r>
+                      <a:endParaRPr lang="en-US" sz="1400" b="1" i="0" u="none" strike="noStrike">
+                        <a:solidFill>
+                          <a:srgbClr val="000000"/>
+                        </a:solidFill>
+                        <a:effectLst/>
+                        <a:latin typeface="Calibri" panose="020F0502020204030204" pitchFamily="34" charset="0"/>
+                      </a:endParaRPr>
+                    </a:p>
+                  </a:txBody>
+                  <a:tcPr marL="6350" marR="6350" marT="6350" marB="0" anchor="b"/>
+                </a:tc>
+                <a:tc>
+                  <a:txBody>
+                    <a:bodyPr/>
+                    <a:lstStyle/>
+                    <a:p>
+                      <a:pPr algn="ctr" fontAlgn="b"/>
+                      <a:r>
+                        <a:rPr lang="en-US" sz="1400" u="none" strike="noStrike">
+                          <a:effectLst/>
+                        </a:rPr>
+                        <a:t>VGG19</a:t>
+                      </a:r>
+                      <a:endParaRPr lang="en-US" sz="1400" b="1" i="0" u="none" strike="noStrike">
+                        <a:solidFill>
+                          <a:srgbClr val="000000"/>
+                        </a:solidFill>
+                        <a:effectLst/>
+                        <a:latin typeface="Calibri" panose="020F0502020204030204" pitchFamily="34" charset="0"/>
+                      </a:endParaRPr>
+                    </a:p>
+                  </a:txBody>
+                  <a:tcPr marL="6350" marR="6350" marT="6350" marB="0" anchor="b"/>
+                </a:tc>
+                <a:extLst>
+                  <a:ext uri="{0D108BD9-81ED-4DB2-BD59-A6C34878D82A}">
+                    <a16:rowId xmlns:a16="http://schemas.microsoft.com/office/drawing/2014/main" val="2995285346"/>
+                  </a:ext>
+                </a:extLst>
+              </a:tr>
+              <a:tr h="496047">
+                <a:tc>
+                  <a:txBody>
+                    <a:bodyPr/>
+                    <a:lstStyle/>
+                    <a:p>
+                      <a:pPr algn="l" fontAlgn="b"/>
+                      <a:r>
+                        <a:rPr lang="en-US" sz="1400" u="none" strike="noStrike">
+                          <a:effectLst/>
+                        </a:rPr>
+                        <a:t>PyTorch</a:t>
+                      </a:r>
+                      <a:endParaRPr lang="en-US" sz="1400" b="0" i="0" u="none" strike="noStrike">
+                        <a:solidFill>
+                          <a:srgbClr val="000000"/>
+                        </a:solidFill>
+                        <a:effectLst/>
+                        <a:latin typeface="Calibri" panose="020F0502020204030204" pitchFamily="34" charset="0"/>
+                      </a:endParaRPr>
+                    </a:p>
+                  </a:txBody>
+                  <a:tcPr marL="6350" marR="6350" marT="6350" marB="0" anchor="b"/>
+                </a:tc>
+                <a:tc>
+                  <a:txBody>
+                    <a:bodyPr/>
+                    <a:lstStyle/>
+                    <a:p>
+                      <a:pPr algn="r" fontAlgn="b"/>
+                      <a:r>
+                        <a:rPr lang="ru-RU" sz="1400" u="none" strike="noStrike">
+                          <a:effectLst/>
+                        </a:rPr>
+                        <a:t>252,167</a:t>
+                      </a:r>
+                      <a:endParaRPr lang="ru-RU" sz="1400" b="0" i="0" u="none" strike="noStrike">
+                        <a:solidFill>
+                          <a:srgbClr val="000000"/>
+                        </a:solidFill>
+                        <a:effectLst/>
+                        <a:latin typeface="Calibri" panose="020F0502020204030204" pitchFamily="34" charset="0"/>
+                      </a:endParaRPr>
+                    </a:p>
+                  </a:txBody>
+                  <a:tcPr marL="6350" marR="6350" marT="6350" marB="0" anchor="b"/>
+                </a:tc>
+                <a:tc>
+                  <a:txBody>
+                    <a:bodyPr/>
+                    <a:lstStyle/>
+                    <a:p>
+                      <a:pPr algn="r" fontAlgn="b"/>
+                      <a:r>
+                        <a:rPr lang="ru-RU" sz="1400" u="none" strike="noStrike">
+                          <a:effectLst/>
+                        </a:rPr>
+                        <a:t>31,123,925</a:t>
+                      </a:r>
+                      <a:endParaRPr lang="ru-RU" sz="1400" b="0" i="0" u="none" strike="noStrike">
+                        <a:solidFill>
+                          <a:srgbClr val="000000"/>
+                        </a:solidFill>
+                        <a:effectLst/>
+                        <a:latin typeface="Calibri" panose="020F0502020204030204" pitchFamily="34" charset="0"/>
+                      </a:endParaRPr>
+                    </a:p>
+                  </a:txBody>
+                  <a:tcPr marL="6350" marR="6350" marT="6350" marB="0" anchor="b"/>
+                </a:tc>
+                <a:tc>
+                  <a:txBody>
+                    <a:bodyPr/>
+                    <a:lstStyle/>
+                    <a:p>
+                      <a:pPr algn="r" fontAlgn="b"/>
+                      <a:r>
+                        <a:rPr lang="ru-RU" sz="1400" u="none" strike="noStrike" dirty="0">
+                          <a:effectLst/>
+                        </a:rPr>
+                        <a:t>178,868,701</a:t>
+                      </a:r>
+                      <a:endParaRPr lang="ru-RU" sz="1400" b="0" i="0" u="none" strike="noStrike" dirty="0">
+                        <a:solidFill>
+                          <a:srgbClr val="000000"/>
+                        </a:solidFill>
+                        <a:effectLst/>
+                        <a:latin typeface="Calibri" panose="020F0502020204030204" pitchFamily="34" charset="0"/>
+                      </a:endParaRPr>
+                    </a:p>
+                  </a:txBody>
+                  <a:tcPr marL="6350" marR="6350" marT="6350" marB="0" anchor="b"/>
+                </a:tc>
+                <a:tc>
+                  <a:txBody>
+                    <a:bodyPr/>
+                    <a:lstStyle/>
+                    <a:p>
+                      <a:pPr algn="r" fontAlgn="b"/>
+                      <a:r>
+                        <a:rPr lang="ru-RU" sz="1400" u="none" strike="noStrike" dirty="0">
+                          <a:effectLst/>
+                        </a:rPr>
+                        <a:t>574,801,813</a:t>
+                      </a:r>
+                      <a:endParaRPr lang="ru-RU" sz="1400" b="0" i="0" u="none" strike="noStrike" dirty="0">
+                        <a:solidFill>
+                          <a:srgbClr val="000000"/>
+                        </a:solidFill>
+                        <a:effectLst/>
+                        <a:latin typeface="Calibri" panose="020F0502020204030204" pitchFamily="34" charset="0"/>
+                      </a:endParaRPr>
+                    </a:p>
+                  </a:txBody>
+                  <a:tcPr marL="6350" marR="6350" marT="6350" marB="0" anchor="b"/>
+                </a:tc>
+                <a:extLst>
+                  <a:ext uri="{0D108BD9-81ED-4DB2-BD59-A6C34878D82A}">
+                    <a16:rowId xmlns:a16="http://schemas.microsoft.com/office/drawing/2014/main" val="3948964124"/>
+                  </a:ext>
+                </a:extLst>
+              </a:tr>
+              <a:tr h="496047">
+                <a:tc>
+                  <a:txBody>
+                    <a:bodyPr/>
+                    <a:lstStyle/>
+                    <a:p>
+                      <a:pPr algn="l" fontAlgn="b"/>
+                      <a:r>
+                        <a:rPr lang="en-US" sz="1400" u="none" strike="noStrike">
+                          <a:effectLst/>
+                        </a:rPr>
+                        <a:t>FAMLINN</a:t>
+                      </a:r>
+                      <a:endParaRPr lang="en-US" sz="1400" b="0" i="0" u="none" strike="noStrike">
+                        <a:solidFill>
+                          <a:srgbClr val="000000"/>
+                        </a:solidFill>
+                        <a:effectLst/>
+                        <a:latin typeface="Calibri" panose="020F0502020204030204" pitchFamily="34" charset="0"/>
+                      </a:endParaRPr>
+                    </a:p>
+                  </a:txBody>
+                  <a:tcPr marL="6350" marR="6350" marT="6350" marB="0" anchor="b"/>
+                </a:tc>
+                <a:tc>
+                  <a:txBody>
+                    <a:bodyPr/>
+                    <a:lstStyle/>
+                    <a:p>
+                      <a:pPr algn="r" fontAlgn="b"/>
+                      <a:r>
+                        <a:rPr lang="ru-RU" sz="1400" u="none" strike="noStrike">
+                          <a:effectLst/>
+                        </a:rPr>
+                        <a:t>260,364</a:t>
+                      </a:r>
+                      <a:endParaRPr lang="ru-RU" sz="1400" b="0" i="0" u="none" strike="noStrike">
+                        <a:solidFill>
+                          <a:srgbClr val="000000"/>
+                        </a:solidFill>
+                        <a:effectLst/>
+                        <a:latin typeface="Calibri" panose="020F0502020204030204" pitchFamily="34" charset="0"/>
+                      </a:endParaRPr>
+                    </a:p>
+                  </a:txBody>
+                  <a:tcPr marL="6350" marR="6350" marT="6350" marB="0" anchor="b"/>
+                </a:tc>
+                <a:tc>
+                  <a:txBody>
+                    <a:bodyPr/>
+                    <a:lstStyle/>
+                    <a:p>
+                      <a:pPr algn="r" fontAlgn="b"/>
+                      <a:r>
+                        <a:rPr lang="ru-RU" sz="1400" u="none" strike="noStrike">
+                          <a:effectLst/>
+                        </a:rPr>
+                        <a:t>31,169,956</a:t>
+                      </a:r>
+                      <a:endParaRPr lang="ru-RU" sz="1400" b="0" i="0" u="none" strike="noStrike">
+                        <a:solidFill>
+                          <a:srgbClr val="000000"/>
+                        </a:solidFill>
+                        <a:effectLst/>
+                        <a:latin typeface="Calibri" panose="020F0502020204030204" pitchFamily="34" charset="0"/>
+                      </a:endParaRPr>
+                    </a:p>
+                  </a:txBody>
+                  <a:tcPr marL="6350" marR="6350" marT="6350" marB="0" anchor="b"/>
+                </a:tc>
+                <a:tc>
+                  <a:txBody>
+                    <a:bodyPr/>
+                    <a:lstStyle/>
+                    <a:p>
+                      <a:pPr algn="r" fontAlgn="b"/>
+                      <a:r>
+                        <a:rPr lang="ru-RU" sz="1400" u="none" strike="noStrike">
+                          <a:effectLst/>
+                        </a:rPr>
+                        <a:t>179,097,231</a:t>
+                      </a:r>
+                      <a:endParaRPr lang="ru-RU" sz="1400" b="0" i="0" u="none" strike="noStrike">
+                        <a:solidFill>
+                          <a:srgbClr val="000000"/>
+                        </a:solidFill>
+                        <a:effectLst/>
+                        <a:latin typeface="Calibri" panose="020F0502020204030204" pitchFamily="34" charset="0"/>
+                      </a:endParaRPr>
+                    </a:p>
+                  </a:txBody>
+                  <a:tcPr marL="6350" marR="6350" marT="6350" marB="0" anchor="b"/>
+                </a:tc>
+                <a:tc>
+                  <a:txBody>
+                    <a:bodyPr/>
+                    <a:lstStyle/>
+                    <a:p>
+                      <a:pPr algn="r" fontAlgn="b"/>
+                      <a:r>
+                        <a:rPr lang="ru-RU" sz="1400" u="none" strike="noStrike">
+                          <a:effectLst/>
+                        </a:rPr>
+                        <a:t>574,842,587</a:t>
+                      </a:r>
+                      <a:endParaRPr lang="ru-RU" sz="1400" b="0" i="0" u="none" strike="noStrike">
+                        <a:solidFill>
+                          <a:srgbClr val="000000"/>
+                        </a:solidFill>
+                        <a:effectLst/>
+                        <a:latin typeface="Calibri" panose="020F0502020204030204" pitchFamily="34" charset="0"/>
+                      </a:endParaRPr>
+                    </a:p>
+                  </a:txBody>
+                  <a:tcPr marL="6350" marR="6350" marT="6350" marB="0" anchor="b"/>
+                </a:tc>
+                <a:extLst>
+                  <a:ext uri="{0D108BD9-81ED-4DB2-BD59-A6C34878D82A}">
+                    <a16:rowId xmlns:a16="http://schemas.microsoft.com/office/drawing/2014/main" val="2812618601"/>
+                  </a:ext>
+                </a:extLst>
+              </a:tr>
+              <a:tr h="289462">
+                <a:tc>
+                  <a:txBody>
+                    <a:bodyPr/>
+                    <a:lstStyle/>
+                    <a:p>
+                      <a:pPr algn="l" fontAlgn="b"/>
+                      <a:r>
+                        <a:rPr lang="en-US" sz="1400" u="none" strike="noStrike">
+                          <a:effectLst/>
+                        </a:rPr>
+                        <a:t>Ratio</a:t>
+                      </a:r>
+                      <a:endParaRPr lang="en-US" sz="1400" b="0" i="0" u="none" strike="noStrike">
+                        <a:solidFill>
+                          <a:srgbClr val="000000"/>
+                        </a:solidFill>
+                        <a:effectLst/>
+                        <a:latin typeface="Calibri" panose="020F0502020204030204" pitchFamily="34" charset="0"/>
+                      </a:endParaRPr>
+                    </a:p>
+                  </a:txBody>
+                  <a:tcPr marL="6350" marR="6350" marT="6350" marB="0" anchor="b"/>
+                </a:tc>
+                <a:tc>
+                  <a:txBody>
+                    <a:bodyPr/>
+                    <a:lstStyle/>
+                    <a:p>
+                      <a:pPr algn="r" fontAlgn="b"/>
+                      <a:r>
+                        <a:rPr lang="ru-RU" sz="1400" u="none" strike="noStrike">
+                          <a:effectLst/>
+                        </a:rPr>
+                        <a:t>3.25%</a:t>
+                      </a:r>
+                      <a:endParaRPr lang="ru-RU" sz="1400" b="0" i="0" u="none" strike="noStrike">
+                        <a:solidFill>
+                          <a:srgbClr val="000000"/>
+                        </a:solidFill>
+                        <a:effectLst/>
+                        <a:latin typeface="Calibri" panose="020F0502020204030204" pitchFamily="34" charset="0"/>
+                      </a:endParaRPr>
+                    </a:p>
+                  </a:txBody>
+                  <a:tcPr marL="6350" marR="6350" marT="6350" marB="0" anchor="b"/>
+                </a:tc>
+                <a:tc>
+                  <a:txBody>
+                    <a:bodyPr/>
+                    <a:lstStyle/>
+                    <a:p>
+                      <a:pPr algn="r" fontAlgn="b"/>
+                      <a:r>
+                        <a:rPr lang="ru-RU" sz="1400" u="none" strike="noStrike">
+                          <a:effectLst/>
+                        </a:rPr>
+                        <a:t>0.15%</a:t>
+                      </a:r>
+                      <a:endParaRPr lang="ru-RU" sz="1400" b="0" i="0" u="none" strike="noStrike">
+                        <a:solidFill>
+                          <a:srgbClr val="000000"/>
+                        </a:solidFill>
+                        <a:effectLst/>
+                        <a:latin typeface="Calibri" panose="020F0502020204030204" pitchFamily="34" charset="0"/>
+                      </a:endParaRPr>
+                    </a:p>
+                  </a:txBody>
+                  <a:tcPr marL="6350" marR="6350" marT="6350" marB="0" anchor="b"/>
+                </a:tc>
+                <a:tc>
+                  <a:txBody>
+                    <a:bodyPr/>
+                    <a:lstStyle/>
+                    <a:p>
+                      <a:pPr algn="r" fontAlgn="b"/>
+                      <a:r>
+                        <a:rPr lang="ru-RU" sz="1400" u="none" strike="noStrike">
+                          <a:effectLst/>
+                        </a:rPr>
+                        <a:t>0.13%</a:t>
+                      </a:r>
+                      <a:endParaRPr lang="ru-RU" sz="1400" b="0" i="0" u="none" strike="noStrike">
+                        <a:solidFill>
+                          <a:srgbClr val="000000"/>
+                        </a:solidFill>
+                        <a:effectLst/>
+                        <a:latin typeface="Calibri" panose="020F0502020204030204" pitchFamily="34" charset="0"/>
+                      </a:endParaRPr>
+                    </a:p>
+                  </a:txBody>
+                  <a:tcPr marL="6350" marR="6350" marT="6350" marB="0" anchor="b"/>
+                </a:tc>
+                <a:tc>
+                  <a:txBody>
+                    <a:bodyPr/>
+                    <a:lstStyle/>
+                    <a:p>
+                      <a:pPr algn="r" fontAlgn="b"/>
+                      <a:r>
+                        <a:rPr lang="ru-RU" sz="1400" u="none" strike="noStrike" dirty="0">
+                          <a:effectLst/>
+                        </a:rPr>
+                        <a:t>0.01%</a:t>
+                      </a:r>
+                      <a:endParaRPr lang="ru-RU" sz="1400" b="0" i="0" u="none" strike="noStrike" dirty="0">
+                        <a:solidFill>
+                          <a:srgbClr val="000000"/>
+                        </a:solidFill>
+                        <a:effectLst/>
+                        <a:latin typeface="Calibri" panose="020F0502020204030204" pitchFamily="34" charset="0"/>
+                      </a:endParaRPr>
+                    </a:p>
+                  </a:txBody>
+                  <a:tcPr marL="6350" marR="6350" marT="6350" marB="0" anchor="b"/>
+                </a:tc>
+                <a:extLst>
+                  <a:ext uri="{0D108BD9-81ED-4DB2-BD59-A6C34878D82A}">
+                    <a16:rowId xmlns:a16="http://schemas.microsoft.com/office/drawing/2014/main" val="1750295"/>
+                  </a:ext>
+                </a:extLst>
+              </a:tr>
+            </a:tbl>
+          </a:graphicData>
+        </a:graphic>
+      </p:graphicFrame>
+      <p:graphicFrame>
+        <p:nvGraphicFramePr>
+          <p:cNvPr id="5" name="Table 4">
+            <a:extLst>
+              <a:ext uri="{FF2B5EF4-FFF2-40B4-BE49-F238E27FC236}">
+                <a16:creationId xmlns:a16="http://schemas.microsoft.com/office/drawing/2014/main" id="{1307E079-1CCA-49B5-BEC4-3CF0230F0FA4}"/>
+              </a:ext>
+            </a:extLst>
+          </p:cNvPr>
+          <p:cNvGraphicFramePr>
+            <a:graphicFrameLocks noGrp="1"/>
+          </p:cNvGraphicFramePr>
+          <p:nvPr>
+            <p:extLst>
+              <p:ext uri="{D42A27DB-BD31-4B8C-83A1-F6EECF244321}">
+                <p14:modId xmlns:p14="http://schemas.microsoft.com/office/powerpoint/2010/main" val="1121489556"/>
+              </p:ext>
+            </p:extLst>
+          </p:nvPr>
+        </p:nvGraphicFramePr>
+        <p:xfrm>
+          <a:off x="5040727" y="1046780"/>
+          <a:ext cx="3861120" cy="2699292"/>
+        </p:xfrm>
+        <a:graphic>
+          <a:graphicData uri="http://schemas.openxmlformats.org/drawingml/2006/table">
+            <a:tbl>
+              <a:tblPr>
+                <a:tableStyleId>{5C22544A-7EE6-4342-B048-85BDC9FD1C3A}</a:tableStyleId>
+              </a:tblPr>
+              <a:tblGrid>
+                <a:gridCol w="542256">
+                  <a:extLst>
+                    <a:ext uri="{9D8B030D-6E8A-4147-A177-3AD203B41FA5}">
+                      <a16:colId xmlns:a16="http://schemas.microsoft.com/office/drawing/2014/main" val="3532811634"/>
+                    </a:ext>
+                  </a:extLst>
+                </a:gridCol>
+                <a:gridCol w="999579">
+                  <a:extLst>
+                    <a:ext uri="{9D8B030D-6E8A-4147-A177-3AD203B41FA5}">
+                      <a16:colId xmlns:a16="http://schemas.microsoft.com/office/drawing/2014/main" val="3108458674"/>
+                    </a:ext>
+                  </a:extLst>
+                </a:gridCol>
+                <a:gridCol w="764385">
+                  <a:extLst>
+                    <a:ext uri="{9D8B030D-6E8A-4147-A177-3AD203B41FA5}">
+                      <a16:colId xmlns:a16="http://schemas.microsoft.com/office/drawing/2014/main" val="2215751815"/>
+                    </a:ext>
+                  </a:extLst>
+                </a:gridCol>
+                <a:gridCol w="568388">
+                  <a:extLst>
+                    <a:ext uri="{9D8B030D-6E8A-4147-A177-3AD203B41FA5}">
+                      <a16:colId xmlns:a16="http://schemas.microsoft.com/office/drawing/2014/main" val="1186614354"/>
+                    </a:ext>
+                  </a:extLst>
+                </a:gridCol>
+                <a:gridCol w="986512">
+                  <a:extLst>
+                    <a:ext uri="{9D8B030D-6E8A-4147-A177-3AD203B41FA5}">
+                      <a16:colId xmlns:a16="http://schemas.microsoft.com/office/drawing/2014/main" val="1270981207"/>
+                    </a:ext>
+                  </a:extLst>
+                </a:gridCol>
+              </a:tblGrid>
+              <a:tr h="246207">
+                <a:tc gridSpan="5">
+                  <a:txBody>
+                    <a:bodyPr/>
+                    <a:lstStyle/>
+                    <a:p>
+                      <a:pPr algn="ctr" fontAlgn="b"/>
+                      <a:r>
+                        <a:rPr lang="en-US" sz="1200" u="none" strike="noStrike">
+                          <a:effectLst/>
+                        </a:rPr>
+                        <a:t>ResNet</a:t>
+                      </a:r>
+                      <a:endParaRPr lang="en-US" sz="1200" b="1" i="0" u="none" strike="noStrike">
+                        <a:solidFill>
+                          <a:srgbClr val="000000"/>
+                        </a:solidFill>
+                        <a:effectLst/>
+                        <a:latin typeface="Calibri" panose="020F0502020204030204" pitchFamily="34" charset="0"/>
+                      </a:endParaRPr>
+                    </a:p>
+                  </a:txBody>
+                  <a:tcPr marL="6350" marR="6350" marT="6350" marB="0" anchor="b"/>
+                </a:tc>
+                <a:tc hMerge="1">
+                  <a:txBody>
+                    <a:bodyPr/>
+                    <a:lstStyle/>
+                    <a:p>
+                      <a:endParaRPr lang="ru-RU"/>
+                    </a:p>
+                  </a:txBody>
+                  <a:tcPr/>
+                </a:tc>
+                <a:tc hMerge="1">
+                  <a:txBody>
+                    <a:bodyPr/>
+                    <a:lstStyle/>
+                    <a:p>
+                      <a:endParaRPr lang="ru-RU"/>
+                    </a:p>
+                  </a:txBody>
+                  <a:tcPr/>
+                </a:tc>
+                <a:tc hMerge="1">
+                  <a:txBody>
+                    <a:bodyPr/>
+                    <a:lstStyle/>
+                    <a:p>
+                      <a:endParaRPr lang="ru-RU"/>
+                    </a:p>
+                  </a:txBody>
+                  <a:tcPr/>
+                </a:tc>
+                <a:tc hMerge="1">
+                  <a:txBody>
+                    <a:bodyPr/>
+                    <a:lstStyle/>
+                    <a:p>
+                      <a:endParaRPr lang="ru-RU"/>
+                    </a:p>
+                  </a:txBody>
+                  <a:tcPr/>
+                </a:tc>
+                <a:extLst>
+                  <a:ext uri="{0D108BD9-81ED-4DB2-BD59-A6C34878D82A}">
+                    <a16:rowId xmlns:a16="http://schemas.microsoft.com/office/drawing/2014/main" val="1047501081"/>
+                  </a:ext>
+                </a:extLst>
+              </a:tr>
+              <a:tr h="483429">
+                <a:tc>
+                  <a:txBody>
+                    <a:bodyPr/>
+                    <a:lstStyle/>
+                    <a:p>
+                      <a:pPr algn="l" fontAlgn="b"/>
+                      <a:r>
+                        <a:rPr lang="ru-RU" sz="1200" u="none" strike="noStrike">
+                          <a:effectLst/>
+                        </a:rPr>
+                        <a:t>№</a:t>
+                      </a:r>
+                      <a:endParaRPr lang="ru-RU" sz="1200" b="0" i="0" u="none" strike="noStrike">
+                        <a:solidFill>
+                          <a:srgbClr val="000000"/>
+                        </a:solidFill>
+                        <a:effectLst/>
+                        <a:latin typeface="Calibri" panose="020F0502020204030204" pitchFamily="34" charset="0"/>
+                      </a:endParaRPr>
+                    </a:p>
+                  </a:txBody>
+                  <a:tcPr marL="6350" marR="6350" marT="6350" marB="0" anchor="b"/>
+                </a:tc>
+                <a:tc>
+                  <a:txBody>
+                    <a:bodyPr/>
+                    <a:lstStyle/>
+                    <a:p>
+                      <a:pPr algn="l" fontAlgn="b"/>
+                      <a:r>
+                        <a:rPr lang="ru-RU" sz="1200" u="none" strike="noStrike">
+                          <a:effectLst/>
+                        </a:rPr>
+                        <a:t>Вычисление </a:t>
+                      </a:r>
+                      <a:r>
+                        <a:rPr lang="en-US" sz="1200" u="none" strike="noStrike">
+                          <a:effectLst/>
+                        </a:rPr>
+                        <a:t>ResNet</a:t>
+                      </a:r>
+                      <a:endParaRPr lang="en-US" sz="1200" b="0" i="0" u="none" strike="noStrike">
+                        <a:solidFill>
+                          <a:srgbClr val="000000"/>
+                        </a:solidFill>
+                        <a:effectLst/>
+                        <a:latin typeface="Calibri" panose="020F0502020204030204" pitchFamily="34" charset="0"/>
+                      </a:endParaRPr>
+                    </a:p>
+                  </a:txBody>
+                  <a:tcPr marL="6350" marR="6350" marT="6350" marB="0" anchor="b"/>
+                </a:tc>
+                <a:tc>
+                  <a:txBody>
+                    <a:bodyPr/>
+                    <a:lstStyle/>
+                    <a:p>
+                      <a:pPr algn="l" fontAlgn="b"/>
+                      <a:r>
+                        <a:rPr lang="ru-RU" sz="1200" u="none" strike="noStrike">
+                          <a:effectLst/>
+                        </a:rPr>
+                        <a:t>Преобразование</a:t>
+                      </a:r>
+                      <a:endParaRPr lang="ru-RU" sz="1200" b="0" i="0" u="none" strike="noStrike">
+                        <a:solidFill>
+                          <a:srgbClr val="000000"/>
+                        </a:solidFill>
+                        <a:effectLst/>
+                        <a:latin typeface="Calibri" panose="020F0502020204030204" pitchFamily="34" charset="0"/>
+                      </a:endParaRPr>
+                    </a:p>
+                  </a:txBody>
+                  <a:tcPr marL="6350" marR="6350" marT="6350" marB="0" anchor="b"/>
+                </a:tc>
+                <a:tc>
+                  <a:txBody>
+                    <a:bodyPr/>
+                    <a:lstStyle/>
+                    <a:p>
+                      <a:pPr algn="l" fontAlgn="b"/>
+                      <a:r>
+                        <a:rPr lang="ru-RU" sz="1200" u="none" strike="noStrike">
+                          <a:effectLst/>
+                        </a:rPr>
+                        <a:t>Сохранение</a:t>
+                      </a:r>
+                      <a:endParaRPr lang="ru-RU" sz="1200" b="0" i="0" u="none" strike="noStrike">
+                        <a:solidFill>
+                          <a:srgbClr val="000000"/>
+                        </a:solidFill>
+                        <a:effectLst/>
+                        <a:latin typeface="Calibri" panose="020F0502020204030204" pitchFamily="34" charset="0"/>
+                      </a:endParaRPr>
+                    </a:p>
+                  </a:txBody>
+                  <a:tcPr marL="6350" marR="6350" marT="6350" marB="0" anchor="b"/>
+                </a:tc>
+                <a:tc>
+                  <a:txBody>
+                    <a:bodyPr/>
+                    <a:lstStyle/>
+                    <a:p>
+                      <a:pPr algn="l" fontAlgn="b"/>
+                      <a:r>
+                        <a:rPr lang="ru-RU" sz="1200" u="none" strike="noStrike">
+                          <a:effectLst/>
+                        </a:rPr>
+                        <a:t>Вычисление </a:t>
+                      </a:r>
+                      <a:r>
+                        <a:rPr lang="en-US" sz="1200" u="none" strike="noStrike">
+                          <a:effectLst/>
+                        </a:rPr>
+                        <a:t>FAMLINN</a:t>
+                      </a:r>
+                      <a:endParaRPr lang="en-US" sz="1200" b="0" i="0" u="none" strike="noStrike">
+                        <a:solidFill>
+                          <a:srgbClr val="000000"/>
+                        </a:solidFill>
+                        <a:effectLst/>
+                        <a:latin typeface="Calibri" panose="020F0502020204030204" pitchFamily="34" charset="0"/>
+                      </a:endParaRPr>
+                    </a:p>
+                  </a:txBody>
+                  <a:tcPr marL="6350" marR="6350" marT="6350" marB="0" anchor="b"/>
+                </a:tc>
+                <a:extLst>
+                  <a:ext uri="{0D108BD9-81ED-4DB2-BD59-A6C34878D82A}">
+                    <a16:rowId xmlns:a16="http://schemas.microsoft.com/office/drawing/2014/main" val="1073181373"/>
+                  </a:ext>
+                </a:extLst>
+              </a:tr>
+              <a:tr h="246207">
+                <a:tc>
+                  <a:txBody>
+                    <a:bodyPr/>
+                    <a:lstStyle/>
+                    <a:p>
+                      <a:pPr algn="r" fontAlgn="b"/>
+                      <a:r>
+                        <a:rPr lang="ru-RU" sz="1200" u="none" strike="noStrike">
+                          <a:effectLst/>
+                        </a:rPr>
+                        <a:t>1.00</a:t>
+                      </a:r>
+                      <a:endParaRPr lang="ru-RU" sz="1200" b="0" i="0" u="none" strike="noStrike">
+                        <a:solidFill>
+                          <a:srgbClr val="000000"/>
+                        </a:solidFill>
+                        <a:effectLst/>
+                        <a:latin typeface="Calibri" panose="020F0502020204030204" pitchFamily="34" charset="0"/>
+                      </a:endParaRPr>
+                    </a:p>
+                  </a:txBody>
+                  <a:tcPr marL="6350" marR="6350" marT="6350" marB="0" anchor="b"/>
+                </a:tc>
+                <a:tc>
+                  <a:txBody>
+                    <a:bodyPr/>
+                    <a:lstStyle/>
+                    <a:p>
+                      <a:pPr algn="r" fontAlgn="b"/>
+                      <a:r>
+                        <a:rPr lang="ru-RU" sz="1200" u="none" strike="noStrike">
+                          <a:effectLst/>
+                        </a:rPr>
+                        <a:t>305.00</a:t>
+                      </a:r>
+                      <a:endParaRPr lang="ru-RU" sz="1200" b="0" i="0" u="none" strike="noStrike">
+                        <a:solidFill>
+                          <a:srgbClr val="000000"/>
+                        </a:solidFill>
+                        <a:effectLst/>
+                        <a:latin typeface="Calibri" panose="020F0502020204030204" pitchFamily="34" charset="0"/>
+                      </a:endParaRPr>
+                    </a:p>
+                  </a:txBody>
+                  <a:tcPr marL="6350" marR="6350" marT="6350" marB="0" anchor="b"/>
+                </a:tc>
+                <a:tc>
+                  <a:txBody>
+                    <a:bodyPr/>
+                    <a:lstStyle/>
+                    <a:p>
+                      <a:pPr algn="r" fontAlgn="b"/>
+                      <a:r>
+                        <a:rPr lang="ru-RU" sz="1200" u="none" strike="noStrike">
+                          <a:effectLst/>
+                        </a:rPr>
+                        <a:t>5706.00</a:t>
+                      </a:r>
+                      <a:endParaRPr lang="ru-RU" sz="1200" b="0" i="0" u="none" strike="noStrike">
+                        <a:solidFill>
+                          <a:srgbClr val="000000"/>
+                        </a:solidFill>
+                        <a:effectLst/>
+                        <a:latin typeface="Calibri" panose="020F0502020204030204" pitchFamily="34" charset="0"/>
+                      </a:endParaRPr>
+                    </a:p>
+                  </a:txBody>
+                  <a:tcPr marL="6350" marR="6350" marT="6350" marB="0" anchor="b"/>
+                </a:tc>
+                <a:tc>
+                  <a:txBody>
+                    <a:bodyPr/>
+                    <a:lstStyle/>
+                    <a:p>
+                      <a:pPr algn="r" fontAlgn="b"/>
+                      <a:r>
+                        <a:rPr lang="ru-RU" sz="1200" u="none" strike="noStrike">
+                          <a:effectLst/>
+                        </a:rPr>
+                        <a:t>508.00</a:t>
+                      </a:r>
+                      <a:endParaRPr lang="ru-RU" sz="1200" b="0" i="0" u="none" strike="noStrike">
+                        <a:solidFill>
+                          <a:srgbClr val="000000"/>
+                        </a:solidFill>
+                        <a:effectLst/>
+                        <a:latin typeface="Calibri" panose="020F0502020204030204" pitchFamily="34" charset="0"/>
+                      </a:endParaRPr>
+                    </a:p>
+                  </a:txBody>
+                  <a:tcPr marL="6350" marR="6350" marT="6350" marB="0" anchor="b"/>
+                </a:tc>
+                <a:tc>
+                  <a:txBody>
+                    <a:bodyPr/>
+                    <a:lstStyle/>
+                    <a:p>
+                      <a:pPr algn="r" fontAlgn="b"/>
+                      <a:r>
+                        <a:rPr lang="ru-RU" sz="1200" u="none" strike="noStrike">
+                          <a:effectLst/>
+                        </a:rPr>
+                        <a:t>308.00</a:t>
+                      </a:r>
+                      <a:endParaRPr lang="ru-RU" sz="1200" b="0" i="0" u="none" strike="noStrike">
+                        <a:solidFill>
+                          <a:srgbClr val="000000"/>
+                        </a:solidFill>
+                        <a:effectLst/>
+                        <a:latin typeface="Calibri" panose="020F0502020204030204" pitchFamily="34" charset="0"/>
+                      </a:endParaRPr>
+                    </a:p>
+                  </a:txBody>
+                  <a:tcPr marL="6350" marR="6350" marT="6350" marB="0" anchor="b"/>
+                </a:tc>
+                <a:extLst>
+                  <a:ext uri="{0D108BD9-81ED-4DB2-BD59-A6C34878D82A}">
+                    <a16:rowId xmlns:a16="http://schemas.microsoft.com/office/drawing/2014/main" val="4285311476"/>
+                  </a:ext>
+                </a:extLst>
+              </a:tr>
+              <a:tr h="246207">
+                <a:tc>
+                  <a:txBody>
+                    <a:bodyPr/>
+                    <a:lstStyle/>
+                    <a:p>
+                      <a:pPr algn="r" fontAlgn="b"/>
+                      <a:r>
+                        <a:rPr lang="ru-RU" sz="1200" u="none" strike="noStrike">
+                          <a:effectLst/>
+                        </a:rPr>
+                        <a:t>2.00</a:t>
+                      </a:r>
+                      <a:endParaRPr lang="ru-RU" sz="1200" b="0" i="0" u="none" strike="noStrike">
+                        <a:solidFill>
+                          <a:srgbClr val="000000"/>
+                        </a:solidFill>
+                        <a:effectLst/>
+                        <a:latin typeface="Calibri" panose="020F0502020204030204" pitchFamily="34" charset="0"/>
+                      </a:endParaRPr>
+                    </a:p>
+                  </a:txBody>
+                  <a:tcPr marL="6350" marR="6350" marT="6350" marB="0" anchor="b"/>
+                </a:tc>
+                <a:tc>
+                  <a:txBody>
+                    <a:bodyPr/>
+                    <a:lstStyle/>
+                    <a:p>
+                      <a:pPr algn="r" fontAlgn="b"/>
+                      <a:r>
+                        <a:rPr lang="ru-RU" sz="1200" u="none" strike="noStrike">
+                          <a:effectLst/>
+                        </a:rPr>
+                        <a:t>292.00</a:t>
+                      </a:r>
+                      <a:endParaRPr lang="ru-RU" sz="1200" b="0" i="0" u="none" strike="noStrike">
+                        <a:solidFill>
+                          <a:srgbClr val="000000"/>
+                        </a:solidFill>
+                        <a:effectLst/>
+                        <a:latin typeface="Calibri" panose="020F0502020204030204" pitchFamily="34" charset="0"/>
+                      </a:endParaRPr>
+                    </a:p>
+                  </a:txBody>
+                  <a:tcPr marL="6350" marR="6350" marT="6350" marB="0" anchor="b"/>
+                </a:tc>
+                <a:tc>
+                  <a:txBody>
+                    <a:bodyPr/>
+                    <a:lstStyle/>
+                    <a:p>
+                      <a:pPr algn="r" fontAlgn="b"/>
+                      <a:r>
+                        <a:rPr lang="ru-RU" sz="1200" u="none" strike="noStrike" dirty="0">
+                          <a:effectLst/>
+                        </a:rPr>
+                        <a:t>5847.00</a:t>
+                      </a:r>
+                      <a:endParaRPr lang="ru-RU" sz="1200" b="0" i="0" u="none" strike="noStrike" dirty="0">
+                        <a:solidFill>
+                          <a:srgbClr val="000000"/>
+                        </a:solidFill>
+                        <a:effectLst/>
+                        <a:latin typeface="Calibri" panose="020F0502020204030204" pitchFamily="34" charset="0"/>
+                      </a:endParaRPr>
+                    </a:p>
+                  </a:txBody>
+                  <a:tcPr marL="6350" marR="6350" marT="6350" marB="0" anchor="b"/>
+                </a:tc>
+                <a:tc>
+                  <a:txBody>
+                    <a:bodyPr/>
+                    <a:lstStyle/>
+                    <a:p>
+                      <a:pPr algn="r" fontAlgn="b"/>
+                      <a:r>
+                        <a:rPr lang="ru-RU" sz="1200" u="none" strike="noStrike">
+                          <a:effectLst/>
+                        </a:rPr>
+                        <a:t>408.00</a:t>
+                      </a:r>
+                      <a:endParaRPr lang="ru-RU" sz="1200" b="0" i="0" u="none" strike="noStrike">
+                        <a:solidFill>
+                          <a:srgbClr val="000000"/>
+                        </a:solidFill>
+                        <a:effectLst/>
+                        <a:latin typeface="Calibri" panose="020F0502020204030204" pitchFamily="34" charset="0"/>
+                      </a:endParaRPr>
+                    </a:p>
+                  </a:txBody>
+                  <a:tcPr marL="6350" marR="6350" marT="6350" marB="0" anchor="b"/>
+                </a:tc>
+                <a:tc>
+                  <a:txBody>
+                    <a:bodyPr/>
+                    <a:lstStyle/>
+                    <a:p>
+                      <a:pPr algn="r" fontAlgn="b"/>
+                      <a:r>
+                        <a:rPr lang="ru-RU" sz="1200" u="none" strike="noStrike">
+                          <a:effectLst/>
+                        </a:rPr>
+                        <a:t>342.00</a:t>
+                      </a:r>
+                      <a:endParaRPr lang="ru-RU" sz="1200" b="0" i="0" u="none" strike="noStrike">
+                        <a:solidFill>
+                          <a:srgbClr val="000000"/>
+                        </a:solidFill>
+                        <a:effectLst/>
+                        <a:latin typeface="Calibri" panose="020F0502020204030204" pitchFamily="34" charset="0"/>
+                      </a:endParaRPr>
+                    </a:p>
+                  </a:txBody>
+                  <a:tcPr marL="6350" marR="6350" marT="6350" marB="0" anchor="b"/>
+                </a:tc>
+                <a:extLst>
+                  <a:ext uri="{0D108BD9-81ED-4DB2-BD59-A6C34878D82A}">
+                    <a16:rowId xmlns:a16="http://schemas.microsoft.com/office/drawing/2014/main" val="3312428456"/>
+                  </a:ext>
+                </a:extLst>
+              </a:tr>
+              <a:tr h="246207">
+                <a:tc>
+                  <a:txBody>
+                    <a:bodyPr/>
+                    <a:lstStyle/>
+                    <a:p>
+                      <a:pPr algn="r" fontAlgn="b"/>
+                      <a:r>
+                        <a:rPr lang="ru-RU" sz="1200" u="none" strike="noStrike">
+                          <a:effectLst/>
+                        </a:rPr>
+                        <a:t>3.00</a:t>
+                      </a:r>
+                      <a:endParaRPr lang="ru-RU" sz="1200" b="0" i="0" u="none" strike="noStrike">
+                        <a:solidFill>
+                          <a:srgbClr val="000000"/>
+                        </a:solidFill>
+                        <a:effectLst/>
+                        <a:latin typeface="Calibri" panose="020F0502020204030204" pitchFamily="34" charset="0"/>
+                      </a:endParaRPr>
+                    </a:p>
+                  </a:txBody>
+                  <a:tcPr marL="6350" marR="6350" marT="6350" marB="0" anchor="b"/>
+                </a:tc>
+                <a:tc>
+                  <a:txBody>
+                    <a:bodyPr/>
+                    <a:lstStyle/>
+                    <a:p>
+                      <a:pPr algn="r" fontAlgn="b"/>
+                      <a:r>
+                        <a:rPr lang="ru-RU" sz="1200" u="none" strike="noStrike">
+                          <a:effectLst/>
+                        </a:rPr>
+                        <a:t>330.00</a:t>
+                      </a:r>
+                      <a:endParaRPr lang="ru-RU" sz="1200" b="0" i="0" u="none" strike="noStrike">
+                        <a:solidFill>
+                          <a:srgbClr val="000000"/>
+                        </a:solidFill>
+                        <a:effectLst/>
+                        <a:latin typeface="Calibri" panose="020F0502020204030204" pitchFamily="34" charset="0"/>
+                      </a:endParaRPr>
+                    </a:p>
+                  </a:txBody>
+                  <a:tcPr marL="6350" marR="6350" marT="6350" marB="0" anchor="b"/>
+                </a:tc>
+                <a:tc>
+                  <a:txBody>
+                    <a:bodyPr/>
+                    <a:lstStyle/>
+                    <a:p>
+                      <a:pPr algn="r" fontAlgn="b"/>
+                      <a:r>
+                        <a:rPr lang="ru-RU" sz="1200" u="none" strike="noStrike">
+                          <a:effectLst/>
+                        </a:rPr>
+                        <a:t>5452.00</a:t>
+                      </a:r>
+                      <a:endParaRPr lang="ru-RU" sz="1200" b="0" i="0" u="none" strike="noStrike">
+                        <a:solidFill>
+                          <a:srgbClr val="000000"/>
+                        </a:solidFill>
+                        <a:effectLst/>
+                        <a:latin typeface="Calibri" panose="020F0502020204030204" pitchFamily="34" charset="0"/>
+                      </a:endParaRPr>
+                    </a:p>
+                  </a:txBody>
+                  <a:tcPr marL="6350" marR="6350" marT="6350" marB="0" anchor="b"/>
+                </a:tc>
+                <a:tc>
+                  <a:txBody>
+                    <a:bodyPr/>
+                    <a:lstStyle/>
+                    <a:p>
+                      <a:pPr algn="r" fontAlgn="b"/>
+                      <a:r>
+                        <a:rPr lang="ru-RU" sz="1200" u="none" strike="noStrike">
+                          <a:effectLst/>
+                        </a:rPr>
+                        <a:t>553.00</a:t>
+                      </a:r>
+                      <a:endParaRPr lang="ru-RU" sz="1200" b="0" i="0" u="none" strike="noStrike">
+                        <a:solidFill>
+                          <a:srgbClr val="000000"/>
+                        </a:solidFill>
+                        <a:effectLst/>
+                        <a:latin typeface="Calibri" panose="020F0502020204030204" pitchFamily="34" charset="0"/>
+                      </a:endParaRPr>
+                    </a:p>
+                  </a:txBody>
+                  <a:tcPr marL="6350" marR="6350" marT="6350" marB="0" anchor="b"/>
+                </a:tc>
+                <a:tc>
+                  <a:txBody>
+                    <a:bodyPr/>
+                    <a:lstStyle/>
+                    <a:p>
+                      <a:pPr algn="r" fontAlgn="b"/>
+                      <a:r>
+                        <a:rPr lang="ru-RU" sz="1200" u="none" strike="noStrike">
+                          <a:effectLst/>
+                        </a:rPr>
+                        <a:t>271.00</a:t>
+                      </a:r>
+                      <a:endParaRPr lang="ru-RU" sz="1200" b="0" i="0" u="none" strike="noStrike">
+                        <a:solidFill>
+                          <a:srgbClr val="000000"/>
+                        </a:solidFill>
+                        <a:effectLst/>
+                        <a:latin typeface="Calibri" panose="020F0502020204030204" pitchFamily="34" charset="0"/>
+                      </a:endParaRPr>
+                    </a:p>
+                  </a:txBody>
+                  <a:tcPr marL="6350" marR="6350" marT="6350" marB="0" anchor="b"/>
+                </a:tc>
+                <a:extLst>
+                  <a:ext uri="{0D108BD9-81ED-4DB2-BD59-A6C34878D82A}">
+                    <a16:rowId xmlns:a16="http://schemas.microsoft.com/office/drawing/2014/main" val="3483505801"/>
+                  </a:ext>
+                </a:extLst>
+              </a:tr>
+              <a:tr h="246207">
+                <a:tc>
+                  <a:txBody>
+                    <a:bodyPr/>
+                    <a:lstStyle/>
+                    <a:p>
+                      <a:pPr algn="r" fontAlgn="b"/>
+                      <a:r>
+                        <a:rPr lang="ru-RU" sz="1200" u="none" strike="noStrike" dirty="0">
+                          <a:effectLst/>
+                        </a:rPr>
+                        <a:t>4.00</a:t>
+                      </a:r>
+                      <a:endParaRPr lang="ru-RU" sz="1200" b="0" i="0" u="none" strike="noStrike" dirty="0">
+                        <a:solidFill>
+                          <a:srgbClr val="000000"/>
+                        </a:solidFill>
+                        <a:effectLst/>
+                        <a:latin typeface="Calibri" panose="020F0502020204030204" pitchFamily="34" charset="0"/>
+                      </a:endParaRPr>
+                    </a:p>
+                  </a:txBody>
+                  <a:tcPr marL="6350" marR="6350" marT="6350" marB="0" anchor="b"/>
+                </a:tc>
+                <a:tc>
+                  <a:txBody>
+                    <a:bodyPr/>
+                    <a:lstStyle/>
+                    <a:p>
+                      <a:pPr algn="r" fontAlgn="b"/>
+                      <a:r>
+                        <a:rPr lang="ru-RU" sz="1200" u="none" strike="noStrike" dirty="0">
+                          <a:effectLst/>
+                        </a:rPr>
+                        <a:t>273.00</a:t>
+                      </a:r>
+                      <a:endParaRPr lang="ru-RU" sz="1200" b="0" i="0" u="none" strike="noStrike" dirty="0">
+                        <a:solidFill>
+                          <a:srgbClr val="000000"/>
+                        </a:solidFill>
+                        <a:effectLst/>
+                        <a:latin typeface="Calibri" panose="020F0502020204030204" pitchFamily="34" charset="0"/>
+                      </a:endParaRPr>
+                    </a:p>
+                  </a:txBody>
+                  <a:tcPr marL="6350" marR="6350" marT="6350" marB="0" anchor="b"/>
+                </a:tc>
+                <a:tc>
+                  <a:txBody>
+                    <a:bodyPr/>
+                    <a:lstStyle/>
+                    <a:p>
+                      <a:pPr algn="r" fontAlgn="b"/>
+                      <a:r>
+                        <a:rPr lang="ru-RU" sz="1200" u="none" strike="noStrike">
+                          <a:effectLst/>
+                        </a:rPr>
+                        <a:t>6244.00</a:t>
+                      </a:r>
+                      <a:endParaRPr lang="ru-RU" sz="1200" b="0" i="0" u="none" strike="noStrike">
+                        <a:solidFill>
+                          <a:srgbClr val="000000"/>
+                        </a:solidFill>
+                        <a:effectLst/>
+                        <a:latin typeface="Calibri" panose="020F0502020204030204" pitchFamily="34" charset="0"/>
+                      </a:endParaRPr>
+                    </a:p>
+                  </a:txBody>
+                  <a:tcPr marL="6350" marR="6350" marT="6350" marB="0" anchor="b"/>
+                </a:tc>
+                <a:tc>
+                  <a:txBody>
+                    <a:bodyPr/>
+                    <a:lstStyle/>
+                    <a:p>
+                      <a:pPr algn="r" fontAlgn="b"/>
+                      <a:r>
+                        <a:rPr lang="ru-RU" sz="1200" u="none" strike="noStrike">
+                          <a:effectLst/>
+                        </a:rPr>
+                        <a:t>425.00</a:t>
+                      </a:r>
+                      <a:endParaRPr lang="ru-RU" sz="1200" b="0" i="0" u="none" strike="noStrike">
+                        <a:solidFill>
+                          <a:srgbClr val="000000"/>
+                        </a:solidFill>
+                        <a:effectLst/>
+                        <a:latin typeface="Calibri" panose="020F0502020204030204" pitchFamily="34" charset="0"/>
+                      </a:endParaRPr>
+                    </a:p>
+                  </a:txBody>
+                  <a:tcPr marL="6350" marR="6350" marT="6350" marB="0" anchor="b"/>
+                </a:tc>
+                <a:tc>
+                  <a:txBody>
+                    <a:bodyPr/>
+                    <a:lstStyle/>
+                    <a:p>
+                      <a:pPr algn="r" fontAlgn="b"/>
+                      <a:r>
+                        <a:rPr lang="ru-RU" sz="1200" u="none" strike="noStrike">
+                          <a:effectLst/>
+                        </a:rPr>
+                        <a:t>269.00</a:t>
+                      </a:r>
+                      <a:endParaRPr lang="ru-RU" sz="1200" b="0" i="0" u="none" strike="noStrike">
+                        <a:solidFill>
+                          <a:srgbClr val="000000"/>
+                        </a:solidFill>
+                        <a:effectLst/>
+                        <a:latin typeface="Calibri" panose="020F0502020204030204" pitchFamily="34" charset="0"/>
+                      </a:endParaRPr>
+                    </a:p>
+                  </a:txBody>
+                  <a:tcPr marL="6350" marR="6350" marT="6350" marB="0" anchor="b"/>
+                </a:tc>
+                <a:extLst>
+                  <a:ext uri="{0D108BD9-81ED-4DB2-BD59-A6C34878D82A}">
+                    <a16:rowId xmlns:a16="http://schemas.microsoft.com/office/drawing/2014/main" val="1409584993"/>
+                  </a:ext>
+                </a:extLst>
+              </a:tr>
+              <a:tr h="246207">
+                <a:tc>
+                  <a:txBody>
+                    <a:bodyPr/>
+                    <a:lstStyle/>
+                    <a:p>
+                      <a:pPr algn="r" fontAlgn="b"/>
+                      <a:r>
+                        <a:rPr lang="ru-RU" sz="1200" u="none" strike="noStrike">
+                          <a:effectLst/>
+                        </a:rPr>
+                        <a:t>5.00</a:t>
+                      </a:r>
+                      <a:endParaRPr lang="ru-RU" sz="1200" b="0" i="0" u="none" strike="noStrike">
+                        <a:solidFill>
+                          <a:srgbClr val="000000"/>
+                        </a:solidFill>
+                        <a:effectLst/>
+                        <a:latin typeface="Calibri" panose="020F0502020204030204" pitchFamily="34" charset="0"/>
+                      </a:endParaRPr>
+                    </a:p>
+                  </a:txBody>
+                  <a:tcPr marL="6350" marR="6350" marT="6350" marB="0" anchor="b"/>
+                </a:tc>
+                <a:tc>
+                  <a:txBody>
+                    <a:bodyPr/>
+                    <a:lstStyle/>
+                    <a:p>
+                      <a:pPr algn="r" fontAlgn="b"/>
+                      <a:r>
+                        <a:rPr lang="ru-RU" sz="1200" u="none" strike="noStrike">
+                          <a:effectLst/>
+                        </a:rPr>
+                        <a:t>322.00</a:t>
+                      </a:r>
+                      <a:endParaRPr lang="ru-RU" sz="1200" b="0" i="0" u="none" strike="noStrike">
+                        <a:solidFill>
+                          <a:srgbClr val="000000"/>
+                        </a:solidFill>
+                        <a:effectLst/>
+                        <a:latin typeface="Calibri" panose="020F0502020204030204" pitchFamily="34" charset="0"/>
+                      </a:endParaRPr>
+                    </a:p>
+                  </a:txBody>
+                  <a:tcPr marL="6350" marR="6350" marT="6350" marB="0" anchor="b"/>
+                </a:tc>
+                <a:tc>
+                  <a:txBody>
+                    <a:bodyPr/>
+                    <a:lstStyle/>
+                    <a:p>
+                      <a:pPr algn="r" fontAlgn="b"/>
+                      <a:r>
+                        <a:rPr lang="ru-RU" sz="1200" u="none" strike="noStrike">
+                          <a:effectLst/>
+                        </a:rPr>
+                        <a:t>6915.00</a:t>
+                      </a:r>
+                      <a:endParaRPr lang="ru-RU" sz="1200" b="0" i="0" u="none" strike="noStrike">
+                        <a:solidFill>
+                          <a:srgbClr val="000000"/>
+                        </a:solidFill>
+                        <a:effectLst/>
+                        <a:latin typeface="Calibri" panose="020F0502020204030204" pitchFamily="34" charset="0"/>
+                      </a:endParaRPr>
+                    </a:p>
+                  </a:txBody>
+                  <a:tcPr marL="6350" marR="6350" marT="6350" marB="0" anchor="b"/>
+                </a:tc>
+                <a:tc>
+                  <a:txBody>
+                    <a:bodyPr/>
+                    <a:lstStyle/>
+                    <a:p>
+                      <a:pPr algn="r" fontAlgn="b"/>
+                      <a:r>
+                        <a:rPr lang="ru-RU" sz="1200" u="none" strike="noStrike">
+                          <a:effectLst/>
+                        </a:rPr>
+                        <a:t>458.00</a:t>
+                      </a:r>
+                      <a:endParaRPr lang="ru-RU" sz="1200" b="0" i="0" u="none" strike="noStrike">
+                        <a:solidFill>
+                          <a:srgbClr val="000000"/>
+                        </a:solidFill>
+                        <a:effectLst/>
+                        <a:latin typeface="Calibri" panose="020F0502020204030204" pitchFamily="34" charset="0"/>
+                      </a:endParaRPr>
+                    </a:p>
+                  </a:txBody>
+                  <a:tcPr marL="6350" marR="6350" marT="6350" marB="0" anchor="b"/>
+                </a:tc>
+                <a:tc>
+                  <a:txBody>
+                    <a:bodyPr/>
+                    <a:lstStyle/>
+                    <a:p>
+                      <a:pPr algn="r" fontAlgn="b"/>
+                      <a:r>
+                        <a:rPr lang="ru-RU" sz="1200" u="none" strike="noStrike">
+                          <a:effectLst/>
+                        </a:rPr>
+                        <a:t>258.00</a:t>
+                      </a:r>
+                      <a:endParaRPr lang="ru-RU" sz="1200" b="0" i="0" u="none" strike="noStrike">
+                        <a:solidFill>
+                          <a:srgbClr val="000000"/>
+                        </a:solidFill>
+                        <a:effectLst/>
+                        <a:latin typeface="Calibri" panose="020F0502020204030204" pitchFamily="34" charset="0"/>
+                      </a:endParaRPr>
+                    </a:p>
+                  </a:txBody>
+                  <a:tcPr marL="6350" marR="6350" marT="6350" marB="0" anchor="b"/>
+                </a:tc>
+                <a:extLst>
+                  <a:ext uri="{0D108BD9-81ED-4DB2-BD59-A6C34878D82A}">
+                    <a16:rowId xmlns:a16="http://schemas.microsoft.com/office/drawing/2014/main" val="2728912338"/>
+                  </a:ext>
+                </a:extLst>
+              </a:tr>
+              <a:tr h="246207">
+                <a:tc>
+                  <a:txBody>
+                    <a:bodyPr/>
+                    <a:lstStyle/>
+                    <a:p>
+                      <a:pPr algn="r" fontAlgn="b"/>
+                      <a:r>
+                        <a:rPr lang="ru-RU" sz="1200" u="none" strike="noStrike">
+                          <a:effectLst/>
+                        </a:rPr>
+                        <a:t>6.00</a:t>
+                      </a:r>
+                      <a:endParaRPr lang="ru-RU" sz="1200" b="0" i="0" u="none" strike="noStrike">
+                        <a:solidFill>
+                          <a:srgbClr val="000000"/>
+                        </a:solidFill>
+                        <a:effectLst/>
+                        <a:latin typeface="Calibri" panose="020F0502020204030204" pitchFamily="34" charset="0"/>
+                      </a:endParaRPr>
+                    </a:p>
+                  </a:txBody>
+                  <a:tcPr marL="6350" marR="6350" marT="6350" marB="0" anchor="b"/>
+                </a:tc>
+                <a:tc>
+                  <a:txBody>
+                    <a:bodyPr/>
+                    <a:lstStyle/>
+                    <a:p>
+                      <a:pPr algn="r" fontAlgn="b"/>
+                      <a:r>
+                        <a:rPr lang="ru-RU" sz="1200" u="none" strike="noStrike">
+                          <a:effectLst/>
+                        </a:rPr>
+                        <a:t>284.00</a:t>
+                      </a:r>
+                      <a:endParaRPr lang="ru-RU" sz="1200" b="0" i="0" u="none" strike="noStrike">
+                        <a:solidFill>
+                          <a:srgbClr val="000000"/>
+                        </a:solidFill>
+                        <a:effectLst/>
+                        <a:latin typeface="Calibri" panose="020F0502020204030204" pitchFamily="34" charset="0"/>
+                      </a:endParaRPr>
+                    </a:p>
+                  </a:txBody>
+                  <a:tcPr marL="6350" marR="6350" marT="6350" marB="0" anchor="b"/>
+                </a:tc>
+                <a:tc>
+                  <a:txBody>
+                    <a:bodyPr/>
+                    <a:lstStyle/>
+                    <a:p>
+                      <a:pPr algn="r" fontAlgn="b"/>
+                      <a:r>
+                        <a:rPr lang="ru-RU" sz="1200" u="none" strike="noStrike">
+                          <a:effectLst/>
+                        </a:rPr>
+                        <a:t>6156.00</a:t>
+                      </a:r>
+                      <a:endParaRPr lang="ru-RU" sz="1200" b="0" i="0" u="none" strike="noStrike">
+                        <a:solidFill>
+                          <a:srgbClr val="000000"/>
+                        </a:solidFill>
+                        <a:effectLst/>
+                        <a:latin typeface="Calibri" panose="020F0502020204030204" pitchFamily="34" charset="0"/>
+                      </a:endParaRPr>
+                    </a:p>
+                  </a:txBody>
+                  <a:tcPr marL="6350" marR="6350" marT="6350" marB="0" anchor="b"/>
+                </a:tc>
+                <a:tc>
+                  <a:txBody>
+                    <a:bodyPr/>
+                    <a:lstStyle/>
+                    <a:p>
+                      <a:pPr algn="r" fontAlgn="b"/>
+                      <a:r>
+                        <a:rPr lang="ru-RU" sz="1200" u="none" strike="noStrike">
+                          <a:effectLst/>
+                        </a:rPr>
+                        <a:t>414.00</a:t>
+                      </a:r>
+                      <a:endParaRPr lang="ru-RU" sz="1200" b="0" i="0" u="none" strike="noStrike">
+                        <a:solidFill>
+                          <a:srgbClr val="000000"/>
+                        </a:solidFill>
+                        <a:effectLst/>
+                        <a:latin typeface="Calibri" panose="020F0502020204030204" pitchFamily="34" charset="0"/>
+                      </a:endParaRPr>
+                    </a:p>
+                  </a:txBody>
+                  <a:tcPr marL="6350" marR="6350" marT="6350" marB="0" anchor="b"/>
+                </a:tc>
+                <a:tc>
+                  <a:txBody>
+                    <a:bodyPr/>
+                    <a:lstStyle/>
+                    <a:p>
+                      <a:pPr algn="r" fontAlgn="b"/>
+                      <a:r>
+                        <a:rPr lang="ru-RU" sz="1200" u="none" strike="noStrike">
+                          <a:effectLst/>
+                        </a:rPr>
+                        <a:t>283.00</a:t>
+                      </a:r>
+                      <a:endParaRPr lang="ru-RU" sz="1200" b="0" i="0" u="none" strike="noStrike">
+                        <a:solidFill>
+                          <a:srgbClr val="000000"/>
+                        </a:solidFill>
+                        <a:effectLst/>
+                        <a:latin typeface="Calibri" panose="020F0502020204030204" pitchFamily="34" charset="0"/>
+                      </a:endParaRPr>
+                    </a:p>
+                  </a:txBody>
+                  <a:tcPr marL="6350" marR="6350" marT="6350" marB="0" anchor="b"/>
+                </a:tc>
+                <a:extLst>
+                  <a:ext uri="{0D108BD9-81ED-4DB2-BD59-A6C34878D82A}">
+                    <a16:rowId xmlns:a16="http://schemas.microsoft.com/office/drawing/2014/main" val="4028663221"/>
+                  </a:ext>
+                </a:extLst>
+              </a:tr>
+              <a:tr h="246207">
+                <a:tc>
+                  <a:txBody>
+                    <a:bodyPr/>
+                    <a:lstStyle/>
+                    <a:p>
+                      <a:pPr algn="l" fontAlgn="b"/>
+                      <a:r>
+                        <a:rPr lang="en-US" sz="1200" u="none" strike="noStrike">
+                          <a:effectLst/>
+                        </a:rPr>
+                        <a:t>AVG</a:t>
+                      </a:r>
+                      <a:endParaRPr lang="en-US" sz="1200" b="0" i="0" u="none" strike="noStrike">
+                        <a:solidFill>
+                          <a:srgbClr val="000000"/>
+                        </a:solidFill>
+                        <a:effectLst/>
+                        <a:latin typeface="Calibri" panose="020F0502020204030204" pitchFamily="34" charset="0"/>
+                      </a:endParaRPr>
+                    </a:p>
+                  </a:txBody>
+                  <a:tcPr marL="6350" marR="6350" marT="6350" marB="0" anchor="b"/>
+                </a:tc>
+                <a:tc>
+                  <a:txBody>
+                    <a:bodyPr/>
+                    <a:lstStyle/>
+                    <a:p>
+                      <a:pPr algn="r" fontAlgn="b"/>
+                      <a:r>
+                        <a:rPr lang="ru-RU" sz="1200" u="none" strike="noStrike">
+                          <a:effectLst/>
+                        </a:rPr>
+                        <a:t>301.00</a:t>
+                      </a:r>
+                      <a:endParaRPr lang="ru-RU" sz="1200" b="0" i="0" u="none" strike="noStrike">
+                        <a:solidFill>
+                          <a:srgbClr val="000000"/>
+                        </a:solidFill>
+                        <a:effectLst/>
+                        <a:latin typeface="Calibri" panose="020F0502020204030204" pitchFamily="34" charset="0"/>
+                      </a:endParaRPr>
+                    </a:p>
+                  </a:txBody>
+                  <a:tcPr marL="6350" marR="6350" marT="6350" marB="0" anchor="b"/>
+                </a:tc>
+                <a:tc>
+                  <a:txBody>
+                    <a:bodyPr/>
+                    <a:lstStyle/>
+                    <a:p>
+                      <a:pPr algn="r" fontAlgn="b"/>
+                      <a:r>
+                        <a:rPr lang="ru-RU" sz="1200" u="none" strike="noStrike">
+                          <a:effectLst/>
+                        </a:rPr>
+                        <a:t>6053.33</a:t>
+                      </a:r>
+                      <a:endParaRPr lang="ru-RU" sz="1200" b="0" i="0" u="none" strike="noStrike">
+                        <a:solidFill>
+                          <a:srgbClr val="000000"/>
+                        </a:solidFill>
+                        <a:effectLst/>
+                        <a:latin typeface="Calibri" panose="020F0502020204030204" pitchFamily="34" charset="0"/>
+                      </a:endParaRPr>
+                    </a:p>
+                  </a:txBody>
+                  <a:tcPr marL="6350" marR="6350" marT="6350" marB="0" anchor="b"/>
+                </a:tc>
+                <a:tc>
+                  <a:txBody>
+                    <a:bodyPr/>
+                    <a:lstStyle/>
+                    <a:p>
+                      <a:pPr algn="r" fontAlgn="b"/>
+                      <a:r>
+                        <a:rPr lang="ru-RU" sz="1200" u="none" strike="noStrike">
+                          <a:effectLst/>
+                        </a:rPr>
+                        <a:t>461.00</a:t>
+                      </a:r>
+                      <a:endParaRPr lang="ru-RU" sz="1200" b="0" i="0" u="none" strike="noStrike">
+                        <a:solidFill>
+                          <a:srgbClr val="000000"/>
+                        </a:solidFill>
+                        <a:effectLst/>
+                        <a:latin typeface="Calibri" panose="020F0502020204030204" pitchFamily="34" charset="0"/>
+                      </a:endParaRPr>
+                    </a:p>
+                  </a:txBody>
+                  <a:tcPr marL="6350" marR="6350" marT="6350" marB="0" anchor="b"/>
+                </a:tc>
+                <a:tc>
+                  <a:txBody>
+                    <a:bodyPr/>
+                    <a:lstStyle/>
+                    <a:p>
+                      <a:pPr algn="r" fontAlgn="b"/>
+                      <a:r>
+                        <a:rPr lang="ru-RU" sz="1200" u="none" strike="noStrike">
+                          <a:effectLst/>
+                        </a:rPr>
+                        <a:t>288.50</a:t>
+                      </a:r>
+                      <a:endParaRPr lang="ru-RU" sz="1200" b="0" i="0" u="none" strike="noStrike">
+                        <a:solidFill>
+                          <a:srgbClr val="000000"/>
+                        </a:solidFill>
+                        <a:effectLst/>
+                        <a:latin typeface="Calibri" panose="020F0502020204030204" pitchFamily="34" charset="0"/>
+                      </a:endParaRPr>
+                    </a:p>
+                  </a:txBody>
+                  <a:tcPr marL="6350" marR="6350" marT="6350" marB="0" anchor="b"/>
+                </a:tc>
+                <a:extLst>
+                  <a:ext uri="{0D108BD9-81ED-4DB2-BD59-A6C34878D82A}">
+                    <a16:rowId xmlns:a16="http://schemas.microsoft.com/office/drawing/2014/main" val="3226621559"/>
+                  </a:ext>
+                </a:extLst>
+              </a:tr>
+              <a:tr h="246207">
+                <a:tc>
+                  <a:txBody>
+                    <a:bodyPr/>
+                    <a:lstStyle/>
+                    <a:p>
+                      <a:pPr algn="l" fontAlgn="b"/>
+                      <a:r>
+                        <a:rPr lang="en-US" sz="1200" u="none" strike="noStrike">
+                          <a:effectLst/>
+                        </a:rPr>
+                        <a:t>STD</a:t>
+                      </a:r>
+                      <a:endParaRPr lang="en-US" sz="1200" b="0" i="0" u="none" strike="noStrike">
+                        <a:solidFill>
+                          <a:srgbClr val="000000"/>
+                        </a:solidFill>
+                        <a:effectLst/>
+                        <a:latin typeface="Calibri" panose="020F0502020204030204" pitchFamily="34" charset="0"/>
+                      </a:endParaRPr>
+                    </a:p>
+                  </a:txBody>
+                  <a:tcPr marL="6350" marR="6350" marT="6350" marB="0" anchor="b"/>
+                </a:tc>
+                <a:tc>
+                  <a:txBody>
+                    <a:bodyPr/>
+                    <a:lstStyle/>
+                    <a:p>
+                      <a:pPr algn="r" fontAlgn="b"/>
+                      <a:r>
+                        <a:rPr lang="ru-RU" sz="1200" u="none" strike="noStrike">
+                          <a:effectLst/>
+                        </a:rPr>
+                        <a:t>22.14</a:t>
+                      </a:r>
+                      <a:endParaRPr lang="ru-RU" sz="1200" b="0" i="0" u="none" strike="noStrike">
+                        <a:solidFill>
+                          <a:srgbClr val="000000"/>
+                        </a:solidFill>
+                        <a:effectLst/>
+                        <a:latin typeface="Calibri" panose="020F0502020204030204" pitchFamily="34" charset="0"/>
+                      </a:endParaRPr>
+                    </a:p>
+                  </a:txBody>
+                  <a:tcPr marL="6350" marR="6350" marT="6350" marB="0" anchor="b"/>
+                </a:tc>
+                <a:tc>
+                  <a:txBody>
+                    <a:bodyPr/>
+                    <a:lstStyle/>
+                    <a:p>
+                      <a:pPr algn="r" fontAlgn="b"/>
+                      <a:r>
+                        <a:rPr lang="ru-RU" sz="1200" u="none" strike="noStrike">
+                          <a:effectLst/>
+                        </a:rPr>
+                        <a:t>512.68</a:t>
+                      </a:r>
+                      <a:endParaRPr lang="ru-RU" sz="1200" b="0" i="0" u="none" strike="noStrike">
+                        <a:solidFill>
+                          <a:srgbClr val="000000"/>
+                        </a:solidFill>
+                        <a:effectLst/>
+                        <a:latin typeface="Calibri" panose="020F0502020204030204" pitchFamily="34" charset="0"/>
+                      </a:endParaRPr>
+                    </a:p>
+                  </a:txBody>
+                  <a:tcPr marL="6350" marR="6350" marT="6350" marB="0" anchor="b"/>
+                </a:tc>
+                <a:tc>
+                  <a:txBody>
+                    <a:bodyPr/>
+                    <a:lstStyle/>
+                    <a:p>
+                      <a:pPr algn="r" fontAlgn="b"/>
+                      <a:r>
+                        <a:rPr lang="ru-RU" sz="1200" u="none" strike="noStrike">
+                          <a:effectLst/>
+                        </a:rPr>
+                        <a:t>58.30</a:t>
+                      </a:r>
+                      <a:endParaRPr lang="ru-RU" sz="1200" b="0" i="0" u="none" strike="noStrike">
+                        <a:solidFill>
+                          <a:srgbClr val="000000"/>
+                        </a:solidFill>
+                        <a:effectLst/>
+                        <a:latin typeface="Calibri" panose="020F0502020204030204" pitchFamily="34" charset="0"/>
+                      </a:endParaRPr>
+                    </a:p>
+                  </a:txBody>
+                  <a:tcPr marL="6350" marR="6350" marT="6350" marB="0" anchor="b"/>
+                </a:tc>
+                <a:tc>
+                  <a:txBody>
+                    <a:bodyPr/>
+                    <a:lstStyle/>
+                    <a:p>
+                      <a:pPr algn="r" fontAlgn="b"/>
+                      <a:r>
+                        <a:rPr lang="ru-RU" sz="1200" u="none" strike="noStrike" dirty="0">
+                          <a:effectLst/>
+                        </a:rPr>
+                        <a:t>31.27</a:t>
+                      </a:r>
+                      <a:endParaRPr lang="ru-RU" sz="1200" b="0" i="0" u="none" strike="noStrike" dirty="0">
+                        <a:solidFill>
+                          <a:srgbClr val="000000"/>
+                        </a:solidFill>
+                        <a:effectLst/>
+                        <a:latin typeface="Calibri" panose="020F0502020204030204" pitchFamily="34" charset="0"/>
+                      </a:endParaRPr>
+                    </a:p>
+                  </a:txBody>
+                  <a:tcPr marL="6350" marR="6350" marT="6350" marB="0" anchor="b"/>
+                </a:tc>
+                <a:extLst>
+                  <a:ext uri="{0D108BD9-81ED-4DB2-BD59-A6C34878D82A}">
+                    <a16:rowId xmlns:a16="http://schemas.microsoft.com/office/drawing/2014/main" val="2682835172"/>
+                  </a:ext>
+                </a:extLst>
+              </a:tr>
+            </a:tbl>
+          </a:graphicData>
+        </a:graphic>
+      </p:graphicFrame>
+      <p:graphicFrame>
+        <p:nvGraphicFramePr>
+          <p:cNvPr id="6" name="Table 5">
+            <a:extLst>
+              <a:ext uri="{FF2B5EF4-FFF2-40B4-BE49-F238E27FC236}">
+                <a16:creationId xmlns:a16="http://schemas.microsoft.com/office/drawing/2014/main" id="{71E624A3-A805-4811-954B-A28E815AEA0B}"/>
+              </a:ext>
+            </a:extLst>
+          </p:cNvPr>
+          <p:cNvGraphicFramePr>
+            <a:graphicFrameLocks noGrp="1"/>
+          </p:cNvGraphicFramePr>
+          <p:nvPr>
+            <p:extLst>
+              <p:ext uri="{D42A27DB-BD31-4B8C-83A1-F6EECF244321}">
+                <p14:modId xmlns:p14="http://schemas.microsoft.com/office/powerpoint/2010/main" val="971777327"/>
+              </p:ext>
+            </p:extLst>
+          </p:nvPr>
+        </p:nvGraphicFramePr>
+        <p:xfrm>
+          <a:off x="1732643" y="3870273"/>
+          <a:ext cx="7169202" cy="1098550"/>
+        </p:xfrm>
+        <a:graphic>
+          <a:graphicData uri="http://schemas.openxmlformats.org/drawingml/2006/table">
+            <a:tbl>
+              <a:tblPr>
+                <a:tableStyleId>{5C22544A-7EE6-4342-B048-85BDC9FD1C3A}</a:tableStyleId>
+              </a:tblPr>
+              <a:tblGrid>
+                <a:gridCol w="1014966">
+                  <a:extLst>
+                    <a:ext uri="{9D8B030D-6E8A-4147-A177-3AD203B41FA5}">
+                      <a16:colId xmlns:a16="http://schemas.microsoft.com/office/drawing/2014/main" val="4040947157"/>
+                    </a:ext>
+                  </a:extLst>
+                </a:gridCol>
+                <a:gridCol w="1852715">
+                  <a:extLst>
+                    <a:ext uri="{9D8B030D-6E8A-4147-A177-3AD203B41FA5}">
+                      <a16:colId xmlns:a16="http://schemas.microsoft.com/office/drawing/2014/main" val="1913093229"/>
+                    </a:ext>
+                  </a:extLst>
+                </a:gridCol>
+                <a:gridCol w="1417730">
+                  <a:extLst>
+                    <a:ext uri="{9D8B030D-6E8A-4147-A177-3AD203B41FA5}">
+                      <a16:colId xmlns:a16="http://schemas.microsoft.com/office/drawing/2014/main" val="2367750420"/>
+                    </a:ext>
+                  </a:extLst>
+                </a:gridCol>
+                <a:gridCol w="1047187">
+                  <a:extLst>
+                    <a:ext uri="{9D8B030D-6E8A-4147-A177-3AD203B41FA5}">
+                      <a16:colId xmlns:a16="http://schemas.microsoft.com/office/drawing/2014/main" val="1085202447"/>
+                    </a:ext>
+                  </a:extLst>
+                </a:gridCol>
+                <a:gridCol w="1836604">
+                  <a:extLst>
+                    <a:ext uri="{9D8B030D-6E8A-4147-A177-3AD203B41FA5}">
+                      <a16:colId xmlns:a16="http://schemas.microsoft.com/office/drawing/2014/main" val="1790432908"/>
+                    </a:ext>
+                  </a:extLst>
+                </a:gridCol>
+              </a:tblGrid>
+              <a:tr h="204742">
+                <a:tc>
+                  <a:txBody>
+                    <a:bodyPr/>
+                    <a:lstStyle/>
+                    <a:p>
+                      <a:pPr algn="l" fontAlgn="b"/>
+                      <a:r>
+                        <a:rPr lang="ru-RU" sz="1400" u="none" strike="noStrike">
+                          <a:effectLst/>
+                        </a:rPr>
+                        <a:t> </a:t>
+                      </a:r>
+                      <a:endParaRPr lang="ru-RU" sz="1400" b="0" i="0" u="none" strike="noStrike">
+                        <a:solidFill>
+                          <a:srgbClr val="000000"/>
+                        </a:solidFill>
+                        <a:effectLst/>
+                        <a:latin typeface="Calibri" panose="020F0502020204030204" pitchFamily="34" charset="0"/>
+                      </a:endParaRPr>
+                    </a:p>
+                  </a:txBody>
+                  <a:tcPr marL="6350" marR="6350" marT="6350" marB="0" anchor="b"/>
+                </a:tc>
+                <a:tc>
+                  <a:txBody>
+                    <a:bodyPr/>
+                    <a:lstStyle/>
+                    <a:p>
+                      <a:pPr algn="l" fontAlgn="b"/>
+                      <a:r>
+                        <a:rPr lang="ru-RU" sz="1400" u="none" strike="noStrike">
+                          <a:effectLst/>
+                        </a:rPr>
+                        <a:t>Вычисление </a:t>
+                      </a:r>
+                      <a:r>
+                        <a:rPr lang="en-US" sz="1400" u="none" strike="noStrike">
+                          <a:effectLst/>
+                        </a:rPr>
+                        <a:t>VGG19</a:t>
+                      </a:r>
+                      <a:endParaRPr lang="en-US" sz="1400" b="0" i="0" u="none" strike="noStrike">
+                        <a:solidFill>
+                          <a:srgbClr val="000000"/>
+                        </a:solidFill>
+                        <a:effectLst/>
+                        <a:latin typeface="Calibri" panose="020F0502020204030204" pitchFamily="34" charset="0"/>
+                      </a:endParaRPr>
+                    </a:p>
+                  </a:txBody>
+                  <a:tcPr marL="6350" marR="6350" marT="6350" marB="0" anchor="b"/>
+                </a:tc>
+                <a:tc>
+                  <a:txBody>
+                    <a:bodyPr/>
+                    <a:lstStyle/>
+                    <a:p>
+                      <a:pPr algn="l" fontAlgn="b"/>
+                      <a:r>
+                        <a:rPr lang="ru-RU" sz="1400" u="none" strike="noStrike">
+                          <a:effectLst/>
+                        </a:rPr>
+                        <a:t>Преобразование</a:t>
+                      </a:r>
+                      <a:endParaRPr lang="ru-RU" sz="1400" b="0" i="0" u="none" strike="noStrike">
+                        <a:solidFill>
+                          <a:srgbClr val="000000"/>
+                        </a:solidFill>
+                        <a:effectLst/>
+                        <a:latin typeface="Calibri" panose="020F0502020204030204" pitchFamily="34" charset="0"/>
+                      </a:endParaRPr>
+                    </a:p>
+                  </a:txBody>
+                  <a:tcPr marL="6350" marR="6350" marT="6350" marB="0" anchor="b"/>
+                </a:tc>
+                <a:tc>
+                  <a:txBody>
+                    <a:bodyPr/>
+                    <a:lstStyle/>
+                    <a:p>
+                      <a:pPr algn="l" fontAlgn="b"/>
+                      <a:r>
+                        <a:rPr lang="ru-RU" sz="1400" u="none" strike="noStrike">
+                          <a:effectLst/>
+                        </a:rPr>
+                        <a:t>Сохранение</a:t>
+                      </a:r>
+                      <a:endParaRPr lang="ru-RU" sz="1400" b="0" i="0" u="none" strike="noStrike">
+                        <a:solidFill>
+                          <a:srgbClr val="000000"/>
+                        </a:solidFill>
+                        <a:effectLst/>
+                        <a:latin typeface="Calibri" panose="020F0502020204030204" pitchFamily="34" charset="0"/>
+                      </a:endParaRPr>
+                    </a:p>
+                  </a:txBody>
+                  <a:tcPr marL="6350" marR="6350" marT="6350" marB="0" anchor="b"/>
+                </a:tc>
+                <a:tc>
+                  <a:txBody>
+                    <a:bodyPr/>
+                    <a:lstStyle/>
+                    <a:p>
+                      <a:pPr algn="l" fontAlgn="b"/>
+                      <a:r>
+                        <a:rPr lang="ru-RU" sz="1400" u="none" strike="noStrike">
+                          <a:effectLst/>
+                        </a:rPr>
+                        <a:t>Вычисление </a:t>
+                      </a:r>
+                      <a:r>
+                        <a:rPr lang="en-US" sz="1400" u="none" strike="noStrike">
+                          <a:effectLst/>
+                        </a:rPr>
+                        <a:t>FAMLINN</a:t>
+                      </a:r>
+                      <a:endParaRPr lang="en-US" sz="1400" b="0" i="0" u="none" strike="noStrike">
+                        <a:solidFill>
+                          <a:srgbClr val="000000"/>
+                        </a:solidFill>
+                        <a:effectLst/>
+                        <a:latin typeface="Calibri" panose="020F0502020204030204" pitchFamily="34" charset="0"/>
+                      </a:endParaRPr>
+                    </a:p>
+                  </a:txBody>
+                  <a:tcPr marL="6350" marR="6350" marT="6350" marB="0" anchor="b"/>
+                </a:tc>
+                <a:extLst>
+                  <a:ext uri="{0D108BD9-81ED-4DB2-BD59-A6C34878D82A}">
+                    <a16:rowId xmlns:a16="http://schemas.microsoft.com/office/drawing/2014/main" val="389085162"/>
+                  </a:ext>
+                </a:extLst>
+              </a:tr>
+              <a:tr h="204742">
+                <a:tc>
+                  <a:txBody>
+                    <a:bodyPr/>
+                    <a:lstStyle/>
+                    <a:p>
+                      <a:pPr algn="l" fontAlgn="b"/>
+                      <a:r>
+                        <a:rPr lang="en-US" sz="1400" u="none" strike="noStrike">
+                          <a:effectLst/>
+                        </a:rPr>
+                        <a:t>LeNet</a:t>
+                      </a:r>
+                      <a:endParaRPr lang="en-US" sz="1400" b="0" i="0" u="none" strike="noStrike">
+                        <a:solidFill>
+                          <a:srgbClr val="000000"/>
+                        </a:solidFill>
+                        <a:effectLst/>
+                        <a:latin typeface="Calibri" panose="020F0502020204030204" pitchFamily="34" charset="0"/>
+                      </a:endParaRPr>
+                    </a:p>
+                  </a:txBody>
+                  <a:tcPr marL="6350" marR="6350" marT="6350" marB="0" anchor="b"/>
+                </a:tc>
+                <a:tc>
+                  <a:txBody>
+                    <a:bodyPr/>
+                    <a:lstStyle/>
+                    <a:p>
+                      <a:pPr algn="r" fontAlgn="b"/>
+                      <a:r>
+                        <a:rPr lang="ru-RU" sz="1400" u="none" strike="noStrike">
+                          <a:effectLst/>
+                        </a:rPr>
+                        <a:t>28.17</a:t>
+                      </a:r>
+                      <a:endParaRPr lang="ru-RU" sz="1400" b="0" i="0" u="none" strike="noStrike">
+                        <a:solidFill>
+                          <a:srgbClr val="000000"/>
+                        </a:solidFill>
+                        <a:effectLst/>
+                        <a:latin typeface="Calibri" panose="020F0502020204030204" pitchFamily="34" charset="0"/>
+                      </a:endParaRPr>
+                    </a:p>
+                  </a:txBody>
+                  <a:tcPr marL="6350" marR="6350" marT="6350" marB="0" anchor="b"/>
+                </a:tc>
+                <a:tc>
+                  <a:txBody>
+                    <a:bodyPr/>
+                    <a:lstStyle/>
+                    <a:p>
+                      <a:pPr algn="r" fontAlgn="b"/>
+                      <a:r>
+                        <a:rPr lang="ru-RU" sz="1400" u="none" strike="noStrike">
+                          <a:effectLst/>
+                        </a:rPr>
+                        <a:t>72.83</a:t>
+                      </a:r>
+                      <a:endParaRPr lang="ru-RU" sz="1400" b="0" i="0" u="none" strike="noStrike">
+                        <a:solidFill>
+                          <a:srgbClr val="000000"/>
+                        </a:solidFill>
+                        <a:effectLst/>
+                        <a:latin typeface="Calibri" panose="020F0502020204030204" pitchFamily="34" charset="0"/>
+                      </a:endParaRPr>
+                    </a:p>
+                  </a:txBody>
+                  <a:tcPr marL="6350" marR="6350" marT="6350" marB="0" anchor="b"/>
+                </a:tc>
+                <a:tc>
+                  <a:txBody>
+                    <a:bodyPr/>
+                    <a:lstStyle/>
+                    <a:p>
+                      <a:pPr algn="r" fontAlgn="b"/>
+                      <a:r>
+                        <a:rPr lang="ru-RU" sz="1400" u="none" strike="noStrike" dirty="0">
+                          <a:effectLst/>
+                        </a:rPr>
+                        <a:t>9.17</a:t>
+                      </a:r>
+                      <a:endParaRPr lang="ru-RU" sz="1400" b="0" i="0" u="none" strike="noStrike" dirty="0">
+                        <a:solidFill>
+                          <a:srgbClr val="000000"/>
+                        </a:solidFill>
+                        <a:effectLst/>
+                        <a:latin typeface="Calibri" panose="020F0502020204030204" pitchFamily="34" charset="0"/>
+                      </a:endParaRPr>
+                    </a:p>
+                  </a:txBody>
+                  <a:tcPr marL="6350" marR="6350" marT="6350" marB="0" anchor="b"/>
+                </a:tc>
+                <a:tc>
+                  <a:txBody>
+                    <a:bodyPr/>
+                    <a:lstStyle/>
+                    <a:p>
+                      <a:pPr algn="r" fontAlgn="b"/>
+                      <a:r>
+                        <a:rPr lang="ru-RU" sz="1400" u="none" strike="noStrike">
+                          <a:effectLst/>
+                        </a:rPr>
+                        <a:t>0.50</a:t>
+                      </a:r>
+                      <a:endParaRPr lang="ru-RU" sz="1400" b="0" i="0" u="none" strike="noStrike">
+                        <a:solidFill>
+                          <a:srgbClr val="000000"/>
+                        </a:solidFill>
+                        <a:effectLst/>
+                        <a:latin typeface="Calibri" panose="020F0502020204030204" pitchFamily="34" charset="0"/>
+                      </a:endParaRPr>
+                    </a:p>
+                  </a:txBody>
+                  <a:tcPr marL="6350" marR="6350" marT="6350" marB="0" anchor="b"/>
+                </a:tc>
+                <a:extLst>
+                  <a:ext uri="{0D108BD9-81ED-4DB2-BD59-A6C34878D82A}">
+                    <a16:rowId xmlns:a16="http://schemas.microsoft.com/office/drawing/2014/main" val="2777097276"/>
+                  </a:ext>
+                </a:extLst>
+              </a:tr>
+              <a:tr h="204742">
+                <a:tc>
+                  <a:txBody>
+                    <a:bodyPr/>
+                    <a:lstStyle/>
+                    <a:p>
+                      <a:pPr algn="l" fontAlgn="b"/>
+                      <a:r>
+                        <a:rPr lang="en-US" sz="1400" u="none" strike="noStrike">
+                          <a:effectLst/>
+                        </a:rPr>
+                        <a:t>UNet</a:t>
+                      </a:r>
+                      <a:endParaRPr lang="en-US" sz="1400" b="0" i="0" u="none" strike="noStrike">
+                        <a:solidFill>
+                          <a:srgbClr val="000000"/>
+                        </a:solidFill>
+                        <a:effectLst/>
+                        <a:latin typeface="Calibri" panose="020F0502020204030204" pitchFamily="34" charset="0"/>
+                      </a:endParaRPr>
+                    </a:p>
+                  </a:txBody>
+                  <a:tcPr marL="6350" marR="6350" marT="6350" marB="0" anchor="b"/>
+                </a:tc>
+                <a:tc>
+                  <a:txBody>
+                    <a:bodyPr/>
+                    <a:lstStyle/>
+                    <a:p>
+                      <a:pPr algn="r" fontAlgn="b"/>
+                      <a:r>
+                        <a:rPr lang="ru-RU" sz="1400" u="none" strike="noStrike">
+                          <a:effectLst/>
+                        </a:rPr>
+                        <a:t>282.33</a:t>
+                      </a:r>
+                      <a:endParaRPr lang="ru-RU" sz="1400" b="0" i="0" u="none" strike="noStrike">
+                        <a:solidFill>
+                          <a:srgbClr val="000000"/>
+                        </a:solidFill>
+                        <a:effectLst/>
+                        <a:latin typeface="Calibri" panose="020F0502020204030204" pitchFamily="34" charset="0"/>
+                      </a:endParaRPr>
+                    </a:p>
+                  </a:txBody>
+                  <a:tcPr marL="6350" marR="6350" marT="6350" marB="0" anchor="b"/>
+                </a:tc>
+                <a:tc>
+                  <a:txBody>
+                    <a:bodyPr/>
+                    <a:lstStyle/>
+                    <a:p>
+                      <a:pPr algn="r" fontAlgn="b"/>
+                      <a:r>
+                        <a:rPr lang="ru-RU" sz="1400" u="none" strike="noStrike">
+                          <a:effectLst/>
+                        </a:rPr>
+                        <a:t>1063.17</a:t>
+                      </a:r>
+                      <a:endParaRPr lang="ru-RU" sz="1400" b="0" i="0" u="none" strike="noStrike">
+                        <a:solidFill>
+                          <a:srgbClr val="000000"/>
+                        </a:solidFill>
+                        <a:effectLst/>
+                        <a:latin typeface="Calibri" panose="020F0502020204030204" pitchFamily="34" charset="0"/>
+                      </a:endParaRPr>
+                    </a:p>
+                  </a:txBody>
+                  <a:tcPr marL="6350" marR="6350" marT="6350" marB="0" anchor="b"/>
+                </a:tc>
+                <a:tc>
+                  <a:txBody>
+                    <a:bodyPr/>
+                    <a:lstStyle/>
+                    <a:p>
+                      <a:pPr algn="r" fontAlgn="b"/>
+                      <a:r>
+                        <a:rPr lang="ru-RU" sz="1400" u="none" strike="noStrike">
+                          <a:effectLst/>
+                        </a:rPr>
+                        <a:t>79.00</a:t>
+                      </a:r>
+                      <a:endParaRPr lang="ru-RU" sz="1400" b="0" i="0" u="none" strike="noStrike">
+                        <a:solidFill>
+                          <a:srgbClr val="000000"/>
+                        </a:solidFill>
+                        <a:effectLst/>
+                        <a:latin typeface="Calibri" panose="020F0502020204030204" pitchFamily="34" charset="0"/>
+                      </a:endParaRPr>
+                    </a:p>
+                  </a:txBody>
+                  <a:tcPr marL="6350" marR="6350" marT="6350" marB="0" anchor="b"/>
+                </a:tc>
+                <a:tc>
+                  <a:txBody>
+                    <a:bodyPr/>
+                    <a:lstStyle/>
+                    <a:p>
+                      <a:pPr algn="r" fontAlgn="b"/>
+                      <a:r>
+                        <a:rPr lang="ru-RU" sz="1400" u="none" strike="noStrike">
+                          <a:effectLst/>
+                        </a:rPr>
+                        <a:t>261.67</a:t>
+                      </a:r>
+                      <a:endParaRPr lang="ru-RU" sz="1400" b="0" i="0" u="none" strike="noStrike">
+                        <a:solidFill>
+                          <a:srgbClr val="000000"/>
+                        </a:solidFill>
+                        <a:effectLst/>
+                        <a:latin typeface="Calibri" panose="020F0502020204030204" pitchFamily="34" charset="0"/>
+                      </a:endParaRPr>
+                    </a:p>
+                  </a:txBody>
+                  <a:tcPr marL="6350" marR="6350" marT="6350" marB="0" anchor="b"/>
+                </a:tc>
+                <a:extLst>
+                  <a:ext uri="{0D108BD9-81ED-4DB2-BD59-A6C34878D82A}">
+                    <a16:rowId xmlns:a16="http://schemas.microsoft.com/office/drawing/2014/main" val="3893682692"/>
+                  </a:ext>
+                </a:extLst>
+              </a:tr>
+              <a:tr h="204742">
+                <a:tc>
+                  <a:txBody>
+                    <a:bodyPr/>
+                    <a:lstStyle/>
+                    <a:p>
+                      <a:pPr algn="l" fontAlgn="b"/>
+                      <a:r>
+                        <a:rPr lang="en-US" sz="1400" u="none" strike="noStrike">
+                          <a:effectLst/>
+                        </a:rPr>
+                        <a:t>ResNet</a:t>
+                      </a:r>
+                      <a:endParaRPr lang="en-US" sz="1400" b="0" i="0" u="none" strike="noStrike">
+                        <a:solidFill>
+                          <a:srgbClr val="000000"/>
+                        </a:solidFill>
+                        <a:effectLst/>
+                        <a:latin typeface="Calibri" panose="020F0502020204030204" pitchFamily="34" charset="0"/>
+                      </a:endParaRPr>
+                    </a:p>
+                  </a:txBody>
+                  <a:tcPr marL="6350" marR="6350" marT="6350" marB="0" anchor="b"/>
+                </a:tc>
+                <a:tc>
+                  <a:txBody>
+                    <a:bodyPr/>
+                    <a:lstStyle/>
+                    <a:p>
+                      <a:pPr algn="r" fontAlgn="b"/>
+                      <a:r>
+                        <a:rPr lang="ru-RU" sz="1400" u="none" strike="noStrike">
+                          <a:effectLst/>
+                        </a:rPr>
+                        <a:t>301.00</a:t>
+                      </a:r>
+                      <a:endParaRPr lang="ru-RU" sz="1400" b="0" i="0" u="none" strike="noStrike">
+                        <a:solidFill>
+                          <a:srgbClr val="000000"/>
+                        </a:solidFill>
+                        <a:effectLst/>
+                        <a:latin typeface="Calibri" panose="020F0502020204030204" pitchFamily="34" charset="0"/>
+                      </a:endParaRPr>
+                    </a:p>
+                  </a:txBody>
+                  <a:tcPr marL="6350" marR="6350" marT="6350" marB="0" anchor="b"/>
+                </a:tc>
+                <a:tc>
+                  <a:txBody>
+                    <a:bodyPr/>
+                    <a:lstStyle/>
+                    <a:p>
+                      <a:pPr algn="r" fontAlgn="b"/>
+                      <a:r>
+                        <a:rPr lang="ru-RU" sz="1400" u="none" strike="noStrike">
+                          <a:effectLst/>
+                        </a:rPr>
+                        <a:t>6053.33</a:t>
+                      </a:r>
+                      <a:endParaRPr lang="ru-RU" sz="1400" b="0" i="0" u="none" strike="noStrike">
+                        <a:solidFill>
+                          <a:srgbClr val="000000"/>
+                        </a:solidFill>
+                        <a:effectLst/>
+                        <a:latin typeface="Calibri" panose="020F0502020204030204" pitchFamily="34" charset="0"/>
+                      </a:endParaRPr>
+                    </a:p>
+                  </a:txBody>
+                  <a:tcPr marL="6350" marR="6350" marT="6350" marB="0" anchor="b"/>
+                </a:tc>
+                <a:tc>
+                  <a:txBody>
+                    <a:bodyPr/>
+                    <a:lstStyle/>
+                    <a:p>
+                      <a:pPr algn="r" fontAlgn="b"/>
+                      <a:r>
+                        <a:rPr lang="ru-RU" sz="1400" u="none" strike="noStrike" dirty="0">
+                          <a:effectLst/>
+                        </a:rPr>
+                        <a:t>461.00</a:t>
+                      </a:r>
+                      <a:endParaRPr lang="ru-RU" sz="1400" b="0" i="0" u="none" strike="noStrike" dirty="0">
+                        <a:solidFill>
+                          <a:srgbClr val="000000"/>
+                        </a:solidFill>
+                        <a:effectLst/>
+                        <a:latin typeface="Calibri" panose="020F0502020204030204" pitchFamily="34" charset="0"/>
+                      </a:endParaRPr>
+                    </a:p>
+                  </a:txBody>
+                  <a:tcPr marL="6350" marR="6350" marT="6350" marB="0" anchor="b"/>
+                </a:tc>
+                <a:tc>
+                  <a:txBody>
+                    <a:bodyPr/>
+                    <a:lstStyle/>
+                    <a:p>
+                      <a:pPr algn="r" fontAlgn="b"/>
+                      <a:r>
+                        <a:rPr lang="ru-RU" sz="1400" u="none" strike="noStrike">
+                          <a:effectLst/>
+                        </a:rPr>
+                        <a:t>288.50</a:t>
+                      </a:r>
+                      <a:endParaRPr lang="ru-RU" sz="1400" b="0" i="0" u="none" strike="noStrike">
+                        <a:solidFill>
+                          <a:srgbClr val="000000"/>
+                        </a:solidFill>
+                        <a:effectLst/>
+                        <a:latin typeface="Calibri" panose="020F0502020204030204" pitchFamily="34" charset="0"/>
+                      </a:endParaRPr>
+                    </a:p>
+                  </a:txBody>
+                  <a:tcPr marL="6350" marR="6350" marT="6350" marB="0" anchor="b"/>
+                </a:tc>
+                <a:extLst>
+                  <a:ext uri="{0D108BD9-81ED-4DB2-BD59-A6C34878D82A}">
+                    <a16:rowId xmlns:a16="http://schemas.microsoft.com/office/drawing/2014/main" val="3532417089"/>
+                  </a:ext>
+                </a:extLst>
+              </a:tr>
+              <a:tr h="204742">
+                <a:tc>
+                  <a:txBody>
+                    <a:bodyPr/>
+                    <a:lstStyle/>
+                    <a:p>
+                      <a:pPr algn="l" fontAlgn="b"/>
+                      <a:r>
+                        <a:rPr lang="en-US" sz="1400" u="none" strike="noStrike">
+                          <a:effectLst/>
+                        </a:rPr>
+                        <a:t>VGG19</a:t>
+                      </a:r>
+                      <a:endParaRPr lang="en-US" sz="1400" b="0" i="0" u="none" strike="noStrike">
+                        <a:solidFill>
+                          <a:srgbClr val="000000"/>
+                        </a:solidFill>
+                        <a:effectLst/>
+                        <a:latin typeface="Calibri" panose="020F0502020204030204" pitchFamily="34" charset="0"/>
+                      </a:endParaRPr>
+                    </a:p>
+                  </a:txBody>
+                  <a:tcPr marL="6350" marR="6350" marT="6350" marB="0" anchor="b"/>
+                </a:tc>
+                <a:tc>
+                  <a:txBody>
+                    <a:bodyPr/>
+                    <a:lstStyle/>
+                    <a:p>
+                      <a:pPr algn="r" fontAlgn="b"/>
+                      <a:r>
+                        <a:rPr lang="ru-RU" sz="1400" u="none" strike="noStrike">
+                          <a:effectLst/>
+                        </a:rPr>
+                        <a:t>367.83</a:t>
+                      </a:r>
+                      <a:endParaRPr lang="ru-RU" sz="1400" b="0" i="0" u="none" strike="noStrike">
+                        <a:solidFill>
+                          <a:srgbClr val="000000"/>
+                        </a:solidFill>
+                        <a:effectLst/>
+                        <a:latin typeface="Calibri" panose="020F0502020204030204" pitchFamily="34" charset="0"/>
+                      </a:endParaRPr>
+                    </a:p>
+                  </a:txBody>
+                  <a:tcPr marL="6350" marR="6350" marT="6350" marB="0" anchor="b"/>
+                </a:tc>
+                <a:tc>
+                  <a:txBody>
+                    <a:bodyPr/>
+                    <a:lstStyle/>
+                    <a:p>
+                      <a:pPr algn="r" fontAlgn="b"/>
+                      <a:r>
+                        <a:rPr lang="ru-RU" sz="1400" u="none" strike="noStrike">
+                          <a:effectLst/>
+                        </a:rPr>
+                        <a:t>1412.67</a:t>
+                      </a:r>
+                      <a:endParaRPr lang="ru-RU" sz="1400" b="0" i="0" u="none" strike="noStrike">
+                        <a:solidFill>
+                          <a:srgbClr val="000000"/>
+                        </a:solidFill>
+                        <a:effectLst/>
+                        <a:latin typeface="Calibri" panose="020F0502020204030204" pitchFamily="34" charset="0"/>
+                      </a:endParaRPr>
+                    </a:p>
+                  </a:txBody>
+                  <a:tcPr marL="6350" marR="6350" marT="6350" marB="0" anchor="b"/>
+                </a:tc>
+                <a:tc>
+                  <a:txBody>
+                    <a:bodyPr/>
+                    <a:lstStyle/>
+                    <a:p>
+                      <a:pPr algn="r" fontAlgn="b"/>
+                      <a:r>
+                        <a:rPr lang="ru-RU" sz="1400" u="none" strike="noStrike">
+                          <a:effectLst/>
+                        </a:rPr>
+                        <a:t>3570.33</a:t>
+                      </a:r>
+                      <a:endParaRPr lang="ru-RU" sz="1400" b="0" i="0" u="none" strike="noStrike">
+                        <a:solidFill>
+                          <a:srgbClr val="000000"/>
+                        </a:solidFill>
+                        <a:effectLst/>
+                        <a:latin typeface="Calibri" panose="020F0502020204030204" pitchFamily="34" charset="0"/>
+                      </a:endParaRPr>
+                    </a:p>
+                  </a:txBody>
+                  <a:tcPr marL="6350" marR="6350" marT="6350" marB="0" anchor="b"/>
+                </a:tc>
+                <a:tc>
+                  <a:txBody>
+                    <a:bodyPr/>
+                    <a:lstStyle/>
+                    <a:p>
+                      <a:pPr algn="r" fontAlgn="b"/>
+                      <a:r>
+                        <a:rPr lang="ru-RU" sz="1400" u="none" strike="noStrike" dirty="0">
+                          <a:effectLst/>
+                        </a:rPr>
+                        <a:t>412.33</a:t>
+                      </a:r>
+                      <a:endParaRPr lang="ru-RU" sz="1400" b="0" i="0" u="none" strike="noStrike" dirty="0">
+                        <a:solidFill>
+                          <a:srgbClr val="000000"/>
+                        </a:solidFill>
+                        <a:effectLst/>
+                        <a:latin typeface="Calibri" panose="020F0502020204030204" pitchFamily="34" charset="0"/>
+                      </a:endParaRPr>
+                    </a:p>
+                  </a:txBody>
+                  <a:tcPr marL="6350" marR="6350" marT="6350" marB="0" anchor="b"/>
+                </a:tc>
+                <a:extLst>
+                  <a:ext uri="{0D108BD9-81ED-4DB2-BD59-A6C34878D82A}">
+                    <a16:rowId xmlns:a16="http://schemas.microsoft.com/office/drawing/2014/main" val="99352330"/>
+                  </a:ext>
+                </a:extLst>
+              </a:tr>
+            </a:tbl>
+          </a:graphicData>
+        </a:graphic>
+      </p:graphicFrame>
+    </p:spTree>
+    <p:extLst>
+      <p:ext uri="{BB962C8B-B14F-4D97-AF65-F5344CB8AC3E}">
+        <p14:creationId xmlns:p14="http://schemas.microsoft.com/office/powerpoint/2010/main" val="2390628369"/>
+      </p:ext>
+    </p:extLst>
+  </p:cSld>
+  <p:clrMapOvr>
+    <a:masterClrMapping/>
+  </p:clrMapOvr>
+</p:sld>
+</file>
+
+<file path=ppt/slides/slide13.xml><?xml version="1.0" encoding="utf-8"?>
+<p:sld xmlns:a="http://schemas.openxmlformats.org/drawingml/2006/main" xmlns:r="http://schemas.openxmlformats.org/officeDocument/2006/relationships" xmlns:p="http://schemas.openxmlformats.org/presentationml/2006/main">
+  <p:cSld>
+    <p:spTree>
+      <p:nvGrpSpPr>
+        <p:cNvPr id="1" name=""/>
+        <p:cNvGrpSpPr/>
+        <p:nvPr/>
+      </p:nvGrpSpPr>
+      <p:grpSpPr>
+        <a:xfrm>
+          <a:off x="0" y="0"/>
+          <a:ext cx="0" cy="0"/>
+          <a:chOff x="0" y="0"/>
+          <a:chExt cx="0" cy="0"/>
+        </a:xfrm>
+      </p:grpSpPr>
+      <p:sp>
+        <p:nvSpPr>
+          <p:cNvPr id="2" name="Title 1"/>
+          <p:cNvSpPr>
+            <a:spLocks noGrp="1"/>
+          </p:cNvSpPr>
+          <p:nvPr>
+            <p:ph type="title"/>
+          </p:nvPr>
+        </p:nvSpPr>
+        <p:spPr>
+          <a:xfrm>
+            <a:off x="765697" y="-340153"/>
+            <a:ext cx="5965438" cy="1488969"/>
+          </a:xfrm>
+        </p:spPr>
+        <p:txBody>
+          <a:bodyPr/>
+          <a:lstStyle/>
+          <a:p>
+            <a:r>
+              <a:rPr lang="ru-RU" b="1" dirty="0">
+                <a:solidFill>
+                  <a:srgbClr val="000000"/>
+                </a:solidFill>
+              </a:rPr>
+              <a:t>Внедрение</a:t>
+            </a:r>
+            <a:endParaRPr lang="en-US" b="1" dirty="0">
+              <a:solidFill>
+                <a:srgbClr val="000000"/>
+              </a:solidFill>
+            </a:endParaRPr>
+          </a:p>
+        </p:txBody>
+      </p:sp>
+    </p:spTree>
+    <p:extLst>
+      <p:ext uri="{BB962C8B-B14F-4D97-AF65-F5344CB8AC3E}">
+        <p14:creationId xmlns:p14="http://schemas.microsoft.com/office/powerpoint/2010/main" val="2057569955"/>
+      </p:ext>
+    </p:extLst>
+  </p:cSld>
+  <p:clrMapOvr>
+    <a:masterClrMapping/>
+  </p:clrMapOvr>
+</p:sld>
+</file>
+
+<file path=ppt/slides/slide14.xml><?xml version="1.0" encoding="utf-8"?>
+<p:sld xmlns:a="http://schemas.openxmlformats.org/drawingml/2006/main" xmlns:r="http://schemas.openxmlformats.org/officeDocument/2006/relationships" xmlns:p="http://schemas.openxmlformats.org/presentationml/2006/main">
+  <p:cSld>
+    <p:bg>
+      <p:bgPr>
+        <a:blipFill dpi="0" rotWithShape="1">
+          <a:blip r:embed="rId2">
+            <a:lum/>
+          </a:blip>
+          <a:srcRect/>
+          <a:stretch>
+            <a:fillRect/>
+          </a:stretch>
+        </a:blipFill>
+        <a:effectLst/>
+      </p:bgPr>
+    </p:bg>
+    <p:spTree>
+      <p:nvGrpSpPr>
+        <p:cNvPr id="1" name=""/>
+        <p:cNvGrpSpPr/>
+        <p:nvPr/>
+      </p:nvGrpSpPr>
+      <p:grpSpPr>
+        <a:xfrm>
+          <a:off x="0" y="0"/>
+          <a:ext cx="0" cy="0"/>
+          <a:chOff x="0" y="0"/>
+          <a:chExt cx="0" cy="0"/>
+        </a:xfrm>
+      </p:grpSpPr>
+      <p:sp>
+        <p:nvSpPr>
+          <p:cNvPr id="2" name="Title 1"/>
+          <p:cNvSpPr>
+            <a:spLocks noGrp="1"/>
+          </p:cNvSpPr>
+          <p:nvPr>
+            <p:ph type="title"/>
+          </p:nvPr>
+        </p:nvSpPr>
+        <p:spPr>
+          <a:xfrm>
+            <a:off x="457200" y="1700037"/>
+            <a:ext cx="8229600" cy="620483"/>
+          </a:xfrm>
+        </p:spPr>
+        <p:txBody>
+          <a:bodyPr/>
+          <a:lstStyle/>
+          <a:p>
+            <a:r>
+              <a:rPr lang="ru-RU" dirty="0"/>
+              <a:t>Спасибо за внимание</a:t>
+            </a:r>
+            <a:r>
+              <a:rPr lang="en-US" dirty="0"/>
+              <a:t>!</a:t>
+            </a:r>
+          </a:p>
+        </p:txBody>
+      </p:sp>
+      <p:sp>
+        <p:nvSpPr>
+          <p:cNvPr id="3" name="Text Placeholder 2"/>
+          <p:cNvSpPr>
+            <a:spLocks noGrp="1"/>
+          </p:cNvSpPr>
+          <p:nvPr>
+            <p:ph type="body" sz="quarter" idx="10"/>
+          </p:nvPr>
+        </p:nvSpPr>
+        <p:spPr>
+          <a:xfrm>
+            <a:off x="457200" y="2490643"/>
+            <a:ext cx="8229600" cy="594122"/>
+          </a:xfrm>
+        </p:spPr>
+        <p:txBody>
+          <a:bodyPr/>
+          <a:lstStyle/>
+          <a:p>
+            <a:r>
+              <a:rPr lang="en-US" dirty="0"/>
+              <a:t>www.</a:t>
+            </a:r>
+            <a:r>
+              <a:rPr lang="pl-PL" dirty="0"/>
+              <a:t>ifmo.ru</a:t>
+            </a:r>
+          </a:p>
+        </p:txBody>
+      </p:sp>
+    </p:spTree>
+    <p:extLst>
+      <p:ext uri="{BB962C8B-B14F-4D97-AF65-F5344CB8AC3E}">
+        <p14:creationId xmlns:p14="http://schemas.microsoft.com/office/powerpoint/2010/main" val="1864942597"/>
+      </p:ext>
+    </p:extLst>
+  </p:cSld>
+  <p:clrMapOvr>
+    <a:masterClrMapping/>
+  </p:clrMapOvr>
+</p:sld>
+</file>
+
+<file path=ppt/slides/slide2.xml><?xml version="1.0" encoding="utf-8"?>
+<p:sld xmlns:a="http://schemas.openxmlformats.org/drawingml/2006/main" xmlns:r="http://schemas.openxmlformats.org/officeDocument/2006/relationships" xmlns:p="http://schemas.openxmlformats.org/presentationml/2006/main">
+  <p:cSld>
+    <p:spTree>
+      <p:nvGrpSpPr>
+        <p:cNvPr id="1" name=""/>
+        <p:cNvGrpSpPr/>
+        <p:nvPr/>
+      </p:nvGrpSpPr>
+      <p:grpSpPr>
+        <a:xfrm>
+          <a:off x="0" y="0"/>
+          <a:ext cx="0" cy="0"/>
+          <a:chOff x="0" y="0"/>
+          <a:chExt cx="0" cy="0"/>
+        </a:xfrm>
+      </p:grpSpPr>
+      <p:pic>
+        <p:nvPicPr>
+          <p:cNvPr id="5" name="Graphic 4">
+            <a:extLst>
+              <a:ext uri="{FF2B5EF4-FFF2-40B4-BE49-F238E27FC236}">
+                <a16:creationId xmlns:a16="http://schemas.microsoft.com/office/drawing/2014/main" id="{BB985EAD-48BD-4032-9987-85605199AF23}"/>
+              </a:ext>
+            </a:extLst>
+          </p:cNvPr>
+          <p:cNvPicPr>
+            <a:picLocks noChangeAspect="1"/>
+          </p:cNvPicPr>
+          <p:nvPr/>
+        </p:nvPicPr>
+        <p:blipFill>
+          <a:blip r:embed="rId2">
+            <a:extLst>
+              <a:ext uri="{96DAC541-7B7A-43D3-8B79-37D633B846F1}">
+                <asvg:svgBlip xmlns:asvg="http://schemas.microsoft.com/office/drawing/2016/SVG/main" r:embed="rId3"/>
+              </a:ext>
+            </a:extLst>
+          </a:blip>
+          <a:stretch>
+            <a:fillRect/>
+          </a:stretch>
+        </p:blipFill>
+        <p:spPr>
+          <a:xfrm>
+            <a:off x="155741" y="2609525"/>
+            <a:ext cx="4692318" cy="1769886"/>
+          </a:xfrm>
+          <a:prstGeom prst="rect">
+            <a:avLst/>
+          </a:prstGeom>
+        </p:spPr>
+      </p:pic>
+      <p:pic>
+        <p:nvPicPr>
+          <p:cNvPr id="9" name="Picture 8">
+            <a:extLst>
+              <a:ext uri="{FF2B5EF4-FFF2-40B4-BE49-F238E27FC236}">
+                <a16:creationId xmlns:a16="http://schemas.microsoft.com/office/drawing/2014/main" id="{6D1C2936-B443-487E-81F2-C5D1F0B6FDEA}"/>
+              </a:ext>
+            </a:extLst>
+          </p:cNvPr>
+          <p:cNvPicPr>
+            <a:picLocks noChangeAspect="1"/>
+          </p:cNvPicPr>
+          <p:nvPr/>
+        </p:nvPicPr>
+        <p:blipFill>
+          <a:blip r:embed="rId4"/>
+          <a:stretch>
+            <a:fillRect/>
+          </a:stretch>
+        </p:blipFill>
+        <p:spPr>
+          <a:xfrm>
+            <a:off x="4769578" y="2663679"/>
+            <a:ext cx="4265744" cy="1715732"/>
+          </a:xfrm>
+          <a:prstGeom prst="rect">
+            <a:avLst/>
+          </a:prstGeom>
+        </p:spPr>
+      </p:pic>
+      <p:pic>
+        <p:nvPicPr>
+          <p:cNvPr id="11" name="Picture 10">
+            <a:extLst>
+              <a:ext uri="{FF2B5EF4-FFF2-40B4-BE49-F238E27FC236}">
+                <a16:creationId xmlns:a16="http://schemas.microsoft.com/office/drawing/2014/main" id="{43A8C3C0-4A25-4BFD-A30B-CEB9CEDCDBAC}"/>
+              </a:ext>
+            </a:extLst>
+          </p:cNvPr>
+          <p:cNvPicPr>
+            <a:picLocks noChangeAspect="1"/>
+          </p:cNvPicPr>
+          <p:nvPr/>
+        </p:nvPicPr>
+        <p:blipFill>
+          <a:blip r:embed="rId5"/>
+          <a:stretch>
+            <a:fillRect/>
+          </a:stretch>
+        </p:blipFill>
+        <p:spPr>
+          <a:xfrm>
+            <a:off x="2597537" y="1384946"/>
+            <a:ext cx="1993260" cy="1462359"/>
+          </a:xfrm>
+          <a:prstGeom prst="rect">
+            <a:avLst/>
+          </a:prstGeom>
+        </p:spPr>
+      </p:pic>
+      <p:pic>
+        <p:nvPicPr>
+          <p:cNvPr id="13" name="Picture 12">
+            <a:extLst>
+              <a:ext uri="{FF2B5EF4-FFF2-40B4-BE49-F238E27FC236}">
+                <a16:creationId xmlns:a16="http://schemas.microsoft.com/office/drawing/2014/main" id="{72926D65-B5B0-49D3-A6D7-F60A1EEA3E29}"/>
+              </a:ext>
+            </a:extLst>
+          </p:cNvPr>
+          <p:cNvPicPr>
+            <a:picLocks noChangeAspect="1"/>
+          </p:cNvPicPr>
+          <p:nvPr/>
+        </p:nvPicPr>
+        <p:blipFill>
+          <a:blip r:embed="rId6"/>
+          <a:stretch>
+            <a:fillRect/>
+          </a:stretch>
+        </p:blipFill>
+        <p:spPr>
+          <a:xfrm>
+            <a:off x="4572000" y="764089"/>
+            <a:ext cx="3877949" cy="1923730"/>
+          </a:xfrm>
+          <a:prstGeom prst="rect">
+            <a:avLst/>
+          </a:prstGeom>
+        </p:spPr>
+      </p:pic>
+      <p:sp>
+        <p:nvSpPr>
+          <p:cNvPr id="6" name="Title 1">
+            <a:extLst>
+              <a:ext uri="{FF2B5EF4-FFF2-40B4-BE49-F238E27FC236}">
+                <a16:creationId xmlns:a16="http://schemas.microsoft.com/office/drawing/2014/main" id="{0361704D-4F81-4FA1-BDCC-28684551AFD3}"/>
+              </a:ext>
+            </a:extLst>
+          </p:cNvPr>
+          <p:cNvSpPr>
+            <a:spLocks noGrp="1"/>
+          </p:cNvSpPr>
+          <p:nvPr>
+            <p:ph type="title"/>
+          </p:nvPr>
+        </p:nvSpPr>
+        <p:spPr>
+          <a:xfrm>
+            <a:off x="457200" y="644685"/>
+            <a:ext cx="6273934" cy="620483"/>
+          </a:xfrm>
+        </p:spPr>
+        <p:txBody>
+          <a:bodyPr/>
+          <a:lstStyle/>
+          <a:p>
+            <a:r>
+              <a:rPr lang="ru-RU" b="1" dirty="0">
+                <a:solidFill>
+                  <a:srgbClr val="000000"/>
+                </a:solidFill>
+              </a:rPr>
+              <a:t>Нейронные сети</a:t>
+            </a:r>
+            <a:endParaRPr lang="en-US" b="1" dirty="0">
+              <a:solidFill>
+                <a:srgbClr val="000000"/>
+              </a:solidFill>
+            </a:endParaRPr>
+          </a:p>
+        </p:txBody>
+      </p:sp>
+    </p:spTree>
+    <p:extLst>
+      <p:ext uri="{BB962C8B-B14F-4D97-AF65-F5344CB8AC3E}">
+        <p14:creationId xmlns:p14="http://schemas.microsoft.com/office/powerpoint/2010/main" val="3337471678"/>
+      </p:ext>
+    </p:extLst>
+  </p:cSld>
+  <p:clrMapOvr>
+    <a:masterClrMapping/>
+  </p:clrMapOvr>
+</p:sld>
+</file>
+
+<file path=ppt/slides/slide3.xml><?xml version="1.0" encoding="utf-8"?>
+<p:sld xmlns:a="http://schemas.openxmlformats.org/drawingml/2006/main" xmlns:r="http://schemas.openxmlformats.org/officeDocument/2006/relationships" xmlns:p="http://schemas.openxmlformats.org/presentationml/2006/main">
+  <p:cSld>
+    <p:spTree>
+      <p:nvGrpSpPr>
+        <p:cNvPr id="1" name=""/>
+        <p:cNvGrpSpPr/>
+        <p:nvPr/>
+      </p:nvGrpSpPr>
+      <p:grpSpPr>
+        <a:xfrm>
+          <a:off x="0" y="0"/>
+          <a:ext cx="0" cy="0"/>
+          <a:chOff x="0" y="0"/>
+          <a:chExt cx="0" cy="0"/>
+        </a:xfrm>
+      </p:grpSpPr>
+      <p:sp>
+        <p:nvSpPr>
+          <p:cNvPr id="2" name="Title 1"/>
+          <p:cNvSpPr>
+            <a:spLocks noGrp="1"/>
+          </p:cNvSpPr>
+          <p:nvPr>
+            <p:ph type="title"/>
+          </p:nvPr>
+        </p:nvSpPr>
+        <p:spPr>
+          <a:xfrm>
+            <a:off x="766084" y="174677"/>
+            <a:ext cx="5965438" cy="1488969"/>
+          </a:xfrm>
+        </p:spPr>
+        <p:txBody>
+          <a:bodyPr>
+            <a:normAutofit/>
+          </a:bodyPr>
+          <a:lstStyle/>
+          <a:p>
+            <a:r>
+              <a:rPr lang="ru-RU" b="1" dirty="0">
+                <a:solidFill>
+                  <a:srgbClr val="000000"/>
+                </a:solidFill>
+              </a:rPr>
+              <a:t>Актуальность</a:t>
+            </a:r>
+            <a:endParaRPr lang="en-US" sz="3600" b="1" dirty="0">
+              <a:solidFill>
+                <a:srgbClr val="000000"/>
+              </a:solidFill>
+            </a:endParaRPr>
+          </a:p>
+        </p:txBody>
+      </p:sp>
+      <p:sp>
+        <p:nvSpPr>
+          <p:cNvPr id="3" name="Text Placeholder 2"/>
+          <p:cNvSpPr>
+            <a:spLocks noGrp="1"/>
+          </p:cNvSpPr>
+          <p:nvPr>
+            <p:ph type="body" sz="quarter" idx="10"/>
+          </p:nvPr>
+        </p:nvSpPr>
+        <p:spPr>
+          <a:xfrm>
+            <a:off x="765697" y="1817182"/>
+            <a:ext cx="8232306" cy="1652588"/>
+          </a:xfrm>
+        </p:spPr>
+        <p:txBody>
+          <a:bodyPr>
+            <a:normAutofit/>
+          </a:bodyPr>
+          <a:lstStyle/>
+          <a:p>
+            <a:pPr marL="342900" indent="-342900">
+              <a:buFont typeface="Arial" panose="020B0604020202020204" pitchFamily="34" charset="0"/>
+              <a:buChar char="•"/>
+            </a:pPr>
+            <a:r>
+              <a:rPr lang="ru-RU" sz="2400" dirty="0">
+                <a:solidFill>
+                  <a:srgbClr val="000000"/>
+                </a:solidFill>
+              </a:rPr>
+              <a:t>Обучение и применение нейросетей</a:t>
+            </a:r>
+          </a:p>
+          <a:p>
+            <a:pPr marL="342900" indent="-342900">
+              <a:buFont typeface="Arial" panose="020B0604020202020204" pitchFamily="34" charset="0"/>
+              <a:buChar char="•"/>
+            </a:pPr>
+            <a:r>
+              <a:rPr lang="ru-RU" sz="2400" dirty="0">
+                <a:solidFill>
+                  <a:srgbClr val="000000"/>
+                </a:solidFill>
+              </a:rPr>
+              <a:t>Исследование и оптимизация архитектур</a:t>
+            </a:r>
+          </a:p>
+          <a:p>
+            <a:pPr marL="342900" indent="-342900">
+              <a:buFont typeface="Arial" panose="020B0604020202020204" pitchFamily="34" charset="0"/>
+              <a:buChar char="•"/>
+            </a:pPr>
+            <a:r>
+              <a:rPr lang="ru-RU" sz="2400" dirty="0">
+                <a:solidFill>
+                  <a:srgbClr val="000000"/>
+                </a:solidFill>
+              </a:rPr>
+              <a:t>Хранение, передача и деплой готовых решений</a:t>
+            </a:r>
+            <a:endParaRPr lang="en-US" sz="2400" dirty="0">
+              <a:solidFill>
+                <a:srgbClr val="000000"/>
+              </a:solidFill>
+            </a:endParaRPr>
+          </a:p>
+        </p:txBody>
+      </p:sp>
+    </p:spTree>
+    <p:extLst>
+      <p:ext uri="{BB962C8B-B14F-4D97-AF65-F5344CB8AC3E}">
+        <p14:creationId xmlns:p14="http://schemas.microsoft.com/office/powerpoint/2010/main" val="1374683268"/>
+      </p:ext>
+    </p:extLst>
+  </p:cSld>
+  <p:clrMapOvr>
+    <a:masterClrMapping/>
+  </p:clrMapOvr>
+</p:sld>
+</file>
+
+<file path=ppt/slides/slide4.xml><?xml version="1.0" encoding="utf-8"?>
+<p:sld xmlns:a="http://schemas.openxmlformats.org/drawingml/2006/main" xmlns:r="http://schemas.openxmlformats.org/officeDocument/2006/relationships" xmlns:p="http://schemas.openxmlformats.org/presentationml/2006/main">
+  <p:cSld>
+    <p:spTree>
+      <p:nvGrpSpPr>
+        <p:cNvPr id="1" name=""/>
+        <p:cNvGrpSpPr/>
+        <p:nvPr/>
+      </p:nvGrpSpPr>
+      <p:grpSpPr>
+        <a:xfrm>
+          <a:off x="0" y="0"/>
+          <a:ext cx="0" cy="0"/>
+          <a:chOff x="0" y="0"/>
+          <a:chExt cx="0" cy="0"/>
+        </a:xfrm>
+      </p:grpSpPr>
+      <p:sp>
+        <p:nvSpPr>
+          <p:cNvPr id="2" name="Title 1"/>
+          <p:cNvSpPr>
+            <a:spLocks noGrp="1"/>
+          </p:cNvSpPr>
+          <p:nvPr>
+            <p:ph type="title"/>
+          </p:nvPr>
+        </p:nvSpPr>
+        <p:spPr>
+          <a:xfrm>
+            <a:off x="457200" y="753214"/>
+            <a:ext cx="6273934" cy="620483"/>
+          </a:xfrm>
+        </p:spPr>
+        <p:txBody>
+          <a:bodyPr/>
+          <a:lstStyle/>
+          <a:p>
+            <a:r>
+              <a:rPr lang="en-US" dirty="0"/>
+              <a:t>Baseline</a:t>
+            </a:r>
+          </a:p>
+        </p:txBody>
+      </p:sp>
+      <p:sp>
+        <p:nvSpPr>
+          <p:cNvPr id="3" name="Content Placeholder 2"/>
+          <p:cNvSpPr>
+            <a:spLocks noGrp="1"/>
+          </p:cNvSpPr>
+          <p:nvPr>
+            <p:ph sz="half" idx="1"/>
+          </p:nvPr>
+        </p:nvSpPr>
+        <p:spPr>
+          <a:xfrm>
+            <a:off x="457200" y="1571965"/>
+            <a:ext cx="6273934" cy="2848490"/>
+          </a:xfrm>
+        </p:spPr>
+        <p:txBody>
+          <a:bodyPr>
+            <a:normAutofit/>
+          </a:bodyPr>
+          <a:lstStyle/>
+          <a:p>
+            <a:pPr>
+              <a:buClr>
+                <a:srgbClr val="1946BA"/>
+              </a:buClr>
+              <a:buFont typeface="Arial" pitchFamily="34" charset="0"/>
+              <a:buChar char="•"/>
+            </a:pPr>
+            <a:r>
+              <a:rPr lang="en-US" dirty="0"/>
+              <a:t>PMML, PFA</a:t>
+            </a:r>
+          </a:p>
+          <a:p>
+            <a:pPr>
+              <a:buClr>
+                <a:srgbClr val="1946BA"/>
+              </a:buClr>
+              <a:buFont typeface="Arial" pitchFamily="34" charset="0"/>
+              <a:buChar char="•"/>
+            </a:pPr>
+            <a:r>
+              <a:rPr lang="en-US" dirty="0"/>
+              <a:t>Torch Script</a:t>
+            </a:r>
+          </a:p>
+          <a:p>
+            <a:pPr>
+              <a:buClr>
+                <a:srgbClr val="1946BA"/>
+              </a:buClr>
+              <a:buFont typeface="Arial" pitchFamily="34" charset="0"/>
+              <a:buChar char="•"/>
+            </a:pPr>
+            <a:r>
+              <a:rPr lang="en-US" dirty="0"/>
+              <a:t>ONNX</a:t>
+            </a:r>
+          </a:p>
+        </p:txBody>
+      </p:sp>
+    </p:spTree>
+    <p:extLst>
+      <p:ext uri="{BB962C8B-B14F-4D97-AF65-F5344CB8AC3E}">
+        <p14:creationId xmlns:p14="http://schemas.microsoft.com/office/powerpoint/2010/main" val="889317481"/>
+      </p:ext>
+    </p:extLst>
+  </p:cSld>
+  <p:clrMapOvr>
+    <a:masterClrMapping/>
+  </p:clrMapOvr>
+</p:sld>
+</file>
+
+<file path=ppt/slides/slide5.xml><?xml version="1.0" encoding="utf-8"?>
+<p:sld xmlns:a="http://schemas.openxmlformats.org/drawingml/2006/main" xmlns:r="http://schemas.openxmlformats.org/officeDocument/2006/relationships" xmlns:p="http://schemas.openxmlformats.org/presentationml/2006/main">
+  <p:cSld>
+    <p:spTree>
+      <p:nvGrpSpPr>
+        <p:cNvPr id="1" name=""/>
+        <p:cNvGrpSpPr/>
+        <p:nvPr/>
+      </p:nvGrpSpPr>
+      <p:grpSpPr>
+        <a:xfrm>
+          <a:off x="0" y="0"/>
+          <a:ext cx="0" cy="0"/>
+          <a:chOff x="0" y="0"/>
+          <a:chExt cx="0" cy="0"/>
+        </a:xfrm>
+      </p:grpSpPr>
+      <p:sp>
+        <p:nvSpPr>
+          <p:cNvPr id="2" name="Title 1"/>
+          <p:cNvSpPr>
+            <a:spLocks noGrp="1"/>
+          </p:cNvSpPr>
+          <p:nvPr>
+            <p:ph type="title"/>
+          </p:nvPr>
+        </p:nvSpPr>
+        <p:spPr>
+          <a:xfrm>
+            <a:off x="766084" y="174677"/>
+            <a:ext cx="5965438" cy="1488969"/>
+          </a:xfrm>
+        </p:spPr>
+        <p:txBody>
+          <a:bodyPr/>
+          <a:lstStyle/>
+          <a:p>
+            <a:r>
+              <a:rPr lang="ru-RU" b="1" dirty="0">
+                <a:solidFill>
+                  <a:srgbClr val="000000"/>
+                </a:solidFill>
+              </a:rPr>
+              <a:t>Цель и задачи</a:t>
+            </a:r>
+            <a:endParaRPr lang="en-US" b="1" dirty="0">
+              <a:solidFill>
+                <a:srgbClr val="000000"/>
+              </a:solidFill>
+            </a:endParaRPr>
+          </a:p>
+        </p:txBody>
+      </p:sp>
+      <p:sp>
+        <p:nvSpPr>
+          <p:cNvPr id="3" name="Text Placeholder 2"/>
+          <p:cNvSpPr>
+            <a:spLocks noGrp="1"/>
+          </p:cNvSpPr>
+          <p:nvPr>
+            <p:ph type="body" sz="quarter" idx="10"/>
+          </p:nvPr>
+        </p:nvSpPr>
+        <p:spPr>
+          <a:xfrm>
+            <a:off x="765697" y="1817182"/>
+            <a:ext cx="8232306" cy="2247672"/>
+          </a:xfrm>
+        </p:spPr>
+        <p:txBody>
+          <a:bodyPr>
+            <a:normAutofit/>
+          </a:bodyPr>
+          <a:lstStyle/>
+          <a:p>
+            <a:r>
+              <a:rPr lang="ru-RU" sz="2000" dirty="0">
+                <a:solidFill>
+                  <a:srgbClr val="000000"/>
+                </a:solidFill>
+              </a:rPr>
+              <a:t>Цель – выработать способ представления нейросетей для задач оптимизации их архитектуры</a:t>
+            </a:r>
+          </a:p>
+          <a:p>
+            <a:r>
+              <a:rPr lang="ru-RU" sz="2000" dirty="0">
+                <a:solidFill>
+                  <a:srgbClr val="000000"/>
+                </a:solidFill>
+              </a:rPr>
+              <a:t>Задачи:</a:t>
+            </a:r>
+          </a:p>
+          <a:p>
+            <a:pPr marL="342900" indent="-342900">
+              <a:buFont typeface="Arial" panose="020B0604020202020204" pitchFamily="34" charset="0"/>
+              <a:buChar char="•"/>
+            </a:pPr>
+            <a:r>
+              <a:rPr lang="ru-RU" sz="2000" dirty="0">
+                <a:solidFill>
+                  <a:srgbClr val="000000"/>
+                </a:solidFill>
+              </a:rPr>
+              <a:t>Эффективно хранить нейросети для работы </a:t>
+            </a:r>
+            <a:r>
+              <a:rPr lang="en-US" sz="2000" dirty="0">
+                <a:solidFill>
+                  <a:srgbClr val="000000"/>
+                </a:solidFill>
+              </a:rPr>
+              <a:t>Neural Architecture Search</a:t>
+            </a:r>
+            <a:endParaRPr lang="ru-RU" sz="2000" dirty="0">
+              <a:solidFill>
+                <a:srgbClr val="000000"/>
+              </a:solidFill>
+            </a:endParaRPr>
+          </a:p>
+          <a:p>
+            <a:pPr marL="342900" indent="-342900">
+              <a:buFont typeface="Arial" panose="020B0604020202020204" pitchFamily="34" charset="0"/>
+              <a:buChar char="•"/>
+            </a:pPr>
+            <a:r>
+              <a:rPr lang="ru-RU" sz="2000" dirty="0">
+                <a:solidFill>
+                  <a:srgbClr val="000000"/>
+                </a:solidFill>
+              </a:rPr>
+              <a:t>Иметь возможность</a:t>
+            </a:r>
+            <a:r>
+              <a:rPr lang="en-US" sz="2000" dirty="0">
+                <a:solidFill>
+                  <a:srgbClr val="000000"/>
+                </a:solidFill>
+              </a:rPr>
+              <a:t> </a:t>
+            </a:r>
+            <a:r>
+              <a:rPr lang="ru-RU" sz="2000" dirty="0" err="1">
+                <a:solidFill>
+                  <a:srgbClr val="000000"/>
+                </a:solidFill>
+              </a:rPr>
+              <a:t>программно</a:t>
+            </a:r>
+            <a:r>
+              <a:rPr lang="ru-RU" sz="2000" dirty="0">
+                <a:solidFill>
+                  <a:srgbClr val="000000"/>
+                </a:solidFill>
+              </a:rPr>
+              <a:t> менять архитектуру</a:t>
+            </a:r>
+          </a:p>
+          <a:p>
+            <a:pPr marL="342900" indent="-342900">
+              <a:buFont typeface="Arial" panose="020B0604020202020204" pitchFamily="34" charset="0"/>
+              <a:buChar char="•"/>
+            </a:pPr>
+            <a:r>
+              <a:rPr lang="ru-RU" sz="2000" dirty="0">
+                <a:solidFill>
+                  <a:srgbClr val="000000"/>
+                </a:solidFill>
+              </a:rPr>
+              <a:t>Уметь конвертировать во фреймворк </a:t>
+            </a:r>
+            <a:r>
+              <a:rPr lang="en-US" sz="2000" dirty="0" err="1">
+                <a:solidFill>
+                  <a:srgbClr val="000000"/>
+                </a:solidFill>
+              </a:rPr>
+              <a:t>PyTorch</a:t>
+            </a:r>
+            <a:endParaRPr lang="ru-RU" sz="2000" dirty="0">
+              <a:solidFill>
+                <a:srgbClr val="000000"/>
+              </a:solidFill>
+            </a:endParaRPr>
+          </a:p>
+          <a:p>
+            <a:pPr marL="342900" indent="-342900">
+              <a:buFont typeface="Arial" panose="020B0604020202020204" pitchFamily="34" charset="0"/>
+              <a:buChar char="•"/>
+            </a:pPr>
+            <a:endParaRPr lang="ru-RU" sz="2000" dirty="0">
+              <a:solidFill>
+                <a:srgbClr val="000000"/>
+              </a:solidFill>
+            </a:endParaRPr>
+          </a:p>
+          <a:p>
+            <a:pPr marL="342900" indent="-342900">
+              <a:buFont typeface="Arial" panose="020B0604020202020204" pitchFamily="34" charset="0"/>
+              <a:buChar char="•"/>
+            </a:pPr>
+            <a:endParaRPr lang="en-US" sz="2000" dirty="0">
+              <a:solidFill>
+                <a:srgbClr val="000000"/>
+              </a:solidFill>
+            </a:endParaRPr>
+          </a:p>
+        </p:txBody>
+      </p:sp>
+    </p:spTree>
+    <p:extLst>
+      <p:ext uri="{BB962C8B-B14F-4D97-AF65-F5344CB8AC3E}">
+        <p14:creationId xmlns:p14="http://schemas.microsoft.com/office/powerpoint/2010/main" val="1425540150"/>
+      </p:ext>
+    </p:extLst>
+  </p:cSld>
+  <p:clrMapOvr>
+    <a:masterClrMapping/>
+  </p:clrMapOvr>
+</p:sld>
+</file>
+
+<file path=ppt/slides/slide6.xml><?xml version="1.0" encoding="utf-8"?>
+<p:sld xmlns:a="http://schemas.openxmlformats.org/drawingml/2006/main" xmlns:r="http://schemas.openxmlformats.org/officeDocument/2006/relationships" xmlns:p="http://schemas.openxmlformats.org/presentationml/2006/main">
+  <p:cSld>
+    <p:spTree>
+      <p:nvGrpSpPr>
+        <p:cNvPr id="1" name=""/>
+        <p:cNvGrpSpPr/>
+        <p:nvPr/>
+      </p:nvGrpSpPr>
+      <p:grpSpPr>
+        <a:xfrm>
+          <a:off x="0" y="0"/>
+          <a:ext cx="0" cy="0"/>
+          <a:chOff x="0" y="0"/>
+          <a:chExt cx="0" cy="0"/>
+        </a:xfrm>
+      </p:grpSpPr>
+      <p:sp>
+        <p:nvSpPr>
+          <p:cNvPr id="2" name="Title 1"/>
+          <p:cNvSpPr>
+            <a:spLocks noGrp="1"/>
+          </p:cNvSpPr>
+          <p:nvPr>
+            <p:ph type="title"/>
+          </p:nvPr>
+        </p:nvSpPr>
+        <p:spPr>
+          <a:xfrm>
+            <a:off x="766084" y="174677"/>
+            <a:ext cx="5965438" cy="1488969"/>
+          </a:xfrm>
+        </p:spPr>
+        <p:txBody>
+          <a:bodyPr/>
+          <a:lstStyle/>
+          <a:p>
+            <a:r>
+              <a:rPr lang="ru-RU" b="1" dirty="0">
+                <a:solidFill>
+                  <a:srgbClr val="000000"/>
+                </a:solidFill>
+              </a:rPr>
+              <a:t>Утверждения</a:t>
+            </a:r>
+            <a:endParaRPr lang="en-US" b="1" dirty="0">
+              <a:solidFill>
+                <a:srgbClr val="000000"/>
+              </a:solidFill>
+            </a:endParaRPr>
+          </a:p>
+        </p:txBody>
+      </p:sp>
+      <p:sp>
+        <p:nvSpPr>
+          <p:cNvPr id="3" name="Text Placeholder 2"/>
+          <p:cNvSpPr>
+            <a:spLocks noGrp="1"/>
+          </p:cNvSpPr>
+          <p:nvPr>
+            <p:ph type="body" sz="quarter" idx="10"/>
+          </p:nvPr>
+        </p:nvSpPr>
+        <p:spPr>
+          <a:xfrm>
+            <a:off x="766084" y="1817181"/>
+            <a:ext cx="8232306" cy="2439773"/>
+          </a:xfrm>
+        </p:spPr>
+        <p:txBody>
+          <a:bodyPr>
+            <a:normAutofit fontScale="92500" lnSpcReduction="10000"/>
+          </a:bodyPr>
+          <a:lstStyle/>
+          <a:p>
+            <a:pPr marL="342900" indent="-342900">
+              <a:buFont typeface="Arial" panose="020B0604020202020204" pitchFamily="34" charset="0"/>
+              <a:buChar char="•"/>
+            </a:pPr>
+            <a:r>
+              <a:rPr lang="ru-RU" sz="2000" dirty="0">
+                <a:solidFill>
+                  <a:srgbClr val="000000"/>
+                </a:solidFill>
+              </a:rPr>
+              <a:t>Нейронная сеть – абстрактный граф вычислений</a:t>
+            </a:r>
+          </a:p>
+          <a:p>
+            <a:pPr marL="342900" indent="-342900">
+              <a:buFont typeface="Arial" panose="020B0604020202020204" pitchFamily="34" charset="0"/>
+              <a:buChar char="•"/>
+            </a:pPr>
+            <a:r>
+              <a:rPr lang="ru-RU" sz="2000" dirty="0">
+                <a:solidFill>
+                  <a:srgbClr val="000000"/>
+                </a:solidFill>
+              </a:rPr>
+              <a:t>Для любой </a:t>
+            </a:r>
+            <a:r>
+              <a:rPr lang="ru-RU" sz="2000" dirty="0" err="1">
+                <a:solidFill>
+                  <a:srgbClr val="000000"/>
+                </a:solidFill>
+              </a:rPr>
+              <a:t>нейросетевой</a:t>
+            </a:r>
+            <a:r>
+              <a:rPr lang="ru-RU" sz="2000" dirty="0">
+                <a:solidFill>
+                  <a:srgbClr val="000000"/>
+                </a:solidFill>
+              </a:rPr>
+              <a:t> модели существует граф, в котором ребра ведут от одной вычислительной единицы к другой</a:t>
+            </a:r>
+          </a:p>
+          <a:p>
+            <a:pPr marL="342900" indent="-342900">
+              <a:buFont typeface="Arial" panose="020B0604020202020204" pitchFamily="34" charset="0"/>
+              <a:buChar char="•"/>
+            </a:pPr>
+            <a:r>
+              <a:rPr lang="ru-RU" sz="2000" dirty="0">
+                <a:solidFill>
+                  <a:srgbClr val="000000"/>
+                </a:solidFill>
+              </a:rPr>
+              <a:t>Этот граф может быть построен для любой существующей модели (с весами как параметрами вершин)</a:t>
+            </a:r>
+          </a:p>
+          <a:p>
+            <a:pPr marL="342900" indent="-342900">
+              <a:buFont typeface="Arial" panose="020B0604020202020204" pitchFamily="34" charset="0"/>
+              <a:buChar char="•"/>
+            </a:pPr>
+            <a:r>
+              <a:rPr lang="ru-RU" sz="2000" dirty="0">
+                <a:solidFill>
+                  <a:srgbClr val="000000"/>
+                </a:solidFill>
+              </a:rPr>
+              <a:t>В этом графе есть способ вычислить функцию эквивалентно модели</a:t>
+            </a:r>
+          </a:p>
+          <a:p>
+            <a:pPr marL="342900" indent="-342900">
+              <a:buFont typeface="Arial" panose="020B0604020202020204" pitchFamily="34" charset="0"/>
+              <a:buChar char="•"/>
+            </a:pPr>
+            <a:r>
+              <a:rPr lang="ru-RU" sz="2000" dirty="0">
+                <a:solidFill>
+                  <a:srgbClr val="000000"/>
+                </a:solidFill>
+              </a:rPr>
+              <a:t>По полученному графу можно генерировать код для прикладного использования</a:t>
+            </a:r>
+            <a:endParaRPr lang="en-US" sz="2000" dirty="0">
+              <a:solidFill>
+                <a:srgbClr val="000000"/>
+              </a:solidFill>
+            </a:endParaRPr>
+          </a:p>
+        </p:txBody>
+      </p:sp>
+    </p:spTree>
+    <p:extLst>
+      <p:ext uri="{BB962C8B-B14F-4D97-AF65-F5344CB8AC3E}">
+        <p14:creationId xmlns:p14="http://schemas.microsoft.com/office/powerpoint/2010/main" val="2542424736"/>
+      </p:ext>
+    </p:extLst>
+  </p:cSld>
+  <p:clrMapOvr>
+    <a:masterClrMapping/>
+  </p:clrMapOvr>
+</p:sld>
+</file>
+
+<file path=ppt/slides/slide7.xml><?xml version="1.0" encoding="utf-8"?>
+<p:sld xmlns:a="http://schemas.openxmlformats.org/drawingml/2006/main" xmlns:r="http://schemas.openxmlformats.org/officeDocument/2006/relationships" xmlns:p="http://schemas.openxmlformats.org/presentationml/2006/main">
+  <p:cSld>
+    <p:spTree>
+      <p:nvGrpSpPr>
+        <p:cNvPr id="1" name=""/>
+        <p:cNvGrpSpPr/>
+        <p:nvPr/>
+      </p:nvGrpSpPr>
+      <p:grpSpPr>
+        <a:xfrm>
+          <a:off x="0" y="0"/>
+          <a:ext cx="0" cy="0"/>
+          <a:chOff x="0" y="0"/>
+          <a:chExt cx="0" cy="0"/>
+        </a:xfrm>
+      </p:grpSpPr>
+      <p:sp>
+        <p:nvSpPr>
+          <p:cNvPr id="2" name="Title 1"/>
+          <p:cNvSpPr>
+            <a:spLocks noGrp="1"/>
+          </p:cNvSpPr>
+          <p:nvPr>
+            <p:ph type="title"/>
+          </p:nvPr>
+        </p:nvSpPr>
+        <p:spPr>
+          <a:xfrm>
+            <a:off x="457200" y="753214"/>
+            <a:ext cx="6273934" cy="620483"/>
+          </a:xfrm>
+        </p:spPr>
+        <p:txBody>
+          <a:bodyPr>
+            <a:normAutofit fontScale="90000"/>
+          </a:bodyPr>
+          <a:lstStyle/>
+          <a:p>
+            <a:r>
+              <a:rPr lang="ru-RU" dirty="0">
+                <a:solidFill>
+                  <a:srgbClr val="000000"/>
+                </a:solidFill>
+              </a:rPr>
+              <a:t>Концепция</a:t>
+            </a:r>
+            <a:endParaRPr lang="en-US" dirty="0">
+              <a:solidFill>
+                <a:srgbClr val="000000"/>
+              </a:solidFill>
+            </a:endParaRPr>
+          </a:p>
+        </p:txBody>
+      </p:sp>
+      <p:sp>
+        <p:nvSpPr>
+          <p:cNvPr id="3" name="Content Placeholder 2"/>
+          <p:cNvSpPr>
+            <a:spLocks noGrp="1"/>
+          </p:cNvSpPr>
+          <p:nvPr>
+            <p:ph sz="half" idx="1"/>
+          </p:nvPr>
+        </p:nvSpPr>
+        <p:spPr>
+          <a:xfrm>
+            <a:off x="585837" y="1571965"/>
+            <a:ext cx="7591460" cy="2848490"/>
+          </a:xfrm>
+        </p:spPr>
+        <p:txBody>
+          <a:bodyPr>
+            <a:normAutofit fontScale="92500" lnSpcReduction="20000"/>
+          </a:bodyPr>
+          <a:lstStyle/>
+          <a:p>
+            <a:pPr>
+              <a:buClr>
+                <a:srgbClr val="1946BA"/>
+              </a:buClr>
+              <a:buFont typeface="Arial" pitchFamily="34" charset="0"/>
+              <a:buChar char="•"/>
+            </a:pPr>
+            <a:r>
+              <a:rPr lang="ru-RU" dirty="0">
+                <a:solidFill>
+                  <a:srgbClr val="000000"/>
+                </a:solidFill>
+              </a:rPr>
+              <a:t>Храним ориентированный граф слоев сети</a:t>
+            </a:r>
+          </a:p>
+          <a:p>
+            <a:pPr lvl="1">
+              <a:buClr>
+                <a:srgbClr val="1946BA"/>
+              </a:buClr>
+              <a:buFont typeface="Arial" pitchFamily="34" charset="0"/>
+              <a:buChar char="•"/>
+            </a:pPr>
+            <a:r>
+              <a:rPr lang="ru-RU" dirty="0">
+                <a:solidFill>
+                  <a:srgbClr val="000000"/>
+                </a:solidFill>
+              </a:rPr>
+              <a:t>В виде списка вершин</a:t>
+            </a:r>
+          </a:p>
+          <a:p>
+            <a:pPr lvl="1">
+              <a:buClr>
+                <a:srgbClr val="1946BA"/>
+              </a:buClr>
+              <a:buFont typeface="Arial" pitchFamily="34" charset="0"/>
+              <a:buChar char="•"/>
+            </a:pPr>
+            <a:r>
+              <a:rPr lang="ru-RU" dirty="0">
+                <a:solidFill>
+                  <a:srgbClr val="000000"/>
+                </a:solidFill>
+              </a:rPr>
+              <a:t>Вершина знает вычисляемую функцию</a:t>
+            </a:r>
+          </a:p>
+          <a:p>
+            <a:pPr lvl="1">
+              <a:buClr>
+                <a:srgbClr val="1946BA"/>
+              </a:buClr>
+              <a:buFont typeface="Arial" pitchFamily="34" charset="0"/>
+              <a:buChar char="•"/>
+            </a:pPr>
+            <a:r>
+              <a:rPr lang="ru-RU" dirty="0">
+                <a:solidFill>
+                  <a:srgbClr val="000000"/>
+                </a:solidFill>
+              </a:rPr>
+              <a:t>Вершина применяет функцию от аргументов получая результат</a:t>
+            </a:r>
+          </a:p>
+          <a:p>
+            <a:pPr>
+              <a:buClr>
+                <a:srgbClr val="1946BA"/>
+              </a:buClr>
+              <a:buFont typeface="Arial" pitchFamily="34" charset="0"/>
+              <a:buChar char="•"/>
+            </a:pPr>
+            <a:r>
+              <a:rPr lang="ru-RU" dirty="0">
+                <a:solidFill>
+                  <a:srgbClr val="000000"/>
+                </a:solidFill>
+              </a:rPr>
+              <a:t>Храним специальные контейнеры для данных</a:t>
+            </a:r>
+          </a:p>
+          <a:p>
+            <a:pPr>
+              <a:buClr>
+                <a:srgbClr val="1946BA"/>
+              </a:buClr>
+              <a:buFont typeface="Arial" pitchFamily="34" charset="0"/>
+              <a:buChar char="•"/>
+            </a:pPr>
+            <a:r>
+              <a:rPr lang="ru-RU" dirty="0">
+                <a:solidFill>
+                  <a:srgbClr val="000000"/>
+                </a:solidFill>
+              </a:rPr>
+              <a:t>Вычисления в сети происходят в вершинах</a:t>
+            </a:r>
+          </a:p>
+          <a:p>
+            <a:pPr>
+              <a:buClr>
+                <a:srgbClr val="1946BA"/>
+              </a:buClr>
+              <a:buFont typeface="Arial" pitchFamily="34" charset="0"/>
+              <a:buChar char="•"/>
+            </a:pPr>
+            <a:r>
+              <a:rPr lang="ru-RU" dirty="0">
+                <a:solidFill>
+                  <a:srgbClr val="000000"/>
+                </a:solidFill>
+              </a:rPr>
+              <a:t>Данные перемещаются только между контейнерами</a:t>
+            </a:r>
+          </a:p>
+          <a:p>
+            <a:pPr>
+              <a:buClr>
+                <a:srgbClr val="1946BA"/>
+              </a:buClr>
+              <a:buFont typeface="Arial" pitchFamily="34" charset="0"/>
+              <a:buChar char="•"/>
+            </a:pPr>
+            <a:endParaRPr lang="ru-RU" dirty="0">
+              <a:solidFill>
+                <a:srgbClr val="000000"/>
+              </a:solidFill>
+            </a:endParaRPr>
+          </a:p>
+          <a:p>
+            <a:pPr>
+              <a:buClr>
+                <a:srgbClr val="1946BA"/>
+              </a:buClr>
+              <a:buFont typeface="Arial" pitchFamily="34" charset="0"/>
+              <a:buChar char="•"/>
+            </a:pPr>
+            <a:endParaRPr lang="ru-RU" dirty="0">
+              <a:solidFill>
+                <a:srgbClr val="000000"/>
+              </a:solidFill>
+            </a:endParaRPr>
+          </a:p>
+        </p:txBody>
+      </p:sp>
+    </p:spTree>
+    <p:extLst>
+      <p:ext uri="{BB962C8B-B14F-4D97-AF65-F5344CB8AC3E}">
+        <p14:creationId xmlns:p14="http://schemas.microsoft.com/office/powerpoint/2010/main" val="395524744"/>
+      </p:ext>
+    </p:extLst>
+  </p:cSld>
+  <p:clrMapOvr>
+    <a:masterClrMapping/>
+  </p:clrMapOvr>
+</p:sld>
+</file>
+
+<file path=ppt/slides/slide8.xml><?xml version="1.0" encoding="utf-8"?>
+<p:sld xmlns:a="http://schemas.openxmlformats.org/drawingml/2006/main" xmlns:r="http://schemas.openxmlformats.org/officeDocument/2006/relationships" xmlns:p="http://schemas.openxmlformats.org/presentationml/2006/main">
+  <p:cSld>
+    <p:spTree>
+      <p:nvGrpSpPr>
+        <p:cNvPr id="1" name=""/>
+        <p:cNvGrpSpPr/>
+        <p:nvPr/>
+      </p:nvGrpSpPr>
+      <p:grpSpPr>
+        <a:xfrm>
+          <a:off x="0" y="0"/>
+          <a:ext cx="0" cy="0"/>
+          <a:chOff x="0" y="0"/>
+          <a:chExt cx="0" cy="0"/>
+        </a:xfrm>
+      </p:grpSpPr>
+      <p:sp>
+        <p:nvSpPr>
+          <p:cNvPr id="2" name="Title 1"/>
+          <p:cNvSpPr>
+            <a:spLocks noGrp="1"/>
+          </p:cNvSpPr>
+          <p:nvPr>
+            <p:ph type="title"/>
+          </p:nvPr>
+        </p:nvSpPr>
+        <p:spPr>
+          <a:xfrm>
+            <a:off x="766084" y="174677"/>
+            <a:ext cx="5965438" cy="1488969"/>
+          </a:xfrm>
+        </p:spPr>
+        <p:txBody>
+          <a:bodyPr/>
+          <a:lstStyle/>
+          <a:p>
+            <a:r>
+              <a:rPr lang="en-US" b="1" dirty="0">
+                <a:solidFill>
+                  <a:srgbClr val="000000"/>
+                </a:solidFill>
+              </a:rPr>
+              <a:t>FAMLINN</a:t>
+            </a:r>
+          </a:p>
+        </p:txBody>
+      </p:sp>
+      <p:sp>
+        <p:nvSpPr>
+          <p:cNvPr id="3" name="Text Placeholder 2"/>
+          <p:cNvSpPr>
+            <a:spLocks noGrp="1"/>
+          </p:cNvSpPr>
+          <p:nvPr>
+            <p:ph type="body" sz="quarter" idx="10"/>
+          </p:nvPr>
+        </p:nvSpPr>
+        <p:spPr>
+          <a:xfrm>
+            <a:off x="765697" y="1817181"/>
+            <a:ext cx="8232306" cy="2439773"/>
+          </a:xfrm>
+        </p:spPr>
+        <p:txBody>
+          <a:bodyPr>
+            <a:normAutofit fontScale="92500" lnSpcReduction="20000"/>
+          </a:bodyPr>
+          <a:lstStyle/>
+          <a:p>
+            <a:pPr marL="342900" indent="-342900">
+              <a:buFont typeface="Arial" panose="020B0604020202020204" pitchFamily="34" charset="0"/>
+              <a:buChar char="•"/>
+            </a:pPr>
+            <a:r>
+              <a:rPr lang="ru-RU" sz="2000" dirty="0">
+                <a:solidFill>
+                  <a:srgbClr val="000000"/>
+                </a:solidFill>
+              </a:rPr>
+              <a:t>Библиотека на </a:t>
+            </a:r>
+            <a:r>
+              <a:rPr lang="en-US" sz="2000" dirty="0">
+                <a:solidFill>
+                  <a:srgbClr val="000000"/>
+                </a:solidFill>
+              </a:rPr>
+              <a:t>Python 3.9</a:t>
+            </a:r>
+          </a:p>
+          <a:p>
+            <a:pPr marL="342900" indent="-342900">
+              <a:buFont typeface="Arial" panose="020B0604020202020204" pitchFamily="34" charset="0"/>
+              <a:buChar char="•"/>
+            </a:pPr>
+            <a:r>
+              <a:rPr lang="ru-RU" sz="2000" dirty="0">
+                <a:solidFill>
+                  <a:srgbClr val="000000"/>
+                </a:solidFill>
+              </a:rPr>
+              <a:t>Основывается на </a:t>
+            </a:r>
+            <a:r>
+              <a:rPr lang="en-US" sz="2000" dirty="0">
+                <a:solidFill>
+                  <a:srgbClr val="000000"/>
+                </a:solidFill>
+              </a:rPr>
+              <a:t>ONNX </a:t>
+            </a:r>
+            <a:r>
+              <a:rPr lang="ru-RU" sz="2000" dirty="0">
+                <a:solidFill>
+                  <a:srgbClr val="000000"/>
+                </a:solidFill>
+              </a:rPr>
+              <a:t>и </a:t>
+            </a:r>
+            <a:r>
+              <a:rPr lang="en-US" sz="2000" dirty="0" err="1">
+                <a:solidFill>
+                  <a:srgbClr val="000000"/>
+                </a:solidFill>
+              </a:rPr>
+              <a:t>PyTorch</a:t>
+            </a:r>
+            <a:endParaRPr lang="en-US" sz="2000" dirty="0">
+              <a:solidFill>
+                <a:srgbClr val="000000"/>
+              </a:solidFill>
+            </a:endParaRPr>
+          </a:p>
+          <a:p>
+            <a:pPr marL="342900" indent="-342900">
+              <a:buFont typeface="Arial" panose="020B0604020202020204" pitchFamily="34" charset="0"/>
+              <a:buChar char="•"/>
+            </a:pPr>
+            <a:r>
+              <a:rPr lang="ru-RU" sz="2000" dirty="0">
+                <a:solidFill>
+                  <a:srgbClr val="000000"/>
+                </a:solidFill>
+              </a:rPr>
+              <a:t>Имеет возможности:</a:t>
+            </a:r>
+          </a:p>
+          <a:p>
+            <a:pPr marL="800100" lvl="1" indent="-342900">
+              <a:buFont typeface="Arial" panose="020B0604020202020204" pitchFamily="34" charset="0"/>
+              <a:buChar char="•"/>
+            </a:pPr>
+            <a:r>
+              <a:rPr lang="ru-RU" sz="1600" dirty="0">
+                <a:solidFill>
+                  <a:srgbClr val="000000"/>
+                </a:solidFill>
+              </a:rPr>
+              <a:t>Создавать архитектуру как абстрактную нейронную сеть</a:t>
+            </a:r>
+          </a:p>
+          <a:p>
+            <a:pPr marL="800100" lvl="1" indent="-342900">
+              <a:buFont typeface="Arial" panose="020B0604020202020204" pitchFamily="34" charset="0"/>
+              <a:buChar char="•"/>
+            </a:pPr>
+            <a:r>
+              <a:rPr lang="ru-RU" sz="1600" dirty="0">
+                <a:solidFill>
+                  <a:srgbClr val="000000"/>
+                </a:solidFill>
+              </a:rPr>
+              <a:t>Вычислять целевую функцию модели</a:t>
+            </a:r>
+          </a:p>
+          <a:p>
+            <a:pPr marL="800100" lvl="1" indent="-342900">
+              <a:buFont typeface="Arial" panose="020B0604020202020204" pitchFamily="34" charset="0"/>
+              <a:buChar char="•"/>
+            </a:pPr>
+            <a:r>
+              <a:rPr lang="ru-RU" sz="1600" dirty="0">
+                <a:solidFill>
+                  <a:srgbClr val="000000"/>
+                </a:solidFill>
+              </a:rPr>
+              <a:t>Инициализироваться от </a:t>
+            </a:r>
+            <a:r>
+              <a:rPr lang="en-US" sz="1600" dirty="0" err="1">
+                <a:solidFill>
+                  <a:srgbClr val="000000"/>
+                </a:solidFill>
+              </a:rPr>
+              <a:t>PyTorch</a:t>
+            </a:r>
+            <a:r>
+              <a:rPr lang="en-US" sz="1600" dirty="0">
+                <a:solidFill>
+                  <a:srgbClr val="000000"/>
+                </a:solidFill>
+              </a:rPr>
+              <a:t> </a:t>
+            </a:r>
+            <a:r>
+              <a:rPr lang="ru-RU" sz="1600" dirty="0">
+                <a:solidFill>
+                  <a:srgbClr val="000000"/>
+                </a:solidFill>
+              </a:rPr>
+              <a:t>модуля специального вида</a:t>
+            </a:r>
+          </a:p>
+          <a:p>
+            <a:pPr marL="800100" lvl="1" indent="-342900">
+              <a:buFont typeface="Arial" panose="020B0604020202020204" pitchFamily="34" charset="0"/>
+              <a:buChar char="•"/>
+            </a:pPr>
+            <a:r>
+              <a:rPr lang="ru-RU" sz="1600" dirty="0">
+                <a:solidFill>
+                  <a:srgbClr val="000000"/>
+                </a:solidFill>
+              </a:rPr>
+              <a:t>Изменять архитектуру</a:t>
+            </a:r>
+          </a:p>
+          <a:p>
+            <a:pPr marL="800100" lvl="1" indent="-342900">
+              <a:buFont typeface="Arial" panose="020B0604020202020204" pitchFamily="34" charset="0"/>
+              <a:buChar char="•"/>
+            </a:pPr>
+            <a:r>
+              <a:rPr lang="ru-RU" sz="1600" dirty="0">
+                <a:solidFill>
+                  <a:srgbClr val="000000"/>
+                </a:solidFill>
+              </a:rPr>
+              <a:t>Генерировать по архитектуре корректный </a:t>
+            </a:r>
+            <a:r>
+              <a:rPr lang="en-US" sz="1600" dirty="0" err="1">
+                <a:solidFill>
+                  <a:srgbClr val="000000"/>
+                </a:solidFill>
+              </a:rPr>
+              <a:t>PyTorch</a:t>
+            </a:r>
+            <a:r>
+              <a:rPr lang="en-US" sz="1600" dirty="0">
+                <a:solidFill>
+                  <a:srgbClr val="000000"/>
+                </a:solidFill>
+              </a:rPr>
+              <a:t> </a:t>
+            </a:r>
+            <a:r>
+              <a:rPr lang="ru-RU" sz="1600" dirty="0">
+                <a:solidFill>
+                  <a:srgbClr val="000000"/>
+                </a:solidFill>
+              </a:rPr>
+              <a:t>код и инициализировать модель весами</a:t>
+            </a:r>
+            <a:endParaRPr lang="en-US" sz="1600" dirty="0">
+              <a:solidFill>
+                <a:srgbClr val="000000"/>
+              </a:solidFill>
+            </a:endParaRPr>
+          </a:p>
+        </p:txBody>
+      </p:sp>
+    </p:spTree>
+    <p:extLst>
+      <p:ext uri="{BB962C8B-B14F-4D97-AF65-F5344CB8AC3E}">
+        <p14:creationId xmlns:p14="http://schemas.microsoft.com/office/powerpoint/2010/main" val="3812422470"/>
+      </p:ext>
+    </p:extLst>
+  </p:cSld>
+  <p:clrMapOvr>
+    <a:masterClrMapping/>
+  </p:clrMapOvr>
+</p:sld>
+</file>
+
+<file path=ppt/slides/slide9.xml><?xml version="1.0" encoding="utf-8"?>
+<p:sld xmlns:a="http://schemas.openxmlformats.org/drawingml/2006/main" xmlns:r="http://schemas.openxmlformats.org/officeDocument/2006/relationships" xmlns:p="http://schemas.openxmlformats.org/presentationml/2006/main">
+  <p:cSld>
+    <p:spTree>
+      <p:nvGrpSpPr>
+        <p:cNvPr id="1" name=""/>
+        <p:cNvGrpSpPr/>
+        <p:nvPr/>
+      </p:nvGrpSpPr>
+      <p:grpSpPr>
+        <a:xfrm>
+          <a:off x="0" y="0"/>
+          <a:ext cx="0" cy="0"/>
+          <a:chOff x="0" y="0"/>
+          <a:chExt cx="0" cy="0"/>
+        </a:xfrm>
+      </p:grpSpPr>
+      <p:sp>
+        <p:nvSpPr>
+          <p:cNvPr id="2" name="Title 1"/>
+          <p:cNvSpPr>
+            <a:spLocks noGrp="1"/>
+          </p:cNvSpPr>
+          <p:nvPr>
+            <p:ph type="title"/>
+          </p:nvPr>
+        </p:nvSpPr>
+        <p:spPr>
+          <a:xfrm>
+            <a:off x="765697" y="-340153"/>
+            <a:ext cx="5965438" cy="1488969"/>
+          </a:xfrm>
+        </p:spPr>
+        <p:txBody>
+          <a:bodyPr/>
+          <a:lstStyle/>
+          <a:p>
+            <a:r>
+              <a:rPr lang="en-US" b="1" dirty="0">
+                <a:solidFill>
+                  <a:srgbClr val="000000"/>
+                </a:solidFill>
+              </a:rPr>
+              <a:t>FAMLINN</a:t>
+            </a:r>
+            <a:r>
+              <a:rPr lang="ru-RU" b="1" dirty="0">
+                <a:solidFill>
+                  <a:srgbClr val="000000"/>
+                </a:solidFill>
+              </a:rPr>
+              <a:t> - особенности</a:t>
+            </a:r>
+            <a:endParaRPr lang="en-US" b="1" dirty="0">
+              <a:solidFill>
+                <a:srgbClr val="000000"/>
+              </a:solidFill>
+            </a:endParaRPr>
+          </a:p>
+        </p:txBody>
+      </p:sp>
+      <p:pic>
+        <p:nvPicPr>
+          <p:cNvPr id="10" name="Picture 9">
+            <a:extLst>
+              <a:ext uri="{FF2B5EF4-FFF2-40B4-BE49-F238E27FC236}">
+                <a16:creationId xmlns:a16="http://schemas.microsoft.com/office/drawing/2014/main" id="{F2B8D887-D0D5-4F35-99C2-65EE1C9C2D8D}"/>
+              </a:ext>
+            </a:extLst>
+          </p:cNvPr>
+          <p:cNvPicPr>
+            <a:picLocks noChangeAspect="1"/>
+          </p:cNvPicPr>
+          <p:nvPr/>
+        </p:nvPicPr>
+        <p:blipFill>
+          <a:blip r:embed="rId2"/>
+          <a:stretch>
+            <a:fillRect/>
+          </a:stretch>
+        </p:blipFill>
+        <p:spPr>
+          <a:xfrm>
+            <a:off x="765697" y="1148816"/>
+            <a:ext cx="7572562" cy="3269503"/>
+          </a:xfrm>
+          <a:prstGeom prst="rect">
+            <a:avLst/>
+          </a:prstGeom>
+        </p:spPr>
+      </p:pic>
+    </p:spTree>
+    <p:extLst>
+      <p:ext uri="{BB962C8B-B14F-4D97-AF65-F5344CB8AC3E}">
+        <p14:creationId xmlns:p14="http://schemas.microsoft.com/office/powerpoint/2010/main" val="2869365671"/>
       </p:ext>
     </p:extLst>
   </p:cSld>

--- a/docs/MaslovIvan-first-prethesis.pptx
+++ b/docs/MaslovIvan-first-prethesis.pptx
@@ -6,10 +6,10 @@
     <p:sldMasterId id="2147483698" r:id="rId2"/>
   </p:sldMasterIdLst>
   <p:notesMasterIdLst>
-    <p:notesMasterId r:id="rId17"/>
+    <p:notesMasterId r:id="rId18"/>
   </p:notesMasterIdLst>
   <p:handoutMasterIdLst>
-    <p:handoutMasterId r:id="rId18"/>
+    <p:handoutMasterId r:id="rId19"/>
   </p:handoutMasterIdLst>
   <p:sldIdLst>
     <p:sldId id="265" r:id="rId3"/>
@@ -25,7 +25,8 @@
     <p:sldId id="277" r:id="rId13"/>
     <p:sldId id="281" r:id="rId14"/>
     <p:sldId id="283" r:id="rId15"/>
-    <p:sldId id="263" r:id="rId16"/>
+    <p:sldId id="284" r:id="rId16"/>
+    <p:sldId id="263" r:id="rId17"/>
   </p:sldIdLst>
   <p:sldSz cx="9144000" cy="5143500" type="screen16x9"/>
   <p:notesSz cx="6858000" cy="9144000"/>
@@ -226,7 +227,7 @@
             <a:fld id="{19412975-4CFD-C441-A244-B7FD9A9579C2}" type="datetimeFigureOut">
               <a:rPr lang="en-US" smtClean="0"/>
               <a:pPr/>
-              <a:t>4/21/2022</a:t>
+              <a:t>4/25/2022</a:t>
             </a:fld>
             <a:endParaRPr lang="en-US"/>
           </a:p>
@@ -394,7 +395,7 @@
             <a:fld id="{6DAFD1C8-470D-774F-8B40-381C3059BD4A}" type="datetimeFigureOut">
               <a:rPr lang="en-US" smtClean="0"/>
               <a:pPr/>
-              <a:t>4/21/2022</a:t>
+              <a:t>4/25/2022</a:t>
             </a:fld>
             <a:endParaRPr lang="en-US"/>
           </a:p>
@@ -8018,6 +8019,172 @@
 <file path=ppt/slides/slide14.xml><?xml version="1.0" encoding="utf-8"?>
 <p:sld xmlns:a="http://schemas.openxmlformats.org/drawingml/2006/main" xmlns:r="http://schemas.openxmlformats.org/officeDocument/2006/relationships" xmlns:p="http://schemas.openxmlformats.org/presentationml/2006/main">
   <p:cSld>
+    <p:spTree>
+      <p:nvGrpSpPr>
+        <p:cNvPr id="1" name=""/>
+        <p:cNvGrpSpPr/>
+        <p:nvPr/>
+      </p:nvGrpSpPr>
+      <p:grpSpPr>
+        <a:xfrm>
+          <a:off x="0" y="0"/>
+          <a:ext cx="0" cy="0"/>
+          <a:chOff x="0" y="0"/>
+          <a:chExt cx="0" cy="0"/>
+        </a:xfrm>
+      </p:grpSpPr>
+      <p:sp>
+        <p:nvSpPr>
+          <p:cNvPr id="2" name="Title 1">
+            <a:extLst>
+              <a:ext uri="{FF2B5EF4-FFF2-40B4-BE49-F238E27FC236}">
+                <a16:creationId xmlns:a16="http://schemas.microsoft.com/office/drawing/2014/main" id="{A624185F-07BA-4848-B3E2-58B4E4E7FEB8}"/>
+              </a:ext>
+            </a:extLst>
+          </p:cNvPr>
+          <p:cNvSpPr>
+            <a:spLocks noGrp="1"/>
+          </p:cNvSpPr>
+          <p:nvPr>
+            <p:ph type="title"/>
+          </p:nvPr>
+        </p:nvSpPr>
+        <p:spPr>
+          <a:xfrm>
+            <a:off x="764693" y="-308859"/>
+            <a:ext cx="5965438" cy="1488969"/>
+          </a:xfrm>
+        </p:spPr>
+        <p:txBody>
+          <a:bodyPr/>
+          <a:lstStyle/>
+          <a:p>
+            <a:r>
+              <a:rPr lang="ru-RU" dirty="0">
+                <a:solidFill>
+                  <a:srgbClr val="000000"/>
+                </a:solidFill>
+              </a:rPr>
+              <a:t>Источники</a:t>
+            </a:r>
+          </a:p>
+        </p:txBody>
+      </p:sp>
+      <p:sp>
+        <p:nvSpPr>
+          <p:cNvPr id="3" name="Text Placeholder 2">
+            <a:extLst>
+              <a:ext uri="{FF2B5EF4-FFF2-40B4-BE49-F238E27FC236}">
+                <a16:creationId xmlns:a16="http://schemas.microsoft.com/office/drawing/2014/main" id="{8BBB0082-A490-4B1C-9CB7-AFB447FD03CE}"/>
+              </a:ext>
+            </a:extLst>
+          </p:cNvPr>
+          <p:cNvSpPr>
+            <a:spLocks noGrp="1"/>
+          </p:cNvSpPr>
+          <p:nvPr>
+            <p:ph type="body" sz="quarter" idx="10"/>
+          </p:nvPr>
+        </p:nvSpPr>
+        <p:spPr>
+          <a:xfrm>
+            <a:off x="765697" y="1449685"/>
+            <a:ext cx="5965825" cy="3896718"/>
+          </a:xfrm>
+        </p:spPr>
+        <p:txBody>
+          <a:bodyPr/>
+          <a:lstStyle/>
+          <a:p>
+            <a:pPr marL="285750" indent="-285750">
+              <a:buFont typeface="Arial" panose="020B0604020202020204" pitchFamily="34" charset="0"/>
+              <a:buChar char="•"/>
+            </a:pPr>
+            <a:r>
+              <a:rPr lang="en-US" dirty="0">
+                <a:hlinkClick r:id="rId2"/>
+              </a:rPr>
+              <a:t>https://en.wikipedia.org/wiki/Portable_Format_for_Analytics</a:t>
+            </a:r>
+            <a:endParaRPr lang="ru-RU" dirty="0"/>
+          </a:p>
+          <a:p>
+            <a:pPr marL="285750" indent="-285750">
+              <a:buFont typeface="Arial" panose="020B0604020202020204" pitchFamily="34" charset="0"/>
+              <a:buChar char="•"/>
+            </a:pPr>
+            <a:r>
+              <a:rPr lang="en-US" dirty="0">
+                <a:hlinkClick r:id="rId3"/>
+              </a:rPr>
+              <a:t>https://pytorch.org/docs/stable/index.html</a:t>
+            </a:r>
+            <a:endParaRPr lang="en-US" dirty="0"/>
+          </a:p>
+          <a:p>
+            <a:pPr marL="285750" indent="-285750">
+              <a:buFont typeface="Arial" panose="020B0604020202020204" pitchFamily="34" charset="0"/>
+              <a:buChar char="•"/>
+            </a:pPr>
+            <a:r>
+              <a:rPr lang="en-US" dirty="0">
+                <a:hlinkClick r:id="rId4"/>
+              </a:rPr>
+              <a:t>https://onnx.ai/about.html</a:t>
+            </a:r>
+            <a:endParaRPr lang="en-US" dirty="0"/>
+          </a:p>
+          <a:p>
+            <a:pPr marL="285750" indent="-285750">
+              <a:buFont typeface="Arial" panose="020B0604020202020204" pitchFamily="34" charset="0"/>
+              <a:buChar char="•"/>
+            </a:pPr>
+            <a:r>
+              <a:rPr lang="en-US" dirty="0">
+                <a:hlinkClick r:id="rId5"/>
+              </a:rPr>
+              <a:t>https://github.com/onnx/onnx</a:t>
+            </a:r>
+            <a:endParaRPr lang="en-US" dirty="0"/>
+          </a:p>
+          <a:p>
+            <a:pPr marL="285750" indent="-285750">
+              <a:buFont typeface="Arial" panose="020B0604020202020204" pitchFamily="34" charset="0"/>
+              <a:buChar char="•"/>
+            </a:pPr>
+            <a:r>
+              <a:rPr lang="en-US" dirty="0">
+                <a:hlinkClick r:id="rId6"/>
+              </a:rPr>
+              <a:t>https://github.com/waleedka/hiddenlayer</a:t>
+            </a:r>
+            <a:endParaRPr lang="en-US" dirty="0"/>
+          </a:p>
+          <a:p>
+            <a:pPr marL="285750" indent="-285750">
+              <a:buFont typeface="Arial" panose="020B0604020202020204" pitchFamily="34" charset="0"/>
+              <a:buChar char="•"/>
+            </a:pPr>
+            <a:endParaRPr lang="ru-RU" dirty="0"/>
+          </a:p>
+        </p:txBody>
+      </p:sp>
+    </p:spTree>
+    <p:extLst>
+      <p:ext uri="{BB962C8B-B14F-4D97-AF65-F5344CB8AC3E}">
+        <p14:creationId xmlns:p14="http://schemas.microsoft.com/office/powerpoint/2010/main" val="587018808"/>
+      </p:ext>
+    </p:extLst>
+  </p:cSld>
+  <p:clrMapOvr>
+    <a:masterClrMapping/>
+  </p:clrMapOvr>
+</p:sld>
+</file>
+
+<file path=ppt/slides/slide15.xml><?xml version="1.0" encoding="utf-8"?>
+<p:sld xmlns:a="http://schemas.openxmlformats.org/drawingml/2006/main" xmlns:r="http://schemas.openxmlformats.org/officeDocument/2006/relationships" xmlns:p="http://schemas.openxmlformats.org/presentationml/2006/main">
+  <p:cSld>
     <p:bg>
       <p:bgPr>
         <a:blipFill dpi="0" rotWithShape="1">

--- a/docs/MaslovIvan-first-prethesis.pptx
+++ b/docs/MaslovIvan-first-prethesis.pptx
@@ -6,10 +6,10 @@
     <p:sldMasterId id="2147483698" r:id="rId2"/>
   </p:sldMasterIdLst>
   <p:notesMasterIdLst>
-    <p:notesMasterId r:id="rId18"/>
+    <p:notesMasterId r:id="rId17"/>
   </p:notesMasterIdLst>
   <p:handoutMasterIdLst>
-    <p:handoutMasterId r:id="rId19"/>
+    <p:handoutMasterId r:id="rId18"/>
   </p:handoutMasterIdLst>
   <p:sldIdLst>
     <p:sldId id="265" r:id="rId3"/>
@@ -25,8 +25,7 @@
     <p:sldId id="277" r:id="rId13"/>
     <p:sldId id="281" r:id="rId14"/>
     <p:sldId id="283" r:id="rId15"/>
-    <p:sldId id="284" r:id="rId16"/>
-    <p:sldId id="263" r:id="rId17"/>
+    <p:sldId id="263" r:id="rId16"/>
   </p:sldIdLst>
   <p:sldSz cx="9144000" cy="5143500" type="screen16x9"/>
   <p:notesSz cx="6858000" cy="9144000"/>
@@ -227,7 +226,7 @@
             <a:fld id="{19412975-4CFD-C441-A244-B7FD9A9579C2}" type="datetimeFigureOut">
               <a:rPr lang="en-US" smtClean="0"/>
               <a:pPr/>
-              <a:t>4/25/2022</a:t>
+              <a:t>4/27/2022</a:t>
             </a:fld>
             <a:endParaRPr lang="en-US"/>
           </a:p>
@@ -395,7 +394,7 @@
             <a:fld id="{6DAFD1C8-470D-774F-8B40-381C3059BD4A}" type="datetimeFigureOut">
               <a:rPr lang="en-US" smtClean="0"/>
               <a:pPr/>
-              <a:t>4/25/2022</a:t>
+              <a:t>4/27/2022</a:t>
             </a:fld>
             <a:endParaRPr lang="en-US"/>
           </a:p>
@@ -5021,6 +5020,48 @@
           </a:prstGeom>
         </p:spPr>
       </p:pic>
+      <p:sp>
+        <p:nvSpPr>
+          <p:cNvPr id="8" name="Title 1">
+            <a:extLst>
+              <a:ext uri="{FF2B5EF4-FFF2-40B4-BE49-F238E27FC236}">
+                <a16:creationId xmlns:a16="http://schemas.microsoft.com/office/drawing/2014/main" id="{1E5589BA-B621-437A-A65D-DE64EA0B40A7}"/>
+              </a:ext>
+            </a:extLst>
+          </p:cNvPr>
+          <p:cNvSpPr>
+            <a:spLocks noGrp="1"/>
+          </p:cNvSpPr>
+          <p:nvPr>
+            <p:ph type="title"/>
+          </p:nvPr>
+        </p:nvSpPr>
+        <p:spPr>
+          <a:xfrm>
+            <a:off x="754249" y="-449522"/>
+            <a:ext cx="5965438" cy="1488969"/>
+          </a:xfrm>
+        </p:spPr>
+        <p:txBody>
+          <a:bodyPr/>
+          <a:lstStyle/>
+          <a:p>
+            <a:r>
+              <a:rPr lang="ru-RU" b="1" dirty="0">
+                <a:solidFill>
+                  <a:srgbClr val="000000"/>
+                </a:solidFill>
+              </a:rPr>
+              <a:t>Компоненты библиотеки</a:t>
+            </a:r>
+            <a:endParaRPr lang="en-US" b="1" dirty="0">
+              <a:solidFill>
+                <a:srgbClr val="000000"/>
+              </a:solidFill>
+            </a:endParaRPr>
+          </a:p>
+        </p:txBody>
+      </p:sp>
     </p:spTree>
     <p:extLst>
       <p:ext uri="{BB962C8B-B14F-4D97-AF65-F5344CB8AC3E}">
@@ -5366,10 +5407,10 @@
       </p:sp>
       <p:graphicFrame>
         <p:nvGraphicFramePr>
-          <p:cNvPr id="4" name="Table 3">
+          <p:cNvPr id="3" name="Table 2">
             <a:extLst>
               <a:ext uri="{FF2B5EF4-FFF2-40B4-BE49-F238E27FC236}">
-                <a16:creationId xmlns:a16="http://schemas.microsoft.com/office/drawing/2014/main" id="{62C38A02-00B4-4791-967D-C80AC2065E25}"/>
+                <a16:creationId xmlns:a16="http://schemas.microsoft.com/office/drawing/2014/main" id="{26608D5A-9557-4082-B2BC-C35D3C54C9C4}"/>
               </a:ext>
             </a:extLst>
           </p:cNvPr>
@@ -5379,14 +5420,14 @@
           <p:nvPr>
             <p:extLst>
               <p:ext uri="{D42A27DB-BD31-4B8C-83A1-F6EECF244321}">
-                <p14:modId xmlns:p14="http://schemas.microsoft.com/office/powerpoint/2010/main" val="1567147735"/>
+                <p14:modId xmlns:p14="http://schemas.microsoft.com/office/powerpoint/2010/main" val="3145580852"/>
               </p:ext>
             </p:extLst>
           </p:nvPr>
         </p:nvGraphicFramePr>
         <p:xfrm>
-          <a:off x="119211" y="1906173"/>
-          <a:ext cx="4821623" cy="1839899"/>
+          <a:off x="4935308" y="1715540"/>
+          <a:ext cx="4208692" cy="1576110"/>
         </p:xfrm>
         <a:graphic>
           <a:graphicData uri="http://schemas.openxmlformats.org/drawingml/2006/table">
@@ -5395,43 +5436,482 @@
                 <a:tableStyleId>{5C22544A-7EE6-4342-B048-85BDC9FD1C3A}</a:tableStyleId>
               </a:tblPr>
               <a:tblGrid>
-                <a:gridCol w="930489">
+                <a:gridCol w="849704">
                   <a:extLst>
                     <a:ext uri="{9D8B030D-6E8A-4147-A177-3AD203B41FA5}">
-                      <a16:colId xmlns:a16="http://schemas.microsoft.com/office/drawing/2014/main" val="2623389304"/>
+                      <a16:colId xmlns:a16="http://schemas.microsoft.com/office/drawing/2014/main" val="1429360360"/>
                     </a:ext>
                   </a:extLst>
                 </a:gridCol>
-                <a:gridCol w="911690">
+                <a:gridCol w="1141791">
                   <a:extLst>
                     <a:ext uri="{9D8B030D-6E8A-4147-A177-3AD203B41FA5}">
-                      <a16:colId xmlns:a16="http://schemas.microsoft.com/office/drawing/2014/main" val="1697638707"/>
+                      <a16:colId xmlns:a16="http://schemas.microsoft.com/office/drawing/2014/main" val="3216052185"/>
                     </a:ext>
                   </a:extLst>
                 </a:gridCol>
-                <a:gridCol w="958685">
+                <a:gridCol w="1033858">
                   <a:extLst>
                     <a:ext uri="{9D8B030D-6E8A-4147-A177-3AD203B41FA5}">
-                      <a16:colId xmlns:a16="http://schemas.microsoft.com/office/drawing/2014/main" val="1648722943"/>
+                      <a16:colId xmlns:a16="http://schemas.microsoft.com/office/drawing/2014/main" val="4018594212"/>
                     </a:ext>
                   </a:extLst>
                 </a:gridCol>
-                <a:gridCol w="1005680">
+                <a:gridCol w="1183339">
                   <a:extLst>
                     <a:ext uri="{9D8B030D-6E8A-4147-A177-3AD203B41FA5}">
-                      <a16:colId xmlns:a16="http://schemas.microsoft.com/office/drawing/2014/main" val="3548850178"/>
-                    </a:ext>
-                  </a:extLst>
-                </a:gridCol>
-                <a:gridCol w="1015079">
-                  <a:extLst>
-                    <a:ext uri="{9D8B030D-6E8A-4147-A177-3AD203B41FA5}">
-                      <a16:colId xmlns:a16="http://schemas.microsoft.com/office/drawing/2014/main" val="1123746861"/>
+                      <a16:colId xmlns:a16="http://schemas.microsoft.com/office/drawing/2014/main" val="1923463016"/>
                     </a:ext>
                   </a:extLst>
                 </a:gridCol>
               </a:tblGrid>
-              <a:tr h="289462">
+              <a:tr h="474094">
+                <a:tc gridSpan="4">
+                  <a:txBody>
+                    <a:bodyPr/>
+                    <a:lstStyle/>
+                    <a:p>
+                      <a:pPr algn="ctr" fontAlgn="b"/>
+                      <a:r>
+                        <a:rPr lang="en-US" sz="1600" u="none" strike="noStrike" dirty="0">
+                          <a:effectLst/>
+                        </a:rPr>
+                        <a:t>ONNX </a:t>
+                      </a:r>
+                      <a:r>
+                        <a:rPr lang="ru-RU" sz="1600" u="none" strike="noStrike" dirty="0">
+                          <a:effectLst/>
+                        </a:rPr>
+                        <a:t>сравнение (миллисекунды)</a:t>
+                      </a:r>
+                      <a:endParaRPr lang="ru-RU" sz="1600" b="0" i="0" u="none" strike="noStrike" dirty="0">
+                        <a:solidFill>
+                          <a:srgbClr val="000000"/>
+                        </a:solidFill>
+                        <a:effectLst/>
+                        <a:latin typeface="Calibri" panose="020F0502020204030204" pitchFamily="34" charset="0"/>
+                      </a:endParaRPr>
+                    </a:p>
+                  </a:txBody>
+                  <a:tcPr marL="6350" marR="6350" marT="6350" marB="0" anchor="b"/>
+                </a:tc>
+                <a:tc hMerge="1">
+                  <a:txBody>
+                    <a:bodyPr/>
+                    <a:lstStyle/>
+                    <a:p>
+                      <a:endParaRPr lang="ru-RU"/>
+                    </a:p>
+                  </a:txBody>
+                  <a:tcPr/>
+                </a:tc>
+                <a:tc hMerge="1">
+                  <a:txBody>
+                    <a:bodyPr/>
+                    <a:lstStyle/>
+                    <a:p>
+                      <a:endParaRPr lang="ru-RU"/>
+                    </a:p>
+                  </a:txBody>
+                  <a:tcPr/>
+                </a:tc>
+                <a:tc hMerge="1">
+                  <a:txBody>
+                    <a:bodyPr/>
+                    <a:lstStyle/>
+                    <a:p>
+                      <a:endParaRPr lang="ru-RU"/>
+                    </a:p>
+                  </a:txBody>
+                  <a:tcPr/>
+                </a:tc>
+                <a:extLst>
+                  <a:ext uri="{0D108BD9-81ED-4DB2-BD59-A6C34878D82A}">
+                    <a16:rowId xmlns:a16="http://schemas.microsoft.com/office/drawing/2014/main" val="1487938791"/>
+                  </a:ext>
+                </a:extLst>
+              </a:tr>
+              <a:tr h="547490">
+                <a:tc>
+                  <a:txBody>
+                    <a:bodyPr/>
+                    <a:lstStyle/>
+                    <a:p>
+                      <a:pPr algn="l" fontAlgn="b"/>
+                      <a:r>
+                        <a:rPr lang="ru-RU" sz="1600" u="none" strike="noStrike" dirty="0">
+                          <a:effectLst/>
+                        </a:rPr>
+                        <a:t> </a:t>
+                      </a:r>
+                      <a:endParaRPr lang="ru-RU" sz="1600" b="0" i="0" u="none" strike="noStrike" dirty="0">
+                        <a:solidFill>
+                          <a:srgbClr val="000000"/>
+                        </a:solidFill>
+                        <a:effectLst/>
+                        <a:latin typeface="Calibri" panose="020F0502020204030204" pitchFamily="34" charset="0"/>
+                      </a:endParaRPr>
+                    </a:p>
+                  </a:txBody>
+                  <a:tcPr marL="6350" marR="6350" marT="6350" marB="0" anchor="b"/>
+                </a:tc>
+                <a:tc>
+                  <a:txBody>
+                    <a:bodyPr/>
+                    <a:lstStyle/>
+                    <a:p>
+                      <a:pPr algn="l" fontAlgn="b"/>
+                      <a:r>
+                        <a:rPr lang="ru-RU" sz="1600" u="none" strike="noStrike" dirty="0">
+                          <a:effectLst/>
+                        </a:rPr>
+                        <a:t> Сохранение </a:t>
+                      </a:r>
+                      <a:endParaRPr lang="ru-RU" sz="1600" b="0" i="0" u="none" strike="noStrike" dirty="0">
+                        <a:solidFill>
+                          <a:srgbClr val="000000"/>
+                        </a:solidFill>
+                        <a:effectLst/>
+                        <a:latin typeface="Calibri" panose="020F0502020204030204" pitchFamily="34" charset="0"/>
+                      </a:endParaRPr>
+                    </a:p>
+                  </a:txBody>
+                  <a:tcPr marL="6350" marR="6350" marT="6350" marB="0" anchor="b"/>
+                </a:tc>
+                <a:tc>
+                  <a:txBody>
+                    <a:bodyPr/>
+                    <a:lstStyle/>
+                    <a:p>
+                      <a:pPr algn="l" fontAlgn="b"/>
+                      <a:r>
+                        <a:rPr lang="ru-RU" sz="1600" u="none" strike="noStrike">
+                          <a:effectLst/>
+                        </a:rPr>
+                        <a:t> Загрузка </a:t>
+                      </a:r>
+                      <a:endParaRPr lang="ru-RU" sz="1600" b="0" i="0" u="none" strike="noStrike">
+                        <a:solidFill>
+                          <a:srgbClr val="000000"/>
+                        </a:solidFill>
+                        <a:effectLst/>
+                        <a:latin typeface="Calibri" panose="020F0502020204030204" pitchFamily="34" charset="0"/>
+                      </a:endParaRPr>
+                    </a:p>
+                  </a:txBody>
+                  <a:tcPr marL="6350" marR="6350" marT="6350" marB="0" anchor="b"/>
+                </a:tc>
+                <a:tc>
+                  <a:txBody>
+                    <a:bodyPr/>
+                    <a:lstStyle/>
+                    <a:p>
+                      <a:pPr algn="l" fontAlgn="b"/>
+                      <a:r>
+                        <a:rPr lang="ru-RU" sz="1600" u="none" strike="noStrike" dirty="0">
+                          <a:effectLst/>
+                        </a:rPr>
+                        <a:t> Исполнение </a:t>
+                      </a:r>
+                      <a:endParaRPr lang="ru-RU" sz="1600" b="0" i="0" u="none" strike="noStrike" dirty="0">
+                        <a:solidFill>
+                          <a:srgbClr val="000000"/>
+                        </a:solidFill>
+                        <a:effectLst/>
+                        <a:latin typeface="Calibri" panose="020F0502020204030204" pitchFamily="34" charset="0"/>
+                      </a:endParaRPr>
+                    </a:p>
+                  </a:txBody>
+                  <a:tcPr marL="6350" marR="6350" marT="6350" marB="0" anchor="b"/>
+                </a:tc>
+                <a:extLst>
+                  <a:ext uri="{0D108BD9-81ED-4DB2-BD59-A6C34878D82A}">
+                    <a16:rowId xmlns:a16="http://schemas.microsoft.com/office/drawing/2014/main" val="3057070379"/>
+                  </a:ext>
+                </a:extLst>
+              </a:tr>
+              <a:tr h="277263">
+                <a:tc>
+                  <a:txBody>
+                    <a:bodyPr/>
+                    <a:lstStyle/>
+                    <a:p>
+                      <a:pPr algn="l" fontAlgn="b"/>
+                      <a:r>
+                        <a:rPr lang="en-US" sz="1600" u="none" strike="noStrike" dirty="0">
+                          <a:effectLst/>
+                        </a:rPr>
+                        <a:t> </a:t>
+                      </a:r>
+                      <a:r>
+                        <a:rPr lang="en-US" sz="1600" u="none" strike="noStrike" dirty="0" err="1">
+                          <a:effectLst/>
+                        </a:rPr>
+                        <a:t>ResNet</a:t>
+                      </a:r>
+                      <a:r>
+                        <a:rPr lang="en-US" sz="1600" u="none" strike="noStrike" dirty="0">
+                          <a:effectLst/>
+                        </a:rPr>
+                        <a:t> </a:t>
+                      </a:r>
+                      <a:endParaRPr lang="en-US" sz="1600" b="0" i="0" u="none" strike="noStrike" dirty="0">
+                        <a:solidFill>
+                          <a:srgbClr val="000000"/>
+                        </a:solidFill>
+                        <a:effectLst/>
+                        <a:latin typeface="Calibri" panose="020F0502020204030204" pitchFamily="34" charset="0"/>
+                      </a:endParaRPr>
+                    </a:p>
+                  </a:txBody>
+                  <a:tcPr marL="6350" marR="6350" marT="6350" marB="0" anchor="b"/>
+                </a:tc>
+                <a:tc>
+                  <a:txBody>
+                    <a:bodyPr/>
+                    <a:lstStyle/>
+                    <a:p>
+                      <a:pPr algn="l" fontAlgn="b"/>
+                      <a:r>
+                        <a:rPr lang="ru-RU" sz="1600" u="none" strike="noStrike" dirty="0">
+                          <a:effectLst/>
+                        </a:rPr>
+                        <a:t> 10000 ± 560 </a:t>
+                      </a:r>
+                      <a:endParaRPr lang="ru-RU" sz="1600" b="0" i="0" u="none" strike="noStrike" dirty="0">
+                        <a:solidFill>
+                          <a:srgbClr val="000000"/>
+                        </a:solidFill>
+                        <a:effectLst/>
+                        <a:latin typeface="Calibri" panose="020F0502020204030204" pitchFamily="34" charset="0"/>
+                      </a:endParaRPr>
+                    </a:p>
+                  </a:txBody>
+                  <a:tcPr marL="6350" marR="6350" marT="6350" marB="0" anchor="b"/>
+                </a:tc>
+                <a:tc>
+                  <a:txBody>
+                    <a:bodyPr/>
+                    <a:lstStyle/>
+                    <a:p>
+                      <a:pPr algn="l" fontAlgn="b"/>
+                      <a:r>
+                        <a:rPr lang="ru-RU" sz="1600" u="none" strike="noStrike" dirty="0">
+                          <a:effectLst/>
+                        </a:rPr>
+                        <a:t> 780 ± 200 </a:t>
+                      </a:r>
+                      <a:endParaRPr lang="ru-RU" sz="1600" b="0" i="0" u="none" strike="noStrike" dirty="0">
+                        <a:solidFill>
+                          <a:srgbClr val="000000"/>
+                        </a:solidFill>
+                        <a:effectLst/>
+                        <a:latin typeface="Calibri" panose="020F0502020204030204" pitchFamily="34" charset="0"/>
+                      </a:endParaRPr>
+                    </a:p>
+                  </a:txBody>
+                  <a:tcPr marL="6350" marR="6350" marT="6350" marB="0" anchor="b"/>
+                </a:tc>
+                <a:tc>
+                  <a:txBody>
+                    <a:bodyPr/>
+                    <a:lstStyle/>
+                    <a:p>
+                      <a:pPr algn="l" fontAlgn="b"/>
+                      <a:r>
+                        <a:rPr lang="ru-RU" sz="1600" u="none" strike="noStrike">
+                          <a:effectLst/>
+                        </a:rPr>
+                        <a:t> 62 ± 12 </a:t>
+                      </a:r>
+                      <a:endParaRPr lang="ru-RU" sz="1600" b="0" i="0" u="none" strike="noStrike">
+                        <a:solidFill>
+                          <a:srgbClr val="000000"/>
+                        </a:solidFill>
+                        <a:effectLst/>
+                        <a:latin typeface="Calibri" panose="020F0502020204030204" pitchFamily="34" charset="0"/>
+                      </a:endParaRPr>
+                    </a:p>
+                  </a:txBody>
+                  <a:tcPr marL="6350" marR="6350" marT="6350" marB="0" anchor="b"/>
+                </a:tc>
+                <a:extLst>
+                  <a:ext uri="{0D108BD9-81ED-4DB2-BD59-A6C34878D82A}">
+                    <a16:rowId xmlns:a16="http://schemas.microsoft.com/office/drawing/2014/main" val="2359251740"/>
+                  </a:ext>
+                </a:extLst>
+              </a:tr>
+              <a:tr h="277263">
+                <a:tc>
+                  <a:txBody>
+                    <a:bodyPr/>
+                    <a:lstStyle/>
+                    <a:p>
+                      <a:pPr algn="l" fontAlgn="b"/>
+                      <a:r>
+                        <a:rPr lang="en-US" sz="1600" u="none" strike="noStrike">
+                          <a:effectLst/>
+                        </a:rPr>
+                        <a:t> Unet </a:t>
+                      </a:r>
+                      <a:endParaRPr lang="en-US" sz="1600" b="0" i="0" u="none" strike="noStrike">
+                        <a:solidFill>
+                          <a:srgbClr val="000000"/>
+                        </a:solidFill>
+                        <a:effectLst/>
+                        <a:latin typeface="Calibri" panose="020F0502020204030204" pitchFamily="34" charset="0"/>
+                      </a:endParaRPr>
+                    </a:p>
+                  </a:txBody>
+                  <a:tcPr marL="6350" marR="6350" marT="6350" marB="0" anchor="b"/>
+                </a:tc>
+                <a:tc>
+                  <a:txBody>
+                    <a:bodyPr/>
+                    <a:lstStyle/>
+                    <a:p>
+                      <a:pPr algn="l" fontAlgn="b"/>
+                      <a:r>
+                        <a:rPr lang="ru-RU" sz="1600" u="none" strike="noStrike">
+                          <a:effectLst/>
+                        </a:rPr>
+                        <a:t> 1270 ± 80 </a:t>
+                      </a:r>
+                      <a:endParaRPr lang="ru-RU" sz="1600" b="0" i="0" u="none" strike="noStrike">
+                        <a:solidFill>
+                          <a:srgbClr val="000000"/>
+                        </a:solidFill>
+                        <a:effectLst/>
+                        <a:latin typeface="Calibri" panose="020F0502020204030204" pitchFamily="34" charset="0"/>
+                      </a:endParaRPr>
+                    </a:p>
+                  </a:txBody>
+                  <a:tcPr marL="6350" marR="6350" marT="6350" marB="0" anchor="b"/>
+                </a:tc>
+                <a:tc>
+                  <a:txBody>
+                    <a:bodyPr/>
+                    <a:lstStyle/>
+                    <a:p>
+                      <a:pPr algn="l" fontAlgn="b"/>
+                      <a:r>
+                        <a:rPr lang="ru-RU" sz="1600" u="none" strike="noStrike">
+                          <a:effectLst/>
+                        </a:rPr>
+                        <a:t> 280 ± 20 </a:t>
+                      </a:r>
+                      <a:endParaRPr lang="ru-RU" sz="1600" b="0" i="0" u="none" strike="noStrike">
+                        <a:solidFill>
+                          <a:srgbClr val="000000"/>
+                        </a:solidFill>
+                        <a:effectLst/>
+                        <a:latin typeface="Calibri" panose="020F0502020204030204" pitchFamily="34" charset="0"/>
+                      </a:endParaRPr>
+                    </a:p>
+                  </a:txBody>
+                  <a:tcPr marL="6350" marR="6350" marT="6350" marB="0" anchor="b"/>
+                </a:tc>
+                <a:tc>
+                  <a:txBody>
+                    <a:bodyPr/>
+                    <a:lstStyle/>
+                    <a:p>
+                      <a:pPr algn="l" fontAlgn="b"/>
+                      <a:r>
+                        <a:rPr lang="ru-RU" sz="1600" u="none" strike="noStrike" dirty="0">
+                          <a:effectLst/>
+                        </a:rPr>
+                        <a:t> 120 ± 12 </a:t>
+                      </a:r>
+                      <a:endParaRPr lang="ru-RU" sz="1600" b="0" i="0" u="none" strike="noStrike" dirty="0">
+                        <a:solidFill>
+                          <a:srgbClr val="000000"/>
+                        </a:solidFill>
+                        <a:effectLst/>
+                        <a:latin typeface="Calibri" panose="020F0502020204030204" pitchFamily="34" charset="0"/>
+                      </a:endParaRPr>
+                    </a:p>
+                  </a:txBody>
+                  <a:tcPr marL="6350" marR="6350" marT="6350" marB="0" anchor="b"/>
+                </a:tc>
+                <a:extLst>
+                  <a:ext uri="{0D108BD9-81ED-4DB2-BD59-A6C34878D82A}">
+                    <a16:rowId xmlns:a16="http://schemas.microsoft.com/office/drawing/2014/main" val="3359388200"/>
+                  </a:ext>
+                </a:extLst>
+              </a:tr>
+            </a:tbl>
+          </a:graphicData>
+        </a:graphic>
+      </p:graphicFrame>
+      <p:graphicFrame>
+        <p:nvGraphicFramePr>
+          <p:cNvPr id="7" name="Table 6">
+            <a:extLst>
+              <a:ext uri="{FF2B5EF4-FFF2-40B4-BE49-F238E27FC236}">
+                <a16:creationId xmlns:a16="http://schemas.microsoft.com/office/drawing/2014/main" id="{CAD65529-0625-4359-BF11-48E9085EB959}"/>
+              </a:ext>
+            </a:extLst>
+          </p:cNvPr>
+          <p:cNvGraphicFramePr>
+            <a:graphicFrameLocks noGrp="1"/>
+          </p:cNvGraphicFramePr>
+          <p:nvPr>
+            <p:extLst>
+              <p:ext uri="{D42A27DB-BD31-4B8C-83A1-F6EECF244321}">
+                <p14:modId xmlns:p14="http://schemas.microsoft.com/office/powerpoint/2010/main" val="546749126"/>
+              </p:ext>
+            </p:extLst>
+          </p:nvPr>
+        </p:nvGraphicFramePr>
+        <p:xfrm>
+          <a:off x="2" y="1712644"/>
+          <a:ext cx="4840939" cy="1576110"/>
+        </p:xfrm>
+        <a:graphic>
+          <a:graphicData uri="http://schemas.openxmlformats.org/drawingml/2006/table">
+            <a:tbl>
+              <a:tblPr>
+                <a:tableStyleId>{5C22544A-7EE6-4342-B048-85BDC9FD1C3A}</a:tableStyleId>
+              </a:tblPr>
+              <a:tblGrid>
+                <a:gridCol w="934216">
+                  <a:extLst>
+                    <a:ext uri="{9D8B030D-6E8A-4147-A177-3AD203B41FA5}">
+                      <a16:colId xmlns:a16="http://schemas.microsoft.com/office/drawing/2014/main" val="3434818967"/>
+                    </a:ext>
+                  </a:extLst>
+                </a:gridCol>
+                <a:gridCol w="915344">
+                  <a:extLst>
+                    <a:ext uri="{9D8B030D-6E8A-4147-A177-3AD203B41FA5}">
+                      <a16:colId xmlns:a16="http://schemas.microsoft.com/office/drawing/2014/main" val="455863571"/>
+                    </a:ext>
+                  </a:extLst>
+                </a:gridCol>
+                <a:gridCol w="962526">
+                  <a:extLst>
+                    <a:ext uri="{9D8B030D-6E8A-4147-A177-3AD203B41FA5}">
+                      <a16:colId xmlns:a16="http://schemas.microsoft.com/office/drawing/2014/main" val="1544758682"/>
+                    </a:ext>
+                  </a:extLst>
+                </a:gridCol>
+                <a:gridCol w="1009708">
+                  <a:extLst>
+                    <a:ext uri="{9D8B030D-6E8A-4147-A177-3AD203B41FA5}">
+                      <a16:colId xmlns:a16="http://schemas.microsoft.com/office/drawing/2014/main" val="82080301"/>
+                    </a:ext>
+                  </a:extLst>
+                </a:gridCol>
+                <a:gridCol w="1019145">
+                  <a:extLst>
+                    <a:ext uri="{9D8B030D-6E8A-4147-A177-3AD203B41FA5}">
+                      <a16:colId xmlns:a16="http://schemas.microsoft.com/office/drawing/2014/main" val="1362756426"/>
+                    </a:ext>
+                  </a:extLst>
+                </a:gridCol>
+              </a:tblGrid>
+              <a:tr h="296800">
                 <a:tc gridSpan="5">
                   <a:txBody>
                     <a:bodyPr/>
@@ -5439,12 +5919,12 @@
                     <a:p>
                       <a:pPr algn="ctr" fontAlgn="b"/>
                       <a:r>
-                        <a:rPr lang="ru-RU" sz="1400" u="none" strike="noStrike" dirty="0">
+                        <a:rPr lang="ru-RU" sz="1600" u="none" strike="noStrike" dirty="0">
                           <a:effectLst/>
                         </a:rPr>
-                        <a:t>Соотношение занимаемой памяти</a:t>
+                        <a:t>Соотношение занимаемой памяти (байт)</a:t>
                       </a:r>
-                      <a:endParaRPr lang="ru-RU" sz="1400" b="0" i="0" u="none" strike="noStrike" dirty="0">
+                      <a:endParaRPr lang="ru-RU" sz="1600" b="0" i="0" u="none" strike="noStrike" dirty="0">
                         <a:solidFill>
                           <a:srgbClr val="000000"/>
                         </a:solidFill>
@@ -5497,11 +5977,11 @@
                 </a:tc>
                 <a:extLst>
                   <a:ext uri="{0D108BD9-81ED-4DB2-BD59-A6C34878D82A}">
-                    <a16:rowId xmlns:a16="http://schemas.microsoft.com/office/drawing/2014/main" val="1292128825"/>
+                    <a16:rowId xmlns:a16="http://schemas.microsoft.com/office/drawing/2014/main" val="3687255892"/>
                   </a:ext>
                 </a:extLst>
               </a:tr>
-              <a:tr h="268881">
+              <a:tr h="388910">
                 <a:tc>
                   <a:txBody>
                     <a:bodyPr/>
@@ -5509,12 +5989,12 @@
                     <a:p>
                       <a:pPr algn="l" fontAlgn="b"/>
                       <a:r>
-                        <a:rPr lang="ru-RU" sz="1400" u="none" strike="noStrike">
+                        <a:rPr lang="ru-RU" sz="1600" u="none" strike="noStrike">
                           <a:effectLst/>
                         </a:rPr>
                         <a:t> </a:t>
                       </a:r>
-                      <a:endParaRPr lang="ru-RU" sz="1400" b="0" i="0" u="none" strike="noStrike">
+                      <a:endParaRPr lang="ru-RU" sz="1600" b="0" i="0" u="none" strike="noStrike">
                         <a:solidFill>
                           <a:srgbClr val="000000"/>
                         </a:solidFill>
@@ -5532,12 +6012,12 @@
                     <a:p>
                       <a:pPr algn="ctr" fontAlgn="b"/>
                       <a:r>
-                        <a:rPr lang="en-US" sz="1400" u="none" strike="noStrike">
+                        <a:rPr lang="en-US" sz="1600" u="none" strike="noStrike">
                           <a:effectLst/>
                         </a:rPr>
                         <a:t>LeNet</a:t>
                       </a:r>
-                      <a:endParaRPr lang="en-US" sz="1400" b="1" i="0" u="none" strike="noStrike">
+                      <a:endParaRPr lang="en-US" sz="1600" b="1" i="0" u="none" strike="noStrike">
                         <a:solidFill>
                           <a:srgbClr val="000000"/>
                         </a:solidFill>
@@ -5555,12 +6035,12 @@
                     <a:p>
                       <a:pPr algn="ctr" fontAlgn="b"/>
                       <a:r>
-                        <a:rPr lang="en-US" sz="1400" u="none" strike="noStrike">
+                        <a:rPr lang="en-US" sz="1600" u="none" strike="noStrike">
                           <a:effectLst/>
                         </a:rPr>
                         <a:t>UNet</a:t>
                       </a:r>
-                      <a:endParaRPr lang="en-US" sz="1400" b="1" i="0" u="none" strike="noStrike">
+                      <a:endParaRPr lang="en-US" sz="1600" b="1" i="0" u="none" strike="noStrike">
                         <a:solidFill>
                           <a:srgbClr val="000000"/>
                         </a:solidFill>
@@ -5578,12 +6058,12 @@
                     <a:p>
                       <a:pPr algn="ctr" fontAlgn="b"/>
                       <a:r>
-                        <a:rPr lang="en-US" sz="1400" u="none" strike="noStrike">
+                        <a:rPr lang="en-US" sz="1600" u="none" strike="noStrike">
                           <a:effectLst/>
                         </a:rPr>
                         <a:t>ResNet</a:t>
                       </a:r>
-                      <a:endParaRPr lang="en-US" sz="1400" b="1" i="0" u="none" strike="noStrike">
+                      <a:endParaRPr lang="en-US" sz="1600" b="1" i="0" u="none" strike="noStrike">
                         <a:solidFill>
                           <a:srgbClr val="000000"/>
                         </a:solidFill>
@@ -5601,12 +6081,12 @@
                     <a:p>
                       <a:pPr algn="ctr" fontAlgn="b"/>
                       <a:r>
-                        <a:rPr lang="en-US" sz="1400" u="none" strike="noStrike">
+                        <a:rPr lang="en-US" sz="1600" u="none" strike="noStrike">
                           <a:effectLst/>
                         </a:rPr>
                         <a:t>VGG19</a:t>
                       </a:r>
-                      <a:endParaRPr lang="en-US" sz="1400" b="1" i="0" u="none" strike="noStrike">
+                      <a:endParaRPr lang="en-US" sz="1600" b="1" i="0" u="none" strike="noStrike">
                         <a:solidFill>
                           <a:srgbClr val="000000"/>
                         </a:solidFill>
@@ -5619,11 +6099,11 @@
                 </a:tc>
                 <a:extLst>
                   <a:ext uri="{0D108BD9-81ED-4DB2-BD59-A6C34878D82A}">
-                    <a16:rowId xmlns:a16="http://schemas.microsoft.com/office/drawing/2014/main" val="2995285346"/>
+                    <a16:rowId xmlns:a16="http://schemas.microsoft.com/office/drawing/2014/main" val="1513260219"/>
                   </a:ext>
                 </a:extLst>
               </a:tr>
-              <a:tr h="496047">
+              <a:tr h="296800">
                 <a:tc>
                   <a:txBody>
                     <a:bodyPr/>
@@ -5631,12 +6111,12 @@
                     <a:p>
                       <a:pPr algn="l" fontAlgn="b"/>
                       <a:r>
-                        <a:rPr lang="en-US" sz="1400" u="none" strike="noStrike">
+                        <a:rPr lang="en-US" sz="1600" u="none" strike="noStrike">
                           <a:effectLst/>
                         </a:rPr>
                         <a:t>PyTorch</a:t>
                       </a:r>
-                      <a:endParaRPr lang="en-US" sz="1400" b="0" i="0" u="none" strike="noStrike">
+                      <a:endParaRPr lang="en-US" sz="1600" b="0" i="0" u="none" strike="noStrike">
                         <a:solidFill>
                           <a:srgbClr val="000000"/>
                         </a:solidFill>
@@ -5654,12 +6134,12 @@
                     <a:p>
                       <a:pPr algn="r" fontAlgn="b"/>
                       <a:r>
-                        <a:rPr lang="ru-RU" sz="1400" u="none" strike="noStrike">
+                        <a:rPr lang="ru-RU" sz="1600" u="none" strike="noStrike" dirty="0">
                           <a:effectLst/>
                         </a:rPr>
-                        <a:t>252,167</a:t>
+                        <a:t>252167 </a:t>
                       </a:r>
-                      <a:endParaRPr lang="ru-RU" sz="1400" b="0" i="0" u="none" strike="noStrike">
+                      <a:endParaRPr lang="ru-RU" sz="1600" b="0" i="0" u="none" strike="noStrike" dirty="0">
                         <a:solidFill>
                           <a:srgbClr val="000000"/>
                         </a:solidFill>
@@ -5677,12 +6157,12 @@
                     <a:p>
                       <a:pPr algn="r" fontAlgn="b"/>
                       <a:r>
-                        <a:rPr lang="ru-RU" sz="1400" u="none" strike="noStrike">
+                        <a:rPr lang="ru-RU" sz="1600" u="none" strike="noStrike">
                           <a:effectLst/>
                         </a:rPr>
-                        <a:t>31,123,925</a:t>
+                        <a:t>31123925 </a:t>
                       </a:r>
-                      <a:endParaRPr lang="ru-RU" sz="1400" b="0" i="0" u="none" strike="noStrike">
+                      <a:endParaRPr lang="ru-RU" sz="1600" b="0" i="0" u="none" strike="noStrike">
                         <a:solidFill>
                           <a:srgbClr val="000000"/>
                         </a:solidFill>
@@ -5700,12 +6180,12 @@
                     <a:p>
                       <a:pPr algn="r" fontAlgn="b"/>
                       <a:r>
-                        <a:rPr lang="ru-RU" sz="1400" u="none" strike="noStrike" dirty="0">
+                        <a:rPr lang="ru-RU" sz="1600" u="none" strike="noStrike">
                           <a:effectLst/>
                         </a:rPr>
-                        <a:t>178,868,701</a:t>
+                        <a:t>178868701 </a:t>
                       </a:r>
-                      <a:endParaRPr lang="ru-RU" sz="1400" b="0" i="0" u="none" strike="noStrike" dirty="0">
+                      <a:endParaRPr lang="ru-RU" sz="1600" b="0" i="0" u="none" strike="noStrike">
                         <a:solidFill>
                           <a:srgbClr val="000000"/>
                         </a:solidFill>
@@ -5723,12 +6203,12 @@
                     <a:p>
                       <a:pPr algn="r" fontAlgn="b"/>
                       <a:r>
-                        <a:rPr lang="ru-RU" sz="1400" u="none" strike="noStrike" dirty="0">
+                        <a:rPr lang="ru-RU" sz="1600" u="none" strike="noStrike" dirty="0">
                           <a:effectLst/>
                         </a:rPr>
-                        <a:t>574,801,813</a:t>
+                        <a:t>574801813 </a:t>
                       </a:r>
-                      <a:endParaRPr lang="ru-RU" sz="1400" b="0" i="0" u="none" strike="noStrike" dirty="0">
+                      <a:endParaRPr lang="ru-RU" sz="1600" b="0" i="0" u="none" strike="noStrike" dirty="0">
                         <a:solidFill>
                           <a:srgbClr val="000000"/>
                         </a:solidFill>
@@ -5741,11 +6221,11 @@
                 </a:tc>
                 <a:extLst>
                   <a:ext uri="{0D108BD9-81ED-4DB2-BD59-A6C34878D82A}">
-                    <a16:rowId xmlns:a16="http://schemas.microsoft.com/office/drawing/2014/main" val="3948964124"/>
+                    <a16:rowId xmlns:a16="http://schemas.microsoft.com/office/drawing/2014/main" val="165024787"/>
                   </a:ext>
                 </a:extLst>
               </a:tr>
-              <a:tr h="496047">
+              <a:tr h="296800">
                 <a:tc>
                   <a:txBody>
                     <a:bodyPr/>
@@ -5753,12 +6233,12 @@
                     <a:p>
                       <a:pPr algn="l" fontAlgn="b"/>
                       <a:r>
-                        <a:rPr lang="en-US" sz="1400" u="none" strike="noStrike">
+                        <a:rPr lang="en-US" sz="1600" u="none" strike="noStrike">
                           <a:effectLst/>
                         </a:rPr>
                         <a:t>FAMLINN</a:t>
                       </a:r>
-                      <a:endParaRPr lang="en-US" sz="1400" b="0" i="0" u="none" strike="noStrike">
+                      <a:endParaRPr lang="en-US" sz="1600" b="0" i="0" u="none" strike="noStrike">
                         <a:solidFill>
                           <a:srgbClr val="000000"/>
                         </a:solidFill>
@@ -5776,12 +6256,12 @@
                     <a:p>
                       <a:pPr algn="r" fontAlgn="b"/>
                       <a:r>
-                        <a:rPr lang="ru-RU" sz="1400" u="none" strike="noStrike">
+                        <a:rPr lang="ru-RU" sz="1600" u="none" strike="noStrike">
                           <a:effectLst/>
                         </a:rPr>
-                        <a:t>260,364</a:t>
+                        <a:t>260364 </a:t>
                       </a:r>
-                      <a:endParaRPr lang="ru-RU" sz="1400" b="0" i="0" u="none" strike="noStrike">
+                      <a:endParaRPr lang="ru-RU" sz="1600" b="0" i="0" u="none" strike="noStrike">
                         <a:solidFill>
                           <a:srgbClr val="000000"/>
                         </a:solidFill>
@@ -5799,12 +6279,12 @@
                     <a:p>
                       <a:pPr algn="r" fontAlgn="b"/>
                       <a:r>
-                        <a:rPr lang="ru-RU" sz="1400" u="none" strike="noStrike">
+                        <a:rPr lang="ru-RU" sz="1600" u="none" strike="noStrike">
                           <a:effectLst/>
                         </a:rPr>
-                        <a:t>31,169,956</a:t>
+                        <a:t>31169956 </a:t>
                       </a:r>
-                      <a:endParaRPr lang="ru-RU" sz="1400" b="0" i="0" u="none" strike="noStrike">
+                      <a:endParaRPr lang="ru-RU" sz="1600" b="0" i="0" u="none" strike="noStrike">
                         <a:solidFill>
                           <a:srgbClr val="000000"/>
                         </a:solidFill>
@@ -5822,12 +6302,12 @@
                     <a:p>
                       <a:pPr algn="r" fontAlgn="b"/>
                       <a:r>
-                        <a:rPr lang="ru-RU" sz="1400" u="none" strike="noStrike">
+                        <a:rPr lang="ru-RU" sz="1600" u="none" strike="noStrike">
                           <a:effectLst/>
                         </a:rPr>
-                        <a:t>179,097,231</a:t>
+                        <a:t>179097231 </a:t>
                       </a:r>
-                      <a:endParaRPr lang="ru-RU" sz="1400" b="0" i="0" u="none" strike="noStrike">
+                      <a:endParaRPr lang="ru-RU" sz="1600" b="0" i="0" u="none" strike="noStrike">
                         <a:solidFill>
                           <a:srgbClr val="000000"/>
                         </a:solidFill>
@@ -5845,12 +6325,12 @@
                     <a:p>
                       <a:pPr algn="r" fontAlgn="b"/>
                       <a:r>
-                        <a:rPr lang="ru-RU" sz="1400" u="none" strike="noStrike">
+                        <a:rPr lang="ru-RU" sz="1600" u="none" strike="noStrike">
                           <a:effectLst/>
                         </a:rPr>
-                        <a:t>574,842,587</a:t>
+                        <a:t>574842587 </a:t>
                       </a:r>
-                      <a:endParaRPr lang="ru-RU" sz="1400" b="0" i="0" u="none" strike="noStrike">
+                      <a:endParaRPr lang="ru-RU" sz="1600" b="0" i="0" u="none" strike="noStrike">
                         <a:solidFill>
                           <a:srgbClr val="000000"/>
                         </a:solidFill>
@@ -5863,11 +6343,11 @@
                 </a:tc>
                 <a:extLst>
                   <a:ext uri="{0D108BD9-81ED-4DB2-BD59-A6C34878D82A}">
-                    <a16:rowId xmlns:a16="http://schemas.microsoft.com/office/drawing/2014/main" val="2812618601"/>
+                    <a16:rowId xmlns:a16="http://schemas.microsoft.com/office/drawing/2014/main" val="1059090678"/>
                   </a:ext>
                 </a:extLst>
               </a:tr>
-              <a:tr h="289462">
+              <a:tr h="296800">
                 <a:tc>
                   <a:txBody>
                     <a:bodyPr/>
@@ -5875,12 +6355,12 @@
                     <a:p>
                       <a:pPr algn="l" fontAlgn="b"/>
                       <a:r>
-                        <a:rPr lang="en-US" sz="1400" u="none" strike="noStrike">
+                        <a:rPr lang="en-US" sz="1600" u="none" strike="noStrike">
                           <a:effectLst/>
                         </a:rPr>
                         <a:t>Ratio</a:t>
                       </a:r>
-                      <a:endParaRPr lang="en-US" sz="1400" b="0" i="0" u="none" strike="noStrike">
+                      <a:endParaRPr lang="en-US" sz="1600" b="0" i="0" u="none" strike="noStrike">
                         <a:solidFill>
                           <a:srgbClr val="000000"/>
                         </a:solidFill>
@@ -5898,12 +6378,12 @@
                     <a:p>
                       <a:pPr algn="r" fontAlgn="b"/>
                       <a:r>
-                        <a:rPr lang="ru-RU" sz="1400" u="none" strike="noStrike">
+                        <a:rPr lang="ru-RU" sz="1600" u="none" strike="noStrike">
                           <a:effectLst/>
                         </a:rPr>
                         <a:t>3.25%</a:t>
                       </a:r>
-                      <a:endParaRPr lang="ru-RU" sz="1400" b="0" i="0" u="none" strike="noStrike">
+                      <a:endParaRPr lang="ru-RU" sz="1600" b="0" i="0" u="none" strike="noStrike">
                         <a:solidFill>
                           <a:srgbClr val="000000"/>
                         </a:solidFill>
@@ -5921,12 +6401,12 @@
                     <a:p>
                       <a:pPr algn="r" fontAlgn="b"/>
                       <a:r>
-                        <a:rPr lang="ru-RU" sz="1400" u="none" strike="noStrike">
+                        <a:rPr lang="ru-RU" sz="1600" u="none" strike="noStrike">
                           <a:effectLst/>
                         </a:rPr>
                         <a:t>0.15%</a:t>
                       </a:r>
-                      <a:endParaRPr lang="ru-RU" sz="1400" b="0" i="0" u="none" strike="noStrike">
+                      <a:endParaRPr lang="ru-RU" sz="1600" b="0" i="0" u="none" strike="noStrike">
                         <a:solidFill>
                           <a:srgbClr val="000000"/>
                         </a:solidFill>
@@ -5944,12 +6424,12 @@
                     <a:p>
                       <a:pPr algn="r" fontAlgn="b"/>
                       <a:r>
-                        <a:rPr lang="ru-RU" sz="1400" u="none" strike="noStrike">
+                        <a:rPr lang="ru-RU" sz="1600" u="none" strike="noStrike">
                           <a:effectLst/>
                         </a:rPr>
                         <a:t>0.13%</a:t>
                       </a:r>
-                      <a:endParaRPr lang="ru-RU" sz="1400" b="0" i="0" u="none" strike="noStrike">
+                      <a:endParaRPr lang="ru-RU" sz="1600" b="0" i="0" u="none" strike="noStrike">
                         <a:solidFill>
                           <a:srgbClr val="000000"/>
                         </a:solidFill>
@@ -5967,12 +6447,12 @@
                     <a:p>
                       <a:pPr algn="r" fontAlgn="b"/>
                       <a:r>
-                        <a:rPr lang="ru-RU" sz="1400" u="none" strike="noStrike" dirty="0">
+                        <a:rPr lang="ru-RU" sz="1600" u="none" strike="noStrike" dirty="0">
                           <a:effectLst/>
                         </a:rPr>
                         <a:t>0.01%</a:t>
                       </a:r>
-                      <a:endParaRPr lang="ru-RU" sz="1400" b="0" i="0" u="none" strike="noStrike" dirty="0">
+                      <a:endParaRPr lang="ru-RU" sz="1600" b="0" i="0" u="none" strike="noStrike" dirty="0">
                         <a:solidFill>
                           <a:srgbClr val="000000"/>
                         </a:solidFill>
@@ -5985,7 +6465,7 @@
                 </a:tc>
                 <a:extLst>
                   <a:ext uri="{0D108BD9-81ED-4DB2-BD59-A6C34878D82A}">
-                    <a16:rowId xmlns:a16="http://schemas.microsoft.com/office/drawing/2014/main" val="1750295"/>
+                    <a16:rowId xmlns:a16="http://schemas.microsoft.com/office/drawing/2014/main" val="4011766471"/>
                   </a:ext>
                 </a:extLst>
               </a:tr>
@@ -5995,10 +6475,10 @@
       </p:graphicFrame>
       <p:graphicFrame>
         <p:nvGraphicFramePr>
-          <p:cNvPr id="5" name="Table 4">
+          <p:cNvPr id="8" name="Table 7">
             <a:extLst>
               <a:ext uri="{FF2B5EF4-FFF2-40B4-BE49-F238E27FC236}">
-                <a16:creationId xmlns:a16="http://schemas.microsoft.com/office/drawing/2014/main" id="{1307E079-1CCA-49B5-BEC4-3CF0230F0FA4}"/>
+                <a16:creationId xmlns:a16="http://schemas.microsoft.com/office/drawing/2014/main" id="{B46E3C51-2AE2-4437-BC56-254BF8056117}"/>
               </a:ext>
             </a:extLst>
           </p:cNvPr>
@@ -6008,14 +6488,14 @@
           <p:nvPr>
             <p:extLst>
               <p:ext uri="{D42A27DB-BD31-4B8C-83A1-F6EECF244321}">
-                <p14:modId xmlns:p14="http://schemas.microsoft.com/office/powerpoint/2010/main" val="1121489556"/>
+                <p14:modId xmlns:p14="http://schemas.microsoft.com/office/powerpoint/2010/main" val="2051193412"/>
               </p:ext>
             </p:extLst>
           </p:nvPr>
         </p:nvGraphicFramePr>
         <p:xfrm>
-          <a:off x="5040727" y="1046780"/>
-          <a:ext cx="3861120" cy="2699292"/>
+          <a:off x="1690487" y="3359805"/>
+          <a:ext cx="7453511" cy="1782096"/>
         </p:xfrm>
         <a:graphic>
           <a:graphicData uri="http://schemas.openxmlformats.org/drawingml/2006/table">
@@ -6024,43 +6504,43 @@
                 <a:tableStyleId>{5C22544A-7EE6-4342-B048-85BDC9FD1C3A}</a:tableStyleId>
               </a:tblPr>
               <a:tblGrid>
-                <a:gridCol w="542256">
+                <a:gridCol w="1046771">
                   <a:extLst>
                     <a:ext uri="{9D8B030D-6E8A-4147-A177-3AD203B41FA5}">
-                      <a16:colId xmlns:a16="http://schemas.microsoft.com/office/drawing/2014/main" val="3532811634"/>
+                      <a16:colId xmlns:a16="http://schemas.microsoft.com/office/drawing/2014/main" val="3786006605"/>
                     </a:ext>
                   </a:extLst>
                 </a:gridCol>
-                <a:gridCol w="999579">
+                <a:gridCol w="1929589">
                   <a:extLst>
                     <a:ext uri="{9D8B030D-6E8A-4147-A177-3AD203B41FA5}">
-                      <a16:colId xmlns:a16="http://schemas.microsoft.com/office/drawing/2014/main" val="3108458674"/>
+                      <a16:colId xmlns:a16="http://schemas.microsoft.com/office/drawing/2014/main" val="1529225419"/>
                     </a:ext>
                   </a:extLst>
                 </a:gridCol>
-                <a:gridCol w="764385">
+                <a:gridCol w="1475568">
                   <a:extLst>
                     <a:ext uri="{9D8B030D-6E8A-4147-A177-3AD203B41FA5}">
-                      <a16:colId xmlns:a16="http://schemas.microsoft.com/office/drawing/2014/main" val="2215751815"/>
+                      <a16:colId xmlns:a16="http://schemas.microsoft.com/office/drawing/2014/main" val="943670970"/>
                     </a:ext>
                   </a:extLst>
                 </a:gridCol>
-                <a:gridCol w="568388">
+                <a:gridCol w="1097218">
                   <a:extLst>
                     <a:ext uri="{9D8B030D-6E8A-4147-A177-3AD203B41FA5}">
-                      <a16:colId xmlns:a16="http://schemas.microsoft.com/office/drawing/2014/main" val="1186614354"/>
+                      <a16:colId xmlns:a16="http://schemas.microsoft.com/office/drawing/2014/main" val="263955635"/>
                     </a:ext>
                   </a:extLst>
                 </a:gridCol>
-                <a:gridCol w="986512">
+                <a:gridCol w="1904365">
                   <a:extLst>
                     <a:ext uri="{9D8B030D-6E8A-4147-A177-3AD203B41FA5}">
-                      <a16:colId xmlns:a16="http://schemas.microsoft.com/office/drawing/2014/main" val="1270981207"/>
+                      <a16:colId xmlns:a16="http://schemas.microsoft.com/office/drawing/2014/main" val="3425855129"/>
                     </a:ext>
                   </a:extLst>
                 </a:gridCol>
               </a:tblGrid>
-              <a:tr h="246207">
+              <a:tr h="297016">
                 <a:tc gridSpan="5">
                   <a:txBody>
                     <a:bodyPr/>
@@ -6068,12 +6548,12 @@
                     <a:p>
                       <a:pPr algn="ctr" fontAlgn="b"/>
                       <a:r>
-                        <a:rPr lang="en-US" sz="1200" u="none" strike="noStrike">
+                        <a:rPr lang="ru-RU" sz="1600" u="none" strike="noStrike">
                           <a:effectLst/>
                         </a:rPr>
-                        <a:t>ResNet</a:t>
+                        <a:t>Замеры времени исполнения основных действий (миллисекунды)</a:t>
                       </a:r>
-                      <a:endParaRPr lang="en-US" sz="1200" b="1" i="0" u="none" strike="noStrike">
+                      <a:endParaRPr lang="ru-RU" sz="1600" b="0" i="0" u="none" strike="noStrike">
                         <a:solidFill>
                           <a:srgbClr val="000000"/>
                         </a:solidFill>
@@ -6126,11 +6606,11 @@
                 </a:tc>
                 <a:extLst>
                   <a:ext uri="{0D108BD9-81ED-4DB2-BD59-A6C34878D82A}">
-                    <a16:rowId xmlns:a16="http://schemas.microsoft.com/office/drawing/2014/main" val="1047501081"/>
+                    <a16:rowId xmlns:a16="http://schemas.microsoft.com/office/drawing/2014/main" val="3741990604"/>
                   </a:ext>
                 </a:extLst>
               </a:tr>
-              <a:tr h="483429">
+              <a:tr h="297016">
                 <a:tc>
                   <a:txBody>
                     <a:bodyPr/>
@@ -6138,12 +6618,12 @@
                     <a:p>
                       <a:pPr algn="l" fontAlgn="b"/>
                       <a:r>
-                        <a:rPr lang="ru-RU" sz="1200" u="none" strike="noStrike">
+                        <a:rPr lang="ru-RU" sz="1600" u="none" strike="noStrike">
                           <a:effectLst/>
                         </a:rPr>
-                        <a:t>№</a:t>
+                        <a:t> </a:t>
                       </a:r>
-                      <a:endParaRPr lang="ru-RU" sz="1200" b="0" i="0" u="none" strike="noStrike">
+                      <a:endParaRPr lang="ru-RU" sz="1600" b="0" i="0" u="none" strike="noStrike">
                         <a:solidFill>
                           <a:srgbClr val="000000"/>
                         </a:solidFill>
@@ -6161,18 +6641,12 @@
                     <a:p>
                       <a:pPr algn="l" fontAlgn="b"/>
                       <a:r>
-                        <a:rPr lang="ru-RU" sz="1200" u="none" strike="noStrike">
+                        <a:rPr lang="ru-RU" sz="1600" u="none" strike="noStrike" dirty="0">
                           <a:effectLst/>
                         </a:rPr>
-                        <a:t>Вычисление </a:t>
+                        <a:t>Вычисление сети</a:t>
                       </a:r>
-                      <a:r>
-                        <a:rPr lang="en-US" sz="1200" u="none" strike="noStrike">
-                          <a:effectLst/>
-                        </a:rPr>
-                        <a:t>ResNet</a:t>
-                      </a:r>
-                      <a:endParaRPr lang="en-US" sz="1200" b="0" i="0" u="none" strike="noStrike">
+                      <a:endParaRPr lang="ru-RU" sz="1600" b="0" i="0" u="none" strike="noStrike" dirty="0">
                         <a:solidFill>
                           <a:srgbClr val="000000"/>
                         </a:solidFill>
@@ -6190,12 +6664,12 @@
                     <a:p>
                       <a:pPr algn="l" fontAlgn="b"/>
                       <a:r>
-                        <a:rPr lang="ru-RU" sz="1200" u="none" strike="noStrike">
+                        <a:rPr lang="ru-RU" sz="1600" u="none" strike="noStrike">
                           <a:effectLst/>
                         </a:rPr>
                         <a:t>Преобразование</a:t>
                       </a:r>
-                      <a:endParaRPr lang="ru-RU" sz="1200" b="0" i="0" u="none" strike="noStrike">
+                      <a:endParaRPr lang="ru-RU" sz="1600" b="0" i="0" u="none" strike="noStrike">
                         <a:solidFill>
                           <a:srgbClr val="000000"/>
                         </a:solidFill>
@@ -6213,12 +6687,12 @@
                     <a:p>
                       <a:pPr algn="l" fontAlgn="b"/>
                       <a:r>
-                        <a:rPr lang="ru-RU" sz="1200" u="none" strike="noStrike">
+                        <a:rPr lang="ru-RU" sz="1600" u="none" strike="noStrike">
                           <a:effectLst/>
                         </a:rPr>
                         <a:t>Сохранение</a:t>
                       </a:r>
-                      <a:endParaRPr lang="ru-RU" sz="1200" b="0" i="0" u="none" strike="noStrike">
+                      <a:endParaRPr lang="ru-RU" sz="1600" b="0" i="0" u="none" strike="noStrike">
                         <a:solidFill>
                           <a:srgbClr val="000000"/>
                         </a:solidFill>
@@ -6236,18 +6710,18 @@
                     <a:p>
                       <a:pPr algn="l" fontAlgn="b"/>
                       <a:r>
-                        <a:rPr lang="ru-RU" sz="1200" u="none" strike="noStrike">
+                        <a:rPr lang="ru-RU" sz="1600" u="none" strike="noStrike">
                           <a:effectLst/>
                         </a:rPr>
                         <a:t>Вычисление </a:t>
                       </a:r>
                       <a:r>
-                        <a:rPr lang="en-US" sz="1200" u="none" strike="noStrike">
+                        <a:rPr lang="en-US" sz="1600" u="none" strike="noStrike">
                           <a:effectLst/>
                         </a:rPr>
                         <a:t>FAMLINN</a:t>
                       </a:r>
-                      <a:endParaRPr lang="en-US" sz="1200" b="0" i="0" u="none" strike="noStrike">
+                      <a:endParaRPr lang="en-US" sz="1600" b="0" i="0" u="none" strike="noStrike">
                         <a:solidFill>
                           <a:srgbClr val="000000"/>
                         </a:solidFill>
@@ -6260,743 +6734,11 @@
                 </a:tc>
                 <a:extLst>
                   <a:ext uri="{0D108BD9-81ED-4DB2-BD59-A6C34878D82A}">
-                    <a16:rowId xmlns:a16="http://schemas.microsoft.com/office/drawing/2014/main" val="1073181373"/>
+                    <a16:rowId xmlns:a16="http://schemas.microsoft.com/office/drawing/2014/main" val="1514421954"/>
                   </a:ext>
                 </a:extLst>
               </a:tr>
-              <a:tr h="246207">
-                <a:tc>
-                  <a:txBody>
-                    <a:bodyPr/>
-                    <a:lstStyle/>
-                    <a:p>
-                      <a:pPr algn="r" fontAlgn="b"/>
-                      <a:r>
-                        <a:rPr lang="ru-RU" sz="1200" u="none" strike="noStrike">
-                          <a:effectLst/>
-                        </a:rPr>
-                        <a:t>1.00</a:t>
-                      </a:r>
-                      <a:endParaRPr lang="ru-RU" sz="1200" b="0" i="0" u="none" strike="noStrike">
-                        <a:solidFill>
-                          <a:srgbClr val="000000"/>
-                        </a:solidFill>
-                        <a:effectLst/>
-                        <a:latin typeface="Calibri" panose="020F0502020204030204" pitchFamily="34" charset="0"/>
-                      </a:endParaRPr>
-                    </a:p>
-                  </a:txBody>
-                  <a:tcPr marL="6350" marR="6350" marT="6350" marB="0" anchor="b"/>
-                </a:tc>
-                <a:tc>
-                  <a:txBody>
-                    <a:bodyPr/>
-                    <a:lstStyle/>
-                    <a:p>
-                      <a:pPr algn="r" fontAlgn="b"/>
-                      <a:r>
-                        <a:rPr lang="ru-RU" sz="1200" u="none" strike="noStrike">
-                          <a:effectLst/>
-                        </a:rPr>
-                        <a:t>305.00</a:t>
-                      </a:r>
-                      <a:endParaRPr lang="ru-RU" sz="1200" b="0" i="0" u="none" strike="noStrike">
-                        <a:solidFill>
-                          <a:srgbClr val="000000"/>
-                        </a:solidFill>
-                        <a:effectLst/>
-                        <a:latin typeface="Calibri" panose="020F0502020204030204" pitchFamily="34" charset="0"/>
-                      </a:endParaRPr>
-                    </a:p>
-                  </a:txBody>
-                  <a:tcPr marL="6350" marR="6350" marT="6350" marB="0" anchor="b"/>
-                </a:tc>
-                <a:tc>
-                  <a:txBody>
-                    <a:bodyPr/>
-                    <a:lstStyle/>
-                    <a:p>
-                      <a:pPr algn="r" fontAlgn="b"/>
-                      <a:r>
-                        <a:rPr lang="ru-RU" sz="1200" u="none" strike="noStrike">
-                          <a:effectLst/>
-                        </a:rPr>
-                        <a:t>5706.00</a:t>
-                      </a:r>
-                      <a:endParaRPr lang="ru-RU" sz="1200" b="0" i="0" u="none" strike="noStrike">
-                        <a:solidFill>
-                          <a:srgbClr val="000000"/>
-                        </a:solidFill>
-                        <a:effectLst/>
-                        <a:latin typeface="Calibri" panose="020F0502020204030204" pitchFamily="34" charset="0"/>
-                      </a:endParaRPr>
-                    </a:p>
-                  </a:txBody>
-                  <a:tcPr marL="6350" marR="6350" marT="6350" marB="0" anchor="b"/>
-                </a:tc>
-                <a:tc>
-                  <a:txBody>
-                    <a:bodyPr/>
-                    <a:lstStyle/>
-                    <a:p>
-                      <a:pPr algn="r" fontAlgn="b"/>
-                      <a:r>
-                        <a:rPr lang="ru-RU" sz="1200" u="none" strike="noStrike">
-                          <a:effectLst/>
-                        </a:rPr>
-                        <a:t>508.00</a:t>
-                      </a:r>
-                      <a:endParaRPr lang="ru-RU" sz="1200" b="0" i="0" u="none" strike="noStrike">
-                        <a:solidFill>
-                          <a:srgbClr val="000000"/>
-                        </a:solidFill>
-                        <a:effectLst/>
-                        <a:latin typeface="Calibri" panose="020F0502020204030204" pitchFamily="34" charset="0"/>
-                      </a:endParaRPr>
-                    </a:p>
-                  </a:txBody>
-                  <a:tcPr marL="6350" marR="6350" marT="6350" marB="0" anchor="b"/>
-                </a:tc>
-                <a:tc>
-                  <a:txBody>
-                    <a:bodyPr/>
-                    <a:lstStyle/>
-                    <a:p>
-                      <a:pPr algn="r" fontAlgn="b"/>
-                      <a:r>
-                        <a:rPr lang="ru-RU" sz="1200" u="none" strike="noStrike">
-                          <a:effectLst/>
-                        </a:rPr>
-                        <a:t>308.00</a:t>
-                      </a:r>
-                      <a:endParaRPr lang="ru-RU" sz="1200" b="0" i="0" u="none" strike="noStrike">
-                        <a:solidFill>
-                          <a:srgbClr val="000000"/>
-                        </a:solidFill>
-                        <a:effectLst/>
-                        <a:latin typeface="Calibri" panose="020F0502020204030204" pitchFamily="34" charset="0"/>
-                      </a:endParaRPr>
-                    </a:p>
-                  </a:txBody>
-                  <a:tcPr marL="6350" marR="6350" marT="6350" marB="0" anchor="b"/>
-                </a:tc>
-                <a:extLst>
-                  <a:ext uri="{0D108BD9-81ED-4DB2-BD59-A6C34878D82A}">
-                    <a16:rowId xmlns:a16="http://schemas.microsoft.com/office/drawing/2014/main" val="4285311476"/>
-                  </a:ext>
-                </a:extLst>
-              </a:tr>
-              <a:tr h="246207">
-                <a:tc>
-                  <a:txBody>
-                    <a:bodyPr/>
-                    <a:lstStyle/>
-                    <a:p>
-                      <a:pPr algn="r" fontAlgn="b"/>
-                      <a:r>
-                        <a:rPr lang="ru-RU" sz="1200" u="none" strike="noStrike">
-                          <a:effectLst/>
-                        </a:rPr>
-                        <a:t>2.00</a:t>
-                      </a:r>
-                      <a:endParaRPr lang="ru-RU" sz="1200" b="0" i="0" u="none" strike="noStrike">
-                        <a:solidFill>
-                          <a:srgbClr val="000000"/>
-                        </a:solidFill>
-                        <a:effectLst/>
-                        <a:latin typeface="Calibri" panose="020F0502020204030204" pitchFamily="34" charset="0"/>
-                      </a:endParaRPr>
-                    </a:p>
-                  </a:txBody>
-                  <a:tcPr marL="6350" marR="6350" marT="6350" marB="0" anchor="b"/>
-                </a:tc>
-                <a:tc>
-                  <a:txBody>
-                    <a:bodyPr/>
-                    <a:lstStyle/>
-                    <a:p>
-                      <a:pPr algn="r" fontAlgn="b"/>
-                      <a:r>
-                        <a:rPr lang="ru-RU" sz="1200" u="none" strike="noStrike">
-                          <a:effectLst/>
-                        </a:rPr>
-                        <a:t>292.00</a:t>
-                      </a:r>
-                      <a:endParaRPr lang="ru-RU" sz="1200" b="0" i="0" u="none" strike="noStrike">
-                        <a:solidFill>
-                          <a:srgbClr val="000000"/>
-                        </a:solidFill>
-                        <a:effectLst/>
-                        <a:latin typeface="Calibri" panose="020F0502020204030204" pitchFamily="34" charset="0"/>
-                      </a:endParaRPr>
-                    </a:p>
-                  </a:txBody>
-                  <a:tcPr marL="6350" marR="6350" marT="6350" marB="0" anchor="b"/>
-                </a:tc>
-                <a:tc>
-                  <a:txBody>
-                    <a:bodyPr/>
-                    <a:lstStyle/>
-                    <a:p>
-                      <a:pPr algn="r" fontAlgn="b"/>
-                      <a:r>
-                        <a:rPr lang="ru-RU" sz="1200" u="none" strike="noStrike" dirty="0">
-                          <a:effectLst/>
-                        </a:rPr>
-                        <a:t>5847.00</a:t>
-                      </a:r>
-                      <a:endParaRPr lang="ru-RU" sz="1200" b="0" i="0" u="none" strike="noStrike" dirty="0">
-                        <a:solidFill>
-                          <a:srgbClr val="000000"/>
-                        </a:solidFill>
-                        <a:effectLst/>
-                        <a:latin typeface="Calibri" panose="020F0502020204030204" pitchFamily="34" charset="0"/>
-                      </a:endParaRPr>
-                    </a:p>
-                  </a:txBody>
-                  <a:tcPr marL="6350" marR="6350" marT="6350" marB="0" anchor="b"/>
-                </a:tc>
-                <a:tc>
-                  <a:txBody>
-                    <a:bodyPr/>
-                    <a:lstStyle/>
-                    <a:p>
-                      <a:pPr algn="r" fontAlgn="b"/>
-                      <a:r>
-                        <a:rPr lang="ru-RU" sz="1200" u="none" strike="noStrike">
-                          <a:effectLst/>
-                        </a:rPr>
-                        <a:t>408.00</a:t>
-                      </a:r>
-                      <a:endParaRPr lang="ru-RU" sz="1200" b="0" i="0" u="none" strike="noStrike">
-                        <a:solidFill>
-                          <a:srgbClr val="000000"/>
-                        </a:solidFill>
-                        <a:effectLst/>
-                        <a:latin typeface="Calibri" panose="020F0502020204030204" pitchFamily="34" charset="0"/>
-                      </a:endParaRPr>
-                    </a:p>
-                  </a:txBody>
-                  <a:tcPr marL="6350" marR="6350" marT="6350" marB="0" anchor="b"/>
-                </a:tc>
-                <a:tc>
-                  <a:txBody>
-                    <a:bodyPr/>
-                    <a:lstStyle/>
-                    <a:p>
-                      <a:pPr algn="r" fontAlgn="b"/>
-                      <a:r>
-                        <a:rPr lang="ru-RU" sz="1200" u="none" strike="noStrike">
-                          <a:effectLst/>
-                        </a:rPr>
-                        <a:t>342.00</a:t>
-                      </a:r>
-                      <a:endParaRPr lang="ru-RU" sz="1200" b="0" i="0" u="none" strike="noStrike">
-                        <a:solidFill>
-                          <a:srgbClr val="000000"/>
-                        </a:solidFill>
-                        <a:effectLst/>
-                        <a:latin typeface="Calibri" panose="020F0502020204030204" pitchFamily="34" charset="0"/>
-                      </a:endParaRPr>
-                    </a:p>
-                  </a:txBody>
-                  <a:tcPr marL="6350" marR="6350" marT="6350" marB="0" anchor="b"/>
-                </a:tc>
-                <a:extLst>
-                  <a:ext uri="{0D108BD9-81ED-4DB2-BD59-A6C34878D82A}">
-                    <a16:rowId xmlns:a16="http://schemas.microsoft.com/office/drawing/2014/main" val="3312428456"/>
-                  </a:ext>
-                </a:extLst>
-              </a:tr>
-              <a:tr h="246207">
-                <a:tc>
-                  <a:txBody>
-                    <a:bodyPr/>
-                    <a:lstStyle/>
-                    <a:p>
-                      <a:pPr algn="r" fontAlgn="b"/>
-                      <a:r>
-                        <a:rPr lang="ru-RU" sz="1200" u="none" strike="noStrike">
-                          <a:effectLst/>
-                        </a:rPr>
-                        <a:t>3.00</a:t>
-                      </a:r>
-                      <a:endParaRPr lang="ru-RU" sz="1200" b="0" i="0" u="none" strike="noStrike">
-                        <a:solidFill>
-                          <a:srgbClr val="000000"/>
-                        </a:solidFill>
-                        <a:effectLst/>
-                        <a:latin typeface="Calibri" panose="020F0502020204030204" pitchFamily="34" charset="0"/>
-                      </a:endParaRPr>
-                    </a:p>
-                  </a:txBody>
-                  <a:tcPr marL="6350" marR="6350" marT="6350" marB="0" anchor="b"/>
-                </a:tc>
-                <a:tc>
-                  <a:txBody>
-                    <a:bodyPr/>
-                    <a:lstStyle/>
-                    <a:p>
-                      <a:pPr algn="r" fontAlgn="b"/>
-                      <a:r>
-                        <a:rPr lang="ru-RU" sz="1200" u="none" strike="noStrike">
-                          <a:effectLst/>
-                        </a:rPr>
-                        <a:t>330.00</a:t>
-                      </a:r>
-                      <a:endParaRPr lang="ru-RU" sz="1200" b="0" i="0" u="none" strike="noStrike">
-                        <a:solidFill>
-                          <a:srgbClr val="000000"/>
-                        </a:solidFill>
-                        <a:effectLst/>
-                        <a:latin typeface="Calibri" panose="020F0502020204030204" pitchFamily="34" charset="0"/>
-                      </a:endParaRPr>
-                    </a:p>
-                  </a:txBody>
-                  <a:tcPr marL="6350" marR="6350" marT="6350" marB="0" anchor="b"/>
-                </a:tc>
-                <a:tc>
-                  <a:txBody>
-                    <a:bodyPr/>
-                    <a:lstStyle/>
-                    <a:p>
-                      <a:pPr algn="r" fontAlgn="b"/>
-                      <a:r>
-                        <a:rPr lang="ru-RU" sz="1200" u="none" strike="noStrike">
-                          <a:effectLst/>
-                        </a:rPr>
-                        <a:t>5452.00</a:t>
-                      </a:r>
-                      <a:endParaRPr lang="ru-RU" sz="1200" b="0" i="0" u="none" strike="noStrike">
-                        <a:solidFill>
-                          <a:srgbClr val="000000"/>
-                        </a:solidFill>
-                        <a:effectLst/>
-                        <a:latin typeface="Calibri" panose="020F0502020204030204" pitchFamily="34" charset="0"/>
-                      </a:endParaRPr>
-                    </a:p>
-                  </a:txBody>
-                  <a:tcPr marL="6350" marR="6350" marT="6350" marB="0" anchor="b"/>
-                </a:tc>
-                <a:tc>
-                  <a:txBody>
-                    <a:bodyPr/>
-                    <a:lstStyle/>
-                    <a:p>
-                      <a:pPr algn="r" fontAlgn="b"/>
-                      <a:r>
-                        <a:rPr lang="ru-RU" sz="1200" u="none" strike="noStrike">
-                          <a:effectLst/>
-                        </a:rPr>
-                        <a:t>553.00</a:t>
-                      </a:r>
-                      <a:endParaRPr lang="ru-RU" sz="1200" b="0" i="0" u="none" strike="noStrike">
-                        <a:solidFill>
-                          <a:srgbClr val="000000"/>
-                        </a:solidFill>
-                        <a:effectLst/>
-                        <a:latin typeface="Calibri" panose="020F0502020204030204" pitchFamily="34" charset="0"/>
-                      </a:endParaRPr>
-                    </a:p>
-                  </a:txBody>
-                  <a:tcPr marL="6350" marR="6350" marT="6350" marB="0" anchor="b"/>
-                </a:tc>
-                <a:tc>
-                  <a:txBody>
-                    <a:bodyPr/>
-                    <a:lstStyle/>
-                    <a:p>
-                      <a:pPr algn="r" fontAlgn="b"/>
-                      <a:r>
-                        <a:rPr lang="ru-RU" sz="1200" u="none" strike="noStrike">
-                          <a:effectLst/>
-                        </a:rPr>
-                        <a:t>271.00</a:t>
-                      </a:r>
-                      <a:endParaRPr lang="ru-RU" sz="1200" b="0" i="0" u="none" strike="noStrike">
-                        <a:solidFill>
-                          <a:srgbClr val="000000"/>
-                        </a:solidFill>
-                        <a:effectLst/>
-                        <a:latin typeface="Calibri" panose="020F0502020204030204" pitchFamily="34" charset="0"/>
-                      </a:endParaRPr>
-                    </a:p>
-                  </a:txBody>
-                  <a:tcPr marL="6350" marR="6350" marT="6350" marB="0" anchor="b"/>
-                </a:tc>
-                <a:extLst>
-                  <a:ext uri="{0D108BD9-81ED-4DB2-BD59-A6C34878D82A}">
-                    <a16:rowId xmlns:a16="http://schemas.microsoft.com/office/drawing/2014/main" val="3483505801"/>
-                  </a:ext>
-                </a:extLst>
-              </a:tr>
-              <a:tr h="246207">
-                <a:tc>
-                  <a:txBody>
-                    <a:bodyPr/>
-                    <a:lstStyle/>
-                    <a:p>
-                      <a:pPr algn="r" fontAlgn="b"/>
-                      <a:r>
-                        <a:rPr lang="ru-RU" sz="1200" u="none" strike="noStrike" dirty="0">
-                          <a:effectLst/>
-                        </a:rPr>
-                        <a:t>4.00</a:t>
-                      </a:r>
-                      <a:endParaRPr lang="ru-RU" sz="1200" b="0" i="0" u="none" strike="noStrike" dirty="0">
-                        <a:solidFill>
-                          <a:srgbClr val="000000"/>
-                        </a:solidFill>
-                        <a:effectLst/>
-                        <a:latin typeface="Calibri" panose="020F0502020204030204" pitchFamily="34" charset="0"/>
-                      </a:endParaRPr>
-                    </a:p>
-                  </a:txBody>
-                  <a:tcPr marL="6350" marR="6350" marT="6350" marB="0" anchor="b"/>
-                </a:tc>
-                <a:tc>
-                  <a:txBody>
-                    <a:bodyPr/>
-                    <a:lstStyle/>
-                    <a:p>
-                      <a:pPr algn="r" fontAlgn="b"/>
-                      <a:r>
-                        <a:rPr lang="ru-RU" sz="1200" u="none" strike="noStrike" dirty="0">
-                          <a:effectLst/>
-                        </a:rPr>
-                        <a:t>273.00</a:t>
-                      </a:r>
-                      <a:endParaRPr lang="ru-RU" sz="1200" b="0" i="0" u="none" strike="noStrike" dirty="0">
-                        <a:solidFill>
-                          <a:srgbClr val="000000"/>
-                        </a:solidFill>
-                        <a:effectLst/>
-                        <a:latin typeface="Calibri" panose="020F0502020204030204" pitchFamily="34" charset="0"/>
-                      </a:endParaRPr>
-                    </a:p>
-                  </a:txBody>
-                  <a:tcPr marL="6350" marR="6350" marT="6350" marB="0" anchor="b"/>
-                </a:tc>
-                <a:tc>
-                  <a:txBody>
-                    <a:bodyPr/>
-                    <a:lstStyle/>
-                    <a:p>
-                      <a:pPr algn="r" fontAlgn="b"/>
-                      <a:r>
-                        <a:rPr lang="ru-RU" sz="1200" u="none" strike="noStrike">
-                          <a:effectLst/>
-                        </a:rPr>
-                        <a:t>6244.00</a:t>
-                      </a:r>
-                      <a:endParaRPr lang="ru-RU" sz="1200" b="0" i="0" u="none" strike="noStrike">
-                        <a:solidFill>
-                          <a:srgbClr val="000000"/>
-                        </a:solidFill>
-                        <a:effectLst/>
-                        <a:latin typeface="Calibri" panose="020F0502020204030204" pitchFamily="34" charset="0"/>
-                      </a:endParaRPr>
-                    </a:p>
-                  </a:txBody>
-                  <a:tcPr marL="6350" marR="6350" marT="6350" marB="0" anchor="b"/>
-                </a:tc>
-                <a:tc>
-                  <a:txBody>
-                    <a:bodyPr/>
-                    <a:lstStyle/>
-                    <a:p>
-                      <a:pPr algn="r" fontAlgn="b"/>
-                      <a:r>
-                        <a:rPr lang="ru-RU" sz="1200" u="none" strike="noStrike">
-                          <a:effectLst/>
-                        </a:rPr>
-                        <a:t>425.00</a:t>
-                      </a:r>
-                      <a:endParaRPr lang="ru-RU" sz="1200" b="0" i="0" u="none" strike="noStrike">
-                        <a:solidFill>
-                          <a:srgbClr val="000000"/>
-                        </a:solidFill>
-                        <a:effectLst/>
-                        <a:latin typeface="Calibri" panose="020F0502020204030204" pitchFamily="34" charset="0"/>
-                      </a:endParaRPr>
-                    </a:p>
-                  </a:txBody>
-                  <a:tcPr marL="6350" marR="6350" marT="6350" marB="0" anchor="b"/>
-                </a:tc>
-                <a:tc>
-                  <a:txBody>
-                    <a:bodyPr/>
-                    <a:lstStyle/>
-                    <a:p>
-                      <a:pPr algn="r" fontAlgn="b"/>
-                      <a:r>
-                        <a:rPr lang="ru-RU" sz="1200" u="none" strike="noStrike">
-                          <a:effectLst/>
-                        </a:rPr>
-                        <a:t>269.00</a:t>
-                      </a:r>
-                      <a:endParaRPr lang="ru-RU" sz="1200" b="0" i="0" u="none" strike="noStrike">
-                        <a:solidFill>
-                          <a:srgbClr val="000000"/>
-                        </a:solidFill>
-                        <a:effectLst/>
-                        <a:latin typeface="Calibri" panose="020F0502020204030204" pitchFamily="34" charset="0"/>
-                      </a:endParaRPr>
-                    </a:p>
-                  </a:txBody>
-                  <a:tcPr marL="6350" marR="6350" marT="6350" marB="0" anchor="b"/>
-                </a:tc>
-                <a:extLst>
-                  <a:ext uri="{0D108BD9-81ED-4DB2-BD59-A6C34878D82A}">
-                    <a16:rowId xmlns:a16="http://schemas.microsoft.com/office/drawing/2014/main" val="1409584993"/>
-                  </a:ext>
-                </a:extLst>
-              </a:tr>
-              <a:tr h="246207">
-                <a:tc>
-                  <a:txBody>
-                    <a:bodyPr/>
-                    <a:lstStyle/>
-                    <a:p>
-                      <a:pPr algn="r" fontAlgn="b"/>
-                      <a:r>
-                        <a:rPr lang="ru-RU" sz="1200" u="none" strike="noStrike">
-                          <a:effectLst/>
-                        </a:rPr>
-                        <a:t>5.00</a:t>
-                      </a:r>
-                      <a:endParaRPr lang="ru-RU" sz="1200" b="0" i="0" u="none" strike="noStrike">
-                        <a:solidFill>
-                          <a:srgbClr val="000000"/>
-                        </a:solidFill>
-                        <a:effectLst/>
-                        <a:latin typeface="Calibri" panose="020F0502020204030204" pitchFamily="34" charset="0"/>
-                      </a:endParaRPr>
-                    </a:p>
-                  </a:txBody>
-                  <a:tcPr marL="6350" marR="6350" marT="6350" marB="0" anchor="b"/>
-                </a:tc>
-                <a:tc>
-                  <a:txBody>
-                    <a:bodyPr/>
-                    <a:lstStyle/>
-                    <a:p>
-                      <a:pPr algn="r" fontAlgn="b"/>
-                      <a:r>
-                        <a:rPr lang="ru-RU" sz="1200" u="none" strike="noStrike">
-                          <a:effectLst/>
-                        </a:rPr>
-                        <a:t>322.00</a:t>
-                      </a:r>
-                      <a:endParaRPr lang="ru-RU" sz="1200" b="0" i="0" u="none" strike="noStrike">
-                        <a:solidFill>
-                          <a:srgbClr val="000000"/>
-                        </a:solidFill>
-                        <a:effectLst/>
-                        <a:latin typeface="Calibri" panose="020F0502020204030204" pitchFamily="34" charset="0"/>
-                      </a:endParaRPr>
-                    </a:p>
-                  </a:txBody>
-                  <a:tcPr marL="6350" marR="6350" marT="6350" marB="0" anchor="b"/>
-                </a:tc>
-                <a:tc>
-                  <a:txBody>
-                    <a:bodyPr/>
-                    <a:lstStyle/>
-                    <a:p>
-                      <a:pPr algn="r" fontAlgn="b"/>
-                      <a:r>
-                        <a:rPr lang="ru-RU" sz="1200" u="none" strike="noStrike">
-                          <a:effectLst/>
-                        </a:rPr>
-                        <a:t>6915.00</a:t>
-                      </a:r>
-                      <a:endParaRPr lang="ru-RU" sz="1200" b="0" i="0" u="none" strike="noStrike">
-                        <a:solidFill>
-                          <a:srgbClr val="000000"/>
-                        </a:solidFill>
-                        <a:effectLst/>
-                        <a:latin typeface="Calibri" panose="020F0502020204030204" pitchFamily="34" charset="0"/>
-                      </a:endParaRPr>
-                    </a:p>
-                  </a:txBody>
-                  <a:tcPr marL="6350" marR="6350" marT="6350" marB="0" anchor="b"/>
-                </a:tc>
-                <a:tc>
-                  <a:txBody>
-                    <a:bodyPr/>
-                    <a:lstStyle/>
-                    <a:p>
-                      <a:pPr algn="r" fontAlgn="b"/>
-                      <a:r>
-                        <a:rPr lang="ru-RU" sz="1200" u="none" strike="noStrike">
-                          <a:effectLst/>
-                        </a:rPr>
-                        <a:t>458.00</a:t>
-                      </a:r>
-                      <a:endParaRPr lang="ru-RU" sz="1200" b="0" i="0" u="none" strike="noStrike">
-                        <a:solidFill>
-                          <a:srgbClr val="000000"/>
-                        </a:solidFill>
-                        <a:effectLst/>
-                        <a:latin typeface="Calibri" panose="020F0502020204030204" pitchFamily="34" charset="0"/>
-                      </a:endParaRPr>
-                    </a:p>
-                  </a:txBody>
-                  <a:tcPr marL="6350" marR="6350" marT="6350" marB="0" anchor="b"/>
-                </a:tc>
-                <a:tc>
-                  <a:txBody>
-                    <a:bodyPr/>
-                    <a:lstStyle/>
-                    <a:p>
-                      <a:pPr algn="r" fontAlgn="b"/>
-                      <a:r>
-                        <a:rPr lang="ru-RU" sz="1200" u="none" strike="noStrike">
-                          <a:effectLst/>
-                        </a:rPr>
-                        <a:t>258.00</a:t>
-                      </a:r>
-                      <a:endParaRPr lang="ru-RU" sz="1200" b="0" i="0" u="none" strike="noStrike">
-                        <a:solidFill>
-                          <a:srgbClr val="000000"/>
-                        </a:solidFill>
-                        <a:effectLst/>
-                        <a:latin typeface="Calibri" panose="020F0502020204030204" pitchFamily="34" charset="0"/>
-                      </a:endParaRPr>
-                    </a:p>
-                  </a:txBody>
-                  <a:tcPr marL="6350" marR="6350" marT="6350" marB="0" anchor="b"/>
-                </a:tc>
-                <a:extLst>
-                  <a:ext uri="{0D108BD9-81ED-4DB2-BD59-A6C34878D82A}">
-                    <a16:rowId xmlns:a16="http://schemas.microsoft.com/office/drawing/2014/main" val="2728912338"/>
-                  </a:ext>
-                </a:extLst>
-              </a:tr>
-              <a:tr h="246207">
-                <a:tc>
-                  <a:txBody>
-                    <a:bodyPr/>
-                    <a:lstStyle/>
-                    <a:p>
-                      <a:pPr algn="r" fontAlgn="b"/>
-                      <a:r>
-                        <a:rPr lang="ru-RU" sz="1200" u="none" strike="noStrike">
-                          <a:effectLst/>
-                        </a:rPr>
-                        <a:t>6.00</a:t>
-                      </a:r>
-                      <a:endParaRPr lang="ru-RU" sz="1200" b="0" i="0" u="none" strike="noStrike">
-                        <a:solidFill>
-                          <a:srgbClr val="000000"/>
-                        </a:solidFill>
-                        <a:effectLst/>
-                        <a:latin typeface="Calibri" panose="020F0502020204030204" pitchFamily="34" charset="0"/>
-                      </a:endParaRPr>
-                    </a:p>
-                  </a:txBody>
-                  <a:tcPr marL="6350" marR="6350" marT="6350" marB="0" anchor="b"/>
-                </a:tc>
-                <a:tc>
-                  <a:txBody>
-                    <a:bodyPr/>
-                    <a:lstStyle/>
-                    <a:p>
-                      <a:pPr algn="r" fontAlgn="b"/>
-                      <a:r>
-                        <a:rPr lang="ru-RU" sz="1200" u="none" strike="noStrike">
-                          <a:effectLst/>
-                        </a:rPr>
-                        <a:t>284.00</a:t>
-                      </a:r>
-                      <a:endParaRPr lang="ru-RU" sz="1200" b="0" i="0" u="none" strike="noStrike">
-                        <a:solidFill>
-                          <a:srgbClr val="000000"/>
-                        </a:solidFill>
-                        <a:effectLst/>
-                        <a:latin typeface="Calibri" panose="020F0502020204030204" pitchFamily="34" charset="0"/>
-                      </a:endParaRPr>
-                    </a:p>
-                  </a:txBody>
-                  <a:tcPr marL="6350" marR="6350" marT="6350" marB="0" anchor="b"/>
-                </a:tc>
-                <a:tc>
-                  <a:txBody>
-                    <a:bodyPr/>
-                    <a:lstStyle/>
-                    <a:p>
-                      <a:pPr algn="r" fontAlgn="b"/>
-                      <a:r>
-                        <a:rPr lang="ru-RU" sz="1200" u="none" strike="noStrike">
-                          <a:effectLst/>
-                        </a:rPr>
-                        <a:t>6156.00</a:t>
-                      </a:r>
-                      <a:endParaRPr lang="ru-RU" sz="1200" b="0" i="0" u="none" strike="noStrike">
-                        <a:solidFill>
-                          <a:srgbClr val="000000"/>
-                        </a:solidFill>
-                        <a:effectLst/>
-                        <a:latin typeface="Calibri" panose="020F0502020204030204" pitchFamily="34" charset="0"/>
-                      </a:endParaRPr>
-                    </a:p>
-                  </a:txBody>
-                  <a:tcPr marL="6350" marR="6350" marT="6350" marB="0" anchor="b"/>
-                </a:tc>
-                <a:tc>
-                  <a:txBody>
-                    <a:bodyPr/>
-                    <a:lstStyle/>
-                    <a:p>
-                      <a:pPr algn="r" fontAlgn="b"/>
-                      <a:r>
-                        <a:rPr lang="ru-RU" sz="1200" u="none" strike="noStrike">
-                          <a:effectLst/>
-                        </a:rPr>
-                        <a:t>414.00</a:t>
-                      </a:r>
-                      <a:endParaRPr lang="ru-RU" sz="1200" b="0" i="0" u="none" strike="noStrike">
-                        <a:solidFill>
-                          <a:srgbClr val="000000"/>
-                        </a:solidFill>
-                        <a:effectLst/>
-                        <a:latin typeface="Calibri" panose="020F0502020204030204" pitchFamily="34" charset="0"/>
-                      </a:endParaRPr>
-                    </a:p>
-                  </a:txBody>
-                  <a:tcPr marL="6350" marR="6350" marT="6350" marB="0" anchor="b"/>
-                </a:tc>
-                <a:tc>
-                  <a:txBody>
-                    <a:bodyPr/>
-                    <a:lstStyle/>
-                    <a:p>
-                      <a:pPr algn="r" fontAlgn="b"/>
-                      <a:r>
-                        <a:rPr lang="ru-RU" sz="1200" u="none" strike="noStrike">
-                          <a:effectLst/>
-                        </a:rPr>
-                        <a:t>283.00</a:t>
-                      </a:r>
-                      <a:endParaRPr lang="ru-RU" sz="1200" b="0" i="0" u="none" strike="noStrike">
-                        <a:solidFill>
-                          <a:srgbClr val="000000"/>
-                        </a:solidFill>
-                        <a:effectLst/>
-                        <a:latin typeface="Calibri" panose="020F0502020204030204" pitchFamily="34" charset="0"/>
-                      </a:endParaRPr>
-                    </a:p>
-                  </a:txBody>
-                  <a:tcPr marL="6350" marR="6350" marT="6350" marB="0" anchor="b"/>
-                </a:tc>
-                <a:extLst>
-                  <a:ext uri="{0D108BD9-81ED-4DB2-BD59-A6C34878D82A}">
-                    <a16:rowId xmlns:a16="http://schemas.microsoft.com/office/drawing/2014/main" val="4028663221"/>
-                  </a:ext>
-                </a:extLst>
-              </a:tr>
-              <a:tr h="246207">
+              <a:tr h="297016">
                 <a:tc>
                   <a:txBody>
                     <a:bodyPr/>
@@ -7004,327 +6746,12 @@
                     <a:p>
                       <a:pPr algn="l" fontAlgn="b"/>
                       <a:r>
-                        <a:rPr lang="en-US" sz="1200" u="none" strike="noStrike">
+                        <a:rPr lang="en-US" sz="1600" u="none" strike="noStrike">
                           <a:effectLst/>
                         </a:rPr>
-                        <a:t>AVG</a:t>
+                        <a:t>LeNet</a:t>
                       </a:r>
-                      <a:endParaRPr lang="en-US" sz="1200" b="0" i="0" u="none" strike="noStrike">
-                        <a:solidFill>
-                          <a:srgbClr val="000000"/>
-                        </a:solidFill>
-                        <a:effectLst/>
-                        <a:latin typeface="Calibri" panose="020F0502020204030204" pitchFamily="34" charset="0"/>
-                      </a:endParaRPr>
-                    </a:p>
-                  </a:txBody>
-                  <a:tcPr marL="6350" marR="6350" marT="6350" marB="0" anchor="b"/>
-                </a:tc>
-                <a:tc>
-                  <a:txBody>
-                    <a:bodyPr/>
-                    <a:lstStyle/>
-                    <a:p>
-                      <a:pPr algn="r" fontAlgn="b"/>
-                      <a:r>
-                        <a:rPr lang="ru-RU" sz="1200" u="none" strike="noStrike">
-                          <a:effectLst/>
-                        </a:rPr>
-                        <a:t>301.00</a:t>
-                      </a:r>
-                      <a:endParaRPr lang="ru-RU" sz="1200" b="0" i="0" u="none" strike="noStrike">
-                        <a:solidFill>
-                          <a:srgbClr val="000000"/>
-                        </a:solidFill>
-                        <a:effectLst/>
-                        <a:latin typeface="Calibri" panose="020F0502020204030204" pitchFamily="34" charset="0"/>
-                      </a:endParaRPr>
-                    </a:p>
-                  </a:txBody>
-                  <a:tcPr marL="6350" marR="6350" marT="6350" marB="0" anchor="b"/>
-                </a:tc>
-                <a:tc>
-                  <a:txBody>
-                    <a:bodyPr/>
-                    <a:lstStyle/>
-                    <a:p>
-                      <a:pPr algn="r" fontAlgn="b"/>
-                      <a:r>
-                        <a:rPr lang="ru-RU" sz="1200" u="none" strike="noStrike">
-                          <a:effectLst/>
-                        </a:rPr>
-                        <a:t>6053.33</a:t>
-                      </a:r>
-                      <a:endParaRPr lang="ru-RU" sz="1200" b="0" i="0" u="none" strike="noStrike">
-                        <a:solidFill>
-                          <a:srgbClr val="000000"/>
-                        </a:solidFill>
-                        <a:effectLst/>
-                        <a:latin typeface="Calibri" panose="020F0502020204030204" pitchFamily="34" charset="0"/>
-                      </a:endParaRPr>
-                    </a:p>
-                  </a:txBody>
-                  <a:tcPr marL="6350" marR="6350" marT="6350" marB="0" anchor="b"/>
-                </a:tc>
-                <a:tc>
-                  <a:txBody>
-                    <a:bodyPr/>
-                    <a:lstStyle/>
-                    <a:p>
-                      <a:pPr algn="r" fontAlgn="b"/>
-                      <a:r>
-                        <a:rPr lang="ru-RU" sz="1200" u="none" strike="noStrike">
-                          <a:effectLst/>
-                        </a:rPr>
-                        <a:t>461.00</a:t>
-                      </a:r>
-                      <a:endParaRPr lang="ru-RU" sz="1200" b="0" i="0" u="none" strike="noStrike">
-                        <a:solidFill>
-                          <a:srgbClr val="000000"/>
-                        </a:solidFill>
-                        <a:effectLst/>
-                        <a:latin typeface="Calibri" panose="020F0502020204030204" pitchFamily="34" charset="0"/>
-                      </a:endParaRPr>
-                    </a:p>
-                  </a:txBody>
-                  <a:tcPr marL="6350" marR="6350" marT="6350" marB="0" anchor="b"/>
-                </a:tc>
-                <a:tc>
-                  <a:txBody>
-                    <a:bodyPr/>
-                    <a:lstStyle/>
-                    <a:p>
-                      <a:pPr algn="r" fontAlgn="b"/>
-                      <a:r>
-                        <a:rPr lang="ru-RU" sz="1200" u="none" strike="noStrike">
-                          <a:effectLst/>
-                        </a:rPr>
-                        <a:t>288.50</a:t>
-                      </a:r>
-                      <a:endParaRPr lang="ru-RU" sz="1200" b="0" i="0" u="none" strike="noStrike">
-                        <a:solidFill>
-                          <a:srgbClr val="000000"/>
-                        </a:solidFill>
-                        <a:effectLst/>
-                        <a:latin typeface="Calibri" panose="020F0502020204030204" pitchFamily="34" charset="0"/>
-                      </a:endParaRPr>
-                    </a:p>
-                  </a:txBody>
-                  <a:tcPr marL="6350" marR="6350" marT="6350" marB="0" anchor="b"/>
-                </a:tc>
-                <a:extLst>
-                  <a:ext uri="{0D108BD9-81ED-4DB2-BD59-A6C34878D82A}">
-                    <a16:rowId xmlns:a16="http://schemas.microsoft.com/office/drawing/2014/main" val="3226621559"/>
-                  </a:ext>
-                </a:extLst>
-              </a:tr>
-              <a:tr h="246207">
-                <a:tc>
-                  <a:txBody>
-                    <a:bodyPr/>
-                    <a:lstStyle/>
-                    <a:p>
-                      <a:pPr algn="l" fontAlgn="b"/>
-                      <a:r>
-                        <a:rPr lang="en-US" sz="1200" u="none" strike="noStrike">
-                          <a:effectLst/>
-                        </a:rPr>
-                        <a:t>STD</a:t>
-                      </a:r>
-                      <a:endParaRPr lang="en-US" sz="1200" b="0" i="0" u="none" strike="noStrike">
-                        <a:solidFill>
-                          <a:srgbClr val="000000"/>
-                        </a:solidFill>
-                        <a:effectLst/>
-                        <a:latin typeface="Calibri" panose="020F0502020204030204" pitchFamily="34" charset="0"/>
-                      </a:endParaRPr>
-                    </a:p>
-                  </a:txBody>
-                  <a:tcPr marL="6350" marR="6350" marT="6350" marB="0" anchor="b"/>
-                </a:tc>
-                <a:tc>
-                  <a:txBody>
-                    <a:bodyPr/>
-                    <a:lstStyle/>
-                    <a:p>
-                      <a:pPr algn="r" fontAlgn="b"/>
-                      <a:r>
-                        <a:rPr lang="ru-RU" sz="1200" u="none" strike="noStrike">
-                          <a:effectLst/>
-                        </a:rPr>
-                        <a:t>22.14</a:t>
-                      </a:r>
-                      <a:endParaRPr lang="ru-RU" sz="1200" b="0" i="0" u="none" strike="noStrike">
-                        <a:solidFill>
-                          <a:srgbClr val="000000"/>
-                        </a:solidFill>
-                        <a:effectLst/>
-                        <a:latin typeface="Calibri" panose="020F0502020204030204" pitchFamily="34" charset="0"/>
-                      </a:endParaRPr>
-                    </a:p>
-                  </a:txBody>
-                  <a:tcPr marL="6350" marR="6350" marT="6350" marB="0" anchor="b"/>
-                </a:tc>
-                <a:tc>
-                  <a:txBody>
-                    <a:bodyPr/>
-                    <a:lstStyle/>
-                    <a:p>
-                      <a:pPr algn="r" fontAlgn="b"/>
-                      <a:r>
-                        <a:rPr lang="ru-RU" sz="1200" u="none" strike="noStrike">
-                          <a:effectLst/>
-                        </a:rPr>
-                        <a:t>512.68</a:t>
-                      </a:r>
-                      <a:endParaRPr lang="ru-RU" sz="1200" b="0" i="0" u="none" strike="noStrike">
-                        <a:solidFill>
-                          <a:srgbClr val="000000"/>
-                        </a:solidFill>
-                        <a:effectLst/>
-                        <a:latin typeface="Calibri" panose="020F0502020204030204" pitchFamily="34" charset="0"/>
-                      </a:endParaRPr>
-                    </a:p>
-                  </a:txBody>
-                  <a:tcPr marL="6350" marR="6350" marT="6350" marB="0" anchor="b"/>
-                </a:tc>
-                <a:tc>
-                  <a:txBody>
-                    <a:bodyPr/>
-                    <a:lstStyle/>
-                    <a:p>
-                      <a:pPr algn="r" fontAlgn="b"/>
-                      <a:r>
-                        <a:rPr lang="ru-RU" sz="1200" u="none" strike="noStrike">
-                          <a:effectLst/>
-                        </a:rPr>
-                        <a:t>58.30</a:t>
-                      </a:r>
-                      <a:endParaRPr lang="ru-RU" sz="1200" b="0" i="0" u="none" strike="noStrike">
-                        <a:solidFill>
-                          <a:srgbClr val="000000"/>
-                        </a:solidFill>
-                        <a:effectLst/>
-                        <a:latin typeface="Calibri" panose="020F0502020204030204" pitchFamily="34" charset="0"/>
-                      </a:endParaRPr>
-                    </a:p>
-                  </a:txBody>
-                  <a:tcPr marL="6350" marR="6350" marT="6350" marB="0" anchor="b"/>
-                </a:tc>
-                <a:tc>
-                  <a:txBody>
-                    <a:bodyPr/>
-                    <a:lstStyle/>
-                    <a:p>
-                      <a:pPr algn="r" fontAlgn="b"/>
-                      <a:r>
-                        <a:rPr lang="ru-RU" sz="1200" u="none" strike="noStrike" dirty="0">
-                          <a:effectLst/>
-                        </a:rPr>
-                        <a:t>31.27</a:t>
-                      </a:r>
-                      <a:endParaRPr lang="ru-RU" sz="1200" b="0" i="0" u="none" strike="noStrike" dirty="0">
-                        <a:solidFill>
-                          <a:srgbClr val="000000"/>
-                        </a:solidFill>
-                        <a:effectLst/>
-                        <a:latin typeface="Calibri" panose="020F0502020204030204" pitchFamily="34" charset="0"/>
-                      </a:endParaRPr>
-                    </a:p>
-                  </a:txBody>
-                  <a:tcPr marL="6350" marR="6350" marT="6350" marB="0" anchor="b"/>
-                </a:tc>
-                <a:extLst>
-                  <a:ext uri="{0D108BD9-81ED-4DB2-BD59-A6C34878D82A}">
-                    <a16:rowId xmlns:a16="http://schemas.microsoft.com/office/drawing/2014/main" val="2682835172"/>
-                  </a:ext>
-                </a:extLst>
-              </a:tr>
-            </a:tbl>
-          </a:graphicData>
-        </a:graphic>
-      </p:graphicFrame>
-      <p:graphicFrame>
-        <p:nvGraphicFramePr>
-          <p:cNvPr id="6" name="Table 5">
-            <a:extLst>
-              <a:ext uri="{FF2B5EF4-FFF2-40B4-BE49-F238E27FC236}">
-                <a16:creationId xmlns:a16="http://schemas.microsoft.com/office/drawing/2014/main" id="{71E624A3-A805-4811-954B-A28E815AEA0B}"/>
-              </a:ext>
-            </a:extLst>
-          </p:cNvPr>
-          <p:cNvGraphicFramePr>
-            <a:graphicFrameLocks noGrp="1"/>
-          </p:cNvGraphicFramePr>
-          <p:nvPr>
-            <p:extLst>
-              <p:ext uri="{D42A27DB-BD31-4B8C-83A1-F6EECF244321}">
-                <p14:modId xmlns:p14="http://schemas.microsoft.com/office/powerpoint/2010/main" val="971777327"/>
-              </p:ext>
-            </p:extLst>
-          </p:nvPr>
-        </p:nvGraphicFramePr>
-        <p:xfrm>
-          <a:off x="1732643" y="3870273"/>
-          <a:ext cx="7169202" cy="1098550"/>
-        </p:xfrm>
-        <a:graphic>
-          <a:graphicData uri="http://schemas.openxmlformats.org/drawingml/2006/table">
-            <a:tbl>
-              <a:tblPr>
-                <a:tableStyleId>{5C22544A-7EE6-4342-B048-85BDC9FD1C3A}</a:tableStyleId>
-              </a:tblPr>
-              <a:tblGrid>
-                <a:gridCol w="1014966">
-                  <a:extLst>
-                    <a:ext uri="{9D8B030D-6E8A-4147-A177-3AD203B41FA5}">
-                      <a16:colId xmlns:a16="http://schemas.microsoft.com/office/drawing/2014/main" val="4040947157"/>
-                    </a:ext>
-                  </a:extLst>
-                </a:gridCol>
-                <a:gridCol w="1852715">
-                  <a:extLst>
-                    <a:ext uri="{9D8B030D-6E8A-4147-A177-3AD203B41FA5}">
-                      <a16:colId xmlns:a16="http://schemas.microsoft.com/office/drawing/2014/main" val="1913093229"/>
-                    </a:ext>
-                  </a:extLst>
-                </a:gridCol>
-                <a:gridCol w="1417730">
-                  <a:extLst>
-                    <a:ext uri="{9D8B030D-6E8A-4147-A177-3AD203B41FA5}">
-                      <a16:colId xmlns:a16="http://schemas.microsoft.com/office/drawing/2014/main" val="2367750420"/>
-                    </a:ext>
-                  </a:extLst>
-                </a:gridCol>
-                <a:gridCol w="1047187">
-                  <a:extLst>
-                    <a:ext uri="{9D8B030D-6E8A-4147-A177-3AD203B41FA5}">
-                      <a16:colId xmlns:a16="http://schemas.microsoft.com/office/drawing/2014/main" val="1085202447"/>
-                    </a:ext>
-                  </a:extLst>
-                </a:gridCol>
-                <a:gridCol w="1836604">
-                  <a:extLst>
-                    <a:ext uri="{9D8B030D-6E8A-4147-A177-3AD203B41FA5}">
-                      <a16:colId xmlns:a16="http://schemas.microsoft.com/office/drawing/2014/main" val="1790432908"/>
-                    </a:ext>
-                  </a:extLst>
-                </a:gridCol>
-              </a:tblGrid>
-              <a:tr h="204742">
-                <a:tc>
-                  <a:txBody>
-                    <a:bodyPr/>
-                    <a:lstStyle/>
-                    <a:p>
-                      <a:pPr algn="l" fontAlgn="b"/>
-                      <a:r>
-                        <a:rPr lang="ru-RU" sz="1400" u="none" strike="noStrike">
-                          <a:effectLst/>
-                        </a:rPr>
-                        <a:t> </a:t>
-                      </a:r>
-                      <a:endParaRPr lang="ru-RU" sz="1400" b="0" i="0" u="none" strike="noStrike">
+                      <a:endParaRPr lang="en-US" sz="1600" b="0" i="0" u="none" strike="noStrike">
                         <a:solidFill>
                           <a:srgbClr val="000000"/>
                         </a:solidFill>
@@ -7342,18 +6769,12 @@
                     <a:p>
                       <a:pPr algn="l" fontAlgn="b"/>
                       <a:r>
-                        <a:rPr lang="ru-RU" sz="1400" u="none" strike="noStrike">
+                        <a:rPr lang="ru-RU" sz="1600" u="none" strike="noStrike">
                           <a:effectLst/>
                         </a:rPr>
-                        <a:t>Вычисление </a:t>
+                        <a:t>28 ± 50</a:t>
                       </a:r>
-                      <a:r>
-                        <a:rPr lang="en-US" sz="1400" u="none" strike="noStrike">
-                          <a:effectLst/>
-                        </a:rPr>
-                        <a:t>VGG19</a:t>
-                      </a:r>
-                      <a:endParaRPr lang="en-US" sz="1400" b="0" i="0" u="none" strike="noStrike">
+                      <a:endParaRPr lang="ru-RU" sz="1600" b="0" i="0" u="none" strike="noStrike">
                         <a:solidFill>
                           <a:srgbClr val="000000"/>
                         </a:solidFill>
@@ -7371,12 +6792,12 @@
                     <a:p>
                       <a:pPr algn="l" fontAlgn="b"/>
                       <a:r>
-                        <a:rPr lang="ru-RU" sz="1400" u="none" strike="noStrike">
+                        <a:rPr lang="ru-RU" sz="1600" u="none" strike="noStrike">
                           <a:effectLst/>
                         </a:rPr>
-                        <a:t>Преобразование</a:t>
+                        <a:t>75 ± 25</a:t>
                       </a:r>
-                      <a:endParaRPr lang="ru-RU" sz="1400" b="0" i="0" u="none" strike="noStrike">
+                      <a:endParaRPr lang="ru-RU" sz="1600" b="0" i="0" u="none" strike="noStrike">
                         <a:solidFill>
                           <a:srgbClr val="000000"/>
                         </a:solidFill>
@@ -7394,12 +6815,12 @@
                     <a:p>
                       <a:pPr algn="l" fontAlgn="b"/>
                       <a:r>
-                        <a:rPr lang="ru-RU" sz="1400" u="none" strike="noStrike">
+                        <a:rPr lang="ru-RU" sz="1600" u="none" strike="noStrike">
                           <a:effectLst/>
                         </a:rPr>
-                        <a:t>Сохранение</a:t>
+                        <a:t>10 ± 1</a:t>
                       </a:r>
-                      <a:endParaRPr lang="ru-RU" sz="1400" b="0" i="0" u="none" strike="noStrike">
+                      <a:endParaRPr lang="ru-RU" sz="1600" b="0" i="0" u="none" strike="noStrike">
                         <a:solidFill>
                           <a:srgbClr val="000000"/>
                         </a:solidFill>
@@ -7417,18 +6838,12 @@
                     <a:p>
                       <a:pPr algn="l" fontAlgn="b"/>
                       <a:r>
-                        <a:rPr lang="ru-RU" sz="1400" u="none" strike="noStrike">
+                        <a:rPr lang="ru-RU" sz="1600" u="none" strike="noStrike">
                           <a:effectLst/>
                         </a:rPr>
-                        <a:t>Вычисление </a:t>
+                        <a:t>1 ± 1</a:t>
                       </a:r>
-                      <a:r>
-                        <a:rPr lang="en-US" sz="1400" u="none" strike="noStrike">
-                          <a:effectLst/>
-                        </a:rPr>
-                        <a:t>FAMLINN</a:t>
-                      </a:r>
-                      <a:endParaRPr lang="en-US" sz="1400" b="0" i="0" u="none" strike="noStrike">
+                      <a:endParaRPr lang="ru-RU" sz="1600" b="0" i="0" u="none" strike="noStrike">
                         <a:solidFill>
                           <a:srgbClr val="000000"/>
                         </a:solidFill>
@@ -7441,11 +6856,11 @@
                 </a:tc>
                 <a:extLst>
                   <a:ext uri="{0D108BD9-81ED-4DB2-BD59-A6C34878D82A}">
-                    <a16:rowId xmlns:a16="http://schemas.microsoft.com/office/drawing/2014/main" val="389085162"/>
+                    <a16:rowId xmlns:a16="http://schemas.microsoft.com/office/drawing/2014/main" val="549652"/>
                   </a:ext>
                 </a:extLst>
               </a:tr>
-              <a:tr h="204742">
+              <a:tr h="297016">
                 <a:tc>
                   <a:txBody>
                     <a:bodyPr/>
@@ -7453,12 +6868,12 @@
                     <a:p>
                       <a:pPr algn="l" fontAlgn="b"/>
                       <a:r>
-                        <a:rPr lang="en-US" sz="1400" u="none" strike="noStrike">
+                        <a:rPr lang="en-US" sz="1600" u="none" strike="noStrike">
                           <a:effectLst/>
                         </a:rPr>
-                        <a:t>LeNet</a:t>
+                        <a:t>UNet</a:t>
                       </a:r>
-                      <a:endParaRPr lang="en-US" sz="1400" b="0" i="0" u="none" strike="noStrike">
+                      <a:endParaRPr lang="en-US" sz="1600" b="0" i="0" u="none" strike="noStrike">
                         <a:solidFill>
                           <a:srgbClr val="000000"/>
                         </a:solidFill>
@@ -7474,14 +6889,14 @@
                     <a:bodyPr/>
                     <a:lstStyle/>
                     <a:p>
-                      <a:pPr algn="r" fontAlgn="b"/>
+                      <a:pPr algn="l" fontAlgn="b"/>
                       <a:r>
-                        <a:rPr lang="ru-RU" sz="1400" u="none" strike="noStrike">
+                        <a:rPr lang="ru-RU" sz="1600" u="none" strike="noStrike" dirty="0">
                           <a:effectLst/>
                         </a:rPr>
-                        <a:t>28.17</a:t>
+                        <a:t>280 ± 25</a:t>
                       </a:r>
-                      <a:endParaRPr lang="ru-RU" sz="1400" b="0" i="0" u="none" strike="noStrike">
+                      <a:endParaRPr lang="ru-RU" sz="1600" b="0" i="0" u="none" strike="noStrike" dirty="0">
                         <a:solidFill>
                           <a:srgbClr val="000000"/>
                         </a:solidFill>
@@ -7497,14 +6912,14 @@
                     <a:bodyPr/>
                     <a:lstStyle/>
                     <a:p>
-                      <a:pPr algn="r" fontAlgn="b"/>
+                      <a:pPr algn="l" fontAlgn="b"/>
                       <a:r>
-                        <a:rPr lang="ru-RU" sz="1400" u="none" strike="noStrike">
+                        <a:rPr lang="ru-RU" sz="1600" u="none" strike="noStrike">
                           <a:effectLst/>
                         </a:rPr>
-                        <a:t>72.83</a:t>
+                        <a:t>1100 ± 100</a:t>
                       </a:r>
-                      <a:endParaRPr lang="ru-RU" sz="1400" b="0" i="0" u="none" strike="noStrike">
+                      <a:endParaRPr lang="ru-RU" sz="1600" b="0" i="0" u="none" strike="noStrike">
                         <a:solidFill>
                           <a:srgbClr val="000000"/>
                         </a:solidFill>
@@ -7520,14 +6935,14 @@
                     <a:bodyPr/>
                     <a:lstStyle/>
                     <a:p>
-                      <a:pPr algn="r" fontAlgn="b"/>
+                      <a:pPr algn="l" fontAlgn="b"/>
                       <a:r>
-                        <a:rPr lang="ru-RU" sz="1400" u="none" strike="noStrike" dirty="0">
+                        <a:rPr lang="ru-RU" sz="1600" u="none" strike="noStrike">
                           <a:effectLst/>
                         </a:rPr>
-                        <a:t>9.17</a:t>
+                        <a:t>80 ± 5</a:t>
                       </a:r>
-                      <a:endParaRPr lang="ru-RU" sz="1400" b="0" i="0" u="none" strike="noStrike" dirty="0">
+                      <a:endParaRPr lang="ru-RU" sz="1600" b="0" i="0" u="none" strike="noStrike">
                         <a:solidFill>
                           <a:srgbClr val="000000"/>
                         </a:solidFill>
@@ -7543,14 +6958,14 @@
                     <a:bodyPr/>
                     <a:lstStyle/>
                     <a:p>
-                      <a:pPr algn="r" fontAlgn="b"/>
+                      <a:pPr algn="l" fontAlgn="b"/>
                       <a:r>
-                        <a:rPr lang="ru-RU" sz="1400" u="none" strike="noStrike">
+                        <a:rPr lang="ru-RU" sz="1600" u="none" strike="noStrike">
                           <a:effectLst/>
                         </a:rPr>
-                        <a:t>0.50</a:t>
+                        <a:t>270 ± 30</a:t>
                       </a:r>
-                      <a:endParaRPr lang="ru-RU" sz="1400" b="0" i="0" u="none" strike="noStrike">
+                      <a:endParaRPr lang="ru-RU" sz="1600" b="0" i="0" u="none" strike="noStrike">
                         <a:solidFill>
                           <a:srgbClr val="000000"/>
                         </a:solidFill>
@@ -7563,11 +6978,11 @@
                 </a:tc>
                 <a:extLst>
                   <a:ext uri="{0D108BD9-81ED-4DB2-BD59-A6C34878D82A}">
-                    <a16:rowId xmlns:a16="http://schemas.microsoft.com/office/drawing/2014/main" val="2777097276"/>
+                    <a16:rowId xmlns:a16="http://schemas.microsoft.com/office/drawing/2014/main" val="2968856268"/>
                   </a:ext>
                 </a:extLst>
               </a:tr>
-              <a:tr h="204742">
+              <a:tr h="297016">
                 <a:tc>
                   <a:txBody>
                     <a:bodyPr/>
@@ -7575,12 +6990,12 @@
                     <a:p>
                       <a:pPr algn="l" fontAlgn="b"/>
                       <a:r>
-                        <a:rPr lang="en-US" sz="1400" u="none" strike="noStrike">
+                        <a:rPr lang="en-US" sz="1600" u="none" strike="noStrike">
                           <a:effectLst/>
                         </a:rPr>
-                        <a:t>UNet</a:t>
+                        <a:t>ResNet</a:t>
                       </a:r>
-                      <a:endParaRPr lang="en-US" sz="1400" b="0" i="0" u="none" strike="noStrike">
+                      <a:endParaRPr lang="en-US" sz="1600" b="0" i="0" u="none" strike="noStrike">
                         <a:solidFill>
                           <a:srgbClr val="000000"/>
                         </a:solidFill>
@@ -7596,14 +7011,14 @@
                     <a:bodyPr/>
                     <a:lstStyle/>
                     <a:p>
-                      <a:pPr algn="r" fontAlgn="b"/>
+                      <a:pPr algn="l" fontAlgn="b"/>
                       <a:r>
-                        <a:rPr lang="ru-RU" sz="1400" u="none" strike="noStrike">
+                        <a:rPr lang="ru-RU" sz="1600" u="none" strike="noStrike">
                           <a:effectLst/>
                         </a:rPr>
-                        <a:t>282.33</a:t>
+                        <a:t>300 ± 20</a:t>
                       </a:r>
-                      <a:endParaRPr lang="ru-RU" sz="1400" b="0" i="0" u="none" strike="noStrike">
+                      <a:endParaRPr lang="ru-RU" sz="1600" b="0" i="0" u="none" strike="noStrike">
                         <a:solidFill>
                           <a:srgbClr val="000000"/>
                         </a:solidFill>
@@ -7619,14 +7034,14 @@
                     <a:bodyPr/>
                     <a:lstStyle/>
                     <a:p>
-                      <a:pPr algn="r" fontAlgn="b"/>
+                      <a:pPr algn="l" fontAlgn="b"/>
                       <a:r>
-                        <a:rPr lang="ru-RU" sz="1400" u="none" strike="noStrike">
+                        <a:rPr lang="ru-RU" sz="1600" u="none" strike="noStrike">
                           <a:effectLst/>
                         </a:rPr>
-                        <a:t>1063.17</a:t>
+                        <a:t>6000 ± 500</a:t>
                       </a:r>
-                      <a:endParaRPr lang="ru-RU" sz="1400" b="0" i="0" u="none" strike="noStrike">
+                      <a:endParaRPr lang="ru-RU" sz="1600" b="0" i="0" u="none" strike="noStrike">
                         <a:solidFill>
                           <a:srgbClr val="000000"/>
                         </a:solidFill>
@@ -7642,14 +7057,14 @@
                     <a:bodyPr/>
                     <a:lstStyle/>
                     <a:p>
-                      <a:pPr algn="r" fontAlgn="b"/>
+                      <a:pPr algn="l" fontAlgn="b"/>
                       <a:r>
-                        <a:rPr lang="ru-RU" sz="1400" u="none" strike="noStrike">
+                        <a:rPr lang="ru-RU" sz="1600" u="none" strike="noStrike">
                           <a:effectLst/>
                         </a:rPr>
-                        <a:t>79.00</a:t>
+                        <a:t>460 ± 60</a:t>
                       </a:r>
-                      <a:endParaRPr lang="ru-RU" sz="1400" b="0" i="0" u="none" strike="noStrike">
+                      <a:endParaRPr lang="ru-RU" sz="1600" b="0" i="0" u="none" strike="noStrike">
                         <a:solidFill>
                           <a:srgbClr val="000000"/>
                         </a:solidFill>
@@ -7665,14 +7080,14 @@
                     <a:bodyPr/>
                     <a:lstStyle/>
                     <a:p>
-                      <a:pPr algn="r" fontAlgn="b"/>
+                      <a:pPr algn="l" fontAlgn="b"/>
                       <a:r>
-                        <a:rPr lang="ru-RU" sz="1400" u="none" strike="noStrike">
+                        <a:rPr lang="ru-RU" sz="1600" u="none" strike="noStrike">
                           <a:effectLst/>
                         </a:rPr>
-                        <a:t>261.67</a:t>
+                        <a:t>290 ± 30</a:t>
                       </a:r>
-                      <a:endParaRPr lang="ru-RU" sz="1400" b="0" i="0" u="none" strike="noStrike">
+                      <a:endParaRPr lang="ru-RU" sz="1600" b="0" i="0" u="none" strike="noStrike">
                         <a:solidFill>
                           <a:srgbClr val="000000"/>
                         </a:solidFill>
@@ -7685,11 +7100,11 @@
                 </a:tc>
                 <a:extLst>
                   <a:ext uri="{0D108BD9-81ED-4DB2-BD59-A6C34878D82A}">
-                    <a16:rowId xmlns:a16="http://schemas.microsoft.com/office/drawing/2014/main" val="3893682692"/>
+                    <a16:rowId xmlns:a16="http://schemas.microsoft.com/office/drawing/2014/main" val="1613592126"/>
                   </a:ext>
                 </a:extLst>
               </a:tr>
-              <a:tr h="204742">
+              <a:tr h="297016">
                 <a:tc>
                   <a:txBody>
                     <a:bodyPr/>
@@ -7697,12 +7112,12 @@
                     <a:p>
                       <a:pPr algn="l" fontAlgn="b"/>
                       <a:r>
-                        <a:rPr lang="en-US" sz="1400" u="none" strike="noStrike">
+                        <a:rPr lang="en-US" sz="1600" u="none" strike="noStrike">
                           <a:effectLst/>
                         </a:rPr>
-                        <a:t>ResNet</a:t>
+                        <a:t>VGG19</a:t>
                       </a:r>
-                      <a:endParaRPr lang="en-US" sz="1400" b="0" i="0" u="none" strike="noStrike">
+                      <a:endParaRPr lang="en-US" sz="1600" b="0" i="0" u="none" strike="noStrike">
                         <a:solidFill>
                           <a:srgbClr val="000000"/>
                         </a:solidFill>
@@ -7718,14 +7133,14 @@
                     <a:bodyPr/>
                     <a:lstStyle/>
                     <a:p>
-                      <a:pPr algn="r" fontAlgn="b"/>
+                      <a:pPr algn="l" fontAlgn="b"/>
                       <a:r>
-                        <a:rPr lang="ru-RU" sz="1400" u="none" strike="noStrike">
+                        <a:rPr lang="ru-RU" sz="1600" u="none" strike="noStrike">
                           <a:effectLst/>
                         </a:rPr>
-                        <a:t>301.00</a:t>
+                        <a:t>370 ± 10</a:t>
                       </a:r>
-                      <a:endParaRPr lang="ru-RU" sz="1400" b="0" i="0" u="none" strike="noStrike">
+                      <a:endParaRPr lang="ru-RU" sz="1600" b="0" i="0" u="none" strike="noStrike">
                         <a:solidFill>
                           <a:srgbClr val="000000"/>
                         </a:solidFill>
@@ -7741,14 +7156,14 @@
                     <a:bodyPr/>
                     <a:lstStyle/>
                     <a:p>
-                      <a:pPr algn="r" fontAlgn="b"/>
+                      <a:pPr algn="l" fontAlgn="b"/>
                       <a:r>
-                        <a:rPr lang="ru-RU" sz="1400" u="none" strike="noStrike">
+                        <a:rPr lang="ru-RU" sz="1600" u="none" strike="noStrike">
                           <a:effectLst/>
                         </a:rPr>
-                        <a:t>6053.33</a:t>
+                        <a:t>1400 ± 100</a:t>
                       </a:r>
-                      <a:endParaRPr lang="ru-RU" sz="1400" b="0" i="0" u="none" strike="noStrike">
+                      <a:endParaRPr lang="ru-RU" sz="1600" b="0" i="0" u="none" strike="noStrike">
                         <a:solidFill>
                           <a:srgbClr val="000000"/>
                         </a:solidFill>
@@ -7764,14 +7179,14 @@
                     <a:bodyPr/>
                     <a:lstStyle/>
                     <a:p>
-                      <a:pPr algn="r" fontAlgn="b"/>
+                      <a:pPr algn="l" fontAlgn="b"/>
                       <a:r>
-                        <a:rPr lang="ru-RU" sz="1400" u="none" strike="noStrike" dirty="0">
+                        <a:rPr lang="ru-RU" sz="1600" u="none" strike="noStrike">
                           <a:effectLst/>
                         </a:rPr>
-                        <a:t>461.00</a:t>
+                        <a:t>3500 ± 500</a:t>
                       </a:r>
-                      <a:endParaRPr lang="ru-RU" sz="1400" b="0" i="0" u="none" strike="noStrike" dirty="0">
+                      <a:endParaRPr lang="ru-RU" sz="1600" b="0" i="0" u="none" strike="noStrike">
                         <a:solidFill>
                           <a:srgbClr val="000000"/>
                         </a:solidFill>
@@ -7787,14 +7202,14 @@
                     <a:bodyPr/>
                     <a:lstStyle/>
                     <a:p>
-                      <a:pPr algn="r" fontAlgn="b"/>
+                      <a:pPr algn="l" fontAlgn="b"/>
                       <a:r>
-                        <a:rPr lang="ru-RU" sz="1400" u="none" strike="noStrike">
+                        <a:rPr lang="ru-RU" sz="1600" u="none" strike="noStrike" dirty="0">
                           <a:effectLst/>
                         </a:rPr>
-                        <a:t>288.50</a:t>
+                        <a:t>410 ± 90</a:t>
                       </a:r>
-                      <a:endParaRPr lang="ru-RU" sz="1400" b="0" i="0" u="none" strike="noStrike">
+                      <a:endParaRPr lang="ru-RU" sz="1600" b="0" i="0" u="none" strike="noStrike" dirty="0">
                         <a:solidFill>
                           <a:srgbClr val="000000"/>
                         </a:solidFill>
@@ -7807,129 +7222,7 @@
                 </a:tc>
                 <a:extLst>
                   <a:ext uri="{0D108BD9-81ED-4DB2-BD59-A6C34878D82A}">
-                    <a16:rowId xmlns:a16="http://schemas.microsoft.com/office/drawing/2014/main" val="3532417089"/>
-                  </a:ext>
-                </a:extLst>
-              </a:tr>
-              <a:tr h="204742">
-                <a:tc>
-                  <a:txBody>
-                    <a:bodyPr/>
-                    <a:lstStyle/>
-                    <a:p>
-                      <a:pPr algn="l" fontAlgn="b"/>
-                      <a:r>
-                        <a:rPr lang="en-US" sz="1400" u="none" strike="noStrike">
-                          <a:effectLst/>
-                        </a:rPr>
-                        <a:t>VGG19</a:t>
-                      </a:r>
-                      <a:endParaRPr lang="en-US" sz="1400" b="0" i="0" u="none" strike="noStrike">
-                        <a:solidFill>
-                          <a:srgbClr val="000000"/>
-                        </a:solidFill>
-                        <a:effectLst/>
-                        <a:latin typeface="Calibri" panose="020F0502020204030204" pitchFamily="34" charset="0"/>
-                      </a:endParaRPr>
-                    </a:p>
-                  </a:txBody>
-                  <a:tcPr marL="6350" marR="6350" marT="6350" marB="0" anchor="b"/>
-                </a:tc>
-                <a:tc>
-                  <a:txBody>
-                    <a:bodyPr/>
-                    <a:lstStyle/>
-                    <a:p>
-                      <a:pPr algn="r" fontAlgn="b"/>
-                      <a:r>
-                        <a:rPr lang="ru-RU" sz="1400" u="none" strike="noStrike">
-                          <a:effectLst/>
-                        </a:rPr>
-                        <a:t>367.83</a:t>
-                      </a:r>
-                      <a:endParaRPr lang="ru-RU" sz="1400" b="0" i="0" u="none" strike="noStrike">
-                        <a:solidFill>
-                          <a:srgbClr val="000000"/>
-                        </a:solidFill>
-                        <a:effectLst/>
-                        <a:latin typeface="Calibri" panose="020F0502020204030204" pitchFamily="34" charset="0"/>
-                      </a:endParaRPr>
-                    </a:p>
-                  </a:txBody>
-                  <a:tcPr marL="6350" marR="6350" marT="6350" marB="0" anchor="b"/>
-                </a:tc>
-                <a:tc>
-                  <a:txBody>
-                    <a:bodyPr/>
-                    <a:lstStyle/>
-                    <a:p>
-                      <a:pPr algn="r" fontAlgn="b"/>
-                      <a:r>
-                        <a:rPr lang="ru-RU" sz="1400" u="none" strike="noStrike">
-                          <a:effectLst/>
-                        </a:rPr>
-                        <a:t>1412.67</a:t>
-                      </a:r>
-                      <a:endParaRPr lang="ru-RU" sz="1400" b="0" i="0" u="none" strike="noStrike">
-                        <a:solidFill>
-                          <a:srgbClr val="000000"/>
-                        </a:solidFill>
-                        <a:effectLst/>
-                        <a:latin typeface="Calibri" panose="020F0502020204030204" pitchFamily="34" charset="0"/>
-                      </a:endParaRPr>
-                    </a:p>
-                  </a:txBody>
-                  <a:tcPr marL="6350" marR="6350" marT="6350" marB="0" anchor="b"/>
-                </a:tc>
-                <a:tc>
-                  <a:txBody>
-                    <a:bodyPr/>
-                    <a:lstStyle/>
-                    <a:p>
-                      <a:pPr algn="r" fontAlgn="b"/>
-                      <a:r>
-                        <a:rPr lang="ru-RU" sz="1400" u="none" strike="noStrike">
-                          <a:effectLst/>
-                        </a:rPr>
-                        <a:t>3570.33</a:t>
-                      </a:r>
-                      <a:endParaRPr lang="ru-RU" sz="1400" b="0" i="0" u="none" strike="noStrike">
-                        <a:solidFill>
-                          <a:srgbClr val="000000"/>
-                        </a:solidFill>
-                        <a:effectLst/>
-                        <a:latin typeface="Calibri" panose="020F0502020204030204" pitchFamily="34" charset="0"/>
-                      </a:endParaRPr>
-                    </a:p>
-                  </a:txBody>
-                  <a:tcPr marL="6350" marR="6350" marT="6350" marB="0" anchor="b"/>
-                </a:tc>
-                <a:tc>
-                  <a:txBody>
-                    <a:bodyPr/>
-                    <a:lstStyle/>
-                    <a:p>
-                      <a:pPr algn="r" fontAlgn="b"/>
-                      <a:r>
-                        <a:rPr lang="ru-RU" sz="1400" u="none" strike="noStrike" dirty="0">
-                          <a:effectLst/>
-                        </a:rPr>
-                        <a:t>412.33</a:t>
-                      </a:r>
-                      <a:endParaRPr lang="ru-RU" sz="1400" b="0" i="0" u="none" strike="noStrike" dirty="0">
-                        <a:solidFill>
-                          <a:srgbClr val="000000"/>
-                        </a:solidFill>
-                        <a:effectLst/>
-                        <a:latin typeface="Calibri" panose="020F0502020204030204" pitchFamily="34" charset="0"/>
-                      </a:endParaRPr>
-                    </a:p>
-                  </a:txBody>
-                  <a:tcPr marL="6350" marR="6350" marT="6350" marB="0" anchor="b"/>
-                </a:tc>
-                <a:extLst>
-                  <a:ext uri="{0D108BD9-81ED-4DB2-BD59-A6C34878D82A}">
-                    <a16:rowId xmlns:a16="http://schemas.microsoft.com/office/drawing/2014/main" val="99352330"/>
+                    <a16:rowId xmlns:a16="http://schemas.microsoft.com/office/drawing/2014/main" val="4088076363"/>
                   </a:ext>
                 </a:extLst>
               </a:tr>
@@ -8003,6 +7296,60 @@
           </a:p>
         </p:txBody>
       </p:sp>
+      <p:sp>
+        <p:nvSpPr>
+          <p:cNvPr id="4" name="TextBox 3">
+            <a:extLst>
+              <a:ext uri="{FF2B5EF4-FFF2-40B4-BE49-F238E27FC236}">
+                <a16:creationId xmlns:a16="http://schemas.microsoft.com/office/drawing/2014/main" id="{D33CDC87-BF20-4D4A-AEB6-152F594C5158}"/>
+              </a:ext>
+            </a:extLst>
+          </p:cNvPr>
+          <p:cNvSpPr txBox="1"/>
+          <p:nvPr/>
+        </p:nvSpPr>
+        <p:spPr>
+          <a:xfrm>
+            <a:off x="833717" y="1678711"/>
+            <a:ext cx="7649455" cy="1200329"/>
+          </a:xfrm>
+          <a:prstGeom prst="rect">
+            <a:avLst/>
+          </a:prstGeom>
+          <a:noFill/>
+        </p:spPr>
+        <p:txBody>
+          <a:bodyPr wrap="square">
+            <a:spAutoFit/>
+          </a:bodyPr>
+          <a:lstStyle/>
+          <a:p>
+            <a:pPr marL="285750" indent="-285750">
+              <a:buFont typeface="Arial" panose="020B0604020202020204" pitchFamily="34" charset="0"/>
+              <a:buChar char="•"/>
+            </a:pPr>
+            <a:r>
+              <a:rPr lang="ru-RU" sz="2400" dirty="0">
+                <a:solidFill>
+                  <a:srgbClr val="000000"/>
+                </a:solidFill>
+              </a:rPr>
+              <a:t>Планируется внедрение в открытую библиотеку компьютерного зрения</a:t>
+            </a:r>
+          </a:p>
+          <a:p>
+            <a:pPr marL="285750" indent="-285750">
+              <a:buFont typeface="Arial" panose="020B0604020202020204" pitchFamily="34" charset="0"/>
+              <a:buChar char="•"/>
+            </a:pPr>
+            <a:endParaRPr lang="ru-RU" sz="2400" dirty="0">
+              <a:solidFill>
+                <a:srgbClr val="000000"/>
+              </a:solidFill>
+            </a:endParaRPr>
+          </a:p>
+        </p:txBody>
+      </p:sp>
     </p:spTree>
     <p:extLst>
       <p:ext uri="{BB962C8B-B14F-4D97-AF65-F5344CB8AC3E}">
@@ -8017,172 +7364,6 @@
 </file>
 
 <file path=ppt/slides/slide14.xml><?xml version="1.0" encoding="utf-8"?>
-<p:sld xmlns:a="http://schemas.openxmlformats.org/drawingml/2006/main" xmlns:r="http://schemas.openxmlformats.org/officeDocument/2006/relationships" xmlns:p="http://schemas.openxmlformats.org/presentationml/2006/main">
-  <p:cSld>
-    <p:spTree>
-      <p:nvGrpSpPr>
-        <p:cNvPr id="1" name=""/>
-        <p:cNvGrpSpPr/>
-        <p:nvPr/>
-      </p:nvGrpSpPr>
-      <p:grpSpPr>
-        <a:xfrm>
-          <a:off x="0" y="0"/>
-          <a:ext cx="0" cy="0"/>
-          <a:chOff x="0" y="0"/>
-          <a:chExt cx="0" cy="0"/>
-        </a:xfrm>
-      </p:grpSpPr>
-      <p:sp>
-        <p:nvSpPr>
-          <p:cNvPr id="2" name="Title 1">
-            <a:extLst>
-              <a:ext uri="{FF2B5EF4-FFF2-40B4-BE49-F238E27FC236}">
-                <a16:creationId xmlns:a16="http://schemas.microsoft.com/office/drawing/2014/main" id="{A624185F-07BA-4848-B3E2-58B4E4E7FEB8}"/>
-              </a:ext>
-            </a:extLst>
-          </p:cNvPr>
-          <p:cNvSpPr>
-            <a:spLocks noGrp="1"/>
-          </p:cNvSpPr>
-          <p:nvPr>
-            <p:ph type="title"/>
-          </p:nvPr>
-        </p:nvSpPr>
-        <p:spPr>
-          <a:xfrm>
-            <a:off x="764693" y="-308859"/>
-            <a:ext cx="5965438" cy="1488969"/>
-          </a:xfrm>
-        </p:spPr>
-        <p:txBody>
-          <a:bodyPr/>
-          <a:lstStyle/>
-          <a:p>
-            <a:r>
-              <a:rPr lang="ru-RU" dirty="0">
-                <a:solidFill>
-                  <a:srgbClr val="000000"/>
-                </a:solidFill>
-              </a:rPr>
-              <a:t>Источники</a:t>
-            </a:r>
-          </a:p>
-        </p:txBody>
-      </p:sp>
-      <p:sp>
-        <p:nvSpPr>
-          <p:cNvPr id="3" name="Text Placeholder 2">
-            <a:extLst>
-              <a:ext uri="{FF2B5EF4-FFF2-40B4-BE49-F238E27FC236}">
-                <a16:creationId xmlns:a16="http://schemas.microsoft.com/office/drawing/2014/main" id="{8BBB0082-A490-4B1C-9CB7-AFB447FD03CE}"/>
-              </a:ext>
-            </a:extLst>
-          </p:cNvPr>
-          <p:cNvSpPr>
-            <a:spLocks noGrp="1"/>
-          </p:cNvSpPr>
-          <p:nvPr>
-            <p:ph type="body" sz="quarter" idx="10"/>
-          </p:nvPr>
-        </p:nvSpPr>
-        <p:spPr>
-          <a:xfrm>
-            <a:off x="765697" y="1449685"/>
-            <a:ext cx="5965825" cy="3896718"/>
-          </a:xfrm>
-        </p:spPr>
-        <p:txBody>
-          <a:bodyPr/>
-          <a:lstStyle/>
-          <a:p>
-            <a:pPr marL="285750" indent="-285750">
-              <a:buFont typeface="Arial" panose="020B0604020202020204" pitchFamily="34" charset="0"/>
-              <a:buChar char="•"/>
-            </a:pPr>
-            <a:r>
-              <a:rPr lang="en-US" dirty="0">
-                <a:hlinkClick r:id="rId2"/>
-              </a:rPr>
-              <a:t>https://en.wikipedia.org/wiki/Portable_Format_for_Analytics</a:t>
-            </a:r>
-            <a:endParaRPr lang="ru-RU" dirty="0"/>
-          </a:p>
-          <a:p>
-            <a:pPr marL="285750" indent="-285750">
-              <a:buFont typeface="Arial" panose="020B0604020202020204" pitchFamily="34" charset="0"/>
-              <a:buChar char="•"/>
-            </a:pPr>
-            <a:r>
-              <a:rPr lang="en-US" dirty="0">
-                <a:hlinkClick r:id="rId3"/>
-              </a:rPr>
-              <a:t>https://pytorch.org/docs/stable/index.html</a:t>
-            </a:r>
-            <a:endParaRPr lang="en-US" dirty="0"/>
-          </a:p>
-          <a:p>
-            <a:pPr marL="285750" indent="-285750">
-              <a:buFont typeface="Arial" panose="020B0604020202020204" pitchFamily="34" charset="0"/>
-              <a:buChar char="•"/>
-            </a:pPr>
-            <a:r>
-              <a:rPr lang="en-US" dirty="0">
-                <a:hlinkClick r:id="rId4"/>
-              </a:rPr>
-              <a:t>https://onnx.ai/about.html</a:t>
-            </a:r>
-            <a:endParaRPr lang="en-US" dirty="0"/>
-          </a:p>
-          <a:p>
-            <a:pPr marL="285750" indent="-285750">
-              <a:buFont typeface="Arial" panose="020B0604020202020204" pitchFamily="34" charset="0"/>
-              <a:buChar char="•"/>
-            </a:pPr>
-            <a:r>
-              <a:rPr lang="en-US" dirty="0">
-                <a:hlinkClick r:id="rId5"/>
-              </a:rPr>
-              <a:t>https://github.com/onnx/onnx</a:t>
-            </a:r>
-            <a:endParaRPr lang="en-US" dirty="0"/>
-          </a:p>
-          <a:p>
-            <a:pPr marL="285750" indent="-285750">
-              <a:buFont typeface="Arial" panose="020B0604020202020204" pitchFamily="34" charset="0"/>
-              <a:buChar char="•"/>
-            </a:pPr>
-            <a:r>
-              <a:rPr lang="en-US" dirty="0">
-                <a:hlinkClick r:id="rId6"/>
-              </a:rPr>
-              <a:t>https://github.com/waleedka/hiddenlayer</a:t>
-            </a:r>
-            <a:endParaRPr lang="en-US" dirty="0"/>
-          </a:p>
-          <a:p>
-            <a:pPr marL="285750" indent="-285750">
-              <a:buFont typeface="Arial" panose="020B0604020202020204" pitchFamily="34" charset="0"/>
-              <a:buChar char="•"/>
-            </a:pPr>
-            <a:endParaRPr lang="ru-RU" dirty="0"/>
-          </a:p>
-        </p:txBody>
-      </p:sp>
-    </p:spTree>
-    <p:extLst>
-      <p:ext uri="{BB962C8B-B14F-4D97-AF65-F5344CB8AC3E}">
-        <p14:creationId xmlns:p14="http://schemas.microsoft.com/office/powerpoint/2010/main" val="587018808"/>
-      </p:ext>
-    </p:extLst>
-  </p:cSld>
-  <p:clrMapOvr>
-    <a:masterClrMapping/>
-  </p:clrMapOvr>
-</p:sld>
-</file>
-
-<file path=ppt/slides/slide15.xml><?xml version="1.0" encoding="utf-8"?>
 <p:sld xmlns:a="http://schemas.openxmlformats.org/drawingml/2006/main" xmlns:r="http://schemas.openxmlformats.org/officeDocument/2006/relationships" xmlns:p="http://schemas.openxmlformats.org/presentationml/2006/main">
   <p:cSld>
     <p:bg>
@@ -8725,7 +7906,400 @@
             </a:pPr>
             <a:r>
               <a:rPr lang="en-US" dirty="0"/>
-              <a:t>ONNX</a:t>
+              <a:t>ONNX [1]</a:t>
+            </a:r>
+          </a:p>
+          <a:p>
+            <a:pPr>
+              <a:buClr>
+                <a:srgbClr val="1946BA"/>
+              </a:buClr>
+              <a:buFont typeface="Arial" pitchFamily="34" charset="0"/>
+              <a:buChar char="•"/>
+            </a:pPr>
+            <a:r>
+              <a:rPr lang="en-US" dirty="0"/>
+              <a:t>NAS</a:t>
+            </a:r>
+            <a:r>
+              <a:rPr lang="ru-RU" dirty="0"/>
+              <a:t>-</a:t>
+            </a:r>
+            <a:r>
+              <a:rPr lang="en-US" dirty="0"/>
+              <a:t>Lib [2]</a:t>
+            </a:r>
+          </a:p>
+        </p:txBody>
+      </p:sp>
+      <p:sp>
+        <p:nvSpPr>
+          <p:cNvPr id="4" name="Content Placeholder 2">
+            <a:extLst>
+              <a:ext uri="{FF2B5EF4-FFF2-40B4-BE49-F238E27FC236}">
+                <a16:creationId xmlns:a16="http://schemas.microsoft.com/office/drawing/2014/main" id="{DA49EFFC-0B45-4E0A-B0CD-DCDD1FB1DE61}"/>
+              </a:ext>
+            </a:extLst>
+          </p:cNvPr>
+          <p:cNvSpPr txBox="1">
+            <a:spLocks/>
+          </p:cNvSpPr>
+          <p:nvPr/>
+        </p:nvSpPr>
+        <p:spPr>
+          <a:xfrm>
+            <a:off x="1646945" y="4390286"/>
+            <a:ext cx="6273934" cy="2848490"/>
+          </a:xfrm>
+          <a:prstGeom prst="rect">
+            <a:avLst/>
+          </a:prstGeom>
+        </p:spPr>
+        <p:txBody>
+          <a:bodyPr vert="horz" lIns="91440" tIns="45720" rIns="91440" bIns="45720" rtlCol="0">
+            <a:normAutofit/>
+          </a:bodyPr>
+          <a:lstStyle>
+            <a:lvl1pPr marL="342900" indent="-342900" algn="l" defTabSz="457200" rtl="0" eaLnBrk="1" latinLnBrk="0" hangingPunct="1">
+              <a:spcBef>
+                <a:spcPct val="20000"/>
+              </a:spcBef>
+              <a:buSzPct val="100000"/>
+              <a:buFontTx/>
+              <a:buBlip>
+                <a:blip r:embed="rId2"/>
+              </a:buBlip>
+              <a:defRPr sz="2400" kern="1200">
+                <a:solidFill>
+                  <a:schemeClr val="tx1"/>
+                </a:solidFill>
+                <a:latin typeface="+mn-lt"/>
+                <a:ea typeface="+mn-ea"/>
+                <a:cs typeface="+mn-cs"/>
+              </a:defRPr>
+            </a:lvl1pPr>
+            <a:lvl2pPr marL="742950" indent="-285750" algn="l" defTabSz="457200" rtl="0" eaLnBrk="1" latinLnBrk="0" hangingPunct="1">
+              <a:spcBef>
+                <a:spcPct val="20000"/>
+              </a:spcBef>
+              <a:buFont typeface="Arial"/>
+              <a:buChar char="•"/>
+              <a:defRPr sz="2400" kern="1200">
+                <a:solidFill>
+                  <a:schemeClr val="tx1"/>
+                </a:solidFill>
+                <a:latin typeface="+mn-lt"/>
+                <a:ea typeface="+mn-ea"/>
+                <a:cs typeface="+mn-cs"/>
+              </a:defRPr>
+            </a:lvl2pPr>
+            <a:lvl3pPr marL="1143000" indent="-228600" algn="l" defTabSz="457200" rtl="0" eaLnBrk="1" latinLnBrk="0" hangingPunct="1">
+              <a:spcBef>
+                <a:spcPct val="20000"/>
+              </a:spcBef>
+              <a:buFont typeface="Arial"/>
+              <a:buChar char="•"/>
+              <a:defRPr sz="2000" kern="1200">
+                <a:solidFill>
+                  <a:schemeClr val="tx1"/>
+                </a:solidFill>
+                <a:latin typeface="+mn-lt"/>
+                <a:ea typeface="+mn-ea"/>
+                <a:cs typeface="+mn-cs"/>
+              </a:defRPr>
+            </a:lvl3pPr>
+            <a:lvl4pPr marL="1600200" indent="-228600" algn="l" defTabSz="457200" rtl="0" eaLnBrk="1" latinLnBrk="0" hangingPunct="1">
+              <a:spcBef>
+                <a:spcPct val="20000"/>
+              </a:spcBef>
+              <a:buFont typeface="Arial"/>
+              <a:buChar char="•"/>
+              <a:defRPr sz="1800" kern="1200">
+                <a:solidFill>
+                  <a:schemeClr val="tx1"/>
+                </a:solidFill>
+                <a:latin typeface="+mn-lt"/>
+                <a:ea typeface="+mn-ea"/>
+                <a:cs typeface="+mn-cs"/>
+              </a:defRPr>
+            </a:lvl4pPr>
+            <a:lvl5pPr marL="2057400" indent="-228600" algn="l" defTabSz="457200" rtl="0" eaLnBrk="1" latinLnBrk="0" hangingPunct="1">
+              <a:spcBef>
+                <a:spcPct val="20000"/>
+              </a:spcBef>
+              <a:buFont typeface="Arial"/>
+              <a:buChar char="•"/>
+              <a:defRPr sz="1800" kern="1200">
+                <a:solidFill>
+                  <a:schemeClr val="tx1"/>
+                </a:solidFill>
+                <a:latin typeface="+mn-lt"/>
+                <a:ea typeface="+mn-ea"/>
+                <a:cs typeface="+mn-cs"/>
+              </a:defRPr>
+            </a:lvl5pPr>
+            <a:lvl6pPr marL="2514600" indent="-228600" algn="l" defTabSz="457200" rtl="0" eaLnBrk="1" latinLnBrk="0" hangingPunct="1">
+              <a:spcBef>
+                <a:spcPct val="20000"/>
+              </a:spcBef>
+              <a:buFont typeface="Arial"/>
+              <a:buChar char="•"/>
+              <a:defRPr sz="1800" kern="1200">
+                <a:solidFill>
+                  <a:schemeClr val="tx1"/>
+                </a:solidFill>
+                <a:latin typeface="+mn-lt"/>
+                <a:ea typeface="+mn-ea"/>
+                <a:cs typeface="+mn-cs"/>
+              </a:defRPr>
+            </a:lvl6pPr>
+            <a:lvl7pPr marL="2971800" indent="-228600" algn="l" defTabSz="457200" rtl="0" eaLnBrk="1" latinLnBrk="0" hangingPunct="1">
+              <a:spcBef>
+                <a:spcPct val="20000"/>
+              </a:spcBef>
+              <a:buFont typeface="Arial"/>
+              <a:buChar char="•"/>
+              <a:defRPr sz="1800" kern="1200">
+                <a:solidFill>
+                  <a:schemeClr val="tx1"/>
+                </a:solidFill>
+                <a:latin typeface="+mn-lt"/>
+                <a:ea typeface="+mn-ea"/>
+                <a:cs typeface="+mn-cs"/>
+              </a:defRPr>
+            </a:lvl7pPr>
+            <a:lvl8pPr marL="3429000" indent="-228600" algn="l" defTabSz="457200" rtl="0" eaLnBrk="1" latinLnBrk="0" hangingPunct="1">
+              <a:spcBef>
+                <a:spcPct val="20000"/>
+              </a:spcBef>
+              <a:buFont typeface="Arial"/>
+              <a:buChar char="•"/>
+              <a:defRPr sz="1800" kern="1200">
+                <a:solidFill>
+                  <a:schemeClr val="tx1"/>
+                </a:solidFill>
+                <a:latin typeface="+mn-lt"/>
+                <a:ea typeface="+mn-ea"/>
+                <a:cs typeface="+mn-cs"/>
+              </a:defRPr>
+            </a:lvl8pPr>
+            <a:lvl9pPr marL="3886200" indent="-228600" algn="l" defTabSz="457200" rtl="0" eaLnBrk="1" latinLnBrk="0" hangingPunct="1">
+              <a:spcBef>
+                <a:spcPct val="20000"/>
+              </a:spcBef>
+              <a:buFont typeface="Arial"/>
+              <a:buChar char="•"/>
+              <a:defRPr sz="1800" kern="1200">
+                <a:solidFill>
+                  <a:schemeClr val="tx1"/>
+                </a:solidFill>
+                <a:latin typeface="+mn-lt"/>
+                <a:ea typeface="+mn-ea"/>
+                <a:cs typeface="+mn-cs"/>
+              </a:defRPr>
+            </a:lvl9pPr>
+          </a:lstStyle>
+          <a:p>
+            <a:pPr>
+              <a:buClr>
+                <a:srgbClr val="1946BA"/>
+              </a:buClr>
+              <a:buFont typeface="Arial" pitchFamily="34" charset="0"/>
+              <a:buChar char="•"/>
+            </a:pPr>
+            <a:endParaRPr lang="en-US" dirty="0"/>
+          </a:p>
+        </p:txBody>
+      </p:sp>
+      <p:sp>
+        <p:nvSpPr>
+          <p:cNvPr id="5" name="Content Placeholder 2">
+            <a:extLst>
+              <a:ext uri="{FF2B5EF4-FFF2-40B4-BE49-F238E27FC236}">
+                <a16:creationId xmlns:a16="http://schemas.microsoft.com/office/drawing/2014/main" id="{49D96332-A730-4DEA-83FA-5E92E84E2CBB}"/>
+              </a:ext>
+            </a:extLst>
+          </p:cNvPr>
+          <p:cNvSpPr txBox="1">
+            <a:spLocks/>
+          </p:cNvSpPr>
+          <p:nvPr/>
+        </p:nvSpPr>
+        <p:spPr>
+          <a:xfrm>
+            <a:off x="1831361" y="4420455"/>
+            <a:ext cx="6273934" cy="2848490"/>
+          </a:xfrm>
+          <a:prstGeom prst="rect">
+            <a:avLst/>
+          </a:prstGeom>
+        </p:spPr>
+        <p:txBody>
+          <a:bodyPr vert="horz" lIns="91440" tIns="45720" rIns="91440" bIns="45720" rtlCol="0">
+            <a:normAutofit/>
+          </a:bodyPr>
+          <a:lstStyle>
+            <a:lvl1pPr marL="342900" indent="-342900" algn="l" defTabSz="457200" rtl="0" eaLnBrk="1" latinLnBrk="0" hangingPunct="1">
+              <a:spcBef>
+                <a:spcPct val="20000"/>
+              </a:spcBef>
+              <a:buSzPct val="100000"/>
+              <a:buFontTx/>
+              <a:buBlip>
+                <a:blip r:embed="rId2"/>
+              </a:buBlip>
+              <a:defRPr sz="2400" kern="1200">
+                <a:solidFill>
+                  <a:schemeClr val="tx1"/>
+                </a:solidFill>
+                <a:latin typeface="+mn-lt"/>
+                <a:ea typeface="+mn-ea"/>
+                <a:cs typeface="+mn-cs"/>
+              </a:defRPr>
+            </a:lvl1pPr>
+            <a:lvl2pPr marL="742950" indent="-285750" algn="l" defTabSz="457200" rtl="0" eaLnBrk="1" latinLnBrk="0" hangingPunct="1">
+              <a:spcBef>
+                <a:spcPct val="20000"/>
+              </a:spcBef>
+              <a:buFont typeface="Arial"/>
+              <a:buChar char="•"/>
+              <a:defRPr sz="2400" kern="1200">
+                <a:solidFill>
+                  <a:schemeClr val="tx1"/>
+                </a:solidFill>
+                <a:latin typeface="+mn-lt"/>
+                <a:ea typeface="+mn-ea"/>
+                <a:cs typeface="+mn-cs"/>
+              </a:defRPr>
+            </a:lvl2pPr>
+            <a:lvl3pPr marL="1143000" indent="-228600" algn="l" defTabSz="457200" rtl="0" eaLnBrk="1" latinLnBrk="0" hangingPunct="1">
+              <a:spcBef>
+                <a:spcPct val="20000"/>
+              </a:spcBef>
+              <a:buFont typeface="Arial"/>
+              <a:buChar char="•"/>
+              <a:defRPr sz="2000" kern="1200">
+                <a:solidFill>
+                  <a:schemeClr val="tx1"/>
+                </a:solidFill>
+                <a:latin typeface="+mn-lt"/>
+                <a:ea typeface="+mn-ea"/>
+                <a:cs typeface="+mn-cs"/>
+              </a:defRPr>
+            </a:lvl3pPr>
+            <a:lvl4pPr marL="1600200" indent="-228600" algn="l" defTabSz="457200" rtl="0" eaLnBrk="1" latinLnBrk="0" hangingPunct="1">
+              <a:spcBef>
+                <a:spcPct val="20000"/>
+              </a:spcBef>
+              <a:buFont typeface="Arial"/>
+              <a:buChar char="•"/>
+              <a:defRPr sz="1800" kern="1200">
+                <a:solidFill>
+                  <a:schemeClr val="tx1"/>
+                </a:solidFill>
+                <a:latin typeface="+mn-lt"/>
+                <a:ea typeface="+mn-ea"/>
+                <a:cs typeface="+mn-cs"/>
+              </a:defRPr>
+            </a:lvl4pPr>
+            <a:lvl5pPr marL="2057400" indent="-228600" algn="l" defTabSz="457200" rtl="0" eaLnBrk="1" latinLnBrk="0" hangingPunct="1">
+              <a:spcBef>
+                <a:spcPct val="20000"/>
+              </a:spcBef>
+              <a:buFont typeface="Arial"/>
+              <a:buChar char="•"/>
+              <a:defRPr sz="1800" kern="1200">
+                <a:solidFill>
+                  <a:schemeClr val="tx1"/>
+                </a:solidFill>
+                <a:latin typeface="+mn-lt"/>
+                <a:ea typeface="+mn-ea"/>
+                <a:cs typeface="+mn-cs"/>
+              </a:defRPr>
+            </a:lvl5pPr>
+            <a:lvl6pPr marL="2514600" indent="-228600" algn="l" defTabSz="457200" rtl="0" eaLnBrk="1" latinLnBrk="0" hangingPunct="1">
+              <a:spcBef>
+                <a:spcPct val="20000"/>
+              </a:spcBef>
+              <a:buFont typeface="Arial"/>
+              <a:buChar char="•"/>
+              <a:defRPr sz="1800" kern="1200">
+                <a:solidFill>
+                  <a:schemeClr val="tx1"/>
+                </a:solidFill>
+                <a:latin typeface="+mn-lt"/>
+                <a:ea typeface="+mn-ea"/>
+                <a:cs typeface="+mn-cs"/>
+              </a:defRPr>
+            </a:lvl6pPr>
+            <a:lvl7pPr marL="2971800" indent="-228600" algn="l" defTabSz="457200" rtl="0" eaLnBrk="1" latinLnBrk="0" hangingPunct="1">
+              <a:spcBef>
+                <a:spcPct val="20000"/>
+              </a:spcBef>
+              <a:buFont typeface="Arial"/>
+              <a:buChar char="•"/>
+              <a:defRPr sz="1800" kern="1200">
+                <a:solidFill>
+                  <a:schemeClr val="tx1"/>
+                </a:solidFill>
+                <a:latin typeface="+mn-lt"/>
+                <a:ea typeface="+mn-ea"/>
+                <a:cs typeface="+mn-cs"/>
+              </a:defRPr>
+            </a:lvl7pPr>
+            <a:lvl8pPr marL="3429000" indent="-228600" algn="l" defTabSz="457200" rtl="0" eaLnBrk="1" latinLnBrk="0" hangingPunct="1">
+              <a:spcBef>
+                <a:spcPct val="20000"/>
+              </a:spcBef>
+              <a:buFont typeface="Arial"/>
+              <a:buChar char="•"/>
+              <a:defRPr sz="1800" kern="1200">
+                <a:solidFill>
+                  <a:schemeClr val="tx1"/>
+                </a:solidFill>
+                <a:latin typeface="+mn-lt"/>
+                <a:ea typeface="+mn-ea"/>
+                <a:cs typeface="+mn-cs"/>
+              </a:defRPr>
+            </a:lvl8pPr>
+            <a:lvl9pPr marL="3886200" indent="-228600" algn="l" defTabSz="457200" rtl="0" eaLnBrk="1" latinLnBrk="0" hangingPunct="1">
+              <a:spcBef>
+                <a:spcPct val="20000"/>
+              </a:spcBef>
+              <a:buFont typeface="Arial"/>
+              <a:buChar char="•"/>
+              <a:defRPr sz="1800" kern="1200">
+                <a:solidFill>
+                  <a:schemeClr val="tx1"/>
+                </a:solidFill>
+                <a:latin typeface="+mn-lt"/>
+                <a:ea typeface="+mn-ea"/>
+                <a:cs typeface="+mn-cs"/>
+              </a:defRPr>
+            </a:lvl9pPr>
+          </a:lstStyle>
+          <a:p>
+            <a:pPr marL="0" indent="0">
+              <a:buClr>
+                <a:srgbClr val="1946BA"/>
+              </a:buClr>
+              <a:buNone/>
+            </a:pPr>
+            <a:r>
+              <a:rPr lang="en-US" sz="1200" dirty="0"/>
+              <a:t>[1] –  https://onnx.ai/</a:t>
+            </a:r>
+          </a:p>
+          <a:p>
+            <a:pPr marL="0" indent="0">
+              <a:buClr>
+                <a:srgbClr val="1946BA"/>
+              </a:buClr>
+              <a:buNone/>
+            </a:pPr>
+            <a:r>
+              <a:rPr lang="en-US" sz="1200" dirty="0"/>
+              <a:t>[2] - https://github.com/automl/NASLib/blob/Develop/naslib/search_spaces/core/graph.py </a:t>
             </a:r>
           </a:p>
         </p:txBody>
